--- a/freeProduction.pptx
+++ b/freeProduction.pptx
@@ -6,6 +6,10 @@
   </p:sldMasterIdLst>
   <p:sldIdLst>
     <p:sldId id="256" r:id="rId2"/>
+    <p:sldId id="257" r:id="rId3"/>
+    <p:sldId id="260" r:id="rId4"/>
+    <p:sldId id="259" r:id="rId5"/>
+    <p:sldId id="258" r:id="rId6"/>
   </p:sldIdLst>
   <p:sldSz cx="12192000" cy="6858000"/>
   <p:notesSz cx="6858000" cy="9144000"/>
@@ -104,6 +108,11 @@
       </a:defRPr>
     </a:lvl9pPr>
   </p:defaultTextStyle>
+  <p:extLst>
+    <p:ext uri="{EFAFB233-063F-42B5-8137-9DF3F51BA10A}">
+      <p15:sldGuideLst xmlns:p15="http://schemas.microsoft.com/office/powerpoint/2012/main"/>
+    </p:ext>
+  </p:extLst>
 </p:presentation>
 </file>
 
@@ -6228,6 +6237,451 @@
 </p:sld>
 </file>
 
+<file path=ppt/slides/slide2.xml><?xml version="1.0" encoding="utf-8"?>
+<p:sld xmlns:a="http://schemas.openxmlformats.org/drawingml/2006/main" xmlns:r="http://schemas.openxmlformats.org/officeDocument/2006/relationships" xmlns:p="http://schemas.openxmlformats.org/presentationml/2006/main">
+  <p:cSld>
+    <p:spTree>
+      <p:nvGrpSpPr>
+        <p:cNvPr id="1" name=""/>
+        <p:cNvGrpSpPr/>
+        <p:nvPr/>
+      </p:nvGrpSpPr>
+      <p:grpSpPr>
+        <a:xfrm>
+          <a:off x="0" y="0"/>
+          <a:ext cx="0" cy="0"/>
+          <a:chOff x="0" y="0"/>
+          <a:chExt cx="0" cy="0"/>
+        </a:xfrm>
+      </p:grpSpPr>
+      <p:sp>
+        <p:nvSpPr>
+          <p:cNvPr id="2" name="タイトル 1">
+            <a:extLst>
+              <a:ext uri="{FF2B5EF4-FFF2-40B4-BE49-F238E27FC236}">
+                <a16:creationId xmlns:a16="http://schemas.microsoft.com/office/drawing/2014/main" id="{B9F8B828-D447-49E5-B3A6-8576FDD2E856}"/>
+              </a:ext>
+            </a:extLst>
+          </p:cNvPr>
+          <p:cNvSpPr>
+            <a:spLocks noGrp="1"/>
+          </p:cNvSpPr>
+          <p:nvPr>
+            <p:ph type="title"/>
+          </p:nvPr>
+        </p:nvSpPr>
+        <p:spPr/>
+        <p:txBody>
+          <a:bodyPr/>
+          <a:lstStyle/>
+          <a:p>
+            <a:r>
+              <a:rPr kumimoji="1" lang="ja-JP" altLang="en-US" dirty="0"/>
+              <a:t>概要</a:t>
+            </a:r>
+          </a:p>
+        </p:txBody>
+      </p:sp>
+      <p:sp>
+        <p:nvSpPr>
+          <p:cNvPr id="3" name="コンテンツ プレースホルダー 2">
+            <a:extLst>
+              <a:ext uri="{FF2B5EF4-FFF2-40B4-BE49-F238E27FC236}">
+                <a16:creationId xmlns:a16="http://schemas.microsoft.com/office/drawing/2014/main" id="{53D72320-893D-427F-85BC-268A372F9E3D}"/>
+              </a:ext>
+            </a:extLst>
+          </p:cNvPr>
+          <p:cNvSpPr>
+            <a:spLocks noGrp="1"/>
+          </p:cNvSpPr>
+          <p:nvPr>
+            <p:ph idx="1"/>
+          </p:nvPr>
+        </p:nvSpPr>
+        <p:spPr/>
+        <p:txBody>
+          <a:bodyPr/>
+          <a:lstStyle/>
+          <a:p>
+            <a:r>
+              <a:rPr kumimoji="1" lang="ja-JP" altLang="en-US" dirty="0"/>
+              <a:t>隠れる側、探す側双方に別れて行うゲーム</a:t>
+            </a:r>
+            <a:endParaRPr kumimoji="1" lang="en-US" altLang="ja-JP" dirty="0"/>
+          </a:p>
+          <a:p>
+            <a:r>
+              <a:rPr kumimoji="1" lang="ja-JP" altLang="en-US" dirty="0"/>
+              <a:t>隠れる側は鳥瞰視点任意の数、形のブロック（制限あり）を配置し、自分が隠れる位置を決定する（制限時間あり）</a:t>
+            </a:r>
+            <a:endParaRPr kumimoji="1" lang="en-US" altLang="ja-JP" dirty="0"/>
+          </a:p>
+          <a:p>
+            <a:r>
+              <a:rPr kumimoji="1" lang="ja-JP" altLang="en-US" dirty="0"/>
+              <a:t>探す側はウォークスルーを用いて制限時間以内に相手を見つける</a:t>
+            </a:r>
+          </a:p>
+        </p:txBody>
+      </p:sp>
+    </p:spTree>
+    <p:extLst>
+      <p:ext uri="{BB962C8B-B14F-4D97-AF65-F5344CB8AC3E}">
+        <p14:creationId xmlns:p14="http://schemas.microsoft.com/office/powerpoint/2010/main" val="2451253760"/>
+      </p:ext>
+    </p:extLst>
+  </p:cSld>
+  <p:clrMapOvr>
+    <a:masterClrMapping/>
+  </p:clrMapOvr>
+</p:sld>
+</file>
+
+<file path=ppt/slides/slide3.xml><?xml version="1.0" encoding="utf-8"?>
+<p:sld xmlns:a="http://schemas.openxmlformats.org/drawingml/2006/main" xmlns:r="http://schemas.openxmlformats.org/officeDocument/2006/relationships" xmlns:p="http://schemas.openxmlformats.org/presentationml/2006/main">
+  <p:cSld>
+    <p:spTree>
+      <p:nvGrpSpPr>
+        <p:cNvPr id="1" name=""/>
+        <p:cNvGrpSpPr/>
+        <p:nvPr/>
+      </p:nvGrpSpPr>
+      <p:grpSpPr>
+        <a:xfrm>
+          <a:off x="0" y="0"/>
+          <a:ext cx="0" cy="0"/>
+          <a:chOff x="0" y="0"/>
+          <a:chExt cx="0" cy="0"/>
+        </a:xfrm>
+      </p:grpSpPr>
+      <p:sp>
+        <p:nvSpPr>
+          <p:cNvPr id="2" name="タイトル 1">
+            <a:extLst>
+              <a:ext uri="{FF2B5EF4-FFF2-40B4-BE49-F238E27FC236}">
+                <a16:creationId xmlns:a16="http://schemas.microsoft.com/office/drawing/2014/main" id="{9F4E95A3-4EC5-4DC5-A687-B7A6B9D63AF6}"/>
+              </a:ext>
+            </a:extLst>
+          </p:cNvPr>
+          <p:cNvSpPr>
+            <a:spLocks noGrp="1"/>
+          </p:cNvSpPr>
+          <p:nvPr>
+            <p:ph type="title"/>
+          </p:nvPr>
+        </p:nvSpPr>
+        <p:spPr/>
+        <p:txBody>
+          <a:bodyPr/>
+          <a:lstStyle/>
+          <a:p>
+            <a:r>
+              <a:rPr kumimoji="1" lang="ja-JP" altLang="en-US" dirty="0"/>
+              <a:t>ゲームシステム</a:t>
+            </a:r>
+          </a:p>
+        </p:txBody>
+      </p:sp>
+      <p:sp>
+        <p:nvSpPr>
+          <p:cNvPr id="3" name="コンテンツ プレースホルダー 2">
+            <a:extLst>
+              <a:ext uri="{FF2B5EF4-FFF2-40B4-BE49-F238E27FC236}">
+                <a16:creationId xmlns:a16="http://schemas.microsoft.com/office/drawing/2014/main" id="{426A8947-212C-4FB3-BEAF-C93D01D230C5}"/>
+              </a:ext>
+            </a:extLst>
+          </p:cNvPr>
+          <p:cNvSpPr>
+            <a:spLocks noGrp="1"/>
+          </p:cNvSpPr>
+          <p:nvPr>
+            <p:ph idx="1"/>
+          </p:nvPr>
+        </p:nvSpPr>
+        <p:spPr/>
+        <p:txBody>
+          <a:bodyPr/>
+          <a:lstStyle/>
+          <a:p>
+            <a:r>
+              <a:rPr kumimoji="1" lang="ja-JP" altLang="en-US" dirty="0"/>
+              <a:t>フィールドにいくつかのブロックを配置</a:t>
+            </a:r>
+            <a:endParaRPr kumimoji="1" lang="en-US" altLang="ja-JP" dirty="0"/>
+          </a:p>
+          <a:p>
+            <a:r>
+              <a:rPr kumimoji="1" lang="ja-JP" altLang="en-US" dirty="0"/>
+              <a:t>制限時間内に鬼が子を見つけられれば勝ち</a:t>
+            </a:r>
+          </a:p>
+        </p:txBody>
+      </p:sp>
+    </p:spTree>
+    <p:extLst>
+      <p:ext uri="{BB962C8B-B14F-4D97-AF65-F5344CB8AC3E}">
+        <p14:creationId xmlns:p14="http://schemas.microsoft.com/office/powerpoint/2010/main" val="322445355"/>
+      </p:ext>
+    </p:extLst>
+  </p:cSld>
+  <p:clrMapOvr>
+    <a:masterClrMapping/>
+  </p:clrMapOvr>
+</p:sld>
+</file>
+
+<file path=ppt/slides/slide4.xml><?xml version="1.0" encoding="utf-8"?>
+<p:sld xmlns:a="http://schemas.openxmlformats.org/drawingml/2006/main" xmlns:r="http://schemas.openxmlformats.org/officeDocument/2006/relationships" xmlns:p="http://schemas.openxmlformats.org/presentationml/2006/main">
+  <p:cSld>
+    <p:spTree>
+      <p:nvGrpSpPr>
+        <p:cNvPr id="1" name=""/>
+        <p:cNvGrpSpPr/>
+        <p:nvPr/>
+      </p:nvGrpSpPr>
+      <p:grpSpPr>
+        <a:xfrm>
+          <a:off x="0" y="0"/>
+          <a:ext cx="0" cy="0"/>
+          <a:chOff x="0" y="0"/>
+          <a:chExt cx="0" cy="0"/>
+        </a:xfrm>
+      </p:grpSpPr>
+      <p:sp>
+        <p:nvSpPr>
+          <p:cNvPr id="2" name="タイトル 1">
+            <a:extLst>
+              <a:ext uri="{FF2B5EF4-FFF2-40B4-BE49-F238E27FC236}">
+                <a16:creationId xmlns:a16="http://schemas.microsoft.com/office/drawing/2014/main" id="{E37866A0-039B-402A-9874-AD3DC8223CA2}"/>
+              </a:ext>
+            </a:extLst>
+          </p:cNvPr>
+          <p:cNvSpPr>
+            <a:spLocks noGrp="1"/>
+          </p:cNvSpPr>
+          <p:nvPr>
+            <p:ph type="title"/>
+          </p:nvPr>
+        </p:nvSpPr>
+        <p:spPr/>
+        <p:txBody>
+          <a:bodyPr/>
+          <a:lstStyle/>
+          <a:p>
+            <a:r>
+              <a:rPr kumimoji="1" lang="ja-JP" altLang="en-US" dirty="0"/>
+              <a:t>子</a:t>
+            </a:r>
+          </a:p>
+        </p:txBody>
+      </p:sp>
+      <p:sp>
+        <p:nvSpPr>
+          <p:cNvPr id="3" name="コンテンツ プレースホルダー 2">
+            <a:extLst>
+              <a:ext uri="{FF2B5EF4-FFF2-40B4-BE49-F238E27FC236}">
+                <a16:creationId xmlns:a16="http://schemas.microsoft.com/office/drawing/2014/main" id="{C65186F6-5601-4014-BEDD-AF13BF5931AE}"/>
+              </a:ext>
+            </a:extLst>
+          </p:cNvPr>
+          <p:cNvSpPr>
+            <a:spLocks noGrp="1"/>
+          </p:cNvSpPr>
+          <p:nvPr>
+            <p:ph idx="1"/>
+          </p:nvPr>
+        </p:nvSpPr>
+        <p:spPr/>
+        <p:txBody>
+          <a:bodyPr/>
+          <a:lstStyle/>
+          <a:p>
+            <a:r>
+              <a:rPr kumimoji="1" lang="ja-JP" altLang="en-US" dirty="0"/>
+              <a:t>自分が隠れる位置をマウスで指定</a:t>
+            </a:r>
+            <a:endParaRPr kumimoji="1" lang="en-US" altLang="ja-JP" dirty="0"/>
+          </a:p>
+          <a:p>
+            <a:r>
+              <a:rPr kumimoji="1" lang="ja-JP" altLang="en-US" dirty="0"/>
+              <a:t>鳥瞰視点</a:t>
+            </a:r>
+          </a:p>
+        </p:txBody>
+      </p:sp>
+    </p:spTree>
+    <p:extLst>
+      <p:ext uri="{BB962C8B-B14F-4D97-AF65-F5344CB8AC3E}">
+        <p14:creationId xmlns:p14="http://schemas.microsoft.com/office/powerpoint/2010/main" val="239254863"/>
+      </p:ext>
+    </p:extLst>
+  </p:cSld>
+  <p:clrMapOvr>
+    <a:masterClrMapping/>
+  </p:clrMapOvr>
+</p:sld>
+</file>
+
+<file path=ppt/slides/slide5.xml><?xml version="1.0" encoding="utf-8"?>
+<p:sld xmlns:a="http://schemas.openxmlformats.org/drawingml/2006/main" xmlns:r="http://schemas.openxmlformats.org/officeDocument/2006/relationships" xmlns:p="http://schemas.openxmlformats.org/presentationml/2006/main">
+  <p:cSld>
+    <p:spTree>
+      <p:nvGrpSpPr>
+        <p:cNvPr id="1" name=""/>
+        <p:cNvGrpSpPr/>
+        <p:nvPr/>
+      </p:nvGrpSpPr>
+      <p:grpSpPr>
+        <a:xfrm>
+          <a:off x="0" y="0"/>
+          <a:ext cx="0" cy="0"/>
+          <a:chOff x="0" y="0"/>
+          <a:chExt cx="0" cy="0"/>
+        </a:xfrm>
+      </p:grpSpPr>
+      <p:sp>
+        <p:nvSpPr>
+          <p:cNvPr id="2" name="タイトル 1">
+            <a:extLst>
+              <a:ext uri="{FF2B5EF4-FFF2-40B4-BE49-F238E27FC236}">
+                <a16:creationId xmlns:a16="http://schemas.microsoft.com/office/drawing/2014/main" id="{FA806922-3C13-460B-A920-3654E29866A7}"/>
+              </a:ext>
+            </a:extLst>
+          </p:cNvPr>
+          <p:cNvSpPr>
+            <a:spLocks noGrp="1"/>
+          </p:cNvSpPr>
+          <p:nvPr>
+            <p:ph type="title"/>
+          </p:nvPr>
+        </p:nvSpPr>
+        <p:spPr/>
+        <p:txBody>
+          <a:bodyPr/>
+          <a:lstStyle/>
+          <a:p>
+            <a:r>
+              <a:rPr kumimoji="1" lang="ja-JP" altLang="en-US" dirty="0"/>
+              <a:t>鬼</a:t>
+            </a:r>
+          </a:p>
+        </p:txBody>
+      </p:sp>
+      <p:sp>
+        <p:nvSpPr>
+          <p:cNvPr id="3" name="コンテンツ プレースホルダー 2">
+            <a:extLst>
+              <a:ext uri="{FF2B5EF4-FFF2-40B4-BE49-F238E27FC236}">
+                <a16:creationId xmlns:a16="http://schemas.microsoft.com/office/drawing/2014/main" id="{989E2573-8678-4500-BB23-81B28B44E671}"/>
+              </a:ext>
+            </a:extLst>
+          </p:cNvPr>
+          <p:cNvSpPr>
+            <a:spLocks noGrp="1"/>
+          </p:cNvSpPr>
+          <p:nvPr>
+            <p:ph idx="1"/>
+          </p:nvPr>
+        </p:nvSpPr>
+        <p:spPr/>
+        <p:txBody>
+          <a:bodyPr/>
+          <a:lstStyle/>
+          <a:p>
+            <a:r>
+              <a:rPr kumimoji="1" lang="ja-JP" altLang="en-US" dirty="0"/>
+              <a:t>ウォークスルー</a:t>
+            </a:r>
+            <a:endParaRPr kumimoji="1" lang="en-US" altLang="ja-JP" dirty="0"/>
+          </a:p>
+        </p:txBody>
+      </p:sp>
+      <p:pic>
+        <p:nvPicPr>
+          <p:cNvPr id="5" name="図 4">
+            <a:extLst>
+              <a:ext uri="{FF2B5EF4-FFF2-40B4-BE49-F238E27FC236}">
+                <a16:creationId xmlns:a16="http://schemas.microsoft.com/office/drawing/2014/main" id="{E98662DE-A698-4E5C-98A3-FAF6FAA1BD02}"/>
+              </a:ext>
+            </a:extLst>
+          </p:cNvPr>
+          <p:cNvPicPr>
+            <a:picLocks noChangeAspect="1"/>
+          </p:cNvPicPr>
+          <p:nvPr/>
+        </p:nvPicPr>
+        <p:blipFill>
+          <a:blip r:embed="rId2">
+            <a:extLst>
+              <a:ext uri="{28A0092B-C50C-407E-A947-70E740481C1C}">
+                <a14:useLocalDpi xmlns:a14="http://schemas.microsoft.com/office/drawing/2010/main" val="0"/>
+              </a:ext>
+            </a:extLst>
+          </a:blip>
+          <a:stretch>
+            <a:fillRect/>
+          </a:stretch>
+        </p:blipFill>
+        <p:spPr>
+          <a:xfrm>
+            <a:off x="7057348" y="2707286"/>
+            <a:ext cx="4178196" cy="3169666"/>
+          </a:xfrm>
+          <a:prstGeom prst="rect">
+            <a:avLst/>
+          </a:prstGeom>
+        </p:spPr>
+      </p:pic>
+      <p:pic>
+        <p:nvPicPr>
+          <p:cNvPr id="7" name="図 6">
+            <a:extLst>
+              <a:ext uri="{FF2B5EF4-FFF2-40B4-BE49-F238E27FC236}">
+                <a16:creationId xmlns:a16="http://schemas.microsoft.com/office/drawing/2014/main" id="{7DC7F34D-02A5-4322-91F9-07A828E3537B}"/>
+              </a:ext>
+            </a:extLst>
+          </p:cNvPr>
+          <p:cNvPicPr>
+            <a:picLocks noChangeAspect="1"/>
+          </p:cNvPicPr>
+          <p:nvPr/>
+        </p:nvPicPr>
+        <p:blipFill>
+          <a:blip r:embed="rId3">
+            <a:extLst>
+              <a:ext uri="{28A0092B-C50C-407E-A947-70E740481C1C}">
+                <a14:useLocalDpi xmlns:a14="http://schemas.microsoft.com/office/drawing/2010/main" val="0"/>
+              </a:ext>
+            </a:extLst>
+          </a:blip>
+          <a:stretch>
+            <a:fillRect/>
+          </a:stretch>
+        </p:blipFill>
+        <p:spPr>
+          <a:xfrm>
+            <a:off x="380156" y="2707286"/>
+            <a:ext cx="4754498" cy="3169666"/>
+          </a:xfrm>
+          <a:prstGeom prst="rect">
+            <a:avLst/>
+          </a:prstGeom>
+        </p:spPr>
+      </p:pic>
+    </p:spTree>
+    <p:extLst>
+      <p:ext uri="{BB962C8B-B14F-4D97-AF65-F5344CB8AC3E}">
+        <p14:creationId xmlns:p14="http://schemas.microsoft.com/office/powerpoint/2010/main" val="3316389220"/>
+      </p:ext>
+    </p:extLst>
+  </p:cSld>
+  <p:clrMapOvr>
+    <a:masterClrMapping/>
+  </p:clrMapOvr>
+</p:sld>
+</file>
+
 <file path=ppt/theme/theme1.xml><?xml version="1.0" encoding="utf-8"?>
 <a:theme xmlns:a="http://schemas.openxmlformats.org/drawingml/2006/main" name="SlateVTI">
   <a:themeElements>

--- a/freeProduction.pptx
+++ b/freeProduction.pptx
@@ -7,9 +7,9 @@
   <p:sldIdLst>
     <p:sldId id="256" r:id="rId2"/>
     <p:sldId id="257" r:id="rId3"/>
-    <p:sldId id="260" r:id="rId4"/>
-    <p:sldId id="259" r:id="rId5"/>
-    <p:sldId id="258" r:id="rId6"/>
+    <p:sldId id="259" r:id="rId4"/>
+    <p:sldId id="258" r:id="rId5"/>
+    <p:sldId id="260" r:id="rId6"/>
   </p:sldIdLst>
   <p:sldSz cx="12192000" cy="6858000"/>
   <p:notesSz cx="6858000" cy="9144000"/>
@@ -6168,7 +6168,7 @@
         </p:nvSpPr>
         <p:spPr>
           <a:xfrm>
-            <a:off x="1370693" y="1769540"/>
+            <a:off x="1370693" y="1788394"/>
             <a:ext cx="9440034" cy="1828801"/>
           </a:xfrm>
         </p:spPr>
@@ -6179,7 +6179,7 @@
           <a:lstStyle/>
           <a:p>
             <a:r>
-              <a:rPr kumimoji="1" lang="ja-JP" altLang="en-US" dirty="0"/>
+              <a:rPr kumimoji="1" lang="ja-JP" altLang="en-US" sz="8000" dirty="0"/>
               <a:t>かくれんぼ</a:t>
             </a:r>
           </a:p>
@@ -6203,7 +6203,7 @@
         </p:nvSpPr>
         <p:spPr>
           <a:xfrm>
-            <a:off x="1370693" y="3773489"/>
+            <a:off x="1370693" y="3792343"/>
             <a:ext cx="9440034" cy="1049867"/>
           </a:xfrm>
         </p:spPr>
@@ -6214,11 +6214,11 @@
           <a:lstStyle/>
           <a:p>
             <a:r>
-              <a:rPr kumimoji="1" lang="en-US" altLang="ja-JP" dirty="0"/>
+              <a:rPr kumimoji="1" lang="en-US" altLang="ja-JP" sz="3200" dirty="0"/>
               <a:t>32</a:t>
             </a:r>
             <a:r>
-              <a:rPr kumimoji="1" lang="ja-JP" altLang="en-US" dirty="0"/>
+              <a:rPr kumimoji="1" lang="ja-JP" altLang="en-US" sz="3200" dirty="0"/>
               <a:t>番　松川侑生</a:t>
             </a:r>
           </a:p>
@@ -6272,11 +6272,13 @@
         </p:nvSpPr>
         <p:spPr/>
         <p:txBody>
-          <a:bodyPr/>
-          <a:lstStyle/>
-          <a:p>
-            <a:r>
-              <a:rPr kumimoji="1" lang="ja-JP" altLang="en-US" dirty="0"/>
+          <a:bodyPr>
+            <a:normAutofit/>
+          </a:bodyPr>
+          <a:lstStyle/>
+          <a:p>
+            <a:r>
+              <a:rPr kumimoji="1" lang="ja-JP" altLang="en-US" sz="4800" dirty="0"/>
               <a:t>概要</a:t>
             </a:r>
           </a:p>
@@ -6300,26 +6302,28 @@
         </p:nvSpPr>
         <p:spPr/>
         <p:txBody>
-          <a:bodyPr/>
-          <a:lstStyle/>
-          <a:p>
-            <a:r>
-              <a:rPr kumimoji="1" lang="ja-JP" altLang="en-US" dirty="0"/>
+          <a:bodyPr>
+            <a:normAutofit/>
+          </a:bodyPr>
+          <a:lstStyle/>
+          <a:p>
+            <a:r>
+              <a:rPr kumimoji="1" lang="ja-JP" altLang="en-US" sz="2400" dirty="0"/>
               <a:t>隠れる側、探す側双方に別れて行うゲーム</a:t>
             </a:r>
-            <a:endParaRPr kumimoji="1" lang="en-US" altLang="ja-JP" dirty="0"/>
-          </a:p>
-          <a:p>
-            <a:r>
-              <a:rPr kumimoji="1" lang="ja-JP" altLang="en-US" dirty="0"/>
+            <a:endParaRPr kumimoji="1" lang="en-US" altLang="ja-JP" sz="2400" dirty="0"/>
+          </a:p>
+          <a:p>
+            <a:r>
+              <a:rPr kumimoji="1" lang="ja-JP" altLang="en-US" sz="2400" dirty="0"/>
               <a:t>隠れる側は鳥瞰視点任意の数、形のブロック（制限あり）を配置し、自分が隠れる位置を決定する（制限時間あり）</a:t>
             </a:r>
-            <a:endParaRPr kumimoji="1" lang="en-US" altLang="ja-JP" dirty="0"/>
-          </a:p>
-          <a:p>
-            <a:r>
-              <a:rPr kumimoji="1" lang="ja-JP" altLang="en-US" dirty="0"/>
-              <a:t>探す側はウォークスルーを用いて制限時間以内に相手を見つける</a:t>
+            <a:endParaRPr kumimoji="1" lang="en-US" altLang="ja-JP" sz="2400" dirty="0"/>
+          </a:p>
+          <a:p>
+            <a:r>
+              <a:rPr kumimoji="1" lang="ja-JP" altLang="en-US" sz="2400" dirty="0"/>
+              <a:t>探す側は制限時間以内に相手を見つける</a:t>
             </a:r>
           </a:p>
         </p:txBody>
@@ -6359,7 +6363,7 @@
           <p:cNvPr id="2" name="タイトル 1">
             <a:extLst>
               <a:ext uri="{FF2B5EF4-FFF2-40B4-BE49-F238E27FC236}">
-                <a16:creationId xmlns:a16="http://schemas.microsoft.com/office/drawing/2014/main" id="{9F4E95A3-4EC5-4DC5-A687-B7A6B9D63AF6}"/>
+                <a16:creationId xmlns:a16="http://schemas.microsoft.com/office/drawing/2014/main" id="{E37866A0-039B-402A-9874-AD3DC8223CA2}"/>
               </a:ext>
             </a:extLst>
           </p:cNvPr>
@@ -6370,14 +6374,21 @@
             <p:ph type="title"/>
           </p:nvPr>
         </p:nvSpPr>
-        <p:spPr/>
-        <p:txBody>
-          <a:bodyPr/>
-          <a:lstStyle/>
-          <a:p>
-            <a:r>
-              <a:rPr kumimoji="1" lang="ja-JP" altLang="en-US" dirty="0"/>
-              <a:t>ゲームシステム</a:t>
+        <p:spPr>
+          <a:xfrm>
+            <a:off x="913795" y="609600"/>
+            <a:ext cx="10353762" cy="1257300"/>
+          </a:xfrm>
+        </p:spPr>
+        <p:txBody>
+          <a:bodyPr>
+            <a:normAutofit/>
+          </a:bodyPr>
+          <a:lstStyle/>
+          <a:p>
+            <a:r>
+              <a:rPr kumimoji="1" lang="ja-JP" altLang="en-US" sz="4800" dirty="0"/>
+              <a:t>子</a:t>
             </a:r>
           </a:p>
         </p:txBody>
@@ -6387,7 +6398,7 @@
           <p:cNvPr id="3" name="コンテンツ プレースホルダー 2">
             <a:extLst>
               <a:ext uri="{FF2B5EF4-FFF2-40B4-BE49-F238E27FC236}">
-                <a16:creationId xmlns:a16="http://schemas.microsoft.com/office/drawing/2014/main" id="{426A8947-212C-4FB3-BEAF-C93D01D230C5}"/>
+                <a16:creationId xmlns:a16="http://schemas.microsoft.com/office/drawing/2014/main" id="{C65186F6-5601-4014-BEDD-AF13BF5931AE}"/>
               </a:ext>
             </a:extLst>
           </p:cNvPr>
@@ -6398,21 +6409,179 @@
             <p:ph idx="1"/>
           </p:nvPr>
         </p:nvSpPr>
-        <p:spPr/>
-        <p:txBody>
-          <a:bodyPr/>
-          <a:lstStyle/>
-          <a:p>
-            <a:r>
-              <a:rPr kumimoji="1" lang="ja-JP" altLang="en-US" dirty="0"/>
-              <a:t>フィールドにいくつかのブロックを配置</a:t>
-            </a:r>
-            <a:endParaRPr kumimoji="1" lang="en-US" altLang="ja-JP" dirty="0"/>
-          </a:p>
-          <a:p>
-            <a:r>
-              <a:rPr kumimoji="1" lang="ja-JP" altLang="en-US" dirty="0"/>
-              <a:t>制限時間内に鬼が子を見つけられれば勝ち</a:t>
+        <p:spPr>
+          <a:xfrm>
+            <a:off x="913795" y="2076450"/>
+            <a:ext cx="10353762" cy="3714749"/>
+          </a:xfrm>
+        </p:spPr>
+        <p:txBody>
+          <a:bodyPr>
+            <a:normAutofit/>
+          </a:bodyPr>
+          <a:lstStyle/>
+          <a:p>
+            <a:r>
+              <a:rPr kumimoji="1" lang="ja-JP" altLang="en-US" sz="2400" dirty="0"/>
+              <a:t>あらかじめブロックが配置されている</a:t>
+            </a:r>
+            <a:endParaRPr kumimoji="1" lang="en-US" altLang="ja-JP" sz="2400" dirty="0"/>
+          </a:p>
+          <a:p>
+            <a:r>
+              <a:rPr kumimoji="1" lang="ja-JP" altLang="en-US" sz="2400" dirty="0"/>
+              <a:t>自分が隠れる位置をマウスで指定</a:t>
+            </a:r>
+            <a:endParaRPr kumimoji="1" lang="en-US" altLang="ja-JP" sz="2400" dirty="0"/>
+          </a:p>
+          <a:p>
+            <a:r>
+              <a:rPr kumimoji="1" lang="ja-JP" altLang="en-US" sz="2400" dirty="0"/>
+              <a:t>鳥瞰視点</a:t>
+            </a:r>
+          </a:p>
+        </p:txBody>
+      </p:sp>
+      <p:pic>
+        <p:nvPicPr>
+          <p:cNvPr id="5" name="図 4">
+            <a:extLst>
+              <a:ext uri="{FF2B5EF4-FFF2-40B4-BE49-F238E27FC236}">
+                <a16:creationId xmlns:a16="http://schemas.microsoft.com/office/drawing/2014/main" id="{3221EFF7-5AA1-431B-8B3C-F23128D80A2A}"/>
+              </a:ext>
+            </a:extLst>
+          </p:cNvPr>
+          <p:cNvPicPr>
+            <a:picLocks noChangeAspect="1"/>
+          </p:cNvPicPr>
+          <p:nvPr/>
+        </p:nvPicPr>
+        <p:blipFill>
+          <a:blip r:embed="rId2">
+            <a:extLst>
+              <a:ext uri="{28A0092B-C50C-407E-A947-70E740481C1C}">
+                <a14:useLocalDpi xmlns:a14="http://schemas.microsoft.com/office/drawing/2010/main" val="0"/>
+              </a:ext>
+            </a:extLst>
+          </a:blip>
+          <a:stretch>
+            <a:fillRect/>
+          </a:stretch>
+        </p:blipFill>
+        <p:spPr>
+          <a:xfrm>
+            <a:off x="6966626" y="1866900"/>
+            <a:ext cx="4649459" cy="3714749"/>
+          </a:xfrm>
+          <a:prstGeom prst="rect">
+            <a:avLst/>
+          </a:prstGeom>
+        </p:spPr>
+      </p:pic>
+      <p:pic>
+        <p:nvPicPr>
+          <p:cNvPr id="7" name="図 6">
+            <a:extLst>
+              <a:ext uri="{FF2B5EF4-FFF2-40B4-BE49-F238E27FC236}">
+                <a16:creationId xmlns:a16="http://schemas.microsoft.com/office/drawing/2014/main" id="{F1AB110F-C479-4C77-917A-B665950AAD92}"/>
+              </a:ext>
+            </a:extLst>
+          </p:cNvPr>
+          <p:cNvPicPr>
+            <a:picLocks noChangeAspect="1"/>
+          </p:cNvPicPr>
+          <p:nvPr/>
+        </p:nvPicPr>
+        <p:blipFill>
+          <a:blip r:embed="rId3">
+            <a:extLst>
+              <a:ext uri="{28A0092B-C50C-407E-A947-70E740481C1C}">
+                <a14:useLocalDpi xmlns:a14="http://schemas.microsoft.com/office/drawing/2010/main" val="0"/>
+              </a:ext>
+            </a:extLst>
+          </a:blip>
+          <a:stretch>
+            <a:fillRect/>
+          </a:stretch>
+        </p:blipFill>
+        <p:spPr>
+          <a:xfrm>
+            <a:off x="2790801" y="3933824"/>
+            <a:ext cx="1149409" cy="1162110"/>
+          </a:xfrm>
+          <a:prstGeom prst="rect">
+            <a:avLst/>
+          </a:prstGeom>
+        </p:spPr>
+      </p:pic>
+      <p:sp>
+        <p:nvSpPr>
+          <p:cNvPr id="8" name="テキスト ボックス 7">
+            <a:extLst>
+              <a:ext uri="{FF2B5EF4-FFF2-40B4-BE49-F238E27FC236}">
+                <a16:creationId xmlns:a16="http://schemas.microsoft.com/office/drawing/2014/main" id="{85E168C2-881A-4660-AFA0-EA1408394F3E}"/>
+              </a:ext>
+            </a:extLst>
+          </p:cNvPr>
+          <p:cNvSpPr txBox="1"/>
+          <p:nvPr/>
+        </p:nvSpPr>
+        <p:spPr>
+          <a:xfrm>
+            <a:off x="2979006" y="5396983"/>
+            <a:ext cx="772998" cy="461665"/>
+          </a:xfrm>
+          <a:prstGeom prst="rect">
+            <a:avLst/>
+          </a:prstGeom>
+          <a:noFill/>
+        </p:spPr>
+        <p:txBody>
+          <a:bodyPr wrap="square" rtlCol="0">
+            <a:spAutoFit/>
+          </a:bodyPr>
+          <a:lstStyle/>
+          <a:p>
+            <a:pPr algn="ctr"/>
+            <a:r>
+              <a:rPr kumimoji="1" lang="ja-JP" altLang="en-US" sz="2400" dirty="0"/>
+              <a:t>子</a:t>
+            </a:r>
+          </a:p>
+        </p:txBody>
+      </p:sp>
+      <p:sp>
+        <p:nvSpPr>
+          <p:cNvPr id="9" name="テキスト ボックス 8">
+            <a:extLst>
+              <a:ext uri="{FF2B5EF4-FFF2-40B4-BE49-F238E27FC236}">
+                <a16:creationId xmlns:a16="http://schemas.microsoft.com/office/drawing/2014/main" id="{CEB939EF-7D2F-4404-9AE8-76F0E2DED2DC}"/>
+              </a:ext>
+            </a:extLst>
+          </p:cNvPr>
+          <p:cNvSpPr txBox="1"/>
+          <p:nvPr/>
+        </p:nvSpPr>
+        <p:spPr>
+          <a:xfrm>
+            <a:off x="7514470" y="5842936"/>
+            <a:ext cx="3553769" cy="461665"/>
+          </a:xfrm>
+          <a:prstGeom prst="rect">
+            <a:avLst/>
+          </a:prstGeom>
+          <a:noFill/>
+        </p:spPr>
+        <p:txBody>
+          <a:bodyPr wrap="square" rtlCol="0">
+            <a:spAutoFit/>
+          </a:bodyPr>
+          <a:lstStyle/>
+          <a:p>
+            <a:pPr algn="ctr"/>
+            <a:r>
+              <a:rPr kumimoji="1" lang="ja-JP" altLang="en-US" sz="2400" dirty="0"/>
+              <a:t>ブロック（障害物）配置例</a:t>
             </a:r>
           </a:p>
         </p:txBody>
@@ -6420,7 +6589,7 @@
     </p:spTree>
     <p:extLst>
       <p:ext uri="{BB962C8B-B14F-4D97-AF65-F5344CB8AC3E}">
-        <p14:creationId xmlns:p14="http://schemas.microsoft.com/office/powerpoint/2010/main" val="322445355"/>
+        <p14:creationId xmlns:p14="http://schemas.microsoft.com/office/powerpoint/2010/main" val="239254863"/>
       </p:ext>
     </p:extLst>
   </p:cSld>
@@ -6452,99 +6621,6 @@
           <p:cNvPr id="2" name="タイトル 1">
             <a:extLst>
               <a:ext uri="{FF2B5EF4-FFF2-40B4-BE49-F238E27FC236}">
-                <a16:creationId xmlns:a16="http://schemas.microsoft.com/office/drawing/2014/main" id="{E37866A0-039B-402A-9874-AD3DC8223CA2}"/>
-              </a:ext>
-            </a:extLst>
-          </p:cNvPr>
-          <p:cNvSpPr>
-            <a:spLocks noGrp="1"/>
-          </p:cNvSpPr>
-          <p:nvPr>
-            <p:ph type="title"/>
-          </p:nvPr>
-        </p:nvSpPr>
-        <p:spPr/>
-        <p:txBody>
-          <a:bodyPr/>
-          <a:lstStyle/>
-          <a:p>
-            <a:r>
-              <a:rPr kumimoji="1" lang="ja-JP" altLang="en-US" dirty="0"/>
-              <a:t>子</a:t>
-            </a:r>
-          </a:p>
-        </p:txBody>
-      </p:sp>
-      <p:sp>
-        <p:nvSpPr>
-          <p:cNvPr id="3" name="コンテンツ プレースホルダー 2">
-            <a:extLst>
-              <a:ext uri="{FF2B5EF4-FFF2-40B4-BE49-F238E27FC236}">
-                <a16:creationId xmlns:a16="http://schemas.microsoft.com/office/drawing/2014/main" id="{C65186F6-5601-4014-BEDD-AF13BF5931AE}"/>
-              </a:ext>
-            </a:extLst>
-          </p:cNvPr>
-          <p:cNvSpPr>
-            <a:spLocks noGrp="1"/>
-          </p:cNvSpPr>
-          <p:nvPr>
-            <p:ph idx="1"/>
-          </p:nvPr>
-        </p:nvSpPr>
-        <p:spPr/>
-        <p:txBody>
-          <a:bodyPr/>
-          <a:lstStyle/>
-          <a:p>
-            <a:r>
-              <a:rPr kumimoji="1" lang="ja-JP" altLang="en-US" dirty="0"/>
-              <a:t>自分が隠れる位置をマウスで指定</a:t>
-            </a:r>
-            <a:endParaRPr kumimoji="1" lang="en-US" altLang="ja-JP" dirty="0"/>
-          </a:p>
-          <a:p>
-            <a:r>
-              <a:rPr kumimoji="1" lang="ja-JP" altLang="en-US" dirty="0"/>
-              <a:t>鳥瞰視点</a:t>
-            </a:r>
-          </a:p>
-        </p:txBody>
-      </p:sp>
-    </p:spTree>
-    <p:extLst>
-      <p:ext uri="{BB962C8B-B14F-4D97-AF65-F5344CB8AC3E}">
-        <p14:creationId xmlns:p14="http://schemas.microsoft.com/office/powerpoint/2010/main" val="239254863"/>
-      </p:ext>
-    </p:extLst>
-  </p:cSld>
-  <p:clrMapOvr>
-    <a:masterClrMapping/>
-  </p:clrMapOvr>
-</p:sld>
-</file>
-
-<file path=ppt/slides/slide5.xml><?xml version="1.0" encoding="utf-8"?>
-<p:sld xmlns:a="http://schemas.openxmlformats.org/drawingml/2006/main" xmlns:r="http://schemas.openxmlformats.org/officeDocument/2006/relationships" xmlns:p="http://schemas.openxmlformats.org/presentationml/2006/main">
-  <p:cSld>
-    <p:spTree>
-      <p:nvGrpSpPr>
-        <p:cNvPr id="1" name=""/>
-        <p:cNvGrpSpPr/>
-        <p:nvPr/>
-      </p:nvGrpSpPr>
-      <p:grpSpPr>
-        <a:xfrm>
-          <a:off x="0" y="0"/>
-          <a:ext cx="0" cy="0"/>
-          <a:chOff x="0" y="0"/>
-          <a:chExt cx="0" cy="0"/>
-        </a:xfrm>
-      </p:grpSpPr>
-      <p:sp>
-        <p:nvSpPr>
-          <p:cNvPr id="2" name="タイトル 1">
-            <a:extLst>
-              <a:ext uri="{FF2B5EF4-FFF2-40B4-BE49-F238E27FC236}">
                 <a16:creationId xmlns:a16="http://schemas.microsoft.com/office/drawing/2014/main" id="{FA806922-3C13-460B-A920-3654E29866A7}"/>
               </a:ext>
             </a:extLst>
@@ -6558,11 +6634,13 @@
         </p:nvSpPr>
         <p:spPr/>
         <p:txBody>
-          <a:bodyPr/>
-          <a:lstStyle/>
-          <a:p>
-            <a:r>
-              <a:rPr kumimoji="1" lang="ja-JP" altLang="en-US" dirty="0"/>
+          <a:bodyPr>
+            <a:normAutofit/>
+          </a:bodyPr>
+          <a:lstStyle/>
+          <a:p>
+            <a:r>
+              <a:rPr kumimoji="1" lang="ja-JP" altLang="en-US" sz="4800" dirty="0"/>
               <a:t>鬼</a:t>
             </a:r>
           </a:p>
@@ -6586,14 +6664,16 @@
         </p:nvSpPr>
         <p:spPr/>
         <p:txBody>
-          <a:bodyPr/>
-          <a:lstStyle/>
-          <a:p>
-            <a:r>
-              <a:rPr kumimoji="1" lang="ja-JP" altLang="en-US" dirty="0"/>
-              <a:t>ウォークスルー</a:t>
-            </a:r>
-            <a:endParaRPr kumimoji="1" lang="en-US" altLang="ja-JP" dirty="0"/>
+          <a:bodyPr>
+            <a:normAutofit/>
+          </a:bodyPr>
+          <a:lstStyle/>
+          <a:p>
+            <a:r>
+              <a:rPr kumimoji="1" lang="ja-JP" altLang="en-US" sz="2400" dirty="0"/>
+              <a:t>ウォークスルーを用いて視点が子の座標と一致させるため操作させる</a:t>
+            </a:r>
+            <a:endParaRPr kumimoji="1" lang="en-US" altLang="ja-JP" sz="2400" dirty="0"/>
           </a:p>
         </p:txBody>
       </p:sp>
@@ -6669,10 +6749,222 @@
           </a:prstGeom>
         </p:spPr>
       </p:pic>
+      <p:sp>
+        <p:nvSpPr>
+          <p:cNvPr id="4" name="爆発: 8 pt 3">
+            <a:extLst>
+              <a:ext uri="{FF2B5EF4-FFF2-40B4-BE49-F238E27FC236}">
+                <a16:creationId xmlns:a16="http://schemas.microsoft.com/office/drawing/2014/main" id="{68912B4D-9C71-4925-8531-F23A396EDA64}"/>
+              </a:ext>
+            </a:extLst>
+          </p:cNvPr>
+          <p:cNvSpPr/>
+          <p:nvPr/>
+        </p:nvSpPr>
+        <p:spPr>
+          <a:xfrm>
+            <a:off x="2976212" y="2391266"/>
+            <a:ext cx="2608082" cy="2608082"/>
+          </a:xfrm>
+          <a:prstGeom prst="irregularSeal1">
+            <a:avLst/>
+          </a:prstGeom>
+        </p:spPr>
+        <p:style>
+          <a:lnRef idx="2">
+            <a:schemeClr val="accent1">
+              <a:shade val="50000"/>
+            </a:schemeClr>
+          </a:lnRef>
+          <a:fillRef idx="1">
+            <a:schemeClr val="accent1"/>
+          </a:fillRef>
+          <a:effectRef idx="0">
+            <a:schemeClr val="accent1"/>
+          </a:effectRef>
+          <a:fontRef idx="minor">
+            <a:schemeClr val="lt1"/>
+          </a:fontRef>
+        </p:style>
+        <p:txBody>
+          <a:bodyPr rtlCol="0" anchor="ctr"/>
+          <a:lstStyle/>
+          <a:p>
+            <a:pPr algn="ctr"/>
+            <a:r>
+              <a:rPr kumimoji="1" lang="ja-JP" altLang="en-US" sz="2400" dirty="0"/>
+              <a:t>いた</a:t>
+            </a:r>
+            <a:r>
+              <a:rPr kumimoji="1" lang="en-US" altLang="ja-JP" sz="2400" dirty="0"/>
+              <a:t>!!</a:t>
+            </a:r>
+            <a:endParaRPr kumimoji="1" lang="ja-JP" altLang="en-US" sz="2400" dirty="0"/>
+          </a:p>
+        </p:txBody>
+      </p:sp>
+      <p:sp>
+        <p:nvSpPr>
+          <p:cNvPr id="6" name="思考の吹き出し: 雲形 5">
+            <a:extLst>
+              <a:ext uri="{FF2B5EF4-FFF2-40B4-BE49-F238E27FC236}">
+                <a16:creationId xmlns:a16="http://schemas.microsoft.com/office/drawing/2014/main" id="{A3EF3B2D-440B-41F1-9C9B-814CA61F3C01}"/>
+              </a:ext>
+            </a:extLst>
+          </p:cNvPr>
+          <p:cNvSpPr/>
+          <p:nvPr/>
+        </p:nvSpPr>
+        <p:spPr>
+          <a:xfrm>
+            <a:off x="9389096" y="2272252"/>
+            <a:ext cx="2728966" cy="1828407"/>
+          </a:xfrm>
+          <a:prstGeom prst="cloudCallout">
+            <a:avLst/>
+          </a:prstGeom>
+        </p:spPr>
+        <p:style>
+          <a:lnRef idx="2">
+            <a:schemeClr val="accent1">
+              <a:shade val="50000"/>
+            </a:schemeClr>
+          </a:lnRef>
+          <a:fillRef idx="1">
+            <a:schemeClr val="accent1"/>
+          </a:fillRef>
+          <a:effectRef idx="0">
+            <a:schemeClr val="accent1"/>
+          </a:effectRef>
+          <a:fontRef idx="minor">
+            <a:schemeClr val="lt1"/>
+          </a:fontRef>
+        </p:style>
+        <p:txBody>
+          <a:bodyPr rtlCol="0" anchor="ctr"/>
+          <a:lstStyle/>
+          <a:p>
+            <a:pPr algn="ctr"/>
+            <a:r>
+              <a:rPr kumimoji="1" lang="ja-JP" altLang="en-US" sz="2400" dirty="0"/>
+              <a:t>いない</a:t>
+            </a:r>
+            <a:r>
+              <a:rPr kumimoji="1" lang="en-US" altLang="ja-JP" sz="2400" dirty="0"/>
+              <a:t>......</a:t>
+            </a:r>
+            <a:endParaRPr kumimoji="1" lang="ja-JP" altLang="en-US" sz="2400" dirty="0"/>
+          </a:p>
+        </p:txBody>
+      </p:sp>
     </p:spTree>
     <p:extLst>
       <p:ext uri="{BB962C8B-B14F-4D97-AF65-F5344CB8AC3E}">
         <p14:creationId xmlns:p14="http://schemas.microsoft.com/office/powerpoint/2010/main" val="3316389220"/>
+      </p:ext>
+    </p:extLst>
+  </p:cSld>
+  <p:clrMapOvr>
+    <a:masterClrMapping/>
+  </p:clrMapOvr>
+</p:sld>
+</file>
+
+<file path=ppt/slides/slide5.xml><?xml version="1.0" encoding="utf-8"?>
+<p:sld xmlns:a="http://schemas.openxmlformats.org/drawingml/2006/main" xmlns:r="http://schemas.openxmlformats.org/officeDocument/2006/relationships" xmlns:p="http://schemas.openxmlformats.org/presentationml/2006/main">
+  <p:cSld>
+    <p:spTree>
+      <p:nvGrpSpPr>
+        <p:cNvPr id="1" name=""/>
+        <p:cNvGrpSpPr/>
+        <p:nvPr/>
+      </p:nvGrpSpPr>
+      <p:grpSpPr>
+        <a:xfrm>
+          <a:off x="0" y="0"/>
+          <a:ext cx="0" cy="0"/>
+          <a:chOff x="0" y="0"/>
+          <a:chExt cx="0" cy="0"/>
+        </a:xfrm>
+      </p:grpSpPr>
+      <p:sp>
+        <p:nvSpPr>
+          <p:cNvPr id="2" name="タイトル 1">
+            <a:extLst>
+              <a:ext uri="{FF2B5EF4-FFF2-40B4-BE49-F238E27FC236}">
+                <a16:creationId xmlns:a16="http://schemas.microsoft.com/office/drawing/2014/main" id="{C02A50E8-A4A1-4353-A196-4EF9F2147A30}"/>
+              </a:ext>
+            </a:extLst>
+          </p:cNvPr>
+          <p:cNvSpPr>
+            <a:spLocks noGrp="1"/>
+          </p:cNvSpPr>
+          <p:nvPr>
+            <p:ph type="title"/>
+          </p:nvPr>
+        </p:nvSpPr>
+        <p:spPr/>
+        <p:txBody>
+          <a:bodyPr>
+            <a:normAutofit/>
+          </a:bodyPr>
+          <a:lstStyle/>
+          <a:p>
+            <a:r>
+              <a:rPr kumimoji="1" lang="ja-JP" altLang="en-US" sz="4800" dirty="0"/>
+              <a:t>今後について</a:t>
+            </a:r>
+          </a:p>
+        </p:txBody>
+      </p:sp>
+      <p:sp>
+        <p:nvSpPr>
+          <p:cNvPr id="3" name="コンテンツ プレースホルダー 2">
+            <a:extLst>
+              <a:ext uri="{FF2B5EF4-FFF2-40B4-BE49-F238E27FC236}">
+                <a16:creationId xmlns:a16="http://schemas.microsoft.com/office/drawing/2014/main" id="{23962144-3DD6-4EAE-942F-144033A9696F}"/>
+              </a:ext>
+            </a:extLst>
+          </p:cNvPr>
+          <p:cNvSpPr>
+            <a:spLocks noGrp="1"/>
+          </p:cNvSpPr>
+          <p:nvPr>
+            <p:ph idx="1"/>
+          </p:nvPr>
+        </p:nvSpPr>
+        <p:spPr/>
+        <p:txBody>
+          <a:bodyPr>
+            <a:normAutofit/>
+          </a:bodyPr>
+          <a:lstStyle/>
+          <a:p>
+            <a:r>
+              <a:rPr kumimoji="1" lang="ja-JP" altLang="en-US" sz="2400" dirty="0"/>
+              <a:t>ウォークスルーの実装</a:t>
+            </a:r>
+            <a:endParaRPr kumimoji="1" lang="en-US" altLang="ja-JP" sz="2400" dirty="0"/>
+          </a:p>
+          <a:p>
+            <a:r>
+              <a:rPr kumimoji="1" lang="ja-JP" altLang="en-US" sz="2400" dirty="0"/>
+              <a:t>マウスクリックの３次元座標の取得</a:t>
+            </a:r>
+            <a:endParaRPr kumimoji="1" lang="en-US" altLang="ja-JP" sz="2400" dirty="0"/>
+          </a:p>
+          <a:p>
+            <a:pPr marL="36900" indent="0">
+              <a:buNone/>
+            </a:pPr>
+            <a:endParaRPr kumimoji="1" lang="ja-JP" altLang="en-US" sz="2400" dirty="0"/>
+          </a:p>
+        </p:txBody>
+      </p:sp>
+    </p:spTree>
+    <p:extLst>
+      <p:ext uri="{BB962C8B-B14F-4D97-AF65-F5344CB8AC3E}">
+        <p14:creationId xmlns:p14="http://schemas.microsoft.com/office/powerpoint/2010/main" val="2766128068"/>
       </p:ext>
     </p:extLst>
   </p:cSld>

--- a/freeProduction.pptx
+++ b/freeProduction.pptx
@@ -10,6 +10,9 @@
     <p:sldId id="259" r:id="rId4"/>
     <p:sldId id="258" r:id="rId5"/>
     <p:sldId id="260" r:id="rId6"/>
+    <p:sldId id="261" r:id="rId7"/>
+    <p:sldId id="262" r:id="rId8"/>
+    <p:sldId id="263" r:id="rId9"/>
   </p:sldIdLst>
   <p:sldSz cx="12192000" cy="6858000"/>
   <p:notesSz cx="6858000" cy="9144000"/>
@@ -109,6 +112,34 @@
     </a:lvl9pPr>
   </p:defaultTextStyle>
   <p:extLst>
+    <p:ext uri="{521415D9-36F7-43E2-AB2F-B90AF26B5E84}">
+      <p14:sectionLst xmlns:p14="http://schemas.microsoft.com/office/powerpoint/2010/main">
+        <p14:section name="導入" id="{E46BC011-15E0-48B5-842D-6DEF7B6893FB}">
+          <p14:sldIdLst>
+            <p14:sldId id="256"/>
+            <p14:sldId id="257"/>
+          </p14:sldIdLst>
+        </p14:section>
+        <p14:section name="操作方法" id="{97B7C01D-6B0E-4312-9624-C1544CE92E2D}">
+          <p14:sldIdLst>
+            <p14:sldId id="259"/>
+            <p14:sldId id="258"/>
+          </p14:sldIdLst>
+        </p14:section>
+        <p14:section name="プログラム構成" id="{0D5D7E64-CC05-4E83-B92F-5B734D3AC24D}">
+          <p14:sldIdLst>
+            <p14:sldId id="260"/>
+          </p14:sldIdLst>
+        </p14:section>
+        <p14:section name="まとめ" id="{2576E5FA-7590-478D-9628-DDC85974476E}">
+          <p14:sldIdLst>
+            <p14:sldId id="261"/>
+            <p14:sldId id="262"/>
+            <p14:sldId id="263"/>
+          </p14:sldIdLst>
+        </p14:section>
+      </p14:sectionLst>
+    </p:ext>
     <p:ext uri="{EFAFB233-063F-42B5-8137-9DF3F51BA10A}">
       <p15:sldGuideLst xmlns:p15="http://schemas.microsoft.com/office/powerpoint/2012/main"/>
     </p:ext>
@@ -301,7 +332,7 @@
           <a:p>
             <a:fld id="{88D38747-4367-4BD2-8D51-C97E202738E2}" type="datetime1">
               <a:rPr lang="en-US" smtClean="0"/>
-              <a:t>12/9/2019</a:t>
+              <a:t>1/26/2020</a:t>
             </a:fld>
             <a:endParaRPr lang="en-US" dirty="0"/>
           </a:p>
@@ -606,7 +637,7 @@
           <a:p>
             <a:fld id="{11F1B079-7EF0-44EE-B798-BCC497C9F3B2}" type="datetime1">
               <a:rPr lang="en-US" smtClean="0"/>
-              <a:t>12/9/2019</a:t>
+              <a:t>1/26/2020</a:t>
             </a:fld>
             <a:endParaRPr lang="en-US" dirty="0"/>
           </a:p>
@@ -800,7 +831,7 @@
           <a:p>
             <a:fld id="{28FF70A8-1D13-4657-95F0-A9EA54967B8D}" type="datetime1">
               <a:rPr lang="en-US" smtClean="0"/>
-              <a:t>12/9/2019</a:t>
+              <a:t>1/26/2020</a:t>
             </a:fld>
             <a:endParaRPr lang="en-US" dirty="0"/>
           </a:p>
@@ -1063,7 +1094,7 @@
           <a:p>
             <a:fld id="{21EB90AC-71BD-4C7F-8ACA-7B3F18292E63}" type="datetime1">
               <a:rPr lang="en-US" smtClean="0"/>
-              <a:t>12/9/2019</a:t>
+              <a:t>1/26/2020</a:t>
             </a:fld>
             <a:endParaRPr lang="en-US" dirty="0"/>
           </a:p>
@@ -1499,7 +1530,7 @@
           <a:p>
             <a:fld id="{4E6EFC2C-8905-46F0-B443-CE905B76BA01}" type="datetime1">
               <a:rPr lang="en-US" smtClean="0"/>
-              <a:t>12/9/2019</a:t>
+              <a:t>1/26/2020</a:t>
             </a:fld>
             <a:endParaRPr lang="en-US" dirty="0"/>
           </a:p>
@@ -2036,7 +2067,7 @@
           <a:p>
             <a:fld id="{D9079DC3-C9B5-499E-9140-0DC28B7074E2}" type="datetime1">
               <a:rPr lang="en-US" smtClean="0"/>
-              <a:t>12/9/2019</a:t>
+              <a:t>1/26/2020</a:t>
             </a:fld>
             <a:endParaRPr lang="en-US" dirty="0"/>
           </a:p>
@@ -2918,7 +2949,7 @@
           <a:p>
             <a:fld id="{30BB33EA-E472-4D22-9C03-A9C14AA21CED}" type="datetime1">
               <a:rPr lang="en-US" smtClean="0"/>
-              <a:t>12/9/2019</a:t>
+              <a:t>1/26/2020</a:t>
             </a:fld>
             <a:endParaRPr lang="en-US" dirty="0"/>
           </a:p>
@@ -3088,7 +3119,7 @@
           <a:p>
             <a:fld id="{217E833E-1B6D-415F-AD29-75AE8C43BD0D}" type="datetime1">
               <a:rPr lang="en-US" smtClean="0"/>
-              <a:t>12/9/2019</a:t>
+              <a:t>1/26/2020</a:t>
             </a:fld>
             <a:endParaRPr lang="en-US" dirty="0"/>
           </a:p>
@@ -3272,7 +3303,7 @@
           <a:p>
             <a:fld id="{8452596F-08A7-4B70-989A-F2B1CF31E66B}" type="datetime1">
               <a:rPr lang="en-US" smtClean="0"/>
-              <a:t>12/9/2019</a:t>
+              <a:t>1/26/2020</a:t>
             </a:fld>
             <a:endParaRPr lang="en-US" dirty="0"/>
           </a:p>
@@ -3442,7 +3473,7 @@
           <a:p>
             <a:fld id="{73C55A3C-5767-4844-A0A3-83778C2E5409}" type="datetime1">
               <a:rPr lang="en-US" smtClean="0"/>
-              <a:t>12/9/2019</a:t>
+              <a:t>1/26/2020</a:t>
             </a:fld>
             <a:endParaRPr lang="en-US" dirty="0"/>
           </a:p>
@@ -3686,7 +3717,7 @@
           <a:p>
             <a:fld id="{CAE507A8-A5CF-4D38-AB86-7EDDA87A85D4}" type="datetime1">
               <a:rPr lang="en-US" smtClean="0"/>
-              <a:t>12/9/2019</a:t>
+              <a:t>1/26/2020</a:t>
             </a:fld>
             <a:endParaRPr lang="en-US" dirty="0"/>
           </a:p>
@@ -3928,7 +3959,7 @@
           <a:p>
             <a:fld id="{BDFCD27C-8599-43EF-BA1D-14DDC1946E06}" type="datetime1">
               <a:rPr lang="en-US" smtClean="0"/>
-              <a:t>12/9/2019</a:t>
+              <a:t>1/26/2020</a:t>
             </a:fld>
             <a:endParaRPr lang="en-US" dirty="0"/>
           </a:p>
@@ -4409,7 +4440,7 @@
           <a:p>
             <a:fld id="{49343D99-809A-49C0-96E5-4250D0B498EE}" type="datetime1">
               <a:rPr lang="en-US" smtClean="0"/>
-              <a:t>12/9/2019</a:t>
+              <a:t>1/26/2020</a:t>
             </a:fld>
             <a:endParaRPr lang="en-US" dirty="0"/>
           </a:p>
@@ -4527,7 +4558,7 @@
           <a:p>
             <a:fld id="{A143DE9B-B678-4EFB-BB7D-A4370204A0B0}" type="datetime1">
               <a:rPr lang="en-US" smtClean="0"/>
-              <a:t>12/9/2019</a:t>
+              <a:t>1/26/2020</a:t>
             </a:fld>
             <a:endParaRPr lang="en-US" dirty="0"/>
           </a:p>
@@ -4622,7 +4653,7 @@
           <a:p>
             <a:fld id="{E68812DA-F765-4142-A6A3-A8ED7235E082}" type="datetime1">
               <a:rPr lang="en-US" smtClean="0"/>
-              <a:t>12/9/2019</a:t>
+              <a:t>1/26/2020</a:t>
             </a:fld>
             <a:endParaRPr lang="en-US" dirty="0"/>
           </a:p>
@@ -4877,7 +4908,7 @@
           <a:p>
             <a:fld id="{3E0277FD-7DE6-41D4-930D-AC99F5AFE54E}" type="datetime1">
               <a:rPr lang="en-US" smtClean="0"/>
-              <a:t>12/9/2019</a:t>
+              <a:t>1/26/2020</a:t>
             </a:fld>
             <a:endParaRPr lang="en-US" dirty="0"/>
           </a:p>
@@ -5184,7 +5215,7 @@
           <a:p>
             <a:fld id="{9EA15526-7079-4B7B-987C-1B5FAE11A0FF}" type="datetime1">
               <a:rPr lang="en-US" smtClean="0"/>
-              <a:t>12/9/2019</a:t>
+              <a:t>1/26/2020</a:t>
             </a:fld>
             <a:endParaRPr lang="en-US" dirty="0"/>
           </a:p>
@@ -5419,7 +5450,7 @@
           <a:p>
             <a:fld id="{073ED0CC-082F-4160-86E5-0D6041F12778}" type="datetime1">
               <a:rPr lang="en-US" smtClean="0"/>
-              <a:t>12/9/2019</a:t>
+              <a:t>1/26/2020</a:t>
             </a:fld>
             <a:endParaRPr lang="en-US" dirty="0"/>
           </a:p>
@@ -6933,7 +6964,12 @@
             <p:ph idx="1"/>
           </p:nvPr>
         </p:nvSpPr>
-        <p:spPr/>
+        <p:spPr>
+          <a:xfrm>
+            <a:off x="913795" y="2067023"/>
+            <a:ext cx="10353762" cy="3714749"/>
+          </a:xfrm>
+        </p:spPr>
         <p:txBody>
           <a:bodyPr>
             <a:normAutofit/>
@@ -6965,6 +7001,313 @@
     <p:extLst>
       <p:ext uri="{BB962C8B-B14F-4D97-AF65-F5344CB8AC3E}">
         <p14:creationId xmlns:p14="http://schemas.microsoft.com/office/powerpoint/2010/main" val="2766128068"/>
+      </p:ext>
+    </p:extLst>
+  </p:cSld>
+  <p:clrMapOvr>
+    <a:masterClrMapping/>
+  </p:clrMapOvr>
+</p:sld>
+</file>
+
+<file path=ppt/slides/slide6.xml><?xml version="1.0" encoding="utf-8"?>
+<p:sld xmlns:a="http://schemas.openxmlformats.org/drawingml/2006/main" xmlns:r="http://schemas.openxmlformats.org/officeDocument/2006/relationships" xmlns:p="http://schemas.openxmlformats.org/presentationml/2006/main">
+  <p:cSld>
+    <p:spTree>
+      <p:nvGrpSpPr>
+        <p:cNvPr id="1" name=""/>
+        <p:cNvGrpSpPr/>
+        <p:nvPr/>
+      </p:nvGrpSpPr>
+      <p:grpSpPr>
+        <a:xfrm>
+          <a:off x="0" y="0"/>
+          <a:ext cx="0" cy="0"/>
+          <a:chOff x="0" y="0"/>
+          <a:chExt cx="0" cy="0"/>
+        </a:xfrm>
+      </p:grpSpPr>
+      <p:sp>
+        <p:nvSpPr>
+          <p:cNvPr id="2" name="タイトル 1">
+            <a:extLst>
+              <a:ext uri="{FF2B5EF4-FFF2-40B4-BE49-F238E27FC236}">
+                <a16:creationId xmlns:a16="http://schemas.microsoft.com/office/drawing/2014/main" id="{ABFCA7CE-07A6-4AFA-84D9-8AE2B30BC94A}"/>
+              </a:ext>
+            </a:extLst>
+          </p:cNvPr>
+          <p:cNvSpPr>
+            <a:spLocks noGrp="1"/>
+          </p:cNvSpPr>
+          <p:nvPr>
+            <p:ph type="title"/>
+          </p:nvPr>
+        </p:nvSpPr>
+        <p:spPr/>
+        <p:txBody>
+          <a:bodyPr/>
+          <a:lstStyle/>
+          <a:p>
+            <a:pPr algn="l"/>
+            <a:r>
+              <a:rPr kumimoji="1" lang="ja-JP" altLang="en-US" dirty="0"/>
+              <a:t>成果</a:t>
+            </a:r>
+          </a:p>
+        </p:txBody>
+      </p:sp>
+      <p:sp>
+        <p:nvSpPr>
+          <p:cNvPr id="3" name="コンテンツ プレースホルダー 2">
+            <a:extLst>
+              <a:ext uri="{FF2B5EF4-FFF2-40B4-BE49-F238E27FC236}">
+                <a16:creationId xmlns:a16="http://schemas.microsoft.com/office/drawing/2014/main" id="{CEC253F6-6C4B-4151-AABD-F5A48FC347DF}"/>
+              </a:ext>
+            </a:extLst>
+          </p:cNvPr>
+          <p:cNvSpPr>
+            <a:spLocks noGrp="1"/>
+          </p:cNvSpPr>
+          <p:nvPr>
+            <p:ph idx="1"/>
+          </p:nvPr>
+        </p:nvSpPr>
+        <p:spPr/>
+        <p:txBody>
+          <a:bodyPr/>
+          <a:lstStyle/>
+          <a:p>
+            <a:r>
+              <a:rPr kumimoji="1" lang="ja-JP" altLang="en-US" dirty="0"/>
+              <a:t>ウォークスルーの実装</a:t>
+            </a:r>
+            <a:endParaRPr kumimoji="1" lang="en-US" altLang="ja-JP" dirty="0"/>
+          </a:p>
+          <a:p>
+            <a:r>
+              <a:rPr kumimoji="1" lang="ja-JP" altLang="en-US" dirty="0"/>
+              <a:t>衝突検出</a:t>
+            </a:r>
+            <a:endParaRPr kumimoji="1" lang="en-US" altLang="ja-JP" dirty="0"/>
+          </a:p>
+          <a:p>
+            <a:endParaRPr kumimoji="1" lang="ja-JP" altLang="en-US" dirty="0"/>
+          </a:p>
+        </p:txBody>
+      </p:sp>
+    </p:spTree>
+    <p:extLst>
+      <p:ext uri="{BB962C8B-B14F-4D97-AF65-F5344CB8AC3E}">
+        <p14:creationId xmlns:p14="http://schemas.microsoft.com/office/powerpoint/2010/main" val="3151654204"/>
+      </p:ext>
+    </p:extLst>
+  </p:cSld>
+  <p:clrMapOvr>
+    <a:masterClrMapping/>
+  </p:clrMapOvr>
+</p:sld>
+</file>
+
+<file path=ppt/slides/slide7.xml><?xml version="1.0" encoding="utf-8"?>
+<p:sld xmlns:a="http://schemas.openxmlformats.org/drawingml/2006/main" xmlns:r="http://schemas.openxmlformats.org/officeDocument/2006/relationships" xmlns:p="http://schemas.openxmlformats.org/presentationml/2006/main">
+  <p:cSld>
+    <p:spTree>
+      <p:nvGrpSpPr>
+        <p:cNvPr id="1" name=""/>
+        <p:cNvGrpSpPr/>
+        <p:nvPr/>
+      </p:nvGrpSpPr>
+      <p:grpSpPr>
+        <a:xfrm>
+          <a:off x="0" y="0"/>
+          <a:ext cx="0" cy="0"/>
+          <a:chOff x="0" y="0"/>
+          <a:chExt cx="0" cy="0"/>
+        </a:xfrm>
+      </p:grpSpPr>
+      <p:sp>
+        <p:nvSpPr>
+          <p:cNvPr id="2" name="タイトル 1">
+            <a:extLst>
+              <a:ext uri="{FF2B5EF4-FFF2-40B4-BE49-F238E27FC236}">
+                <a16:creationId xmlns:a16="http://schemas.microsoft.com/office/drawing/2014/main" id="{65928DA4-E2F9-4254-A027-BEC4B93EA71A}"/>
+              </a:ext>
+            </a:extLst>
+          </p:cNvPr>
+          <p:cNvSpPr>
+            <a:spLocks noGrp="1"/>
+          </p:cNvSpPr>
+          <p:nvPr>
+            <p:ph type="title"/>
+          </p:nvPr>
+        </p:nvSpPr>
+        <p:spPr/>
+        <p:txBody>
+          <a:bodyPr/>
+          <a:lstStyle/>
+          <a:p>
+            <a:pPr algn="l"/>
+            <a:r>
+              <a:rPr kumimoji="1" lang="ja-JP" altLang="en-US" dirty="0"/>
+              <a:t>課題</a:t>
+            </a:r>
+          </a:p>
+        </p:txBody>
+      </p:sp>
+      <p:sp>
+        <p:nvSpPr>
+          <p:cNvPr id="3" name="コンテンツ プレースホルダー 2">
+            <a:extLst>
+              <a:ext uri="{FF2B5EF4-FFF2-40B4-BE49-F238E27FC236}">
+                <a16:creationId xmlns:a16="http://schemas.microsoft.com/office/drawing/2014/main" id="{CF0FCAEF-A757-402E-818D-3ECEAC5CFC0F}"/>
+              </a:ext>
+            </a:extLst>
+          </p:cNvPr>
+          <p:cNvSpPr>
+            <a:spLocks noGrp="1"/>
+          </p:cNvSpPr>
+          <p:nvPr>
+            <p:ph idx="1"/>
+          </p:nvPr>
+        </p:nvSpPr>
+        <p:spPr/>
+        <p:txBody>
+          <a:bodyPr/>
+          <a:lstStyle/>
+          <a:p>
+            <a:r>
+              <a:rPr kumimoji="1" lang="ja-JP" altLang="en-US" dirty="0"/>
+              <a:t>衝突平面に平行な移動成分を残して移動させることができなかった。</a:t>
+            </a:r>
+            <a:endParaRPr kumimoji="1" lang="en-US" altLang="ja-JP" dirty="0"/>
+          </a:p>
+          <a:p>
+            <a:r>
+              <a:rPr kumimoji="1" lang="ja-JP" altLang="en-US" dirty="0"/>
+              <a:t>テクスチャを実装できなかったのでプレイヤーへやさしくない</a:t>
+            </a:r>
+            <a:r>
+              <a:rPr kumimoji="1" lang="en-US" altLang="ja-JP" dirty="0"/>
+              <a:t>GUI</a:t>
+            </a:r>
+            <a:r>
+              <a:rPr kumimoji="1" lang="ja-JP" altLang="en-US" dirty="0"/>
+              <a:t>となってしまった。</a:t>
+            </a:r>
+            <a:endParaRPr kumimoji="1" lang="en-US" altLang="ja-JP" dirty="0"/>
+          </a:p>
+        </p:txBody>
+      </p:sp>
+    </p:spTree>
+    <p:extLst>
+      <p:ext uri="{BB962C8B-B14F-4D97-AF65-F5344CB8AC3E}">
+        <p14:creationId xmlns:p14="http://schemas.microsoft.com/office/powerpoint/2010/main" val="1939636537"/>
+      </p:ext>
+    </p:extLst>
+  </p:cSld>
+  <p:clrMapOvr>
+    <a:masterClrMapping/>
+  </p:clrMapOvr>
+</p:sld>
+</file>
+
+<file path=ppt/slides/slide8.xml><?xml version="1.0" encoding="utf-8"?>
+<p:sld xmlns:a="http://schemas.openxmlformats.org/drawingml/2006/main" xmlns:r="http://schemas.openxmlformats.org/officeDocument/2006/relationships" xmlns:p="http://schemas.openxmlformats.org/presentationml/2006/main">
+  <p:cSld>
+    <p:spTree>
+      <p:nvGrpSpPr>
+        <p:cNvPr id="1" name=""/>
+        <p:cNvGrpSpPr/>
+        <p:nvPr/>
+      </p:nvGrpSpPr>
+      <p:grpSpPr>
+        <a:xfrm>
+          <a:off x="0" y="0"/>
+          <a:ext cx="0" cy="0"/>
+          <a:chOff x="0" y="0"/>
+          <a:chExt cx="0" cy="0"/>
+        </a:xfrm>
+      </p:grpSpPr>
+      <p:sp>
+        <p:nvSpPr>
+          <p:cNvPr id="2" name="タイトル 1">
+            <a:extLst>
+              <a:ext uri="{FF2B5EF4-FFF2-40B4-BE49-F238E27FC236}">
+                <a16:creationId xmlns:a16="http://schemas.microsoft.com/office/drawing/2014/main" id="{D080ACB1-2B51-4F10-9705-39FE8C7B1D6A}"/>
+              </a:ext>
+            </a:extLst>
+          </p:cNvPr>
+          <p:cNvSpPr>
+            <a:spLocks noGrp="1"/>
+          </p:cNvSpPr>
+          <p:nvPr>
+            <p:ph type="title"/>
+          </p:nvPr>
+        </p:nvSpPr>
+        <p:spPr/>
+        <p:txBody>
+          <a:bodyPr/>
+          <a:lstStyle/>
+          <a:p>
+            <a:pPr algn="l"/>
+            <a:r>
+              <a:rPr kumimoji="1" lang="ja-JP" altLang="en-US" dirty="0"/>
+              <a:t>感想</a:t>
+            </a:r>
+          </a:p>
+        </p:txBody>
+      </p:sp>
+      <p:sp>
+        <p:nvSpPr>
+          <p:cNvPr id="3" name="コンテンツ プレースホルダー 2">
+            <a:extLst>
+              <a:ext uri="{FF2B5EF4-FFF2-40B4-BE49-F238E27FC236}">
+                <a16:creationId xmlns:a16="http://schemas.microsoft.com/office/drawing/2014/main" id="{50A4E784-4981-4BA2-B358-B5632C7BAF31}"/>
+              </a:ext>
+            </a:extLst>
+          </p:cNvPr>
+          <p:cNvSpPr>
+            <a:spLocks noGrp="1"/>
+          </p:cNvSpPr>
+          <p:nvPr>
+            <p:ph idx="1"/>
+          </p:nvPr>
+        </p:nvSpPr>
+        <p:spPr/>
+        <p:txBody>
+          <a:bodyPr/>
+          <a:lstStyle/>
+          <a:p>
+            <a:r>
+              <a:rPr kumimoji="1" lang="ja-JP" altLang="en-US" dirty="0"/>
+              <a:t>衝突検出は難しかった。</a:t>
+            </a:r>
+            <a:endParaRPr kumimoji="1" lang="en-US" altLang="ja-JP" dirty="0"/>
+          </a:p>
+          <a:p>
+            <a:r>
+              <a:rPr kumimoji="1" lang="en-US" altLang="ja-JP" dirty="0"/>
+              <a:t>OpenGL</a:t>
+            </a:r>
+            <a:r>
+              <a:rPr kumimoji="1" lang="ja-JP" altLang="en-US" dirty="0"/>
+              <a:t>は使いづらかった。</a:t>
+            </a:r>
+            <a:r>
+              <a:rPr kumimoji="1" lang="en-US" altLang="ja-JP" dirty="0"/>
+              <a:t>Unity</a:t>
+            </a:r>
+            <a:r>
+              <a:rPr kumimoji="1" lang="ja-JP" altLang="en-US" dirty="0"/>
+              <a:t>をやりたいと強く感じた。</a:t>
+            </a:r>
+          </a:p>
+        </p:txBody>
+      </p:sp>
+    </p:spTree>
+    <p:extLst>
+      <p:ext uri="{BB962C8B-B14F-4D97-AF65-F5344CB8AC3E}">
+        <p14:creationId xmlns:p14="http://schemas.microsoft.com/office/powerpoint/2010/main" val="1447385475"/>
       </p:ext>
     </p:extLst>
   </p:cSld>

--- a/freeProduction.pptx
+++ b/freeProduction.pptx
@@ -6,13 +6,12 @@
   </p:sldMasterIdLst>
   <p:sldIdLst>
     <p:sldId id="256" r:id="rId2"/>
-    <p:sldId id="257" r:id="rId3"/>
+    <p:sldId id="264" r:id="rId3"/>
     <p:sldId id="259" r:id="rId4"/>
-    <p:sldId id="258" r:id="rId5"/>
-    <p:sldId id="260" r:id="rId6"/>
-    <p:sldId id="261" r:id="rId7"/>
-    <p:sldId id="262" r:id="rId8"/>
-    <p:sldId id="263" r:id="rId9"/>
+    <p:sldId id="265" r:id="rId5"/>
+    <p:sldId id="261" r:id="rId6"/>
+    <p:sldId id="262" r:id="rId7"/>
+    <p:sldId id="263" r:id="rId8"/>
   </p:sldIdLst>
   <p:sldSz cx="12192000" cy="6858000"/>
   <p:notesSz cx="6858000" cy="9144000"/>
@@ -117,18 +116,13 @@
         <p14:section name="導入" id="{E46BC011-15E0-48B5-842D-6DEF7B6893FB}">
           <p14:sldIdLst>
             <p14:sldId id="256"/>
-            <p14:sldId id="257"/>
+            <p14:sldId id="264"/>
           </p14:sldIdLst>
         </p14:section>
         <p14:section name="操作方法" id="{97B7C01D-6B0E-4312-9624-C1544CE92E2D}">
           <p14:sldIdLst>
             <p14:sldId id="259"/>
-            <p14:sldId id="258"/>
-          </p14:sldIdLst>
-        </p14:section>
-        <p14:section name="プログラム構成" id="{0D5D7E64-CC05-4E83-B92F-5B734D3AC24D}">
-          <p14:sldIdLst>
-            <p14:sldId id="260"/>
+            <p14:sldId id="265"/>
           </p14:sldIdLst>
         </p14:section>
         <p14:section name="まとめ" id="{2576E5FA-7590-478D-9628-DDC85974476E}">
@@ -332,7 +326,7 @@
           <a:p>
             <a:fld id="{88D38747-4367-4BD2-8D51-C97E202738E2}" type="datetime1">
               <a:rPr lang="en-US" smtClean="0"/>
-              <a:t>1/26/2020</a:t>
+              <a:t>1/27/2020</a:t>
             </a:fld>
             <a:endParaRPr lang="en-US" dirty="0"/>
           </a:p>
@@ -637,7 +631,7 @@
           <a:p>
             <a:fld id="{11F1B079-7EF0-44EE-B798-BCC497C9F3B2}" type="datetime1">
               <a:rPr lang="en-US" smtClean="0"/>
-              <a:t>1/26/2020</a:t>
+              <a:t>1/27/2020</a:t>
             </a:fld>
             <a:endParaRPr lang="en-US" dirty="0"/>
           </a:p>
@@ -831,7 +825,7 @@
           <a:p>
             <a:fld id="{28FF70A8-1D13-4657-95F0-A9EA54967B8D}" type="datetime1">
               <a:rPr lang="en-US" smtClean="0"/>
-              <a:t>1/26/2020</a:t>
+              <a:t>1/27/2020</a:t>
             </a:fld>
             <a:endParaRPr lang="en-US" dirty="0"/>
           </a:p>
@@ -1094,7 +1088,7 @@
           <a:p>
             <a:fld id="{21EB90AC-71BD-4C7F-8ACA-7B3F18292E63}" type="datetime1">
               <a:rPr lang="en-US" smtClean="0"/>
-              <a:t>1/26/2020</a:t>
+              <a:t>1/27/2020</a:t>
             </a:fld>
             <a:endParaRPr lang="en-US" dirty="0"/>
           </a:p>
@@ -1530,7 +1524,7 @@
           <a:p>
             <a:fld id="{4E6EFC2C-8905-46F0-B443-CE905B76BA01}" type="datetime1">
               <a:rPr lang="en-US" smtClean="0"/>
-              <a:t>1/26/2020</a:t>
+              <a:t>1/27/2020</a:t>
             </a:fld>
             <a:endParaRPr lang="en-US" dirty="0"/>
           </a:p>
@@ -2067,7 +2061,7 @@
           <a:p>
             <a:fld id="{D9079DC3-C9B5-499E-9140-0DC28B7074E2}" type="datetime1">
               <a:rPr lang="en-US" smtClean="0"/>
-              <a:t>1/26/2020</a:t>
+              <a:t>1/27/2020</a:t>
             </a:fld>
             <a:endParaRPr lang="en-US" dirty="0"/>
           </a:p>
@@ -2949,7 +2943,7 @@
           <a:p>
             <a:fld id="{30BB33EA-E472-4D22-9C03-A9C14AA21CED}" type="datetime1">
               <a:rPr lang="en-US" smtClean="0"/>
-              <a:t>1/26/2020</a:t>
+              <a:t>1/27/2020</a:t>
             </a:fld>
             <a:endParaRPr lang="en-US" dirty="0"/>
           </a:p>
@@ -3119,7 +3113,7 @@
           <a:p>
             <a:fld id="{217E833E-1B6D-415F-AD29-75AE8C43BD0D}" type="datetime1">
               <a:rPr lang="en-US" smtClean="0"/>
-              <a:t>1/26/2020</a:t>
+              <a:t>1/27/2020</a:t>
             </a:fld>
             <a:endParaRPr lang="en-US" dirty="0"/>
           </a:p>
@@ -3303,7 +3297,7 @@
           <a:p>
             <a:fld id="{8452596F-08A7-4B70-989A-F2B1CF31E66B}" type="datetime1">
               <a:rPr lang="en-US" smtClean="0"/>
-              <a:t>1/26/2020</a:t>
+              <a:t>1/27/2020</a:t>
             </a:fld>
             <a:endParaRPr lang="en-US" dirty="0"/>
           </a:p>
@@ -3473,7 +3467,7 @@
           <a:p>
             <a:fld id="{73C55A3C-5767-4844-A0A3-83778C2E5409}" type="datetime1">
               <a:rPr lang="en-US" smtClean="0"/>
-              <a:t>1/26/2020</a:t>
+              <a:t>1/27/2020</a:t>
             </a:fld>
             <a:endParaRPr lang="en-US" dirty="0"/>
           </a:p>
@@ -3717,7 +3711,7 @@
           <a:p>
             <a:fld id="{CAE507A8-A5CF-4D38-AB86-7EDDA87A85D4}" type="datetime1">
               <a:rPr lang="en-US" smtClean="0"/>
-              <a:t>1/26/2020</a:t>
+              <a:t>1/27/2020</a:t>
             </a:fld>
             <a:endParaRPr lang="en-US" dirty="0"/>
           </a:p>
@@ -3959,7 +3953,7 @@
           <a:p>
             <a:fld id="{BDFCD27C-8599-43EF-BA1D-14DDC1946E06}" type="datetime1">
               <a:rPr lang="en-US" smtClean="0"/>
-              <a:t>1/26/2020</a:t>
+              <a:t>1/27/2020</a:t>
             </a:fld>
             <a:endParaRPr lang="en-US" dirty="0"/>
           </a:p>
@@ -4440,7 +4434,7 @@
           <a:p>
             <a:fld id="{49343D99-809A-49C0-96E5-4250D0B498EE}" type="datetime1">
               <a:rPr lang="en-US" smtClean="0"/>
-              <a:t>1/26/2020</a:t>
+              <a:t>1/27/2020</a:t>
             </a:fld>
             <a:endParaRPr lang="en-US" dirty="0"/>
           </a:p>
@@ -4558,7 +4552,7 @@
           <a:p>
             <a:fld id="{A143DE9B-B678-4EFB-BB7D-A4370204A0B0}" type="datetime1">
               <a:rPr lang="en-US" smtClean="0"/>
-              <a:t>1/26/2020</a:t>
+              <a:t>1/27/2020</a:t>
             </a:fld>
             <a:endParaRPr lang="en-US" dirty="0"/>
           </a:p>
@@ -4653,7 +4647,7 @@
           <a:p>
             <a:fld id="{E68812DA-F765-4142-A6A3-A8ED7235E082}" type="datetime1">
               <a:rPr lang="en-US" smtClean="0"/>
-              <a:t>1/26/2020</a:t>
+              <a:t>1/27/2020</a:t>
             </a:fld>
             <a:endParaRPr lang="en-US" dirty="0"/>
           </a:p>
@@ -4908,7 +4902,7 @@
           <a:p>
             <a:fld id="{3E0277FD-7DE6-41D4-930D-AC99F5AFE54E}" type="datetime1">
               <a:rPr lang="en-US" smtClean="0"/>
-              <a:t>1/26/2020</a:t>
+              <a:t>1/27/2020</a:t>
             </a:fld>
             <a:endParaRPr lang="en-US" dirty="0"/>
           </a:p>
@@ -5215,7 +5209,7 @@
           <a:p>
             <a:fld id="{9EA15526-7079-4B7B-987C-1B5FAE11A0FF}" type="datetime1">
               <a:rPr lang="en-US" smtClean="0"/>
-              <a:t>1/26/2020</a:t>
+              <a:t>1/27/2020</a:t>
             </a:fld>
             <a:endParaRPr lang="en-US" dirty="0"/>
           </a:p>
@@ -5450,7 +5444,7 @@
           <a:p>
             <a:fld id="{073ED0CC-082F-4160-86E5-0D6041F12778}" type="datetime1">
               <a:rPr lang="en-US" smtClean="0"/>
-              <a:t>1/26/2020</a:t>
+              <a:t>1/27/2020</a:t>
             </a:fld>
             <a:endParaRPr lang="en-US" dirty="0"/>
           </a:p>
@@ -6290,7 +6284,7 @@
           <p:cNvPr id="2" name="タイトル 1">
             <a:extLst>
               <a:ext uri="{FF2B5EF4-FFF2-40B4-BE49-F238E27FC236}">
-                <a16:creationId xmlns:a16="http://schemas.microsoft.com/office/drawing/2014/main" id="{B9F8B828-D447-49E5-B3A6-8576FDD2E856}"/>
+                <a16:creationId xmlns:a16="http://schemas.microsoft.com/office/drawing/2014/main" id="{FB59D96E-DFC7-4B7C-8DF5-5E45D01AB14E}"/>
               </a:ext>
             </a:extLst>
           </p:cNvPr>
@@ -6303,13 +6297,12 @@
         </p:nvSpPr>
         <p:spPr/>
         <p:txBody>
-          <a:bodyPr>
-            <a:normAutofit/>
-          </a:bodyPr>
+          <a:bodyPr/>
           <a:lstStyle/>
           <a:p>
+            <a:pPr algn="l"/>
             <a:r>
-              <a:rPr kumimoji="1" lang="ja-JP" altLang="en-US" sz="4800" dirty="0"/>
+              <a:rPr kumimoji="1" lang="ja-JP" altLang="en-US" dirty="0"/>
               <a:t>概要</a:t>
             </a:r>
           </a:p>
@@ -6320,7 +6313,7 @@
           <p:cNvPr id="3" name="コンテンツ プレースホルダー 2">
             <a:extLst>
               <a:ext uri="{FF2B5EF4-FFF2-40B4-BE49-F238E27FC236}">
-                <a16:creationId xmlns:a16="http://schemas.microsoft.com/office/drawing/2014/main" id="{53D72320-893D-427F-85BC-268A372F9E3D}"/>
+                <a16:creationId xmlns:a16="http://schemas.microsoft.com/office/drawing/2014/main" id="{EC661D02-B4B2-426F-8559-EC2D4696A91A}"/>
               </a:ext>
             </a:extLst>
           </p:cNvPr>
@@ -6331,7 +6324,12 @@
             <p:ph idx="1"/>
           </p:nvPr>
         </p:nvSpPr>
-        <p:spPr/>
+        <p:spPr>
+          <a:xfrm>
+            <a:off x="913795" y="2076450"/>
+            <a:ext cx="4591459" cy="3714749"/>
+          </a:xfrm>
+        </p:spPr>
         <p:txBody>
           <a:bodyPr>
             <a:normAutofit/>
@@ -6339,22 +6337,237 @@
           <a:lstStyle/>
           <a:p>
             <a:r>
+              <a:rPr kumimoji="1" lang="en-US" altLang="ja-JP" sz="2400" dirty="0"/>
+              <a:t>2</a:t>
+            </a:r>
+            <a:r>
               <a:rPr kumimoji="1" lang="ja-JP" altLang="en-US" sz="2400" dirty="0"/>
-              <a:t>隠れる側、探す側双方に別れて行うゲーム</a:t>
+              <a:t>人用ゲーム</a:t>
             </a:r>
             <a:endParaRPr kumimoji="1" lang="en-US" altLang="ja-JP" sz="2400" dirty="0"/>
           </a:p>
           <a:p>
             <a:r>
+              <a:rPr kumimoji="1" lang="en-US" altLang="ja-JP" sz="2400" dirty="0"/>
+              <a:t>Player1</a:t>
+            </a:r>
+            <a:r>
               <a:rPr kumimoji="1" lang="ja-JP" altLang="en-US" sz="2400" dirty="0"/>
-              <a:t>隠れる側は鳥瞰視点任意の数、形のブロック（制限あり）を配置し、自分が隠れる位置を決定する（制限時間あり）</a:t>
+              <a:t>は       を</a:t>
+            </a:r>
+            <a:r>
+              <a:rPr kumimoji="1" lang="en-US" altLang="ja-JP" sz="2400" dirty="0"/>
+              <a:t>3</a:t>
+            </a:r>
+            <a:r>
+              <a:rPr kumimoji="1" lang="ja-JP" altLang="en-US" sz="2400" dirty="0"/>
+              <a:t>つ隠す</a:t>
             </a:r>
             <a:endParaRPr kumimoji="1" lang="en-US" altLang="ja-JP" sz="2400" dirty="0"/>
           </a:p>
           <a:p>
             <a:r>
+              <a:rPr kumimoji="1" lang="en-US" altLang="ja-JP" sz="2400" dirty="0"/>
+              <a:t>Player2</a:t>
+            </a:r>
+            <a:r>
               <a:rPr kumimoji="1" lang="ja-JP" altLang="en-US" sz="2400" dirty="0"/>
-              <a:t>探す側は制限時間以内に相手を見つける</a:t>
+              <a:t>は       を操作して      を見つけ、捕まえる　　　　　　　（制限時間</a:t>
+            </a:r>
+            <a:r>
+              <a:rPr kumimoji="1" lang="en-US" altLang="ja-JP" sz="2400" dirty="0"/>
+              <a:t>60</a:t>
+            </a:r>
+            <a:r>
+              <a:rPr kumimoji="1" lang="ja-JP" altLang="en-US" sz="2400" dirty="0"/>
+              <a:t>秒）　　　　　</a:t>
+            </a:r>
+          </a:p>
+        </p:txBody>
+      </p:sp>
+      <p:pic>
+        <p:nvPicPr>
+          <p:cNvPr id="4" name="コンテンツ プレースホルダー 4">
+            <a:extLst>
+              <a:ext uri="{FF2B5EF4-FFF2-40B4-BE49-F238E27FC236}">
+                <a16:creationId xmlns:a16="http://schemas.microsoft.com/office/drawing/2014/main" id="{16AEFFF1-D5F3-426C-A6A4-A6D5C9A4B604}"/>
+              </a:ext>
+            </a:extLst>
+          </p:cNvPr>
+          <p:cNvPicPr>
+            <a:picLocks noChangeAspect="1"/>
+          </p:cNvPicPr>
+          <p:nvPr/>
+        </p:nvPicPr>
+        <p:blipFill>
+          <a:blip r:embed="rId2">
+            <a:extLst>
+              <a:ext uri="{28A0092B-C50C-407E-A947-70E740481C1C}">
+                <a14:useLocalDpi xmlns:a14="http://schemas.microsoft.com/office/drawing/2010/main" val="0"/>
+              </a:ext>
+            </a:extLst>
+          </a:blip>
+          <a:stretch>
+            <a:fillRect/>
+          </a:stretch>
+        </p:blipFill>
+        <p:spPr>
+          <a:xfrm>
+            <a:off x="2685093" y="3253855"/>
+            <a:ext cx="347286" cy="357576"/>
+          </a:xfrm>
+          <a:prstGeom prst="rect">
+            <a:avLst/>
+          </a:prstGeom>
+          <a:effectLst>
+            <a:outerShdw blurRad="25400" dir="17880000">
+              <a:srgbClr val="000000">
+                <a:alpha val="46000"/>
+              </a:srgbClr>
+            </a:outerShdw>
+          </a:effectLst>
+        </p:spPr>
+      </p:pic>
+      <p:pic>
+        <p:nvPicPr>
+          <p:cNvPr id="5" name="図 4">
+            <a:extLst>
+              <a:ext uri="{FF2B5EF4-FFF2-40B4-BE49-F238E27FC236}">
+                <a16:creationId xmlns:a16="http://schemas.microsoft.com/office/drawing/2014/main" id="{459E0F40-E83C-490A-A41B-3A1B82194E95}"/>
+              </a:ext>
+            </a:extLst>
+          </p:cNvPr>
+          <p:cNvPicPr>
+            <a:picLocks noChangeAspect="1"/>
+          </p:cNvPicPr>
+          <p:nvPr/>
+        </p:nvPicPr>
+        <p:blipFill>
+          <a:blip r:embed="rId3">
+            <a:extLst>
+              <a:ext uri="{28A0092B-C50C-407E-A947-70E740481C1C}">
+                <a14:useLocalDpi xmlns:a14="http://schemas.microsoft.com/office/drawing/2010/main" val="0"/>
+              </a:ext>
+            </a:extLst>
+          </a:blip>
+          <a:stretch>
+            <a:fillRect/>
+          </a:stretch>
+        </p:blipFill>
+        <p:spPr>
+          <a:xfrm>
+            <a:off x="2687101" y="2706554"/>
+            <a:ext cx="347285" cy="361649"/>
+          </a:xfrm>
+          <a:prstGeom prst="rect">
+            <a:avLst/>
+          </a:prstGeom>
+        </p:spPr>
+      </p:pic>
+      <p:pic>
+        <p:nvPicPr>
+          <p:cNvPr id="15" name="図 14">
+            <a:extLst>
+              <a:ext uri="{FF2B5EF4-FFF2-40B4-BE49-F238E27FC236}">
+                <a16:creationId xmlns:a16="http://schemas.microsoft.com/office/drawing/2014/main" id="{08F87D76-AF83-490F-B13E-D76EC46AEAE9}"/>
+              </a:ext>
+            </a:extLst>
+          </p:cNvPr>
+          <p:cNvPicPr>
+            <a:picLocks noChangeAspect="1"/>
+          </p:cNvPicPr>
+          <p:nvPr/>
+        </p:nvPicPr>
+        <p:blipFill>
+          <a:blip r:embed="rId3">
+            <a:extLst>
+              <a:ext uri="{28A0092B-C50C-407E-A947-70E740481C1C}">
+                <a14:useLocalDpi xmlns:a14="http://schemas.microsoft.com/office/drawing/2010/main" val="0"/>
+              </a:ext>
+            </a:extLst>
+          </a:blip>
+          <a:stretch>
+            <a:fillRect/>
+          </a:stretch>
+        </p:blipFill>
+        <p:spPr>
+          <a:xfrm>
+            <a:off x="4534754" y="3253855"/>
+            <a:ext cx="347285" cy="361649"/>
+          </a:xfrm>
+          <a:prstGeom prst="rect">
+            <a:avLst/>
+          </a:prstGeom>
+        </p:spPr>
+      </p:pic>
+      <p:pic>
+        <p:nvPicPr>
+          <p:cNvPr id="7" name="図 6">
+            <a:extLst>
+              <a:ext uri="{FF2B5EF4-FFF2-40B4-BE49-F238E27FC236}">
+                <a16:creationId xmlns:a16="http://schemas.microsoft.com/office/drawing/2014/main" id="{B273B350-CD61-44EA-9A08-80CE4922DAB5}"/>
+              </a:ext>
+            </a:extLst>
+          </p:cNvPr>
+          <p:cNvPicPr>
+            <a:picLocks noChangeAspect="1"/>
+          </p:cNvPicPr>
+          <p:nvPr/>
+        </p:nvPicPr>
+        <p:blipFill>
+          <a:blip r:embed="rId4">
+            <a:extLst>
+              <a:ext uri="{28A0092B-C50C-407E-A947-70E740481C1C}">
+                <a14:useLocalDpi xmlns:a14="http://schemas.microsoft.com/office/drawing/2010/main" val="0"/>
+              </a:ext>
+            </a:extLst>
+          </a:blip>
+          <a:stretch>
+            <a:fillRect/>
+          </a:stretch>
+        </p:blipFill>
+        <p:spPr>
+          <a:xfrm>
+            <a:off x="6373946" y="1743958"/>
+            <a:ext cx="4893611" cy="3906750"/>
+          </a:xfrm>
+          <a:prstGeom prst="rect">
+            <a:avLst/>
+          </a:prstGeom>
+        </p:spPr>
+      </p:pic>
+      <p:sp>
+        <p:nvSpPr>
+          <p:cNvPr id="8" name="テキスト ボックス 7">
+            <a:extLst>
+              <a:ext uri="{FF2B5EF4-FFF2-40B4-BE49-F238E27FC236}">
+                <a16:creationId xmlns:a16="http://schemas.microsoft.com/office/drawing/2014/main" id="{F7133470-5B7F-4B38-B5A6-AF30B7E45F2B}"/>
+              </a:ext>
+            </a:extLst>
+          </p:cNvPr>
+          <p:cNvSpPr txBox="1"/>
+          <p:nvPr/>
+        </p:nvSpPr>
+        <p:spPr>
+          <a:xfrm>
+            <a:off x="7774375" y="5786735"/>
+            <a:ext cx="2092751" cy="461665"/>
+          </a:xfrm>
+          <a:prstGeom prst="rect">
+            <a:avLst/>
+          </a:prstGeom>
+          <a:noFill/>
+        </p:spPr>
+        <p:txBody>
+          <a:bodyPr wrap="square" rtlCol="0">
+            <a:spAutoFit/>
+          </a:bodyPr>
+          <a:lstStyle/>
+          <a:p>
+            <a:pPr algn="ctr"/>
+            <a:r>
+              <a:rPr kumimoji="1" lang="ja-JP" altLang="en-US" sz="2400" dirty="0"/>
+              <a:t>フィールド</a:t>
             </a:r>
           </a:p>
         </p:txBody>
@@ -6362,7 +6575,7 @@
     </p:spTree>
     <p:extLst>
       <p:ext uri="{BB962C8B-B14F-4D97-AF65-F5344CB8AC3E}">
-        <p14:creationId xmlns:p14="http://schemas.microsoft.com/office/powerpoint/2010/main" val="2451253760"/>
+        <p14:creationId xmlns:p14="http://schemas.microsoft.com/office/powerpoint/2010/main" val="975355761"/>
       </p:ext>
     </p:extLst>
   </p:cSld>
@@ -6417,10 +6630,16 @@
           </a:bodyPr>
           <a:lstStyle/>
           <a:p>
+            <a:pPr algn="l"/>
             <a:r>
               <a:rPr kumimoji="1" lang="ja-JP" altLang="en-US" sz="4800" dirty="0"/>
-              <a:t>子</a:t>
+              <a:t>子（逃げる）の操作   </a:t>
             </a:r>
+            <a:r>
+              <a:rPr kumimoji="1" lang="en-US" altLang="ja-JP" sz="4800" dirty="0"/>
+              <a:t>hide.py</a:t>
+            </a:r>
+            <a:endParaRPr kumimoji="1" lang="ja-JP" altLang="en-US" sz="4800" dirty="0"/>
           </a:p>
         </p:txBody>
       </p:sp>
@@ -6443,7 +6662,7 @@
         <p:spPr>
           <a:xfrm>
             <a:off x="913795" y="2076450"/>
-            <a:ext cx="10353762" cy="3714749"/>
+            <a:ext cx="5715605" cy="731255"/>
           </a:xfrm>
         </p:spPr>
         <p:txBody>
@@ -6454,31 +6673,63 @@
           <a:p>
             <a:r>
               <a:rPr kumimoji="1" lang="ja-JP" altLang="en-US" sz="2400" dirty="0"/>
-              <a:t>あらかじめブロックが配置されている</a:t>
+              <a:t>隠れたい位置に      を</a:t>
+            </a:r>
+            <a:r>
+              <a:rPr kumimoji="1" lang="en-US" altLang="ja-JP" sz="2400" dirty="0"/>
+              <a:t>3</a:t>
+            </a:r>
+            <a:r>
+              <a:rPr kumimoji="1" lang="ja-JP" altLang="en-US" sz="2400" dirty="0"/>
+              <a:t>つ配置する。</a:t>
             </a:r>
             <a:endParaRPr kumimoji="1" lang="en-US" altLang="ja-JP" sz="2400" dirty="0"/>
           </a:p>
-          <a:p>
+        </p:txBody>
+      </p:sp>
+      <p:sp>
+        <p:nvSpPr>
+          <p:cNvPr id="9" name="テキスト ボックス 8">
+            <a:extLst>
+              <a:ext uri="{FF2B5EF4-FFF2-40B4-BE49-F238E27FC236}">
+                <a16:creationId xmlns:a16="http://schemas.microsoft.com/office/drawing/2014/main" id="{CEB939EF-7D2F-4404-9AE8-76F0E2DED2DC}"/>
+              </a:ext>
+            </a:extLst>
+          </p:cNvPr>
+          <p:cNvSpPr txBox="1"/>
+          <p:nvPr/>
+        </p:nvSpPr>
+        <p:spPr>
+          <a:xfrm>
+            <a:off x="9139426" y="5039708"/>
+            <a:ext cx="2395579" cy="461665"/>
+          </a:xfrm>
+          <a:prstGeom prst="rect">
+            <a:avLst/>
+          </a:prstGeom>
+          <a:noFill/>
+        </p:spPr>
+        <p:txBody>
+          <a:bodyPr wrap="square" rtlCol="0">
+            <a:spAutoFit/>
+          </a:bodyPr>
+          <a:lstStyle/>
+          <a:p>
+            <a:pPr algn="ctr"/>
             <a:r>
-              <a:rPr kumimoji="1" lang="ja-JP" altLang="en-US" sz="2400" dirty="0"/>
-              <a:t>自分が隠れる位置をマウスで指定</a:t>
+              <a:rPr lang="ja-JP" altLang="en-US" sz="2400" dirty="0"/>
+              <a:t>子の操作例</a:t>
             </a:r>
-            <a:endParaRPr kumimoji="1" lang="en-US" altLang="ja-JP" sz="2400" dirty="0"/>
-          </a:p>
-          <a:p>
-            <a:r>
-              <a:rPr kumimoji="1" lang="ja-JP" altLang="en-US" sz="2400" dirty="0"/>
-              <a:t>鳥瞰視点</a:t>
-            </a:r>
+            <a:endParaRPr kumimoji="1" lang="ja-JP" altLang="en-US" sz="2400" dirty="0"/>
           </a:p>
         </p:txBody>
       </p:sp>
       <p:pic>
         <p:nvPicPr>
-          <p:cNvPr id="5" name="図 4">
+          <p:cNvPr id="15" name="図 14">
             <a:extLst>
               <a:ext uri="{FF2B5EF4-FFF2-40B4-BE49-F238E27FC236}">
-                <a16:creationId xmlns:a16="http://schemas.microsoft.com/office/drawing/2014/main" id="{3221EFF7-5AA1-431B-8B3C-F23128D80A2A}"/>
+                <a16:creationId xmlns:a16="http://schemas.microsoft.com/office/drawing/2014/main" id="{2D163731-7944-44F4-BD8A-B4B98AED2128}"/>
               </a:ext>
             </a:extLst>
           </p:cNvPr>
@@ -6501,8 +6752,8 @@
         </p:blipFill>
         <p:spPr>
           <a:xfrm>
-            <a:off x="6966626" y="1866900"/>
-            <a:ext cx="4649459" cy="3714749"/>
+            <a:off x="3482967" y="2147754"/>
+            <a:ext cx="347285" cy="361649"/>
           </a:xfrm>
           <a:prstGeom prst="rect">
             <a:avLst/>
@@ -6511,10 +6762,10 @@
       </p:pic>
       <p:pic>
         <p:nvPicPr>
-          <p:cNvPr id="7" name="図 6">
+          <p:cNvPr id="19" name="図 18">
             <a:extLst>
               <a:ext uri="{FF2B5EF4-FFF2-40B4-BE49-F238E27FC236}">
-                <a16:creationId xmlns:a16="http://schemas.microsoft.com/office/drawing/2014/main" id="{F1AB110F-C479-4C77-917A-B665950AAD92}"/>
+                <a16:creationId xmlns:a16="http://schemas.microsoft.com/office/drawing/2014/main" id="{E23AB025-368E-4A78-84EB-D23A52E33D40}"/>
               </a:ext>
             </a:extLst>
           </p:cNvPr>
@@ -6537,8 +6788,8 @@
         </p:blipFill>
         <p:spPr>
           <a:xfrm>
-            <a:off x="2790801" y="3933824"/>
-            <a:ext cx="1149409" cy="1162110"/>
+            <a:off x="8848029" y="2690182"/>
+            <a:ext cx="2793723" cy="2230332"/>
           </a:xfrm>
           <a:prstGeom prst="rect">
             <a:avLst/>
@@ -6547,73 +6798,4942 @@
       </p:pic>
       <p:sp>
         <p:nvSpPr>
-          <p:cNvPr id="8" name="テキスト ボックス 7">
+          <p:cNvPr id="20" name="矢印: 左 19">
             <a:extLst>
               <a:ext uri="{FF2B5EF4-FFF2-40B4-BE49-F238E27FC236}">
-                <a16:creationId xmlns:a16="http://schemas.microsoft.com/office/drawing/2014/main" id="{85E168C2-881A-4660-AFA0-EA1408394F3E}"/>
+                <a16:creationId xmlns:a16="http://schemas.microsoft.com/office/drawing/2014/main" id="{23E63F8A-FE0A-4751-84E7-904DC2FB4C62}"/>
               </a:ext>
             </a:extLst>
           </p:cNvPr>
-          <p:cNvSpPr txBox="1"/>
+          <p:cNvSpPr/>
+          <p:nvPr/>
+        </p:nvSpPr>
+        <p:spPr>
+          <a:xfrm rot="3600000">
+            <a:off x="10466674" y="4036930"/>
+            <a:ext cx="734685" cy="361649"/>
+          </a:xfrm>
+          <a:prstGeom prst="leftArrow">
+            <a:avLst>
+              <a:gd name="adj1" fmla="val 37382"/>
+              <a:gd name="adj2" fmla="val 140849"/>
+            </a:avLst>
+          </a:prstGeom>
+          <a:solidFill>
+            <a:schemeClr val="tx1"/>
+          </a:solidFill>
+        </p:spPr>
+        <p:style>
+          <a:lnRef idx="2">
+            <a:schemeClr val="dk1">
+              <a:shade val="50000"/>
+            </a:schemeClr>
+          </a:lnRef>
+          <a:fillRef idx="1">
+            <a:schemeClr val="dk1"/>
+          </a:fillRef>
+          <a:effectRef idx="0">
+            <a:schemeClr val="dk1"/>
+          </a:effectRef>
+          <a:fontRef idx="minor">
+            <a:schemeClr val="lt1"/>
+          </a:fontRef>
+        </p:style>
+        <p:txBody>
+          <a:bodyPr rtlCol="0" anchor="ctr"/>
+          <a:lstStyle/>
+          <a:p>
+            <a:pPr algn="ctr"/>
+            <a:endParaRPr kumimoji="1" lang="ja-JP" altLang="en-US"/>
+          </a:p>
+        </p:txBody>
+      </p:sp>
+      <p:grpSp>
+        <p:nvGrpSpPr>
+          <p:cNvPr id="28" name="グループ化 27">
+            <a:extLst>
+              <a:ext uri="{FF2B5EF4-FFF2-40B4-BE49-F238E27FC236}">
+                <a16:creationId xmlns:a16="http://schemas.microsoft.com/office/drawing/2014/main" id="{60F60965-13D8-4591-A892-39996BB21B7D}"/>
+              </a:ext>
+            </a:extLst>
+          </p:cNvPr>
+          <p:cNvGrpSpPr/>
+          <p:nvPr/>
+        </p:nvGrpSpPr>
+        <p:grpSpPr>
+          <a:xfrm>
+            <a:off x="348281" y="2791436"/>
+            <a:ext cx="2915913" cy="1837497"/>
+            <a:chOff x="1054805" y="2587380"/>
+            <a:chExt cx="2915913" cy="1837497"/>
+          </a:xfrm>
+        </p:grpSpPr>
+        <p:sp>
+          <p:nvSpPr>
+            <p:cNvPr id="21" name="コンテンツ プレースホルダー 2">
+              <a:extLst>
+                <a:ext uri="{FF2B5EF4-FFF2-40B4-BE49-F238E27FC236}">
+                  <a16:creationId xmlns:a16="http://schemas.microsoft.com/office/drawing/2014/main" id="{B976F52A-FB6B-4645-B8B4-861E65DF3918}"/>
+                </a:ext>
+              </a:extLst>
+            </p:cNvPr>
+            <p:cNvSpPr txBox="1">
+              <a:spLocks/>
+            </p:cNvSpPr>
+            <p:nvPr/>
+          </p:nvSpPr>
+          <p:spPr>
+            <a:xfrm>
+              <a:off x="1054805" y="2682125"/>
+              <a:ext cx="2915913" cy="1742752"/>
+            </a:xfrm>
+            <a:prstGeom prst="rect">
+              <a:avLst/>
+            </a:prstGeom>
+            <a:solidFill>
+              <a:schemeClr val="bg1"/>
+            </a:solidFill>
+          </p:spPr>
+          <p:style>
+            <a:lnRef idx="2">
+              <a:schemeClr val="accent5"/>
+            </a:lnRef>
+            <a:fillRef idx="1">
+              <a:schemeClr val="lt1"/>
+            </a:fillRef>
+            <a:effectRef idx="0">
+              <a:schemeClr val="accent5"/>
+            </a:effectRef>
+            <a:fontRef idx="minor">
+              <a:schemeClr val="dk1"/>
+            </a:fontRef>
+          </p:style>
+          <p:txBody>
+            <a:bodyPr vert="horz" lIns="91440" tIns="45720" rIns="91440" bIns="45720" rtlCol="0" anchor="ctr">
+              <a:normAutofit/>
+            </a:bodyPr>
+            <a:lstStyle>
+              <a:lvl1pPr marL="342900" indent="-306000" algn="l" defTabSz="457200" rtl="0" eaLnBrk="1" latinLnBrk="0" hangingPunct="1">
+                <a:lnSpc>
+                  <a:spcPct val="110000"/>
+                </a:lnSpc>
+                <a:spcBef>
+                  <a:spcPct val="20000"/>
+                </a:spcBef>
+                <a:spcAft>
+                  <a:spcPts val="600"/>
+                </a:spcAft>
+                <a:buClr>
+                  <a:schemeClr val="tx2"/>
+                </a:buClr>
+                <a:buSzPct val="70000"/>
+                <a:buFont typeface="Wingdings 2" charset="2"/>
+                <a:buChar char=""/>
+                <a:defRPr sz="1900" kern="1200">
+                  <a:ln>
+                    <a:solidFill>
+                      <a:schemeClr val="bg1">
+                        <a:lumMod val="75000"/>
+                        <a:lumOff val="25000"/>
+                        <a:alpha val="10000"/>
+                      </a:schemeClr>
+                    </a:solidFill>
+                  </a:ln>
+                  <a:solidFill>
+                    <a:schemeClr val="tx2"/>
+                  </a:solidFill>
+                  <a:effectLst>
+                    <a:outerShdw blurRad="9525" dist="25400" dir="14640000" algn="tl" rotWithShape="0">
+                      <a:schemeClr val="bg1">
+                        <a:alpha val="30000"/>
+                      </a:schemeClr>
+                    </a:outerShdw>
+                  </a:effectLst>
+                  <a:latin typeface="+mn-lt"/>
+                  <a:ea typeface="+mn-ea"/>
+                  <a:cs typeface="+mn-cs"/>
+                </a:defRPr>
+              </a:lvl1pPr>
+              <a:lvl2pPr marL="720000" indent="-270000" algn="l" defTabSz="457200" rtl="0" eaLnBrk="1" latinLnBrk="0" hangingPunct="1">
+                <a:spcBef>
+                  <a:spcPct val="20000"/>
+                </a:spcBef>
+                <a:spcAft>
+                  <a:spcPts val="600"/>
+                </a:spcAft>
+                <a:buClr>
+                  <a:schemeClr val="tx2"/>
+                </a:buClr>
+                <a:buSzPct val="70000"/>
+                <a:buFont typeface="Wingdings 2" charset="2"/>
+                <a:buChar char=""/>
+                <a:defRPr sz="1700" kern="1200">
+                  <a:ln>
+                    <a:solidFill>
+                      <a:schemeClr val="bg1">
+                        <a:lumMod val="75000"/>
+                        <a:lumOff val="25000"/>
+                        <a:alpha val="10000"/>
+                      </a:schemeClr>
+                    </a:solidFill>
+                  </a:ln>
+                  <a:solidFill>
+                    <a:schemeClr val="tx2"/>
+                  </a:solidFill>
+                  <a:effectLst>
+                    <a:outerShdw blurRad="9525" dist="25400" dir="14640000" algn="tl" rotWithShape="0">
+                      <a:schemeClr val="bg1">
+                        <a:alpha val="30000"/>
+                      </a:schemeClr>
+                    </a:outerShdw>
+                  </a:effectLst>
+                  <a:latin typeface="+mn-lt"/>
+                  <a:ea typeface="+mn-ea"/>
+                  <a:cs typeface="+mn-cs"/>
+                </a:defRPr>
+              </a:lvl2pPr>
+              <a:lvl3pPr marL="1026000" indent="-216000" algn="l" defTabSz="457200" rtl="0" eaLnBrk="1" latinLnBrk="0" hangingPunct="1">
+                <a:spcBef>
+                  <a:spcPct val="20000"/>
+                </a:spcBef>
+                <a:spcAft>
+                  <a:spcPts val="600"/>
+                </a:spcAft>
+                <a:buClr>
+                  <a:schemeClr val="tx2"/>
+                </a:buClr>
+                <a:buSzPct val="70000"/>
+                <a:buFont typeface="Wingdings 2" charset="2"/>
+                <a:buChar char=""/>
+                <a:defRPr sz="1500" kern="1200">
+                  <a:ln>
+                    <a:solidFill>
+                      <a:schemeClr val="bg1">
+                        <a:lumMod val="75000"/>
+                        <a:lumOff val="25000"/>
+                        <a:alpha val="10000"/>
+                      </a:schemeClr>
+                    </a:solidFill>
+                  </a:ln>
+                  <a:solidFill>
+                    <a:schemeClr val="tx2"/>
+                  </a:solidFill>
+                  <a:effectLst>
+                    <a:outerShdw blurRad="9525" dist="25400" dir="14640000" algn="tl" rotWithShape="0">
+                      <a:schemeClr val="bg1">
+                        <a:alpha val="30000"/>
+                      </a:schemeClr>
+                    </a:outerShdw>
+                  </a:effectLst>
+                  <a:latin typeface="+mn-lt"/>
+                  <a:ea typeface="+mn-ea"/>
+                  <a:cs typeface="+mn-cs"/>
+                </a:defRPr>
+              </a:lvl3pPr>
+              <a:lvl4pPr marL="1386000" indent="-216000" algn="l" defTabSz="457200" rtl="0" eaLnBrk="1" latinLnBrk="0" hangingPunct="1">
+                <a:spcBef>
+                  <a:spcPct val="20000"/>
+                </a:spcBef>
+                <a:spcAft>
+                  <a:spcPts val="600"/>
+                </a:spcAft>
+                <a:buClr>
+                  <a:schemeClr val="tx2"/>
+                </a:buClr>
+                <a:buSzPct val="70000"/>
+                <a:buFont typeface="Wingdings 2" charset="2"/>
+                <a:buChar char=""/>
+                <a:defRPr sz="1300" kern="1200">
+                  <a:ln>
+                    <a:solidFill>
+                      <a:schemeClr val="bg1">
+                        <a:lumMod val="75000"/>
+                        <a:lumOff val="25000"/>
+                        <a:alpha val="10000"/>
+                      </a:schemeClr>
+                    </a:solidFill>
+                  </a:ln>
+                  <a:solidFill>
+                    <a:schemeClr val="tx2"/>
+                  </a:solidFill>
+                  <a:effectLst>
+                    <a:outerShdw blurRad="9525" dist="25400" dir="14640000" algn="tl" rotWithShape="0">
+                      <a:schemeClr val="bg1">
+                        <a:alpha val="30000"/>
+                      </a:schemeClr>
+                    </a:outerShdw>
+                  </a:effectLst>
+                  <a:latin typeface="+mn-lt"/>
+                  <a:ea typeface="+mn-ea"/>
+                  <a:cs typeface="+mn-cs"/>
+                </a:defRPr>
+              </a:lvl4pPr>
+              <a:lvl5pPr marL="1674000" indent="-216000" algn="l" defTabSz="457200" rtl="0" eaLnBrk="1" latinLnBrk="0" hangingPunct="1">
+                <a:spcBef>
+                  <a:spcPct val="20000"/>
+                </a:spcBef>
+                <a:spcAft>
+                  <a:spcPts val="600"/>
+                </a:spcAft>
+                <a:buClr>
+                  <a:schemeClr val="tx2"/>
+                </a:buClr>
+                <a:buSzPct val="70000"/>
+                <a:buFont typeface="Wingdings 2" charset="2"/>
+                <a:buChar char=""/>
+                <a:defRPr sz="1300" kern="1200">
+                  <a:ln>
+                    <a:solidFill>
+                      <a:schemeClr val="bg1">
+                        <a:lumMod val="75000"/>
+                        <a:lumOff val="25000"/>
+                        <a:alpha val="10000"/>
+                      </a:schemeClr>
+                    </a:solidFill>
+                  </a:ln>
+                  <a:solidFill>
+                    <a:schemeClr val="tx2"/>
+                  </a:solidFill>
+                  <a:effectLst>
+                    <a:outerShdw blurRad="9525" dist="25400" dir="14640000" algn="tl" rotWithShape="0">
+                      <a:schemeClr val="bg1">
+                        <a:alpha val="30000"/>
+                      </a:schemeClr>
+                    </a:outerShdw>
+                  </a:effectLst>
+                  <a:latin typeface="+mn-lt"/>
+                  <a:ea typeface="+mn-ea"/>
+                  <a:cs typeface="+mn-cs"/>
+                </a:defRPr>
+              </a:lvl5pPr>
+              <a:lvl6pPr marL="2014600" indent="-228600" algn="l" defTabSz="457200" rtl="0" eaLnBrk="1" latinLnBrk="0" hangingPunct="1">
+                <a:spcBef>
+                  <a:spcPct val="20000"/>
+                </a:spcBef>
+                <a:spcAft>
+                  <a:spcPts val="600"/>
+                </a:spcAft>
+                <a:buClr>
+                  <a:schemeClr val="tx2"/>
+                </a:buClr>
+                <a:buSzPct val="70000"/>
+                <a:buFont typeface="Wingdings 2" charset="2"/>
+                <a:buChar char=""/>
+                <a:defRPr sz="1400" kern="1200">
+                  <a:ln>
+                    <a:solidFill>
+                      <a:schemeClr val="bg1">
+                        <a:lumMod val="75000"/>
+                        <a:lumOff val="25000"/>
+                        <a:alpha val="10000"/>
+                      </a:schemeClr>
+                    </a:solidFill>
+                  </a:ln>
+                  <a:solidFill>
+                    <a:schemeClr val="tx2"/>
+                  </a:solidFill>
+                  <a:effectLst>
+                    <a:outerShdw blurRad="9525" dist="25400" dir="14640000" algn="tl" rotWithShape="0">
+                      <a:schemeClr val="bg1">
+                        <a:alpha val="30000"/>
+                      </a:schemeClr>
+                    </a:outerShdw>
+                  </a:effectLst>
+                  <a:latin typeface="+mn-lt"/>
+                  <a:ea typeface="+mn-ea"/>
+                  <a:cs typeface="+mn-cs"/>
+                </a:defRPr>
+              </a:lvl6pPr>
+              <a:lvl7pPr marL="2401800" indent="-228600" algn="l" defTabSz="457200" rtl="0" eaLnBrk="1" latinLnBrk="0" hangingPunct="1">
+                <a:spcBef>
+                  <a:spcPct val="20000"/>
+                </a:spcBef>
+                <a:spcAft>
+                  <a:spcPts val="600"/>
+                </a:spcAft>
+                <a:buClr>
+                  <a:schemeClr val="tx2"/>
+                </a:buClr>
+                <a:buSzPct val="70000"/>
+                <a:buFont typeface="Wingdings 2" charset="2"/>
+                <a:buChar char=""/>
+                <a:defRPr sz="1400" kern="1200">
+                  <a:ln>
+                    <a:solidFill>
+                      <a:schemeClr val="bg1">
+                        <a:lumMod val="75000"/>
+                        <a:lumOff val="25000"/>
+                        <a:alpha val="10000"/>
+                      </a:schemeClr>
+                    </a:solidFill>
+                  </a:ln>
+                  <a:solidFill>
+                    <a:schemeClr val="tx2"/>
+                  </a:solidFill>
+                  <a:effectLst>
+                    <a:outerShdw blurRad="9525" dist="25400" dir="14640000" algn="tl" rotWithShape="0">
+                      <a:schemeClr val="bg1">
+                        <a:alpha val="30000"/>
+                      </a:schemeClr>
+                    </a:outerShdw>
+                  </a:effectLst>
+                  <a:latin typeface="+mn-lt"/>
+                  <a:ea typeface="+mn-ea"/>
+                  <a:cs typeface="+mn-cs"/>
+                </a:defRPr>
+              </a:lvl7pPr>
+              <a:lvl8pPr marL="2789000" indent="-228600" algn="l" defTabSz="457200" rtl="0" eaLnBrk="1" latinLnBrk="0" hangingPunct="1">
+                <a:spcBef>
+                  <a:spcPct val="20000"/>
+                </a:spcBef>
+                <a:spcAft>
+                  <a:spcPts val="600"/>
+                </a:spcAft>
+                <a:buClr>
+                  <a:schemeClr val="tx2"/>
+                </a:buClr>
+                <a:buSzPct val="70000"/>
+                <a:buFont typeface="Wingdings 2" charset="2"/>
+                <a:buChar char=""/>
+                <a:defRPr sz="1400" kern="1200">
+                  <a:ln>
+                    <a:solidFill>
+                      <a:schemeClr val="bg1">
+                        <a:lumMod val="75000"/>
+                        <a:lumOff val="25000"/>
+                        <a:alpha val="10000"/>
+                      </a:schemeClr>
+                    </a:solidFill>
+                  </a:ln>
+                  <a:solidFill>
+                    <a:schemeClr val="tx2"/>
+                  </a:solidFill>
+                  <a:effectLst>
+                    <a:outerShdw blurRad="9525" dist="25400" dir="14640000" algn="tl" rotWithShape="0">
+                      <a:schemeClr val="bg1">
+                        <a:alpha val="30000"/>
+                      </a:schemeClr>
+                    </a:outerShdw>
+                  </a:effectLst>
+                  <a:latin typeface="+mn-lt"/>
+                  <a:ea typeface="+mn-ea"/>
+                  <a:cs typeface="+mn-cs"/>
+                </a:defRPr>
+              </a:lvl8pPr>
+              <a:lvl9pPr marL="3106200" indent="-228600" algn="l" defTabSz="457200" rtl="0" eaLnBrk="1" latinLnBrk="0" hangingPunct="1">
+                <a:spcBef>
+                  <a:spcPct val="20000"/>
+                </a:spcBef>
+                <a:spcAft>
+                  <a:spcPts val="600"/>
+                </a:spcAft>
+                <a:buClr>
+                  <a:schemeClr val="tx2"/>
+                </a:buClr>
+                <a:buSzPct val="70000"/>
+                <a:buFont typeface="Wingdings 2" charset="2"/>
+                <a:buChar char=""/>
+                <a:defRPr sz="1400" kern="1200">
+                  <a:ln>
+                    <a:solidFill>
+                      <a:schemeClr val="bg1">
+                        <a:lumMod val="75000"/>
+                        <a:lumOff val="25000"/>
+                        <a:alpha val="10000"/>
+                      </a:schemeClr>
+                    </a:solidFill>
+                  </a:ln>
+                  <a:solidFill>
+                    <a:schemeClr val="tx2"/>
+                  </a:solidFill>
+                  <a:effectLst>
+                    <a:outerShdw blurRad="9525" dist="25400" dir="14640000" algn="tl" rotWithShape="0">
+                      <a:schemeClr val="bg1">
+                        <a:alpha val="30000"/>
+                      </a:schemeClr>
+                    </a:outerShdw>
+                  </a:effectLst>
+                  <a:latin typeface="+mn-lt"/>
+                  <a:ea typeface="+mn-ea"/>
+                  <a:cs typeface="+mn-cs"/>
+                </a:defRPr>
+              </a:lvl9pPr>
+            </a:lstStyle>
+            <a:p>
+              <a:pPr marL="36900" indent="0">
+                <a:buNone/>
+              </a:pPr>
+              <a:endParaRPr kumimoji="1" lang="en-US" altLang="ja-JP" sz="2400" dirty="0"/>
+            </a:p>
+            <a:p>
+              <a:pPr marL="36900" indent="0">
+                <a:buNone/>
+              </a:pPr>
+              <a:r>
+                <a:rPr kumimoji="1" lang="ja-JP" altLang="en-US" sz="2400" dirty="0"/>
+                <a:t>ポインタの位置に</a:t>
+              </a:r>
+              <a:endParaRPr kumimoji="1" lang="en-US" altLang="ja-JP" sz="2400" dirty="0"/>
+            </a:p>
+            <a:p>
+              <a:pPr marL="36900" indent="0">
+                <a:buNone/>
+              </a:pPr>
+              <a:r>
+                <a:rPr kumimoji="1" lang="ja-JP" altLang="en-US" sz="2400" dirty="0"/>
+                <a:t>を配置する</a:t>
+              </a:r>
+              <a:endParaRPr kumimoji="1" lang="en-US" altLang="ja-JP" sz="2400" dirty="0"/>
+            </a:p>
+          </p:txBody>
+        </p:sp>
+        <p:sp>
+          <p:nvSpPr>
+            <p:cNvPr id="23" name="コンテンツ プレースホルダー 2">
+              <a:extLst>
+                <a:ext uri="{FF2B5EF4-FFF2-40B4-BE49-F238E27FC236}">
+                  <a16:creationId xmlns:a16="http://schemas.microsoft.com/office/drawing/2014/main" id="{D281BB2E-77A7-4300-B6AB-CBD48310386B}"/>
+                </a:ext>
+              </a:extLst>
+            </p:cNvPr>
+            <p:cNvSpPr txBox="1">
+              <a:spLocks/>
+            </p:cNvSpPr>
+            <p:nvPr/>
+          </p:nvSpPr>
+          <p:spPr>
+            <a:xfrm>
+              <a:off x="1519717" y="2587380"/>
+              <a:ext cx="1986087" cy="731255"/>
+            </a:xfrm>
+            <a:prstGeom prst="roundRect">
+              <a:avLst/>
+            </a:prstGeom>
+          </p:spPr>
+          <p:style>
+            <a:lnRef idx="1">
+              <a:schemeClr val="accent5"/>
+            </a:lnRef>
+            <a:fillRef idx="3">
+              <a:schemeClr val="accent5"/>
+            </a:fillRef>
+            <a:effectRef idx="2">
+              <a:schemeClr val="accent5"/>
+            </a:effectRef>
+            <a:fontRef idx="minor">
+              <a:schemeClr val="lt1"/>
+            </a:fontRef>
+          </p:style>
+          <p:txBody>
+            <a:bodyPr vert="horz" lIns="91440" tIns="45720" rIns="91440" bIns="45720" rtlCol="0" anchor="ctr">
+              <a:normAutofit/>
+            </a:bodyPr>
+            <a:lstStyle>
+              <a:lvl1pPr marL="342900" indent="-306000" algn="l" defTabSz="457200" rtl="0" eaLnBrk="1" latinLnBrk="0" hangingPunct="1">
+                <a:lnSpc>
+                  <a:spcPct val="110000"/>
+                </a:lnSpc>
+                <a:spcBef>
+                  <a:spcPct val="20000"/>
+                </a:spcBef>
+                <a:spcAft>
+                  <a:spcPts val="600"/>
+                </a:spcAft>
+                <a:buClr>
+                  <a:schemeClr val="tx2"/>
+                </a:buClr>
+                <a:buSzPct val="70000"/>
+                <a:buFont typeface="Wingdings 2" charset="2"/>
+                <a:buChar char=""/>
+                <a:defRPr sz="1900" kern="1200">
+                  <a:ln>
+                    <a:solidFill>
+                      <a:schemeClr val="bg1">
+                        <a:lumMod val="75000"/>
+                        <a:lumOff val="25000"/>
+                        <a:alpha val="10000"/>
+                      </a:schemeClr>
+                    </a:solidFill>
+                  </a:ln>
+                  <a:solidFill>
+                    <a:schemeClr val="tx2"/>
+                  </a:solidFill>
+                  <a:effectLst>
+                    <a:outerShdw blurRad="9525" dist="25400" dir="14640000" algn="tl" rotWithShape="0">
+                      <a:schemeClr val="bg1">
+                        <a:alpha val="30000"/>
+                      </a:schemeClr>
+                    </a:outerShdw>
+                  </a:effectLst>
+                  <a:latin typeface="+mn-lt"/>
+                  <a:ea typeface="+mn-ea"/>
+                  <a:cs typeface="+mn-cs"/>
+                </a:defRPr>
+              </a:lvl1pPr>
+              <a:lvl2pPr marL="720000" indent="-270000" algn="l" defTabSz="457200" rtl="0" eaLnBrk="1" latinLnBrk="0" hangingPunct="1">
+                <a:spcBef>
+                  <a:spcPct val="20000"/>
+                </a:spcBef>
+                <a:spcAft>
+                  <a:spcPts val="600"/>
+                </a:spcAft>
+                <a:buClr>
+                  <a:schemeClr val="tx2"/>
+                </a:buClr>
+                <a:buSzPct val="70000"/>
+                <a:buFont typeface="Wingdings 2" charset="2"/>
+                <a:buChar char=""/>
+                <a:defRPr sz="1700" kern="1200">
+                  <a:ln>
+                    <a:solidFill>
+                      <a:schemeClr val="bg1">
+                        <a:lumMod val="75000"/>
+                        <a:lumOff val="25000"/>
+                        <a:alpha val="10000"/>
+                      </a:schemeClr>
+                    </a:solidFill>
+                  </a:ln>
+                  <a:solidFill>
+                    <a:schemeClr val="tx2"/>
+                  </a:solidFill>
+                  <a:effectLst>
+                    <a:outerShdw blurRad="9525" dist="25400" dir="14640000" algn="tl" rotWithShape="0">
+                      <a:schemeClr val="bg1">
+                        <a:alpha val="30000"/>
+                      </a:schemeClr>
+                    </a:outerShdw>
+                  </a:effectLst>
+                  <a:latin typeface="+mn-lt"/>
+                  <a:ea typeface="+mn-ea"/>
+                  <a:cs typeface="+mn-cs"/>
+                </a:defRPr>
+              </a:lvl2pPr>
+              <a:lvl3pPr marL="1026000" indent="-216000" algn="l" defTabSz="457200" rtl="0" eaLnBrk="1" latinLnBrk="0" hangingPunct="1">
+                <a:spcBef>
+                  <a:spcPct val="20000"/>
+                </a:spcBef>
+                <a:spcAft>
+                  <a:spcPts val="600"/>
+                </a:spcAft>
+                <a:buClr>
+                  <a:schemeClr val="tx2"/>
+                </a:buClr>
+                <a:buSzPct val="70000"/>
+                <a:buFont typeface="Wingdings 2" charset="2"/>
+                <a:buChar char=""/>
+                <a:defRPr sz="1500" kern="1200">
+                  <a:ln>
+                    <a:solidFill>
+                      <a:schemeClr val="bg1">
+                        <a:lumMod val="75000"/>
+                        <a:lumOff val="25000"/>
+                        <a:alpha val="10000"/>
+                      </a:schemeClr>
+                    </a:solidFill>
+                  </a:ln>
+                  <a:solidFill>
+                    <a:schemeClr val="tx2"/>
+                  </a:solidFill>
+                  <a:effectLst>
+                    <a:outerShdw blurRad="9525" dist="25400" dir="14640000" algn="tl" rotWithShape="0">
+                      <a:schemeClr val="bg1">
+                        <a:alpha val="30000"/>
+                      </a:schemeClr>
+                    </a:outerShdw>
+                  </a:effectLst>
+                  <a:latin typeface="+mn-lt"/>
+                  <a:ea typeface="+mn-ea"/>
+                  <a:cs typeface="+mn-cs"/>
+                </a:defRPr>
+              </a:lvl3pPr>
+              <a:lvl4pPr marL="1386000" indent="-216000" algn="l" defTabSz="457200" rtl="0" eaLnBrk="1" latinLnBrk="0" hangingPunct="1">
+                <a:spcBef>
+                  <a:spcPct val="20000"/>
+                </a:spcBef>
+                <a:spcAft>
+                  <a:spcPts val="600"/>
+                </a:spcAft>
+                <a:buClr>
+                  <a:schemeClr val="tx2"/>
+                </a:buClr>
+                <a:buSzPct val="70000"/>
+                <a:buFont typeface="Wingdings 2" charset="2"/>
+                <a:buChar char=""/>
+                <a:defRPr sz="1300" kern="1200">
+                  <a:ln>
+                    <a:solidFill>
+                      <a:schemeClr val="bg1">
+                        <a:lumMod val="75000"/>
+                        <a:lumOff val="25000"/>
+                        <a:alpha val="10000"/>
+                      </a:schemeClr>
+                    </a:solidFill>
+                  </a:ln>
+                  <a:solidFill>
+                    <a:schemeClr val="tx2"/>
+                  </a:solidFill>
+                  <a:effectLst>
+                    <a:outerShdw blurRad="9525" dist="25400" dir="14640000" algn="tl" rotWithShape="0">
+                      <a:schemeClr val="bg1">
+                        <a:alpha val="30000"/>
+                      </a:schemeClr>
+                    </a:outerShdw>
+                  </a:effectLst>
+                  <a:latin typeface="+mn-lt"/>
+                  <a:ea typeface="+mn-ea"/>
+                  <a:cs typeface="+mn-cs"/>
+                </a:defRPr>
+              </a:lvl4pPr>
+              <a:lvl5pPr marL="1674000" indent="-216000" algn="l" defTabSz="457200" rtl="0" eaLnBrk="1" latinLnBrk="0" hangingPunct="1">
+                <a:spcBef>
+                  <a:spcPct val="20000"/>
+                </a:spcBef>
+                <a:spcAft>
+                  <a:spcPts val="600"/>
+                </a:spcAft>
+                <a:buClr>
+                  <a:schemeClr val="tx2"/>
+                </a:buClr>
+                <a:buSzPct val="70000"/>
+                <a:buFont typeface="Wingdings 2" charset="2"/>
+                <a:buChar char=""/>
+                <a:defRPr sz="1300" kern="1200">
+                  <a:ln>
+                    <a:solidFill>
+                      <a:schemeClr val="bg1">
+                        <a:lumMod val="75000"/>
+                        <a:lumOff val="25000"/>
+                        <a:alpha val="10000"/>
+                      </a:schemeClr>
+                    </a:solidFill>
+                  </a:ln>
+                  <a:solidFill>
+                    <a:schemeClr val="tx2"/>
+                  </a:solidFill>
+                  <a:effectLst>
+                    <a:outerShdw blurRad="9525" dist="25400" dir="14640000" algn="tl" rotWithShape="0">
+                      <a:schemeClr val="bg1">
+                        <a:alpha val="30000"/>
+                      </a:schemeClr>
+                    </a:outerShdw>
+                  </a:effectLst>
+                  <a:latin typeface="+mn-lt"/>
+                  <a:ea typeface="+mn-ea"/>
+                  <a:cs typeface="+mn-cs"/>
+                </a:defRPr>
+              </a:lvl5pPr>
+              <a:lvl6pPr marL="2014600" indent="-228600" algn="l" defTabSz="457200" rtl="0" eaLnBrk="1" latinLnBrk="0" hangingPunct="1">
+                <a:spcBef>
+                  <a:spcPct val="20000"/>
+                </a:spcBef>
+                <a:spcAft>
+                  <a:spcPts val="600"/>
+                </a:spcAft>
+                <a:buClr>
+                  <a:schemeClr val="tx2"/>
+                </a:buClr>
+                <a:buSzPct val="70000"/>
+                <a:buFont typeface="Wingdings 2" charset="2"/>
+                <a:buChar char=""/>
+                <a:defRPr sz="1400" kern="1200">
+                  <a:ln>
+                    <a:solidFill>
+                      <a:schemeClr val="bg1">
+                        <a:lumMod val="75000"/>
+                        <a:lumOff val="25000"/>
+                        <a:alpha val="10000"/>
+                      </a:schemeClr>
+                    </a:solidFill>
+                  </a:ln>
+                  <a:solidFill>
+                    <a:schemeClr val="tx2"/>
+                  </a:solidFill>
+                  <a:effectLst>
+                    <a:outerShdw blurRad="9525" dist="25400" dir="14640000" algn="tl" rotWithShape="0">
+                      <a:schemeClr val="bg1">
+                        <a:alpha val="30000"/>
+                      </a:schemeClr>
+                    </a:outerShdw>
+                  </a:effectLst>
+                  <a:latin typeface="+mn-lt"/>
+                  <a:ea typeface="+mn-ea"/>
+                  <a:cs typeface="+mn-cs"/>
+                </a:defRPr>
+              </a:lvl6pPr>
+              <a:lvl7pPr marL="2401800" indent="-228600" algn="l" defTabSz="457200" rtl="0" eaLnBrk="1" latinLnBrk="0" hangingPunct="1">
+                <a:spcBef>
+                  <a:spcPct val="20000"/>
+                </a:spcBef>
+                <a:spcAft>
+                  <a:spcPts val="600"/>
+                </a:spcAft>
+                <a:buClr>
+                  <a:schemeClr val="tx2"/>
+                </a:buClr>
+                <a:buSzPct val="70000"/>
+                <a:buFont typeface="Wingdings 2" charset="2"/>
+                <a:buChar char=""/>
+                <a:defRPr sz="1400" kern="1200">
+                  <a:ln>
+                    <a:solidFill>
+                      <a:schemeClr val="bg1">
+                        <a:lumMod val="75000"/>
+                        <a:lumOff val="25000"/>
+                        <a:alpha val="10000"/>
+                      </a:schemeClr>
+                    </a:solidFill>
+                  </a:ln>
+                  <a:solidFill>
+                    <a:schemeClr val="tx2"/>
+                  </a:solidFill>
+                  <a:effectLst>
+                    <a:outerShdw blurRad="9525" dist="25400" dir="14640000" algn="tl" rotWithShape="0">
+                      <a:schemeClr val="bg1">
+                        <a:alpha val="30000"/>
+                      </a:schemeClr>
+                    </a:outerShdw>
+                  </a:effectLst>
+                  <a:latin typeface="+mn-lt"/>
+                  <a:ea typeface="+mn-ea"/>
+                  <a:cs typeface="+mn-cs"/>
+                </a:defRPr>
+              </a:lvl7pPr>
+              <a:lvl8pPr marL="2789000" indent="-228600" algn="l" defTabSz="457200" rtl="0" eaLnBrk="1" latinLnBrk="0" hangingPunct="1">
+                <a:spcBef>
+                  <a:spcPct val="20000"/>
+                </a:spcBef>
+                <a:spcAft>
+                  <a:spcPts val="600"/>
+                </a:spcAft>
+                <a:buClr>
+                  <a:schemeClr val="tx2"/>
+                </a:buClr>
+                <a:buSzPct val="70000"/>
+                <a:buFont typeface="Wingdings 2" charset="2"/>
+                <a:buChar char=""/>
+                <a:defRPr sz="1400" kern="1200">
+                  <a:ln>
+                    <a:solidFill>
+                      <a:schemeClr val="bg1">
+                        <a:lumMod val="75000"/>
+                        <a:lumOff val="25000"/>
+                        <a:alpha val="10000"/>
+                      </a:schemeClr>
+                    </a:solidFill>
+                  </a:ln>
+                  <a:solidFill>
+                    <a:schemeClr val="tx2"/>
+                  </a:solidFill>
+                  <a:effectLst>
+                    <a:outerShdw blurRad="9525" dist="25400" dir="14640000" algn="tl" rotWithShape="0">
+                      <a:schemeClr val="bg1">
+                        <a:alpha val="30000"/>
+                      </a:schemeClr>
+                    </a:outerShdw>
+                  </a:effectLst>
+                  <a:latin typeface="+mn-lt"/>
+                  <a:ea typeface="+mn-ea"/>
+                  <a:cs typeface="+mn-cs"/>
+                </a:defRPr>
+              </a:lvl8pPr>
+              <a:lvl9pPr marL="3106200" indent="-228600" algn="l" defTabSz="457200" rtl="0" eaLnBrk="1" latinLnBrk="0" hangingPunct="1">
+                <a:spcBef>
+                  <a:spcPct val="20000"/>
+                </a:spcBef>
+                <a:spcAft>
+                  <a:spcPts val="600"/>
+                </a:spcAft>
+                <a:buClr>
+                  <a:schemeClr val="tx2"/>
+                </a:buClr>
+                <a:buSzPct val="70000"/>
+                <a:buFont typeface="Wingdings 2" charset="2"/>
+                <a:buChar char=""/>
+                <a:defRPr sz="1400" kern="1200">
+                  <a:ln>
+                    <a:solidFill>
+                      <a:schemeClr val="bg1">
+                        <a:lumMod val="75000"/>
+                        <a:lumOff val="25000"/>
+                        <a:alpha val="10000"/>
+                      </a:schemeClr>
+                    </a:solidFill>
+                  </a:ln>
+                  <a:solidFill>
+                    <a:schemeClr val="tx2"/>
+                  </a:solidFill>
+                  <a:effectLst>
+                    <a:outerShdw blurRad="9525" dist="25400" dir="14640000" algn="tl" rotWithShape="0">
+                      <a:schemeClr val="bg1">
+                        <a:alpha val="30000"/>
+                      </a:schemeClr>
+                    </a:outerShdw>
+                  </a:effectLst>
+                  <a:latin typeface="+mn-lt"/>
+                  <a:ea typeface="+mn-ea"/>
+                  <a:cs typeface="+mn-cs"/>
+                </a:defRPr>
+              </a:lvl9pPr>
+            </a:lstStyle>
+            <a:p>
+              <a:r>
+                <a:rPr kumimoji="1" lang="ja-JP" altLang="en-US" sz="2400" dirty="0"/>
+                <a:t>左クリック</a:t>
+              </a:r>
+              <a:endParaRPr kumimoji="1" lang="en-US" altLang="ja-JP" sz="2400" dirty="0"/>
+            </a:p>
+          </p:txBody>
+        </p:sp>
+      </p:grpSp>
+      <p:grpSp>
+        <p:nvGrpSpPr>
+          <p:cNvPr id="29" name="グループ化 28">
+            <a:extLst>
+              <a:ext uri="{FF2B5EF4-FFF2-40B4-BE49-F238E27FC236}">
+                <a16:creationId xmlns:a16="http://schemas.microsoft.com/office/drawing/2014/main" id="{048D419C-8B4D-47A0-AB82-47519CC9C50C}"/>
+              </a:ext>
+            </a:extLst>
+          </p:cNvPr>
+          <p:cNvGrpSpPr/>
+          <p:nvPr/>
+        </p:nvGrpSpPr>
+        <p:grpSpPr>
+          <a:xfrm>
+            <a:off x="4536528" y="2788797"/>
+            <a:ext cx="2915913" cy="1837497"/>
+            <a:chOff x="1054805" y="2587380"/>
+            <a:chExt cx="2915913" cy="1837497"/>
+          </a:xfrm>
+        </p:grpSpPr>
+        <p:sp>
+          <p:nvSpPr>
+            <p:cNvPr id="30" name="コンテンツ プレースホルダー 2">
+              <a:extLst>
+                <a:ext uri="{FF2B5EF4-FFF2-40B4-BE49-F238E27FC236}">
+                  <a16:creationId xmlns:a16="http://schemas.microsoft.com/office/drawing/2014/main" id="{C8C91560-3A33-43B5-9DAA-0C200DB7BD80}"/>
+                </a:ext>
+              </a:extLst>
+            </p:cNvPr>
+            <p:cNvSpPr txBox="1">
+              <a:spLocks/>
+            </p:cNvSpPr>
+            <p:nvPr/>
+          </p:nvSpPr>
+          <p:spPr>
+            <a:xfrm>
+              <a:off x="1054805" y="2682124"/>
+              <a:ext cx="2915913" cy="1742753"/>
+            </a:xfrm>
+            <a:prstGeom prst="rect">
+              <a:avLst/>
+            </a:prstGeom>
+            <a:solidFill>
+              <a:schemeClr val="bg1"/>
+            </a:solidFill>
+          </p:spPr>
+          <p:style>
+            <a:lnRef idx="2">
+              <a:schemeClr val="accent5"/>
+            </a:lnRef>
+            <a:fillRef idx="1">
+              <a:schemeClr val="lt1"/>
+            </a:fillRef>
+            <a:effectRef idx="0">
+              <a:schemeClr val="accent5"/>
+            </a:effectRef>
+            <a:fontRef idx="minor">
+              <a:schemeClr val="dk1"/>
+            </a:fontRef>
+          </p:style>
+          <p:txBody>
+            <a:bodyPr vert="horz" lIns="91440" tIns="45720" rIns="91440" bIns="45720" rtlCol="0" anchor="ctr">
+              <a:normAutofit/>
+            </a:bodyPr>
+            <a:lstStyle>
+              <a:lvl1pPr marL="342900" indent="-306000" algn="l" defTabSz="457200" rtl="0" eaLnBrk="1" latinLnBrk="0" hangingPunct="1">
+                <a:lnSpc>
+                  <a:spcPct val="110000"/>
+                </a:lnSpc>
+                <a:spcBef>
+                  <a:spcPct val="20000"/>
+                </a:spcBef>
+                <a:spcAft>
+                  <a:spcPts val="600"/>
+                </a:spcAft>
+                <a:buClr>
+                  <a:schemeClr val="tx2"/>
+                </a:buClr>
+                <a:buSzPct val="70000"/>
+                <a:buFont typeface="Wingdings 2" charset="2"/>
+                <a:buChar char=""/>
+                <a:defRPr sz="1900" kern="1200">
+                  <a:ln>
+                    <a:solidFill>
+                      <a:schemeClr val="bg1">
+                        <a:lumMod val="75000"/>
+                        <a:lumOff val="25000"/>
+                        <a:alpha val="10000"/>
+                      </a:schemeClr>
+                    </a:solidFill>
+                  </a:ln>
+                  <a:solidFill>
+                    <a:schemeClr val="tx2"/>
+                  </a:solidFill>
+                  <a:effectLst>
+                    <a:outerShdw blurRad="9525" dist="25400" dir="14640000" algn="tl" rotWithShape="0">
+                      <a:schemeClr val="bg1">
+                        <a:alpha val="30000"/>
+                      </a:schemeClr>
+                    </a:outerShdw>
+                  </a:effectLst>
+                  <a:latin typeface="+mn-lt"/>
+                  <a:ea typeface="+mn-ea"/>
+                  <a:cs typeface="+mn-cs"/>
+                </a:defRPr>
+              </a:lvl1pPr>
+              <a:lvl2pPr marL="720000" indent="-270000" algn="l" defTabSz="457200" rtl="0" eaLnBrk="1" latinLnBrk="0" hangingPunct="1">
+                <a:spcBef>
+                  <a:spcPct val="20000"/>
+                </a:spcBef>
+                <a:spcAft>
+                  <a:spcPts val="600"/>
+                </a:spcAft>
+                <a:buClr>
+                  <a:schemeClr val="tx2"/>
+                </a:buClr>
+                <a:buSzPct val="70000"/>
+                <a:buFont typeface="Wingdings 2" charset="2"/>
+                <a:buChar char=""/>
+                <a:defRPr sz="1700" kern="1200">
+                  <a:ln>
+                    <a:solidFill>
+                      <a:schemeClr val="bg1">
+                        <a:lumMod val="75000"/>
+                        <a:lumOff val="25000"/>
+                        <a:alpha val="10000"/>
+                      </a:schemeClr>
+                    </a:solidFill>
+                  </a:ln>
+                  <a:solidFill>
+                    <a:schemeClr val="tx2"/>
+                  </a:solidFill>
+                  <a:effectLst>
+                    <a:outerShdw blurRad="9525" dist="25400" dir="14640000" algn="tl" rotWithShape="0">
+                      <a:schemeClr val="bg1">
+                        <a:alpha val="30000"/>
+                      </a:schemeClr>
+                    </a:outerShdw>
+                  </a:effectLst>
+                  <a:latin typeface="+mn-lt"/>
+                  <a:ea typeface="+mn-ea"/>
+                  <a:cs typeface="+mn-cs"/>
+                </a:defRPr>
+              </a:lvl2pPr>
+              <a:lvl3pPr marL="1026000" indent="-216000" algn="l" defTabSz="457200" rtl="0" eaLnBrk="1" latinLnBrk="0" hangingPunct="1">
+                <a:spcBef>
+                  <a:spcPct val="20000"/>
+                </a:spcBef>
+                <a:spcAft>
+                  <a:spcPts val="600"/>
+                </a:spcAft>
+                <a:buClr>
+                  <a:schemeClr val="tx2"/>
+                </a:buClr>
+                <a:buSzPct val="70000"/>
+                <a:buFont typeface="Wingdings 2" charset="2"/>
+                <a:buChar char=""/>
+                <a:defRPr sz="1500" kern="1200">
+                  <a:ln>
+                    <a:solidFill>
+                      <a:schemeClr val="bg1">
+                        <a:lumMod val="75000"/>
+                        <a:lumOff val="25000"/>
+                        <a:alpha val="10000"/>
+                      </a:schemeClr>
+                    </a:solidFill>
+                  </a:ln>
+                  <a:solidFill>
+                    <a:schemeClr val="tx2"/>
+                  </a:solidFill>
+                  <a:effectLst>
+                    <a:outerShdw blurRad="9525" dist="25400" dir="14640000" algn="tl" rotWithShape="0">
+                      <a:schemeClr val="bg1">
+                        <a:alpha val="30000"/>
+                      </a:schemeClr>
+                    </a:outerShdw>
+                  </a:effectLst>
+                  <a:latin typeface="+mn-lt"/>
+                  <a:ea typeface="+mn-ea"/>
+                  <a:cs typeface="+mn-cs"/>
+                </a:defRPr>
+              </a:lvl3pPr>
+              <a:lvl4pPr marL="1386000" indent="-216000" algn="l" defTabSz="457200" rtl="0" eaLnBrk="1" latinLnBrk="0" hangingPunct="1">
+                <a:spcBef>
+                  <a:spcPct val="20000"/>
+                </a:spcBef>
+                <a:spcAft>
+                  <a:spcPts val="600"/>
+                </a:spcAft>
+                <a:buClr>
+                  <a:schemeClr val="tx2"/>
+                </a:buClr>
+                <a:buSzPct val="70000"/>
+                <a:buFont typeface="Wingdings 2" charset="2"/>
+                <a:buChar char=""/>
+                <a:defRPr sz="1300" kern="1200">
+                  <a:ln>
+                    <a:solidFill>
+                      <a:schemeClr val="bg1">
+                        <a:lumMod val="75000"/>
+                        <a:lumOff val="25000"/>
+                        <a:alpha val="10000"/>
+                      </a:schemeClr>
+                    </a:solidFill>
+                  </a:ln>
+                  <a:solidFill>
+                    <a:schemeClr val="tx2"/>
+                  </a:solidFill>
+                  <a:effectLst>
+                    <a:outerShdw blurRad="9525" dist="25400" dir="14640000" algn="tl" rotWithShape="0">
+                      <a:schemeClr val="bg1">
+                        <a:alpha val="30000"/>
+                      </a:schemeClr>
+                    </a:outerShdw>
+                  </a:effectLst>
+                  <a:latin typeface="+mn-lt"/>
+                  <a:ea typeface="+mn-ea"/>
+                  <a:cs typeface="+mn-cs"/>
+                </a:defRPr>
+              </a:lvl4pPr>
+              <a:lvl5pPr marL="1674000" indent="-216000" algn="l" defTabSz="457200" rtl="0" eaLnBrk="1" latinLnBrk="0" hangingPunct="1">
+                <a:spcBef>
+                  <a:spcPct val="20000"/>
+                </a:spcBef>
+                <a:spcAft>
+                  <a:spcPts val="600"/>
+                </a:spcAft>
+                <a:buClr>
+                  <a:schemeClr val="tx2"/>
+                </a:buClr>
+                <a:buSzPct val="70000"/>
+                <a:buFont typeface="Wingdings 2" charset="2"/>
+                <a:buChar char=""/>
+                <a:defRPr sz="1300" kern="1200">
+                  <a:ln>
+                    <a:solidFill>
+                      <a:schemeClr val="bg1">
+                        <a:lumMod val="75000"/>
+                        <a:lumOff val="25000"/>
+                        <a:alpha val="10000"/>
+                      </a:schemeClr>
+                    </a:solidFill>
+                  </a:ln>
+                  <a:solidFill>
+                    <a:schemeClr val="tx2"/>
+                  </a:solidFill>
+                  <a:effectLst>
+                    <a:outerShdw blurRad="9525" dist="25400" dir="14640000" algn="tl" rotWithShape="0">
+                      <a:schemeClr val="bg1">
+                        <a:alpha val="30000"/>
+                      </a:schemeClr>
+                    </a:outerShdw>
+                  </a:effectLst>
+                  <a:latin typeface="+mn-lt"/>
+                  <a:ea typeface="+mn-ea"/>
+                  <a:cs typeface="+mn-cs"/>
+                </a:defRPr>
+              </a:lvl5pPr>
+              <a:lvl6pPr marL="2014600" indent="-228600" algn="l" defTabSz="457200" rtl="0" eaLnBrk="1" latinLnBrk="0" hangingPunct="1">
+                <a:spcBef>
+                  <a:spcPct val="20000"/>
+                </a:spcBef>
+                <a:spcAft>
+                  <a:spcPts val="600"/>
+                </a:spcAft>
+                <a:buClr>
+                  <a:schemeClr val="tx2"/>
+                </a:buClr>
+                <a:buSzPct val="70000"/>
+                <a:buFont typeface="Wingdings 2" charset="2"/>
+                <a:buChar char=""/>
+                <a:defRPr sz="1400" kern="1200">
+                  <a:ln>
+                    <a:solidFill>
+                      <a:schemeClr val="bg1">
+                        <a:lumMod val="75000"/>
+                        <a:lumOff val="25000"/>
+                        <a:alpha val="10000"/>
+                      </a:schemeClr>
+                    </a:solidFill>
+                  </a:ln>
+                  <a:solidFill>
+                    <a:schemeClr val="tx2"/>
+                  </a:solidFill>
+                  <a:effectLst>
+                    <a:outerShdw blurRad="9525" dist="25400" dir="14640000" algn="tl" rotWithShape="0">
+                      <a:schemeClr val="bg1">
+                        <a:alpha val="30000"/>
+                      </a:schemeClr>
+                    </a:outerShdw>
+                  </a:effectLst>
+                  <a:latin typeface="+mn-lt"/>
+                  <a:ea typeface="+mn-ea"/>
+                  <a:cs typeface="+mn-cs"/>
+                </a:defRPr>
+              </a:lvl6pPr>
+              <a:lvl7pPr marL="2401800" indent="-228600" algn="l" defTabSz="457200" rtl="0" eaLnBrk="1" latinLnBrk="0" hangingPunct="1">
+                <a:spcBef>
+                  <a:spcPct val="20000"/>
+                </a:spcBef>
+                <a:spcAft>
+                  <a:spcPts val="600"/>
+                </a:spcAft>
+                <a:buClr>
+                  <a:schemeClr val="tx2"/>
+                </a:buClr>
+                <a:buSzPct val="70000"/>
+                <a:buFont typeface="Wingdings 2" charset="2"/>
+                <a:buChar char=""/>
+                <a:defRPr sz="1400" kern="1200">
+                  <a:ln>
+                    <a:solidFill>
+                      <a:schemeClr val="bg1">
+                        <a:lumMod val="75000"/>
+                        <a:lumOff val="25000"/>
+                        <a:alpha val="10000"/>
+                      </a:schemeClr>
+                    </a:solidFill>
+                  </a:ln>
+                  <a:solidFill>
+                    <a:schemeClr val="tx2"/>
+                  </a:solidFill>
+                  <a:effectLst>
+                    <a:outerShdw blurRad="9525" dist="25400" dir="14640000" algn="tl" rotWithShape="0">
+                      <a:schemeClr val="bg1">
+                        <a:alpha val="30000"/>
+                      </a:schemeClr>
+                    </a:outerShdw>
+                  </a:effectLst>
+                  <a:latin typeface="+mn-lt"/>
+                  <a:ea typeface="+mn-ea"/>
+                  <a:cs typeface="+mn-cs"/>
+                </a:defRPr>
+              </a:lvl7pPr>
+              <a:lvl8pPr marL="2789000" indent="-228600" algn="l" defTabSz="457200" rtl="0" eaLnBrk="1" latinLnBrk="0" hangingPunct="1">
+                <a:spcBef>
+                  <a:spcPct val="20000"/>
+                </a:spcBef>
+                <a:spcAft>
+                  <a:spcPts val="600"/>
+                </a:spcAft>
+                <a:buClr>
+                  <a:schemeClr val="tx2"/>
+                </a:buClr>
+                <a:buSzPct val="70000"/>
+                <a:buFont typeface="Wingdings 2" charset="2"/>
+                <a:buChar char=""/>
+                <a:defRPr sz="1400" kern="1200">
+                  <a:ln>
+                    <a:solidFill>
+                      <a:schemeClr val="bg1">
+                        <a:lumMod val="75000"/>
+                        <a:lumOff val="25000"/>
+                        <a:alpha val="10000"/>
+                      </a:schemeClr>
+                    </a:solidFill>
+                  </a:ln>
+                  <a:solidFill>
+                    <a:schemeClr val="tx2"/>
+                  </a:solidFill>
+                  <a:effectLst>
+                    <a:outerShdw blurRad="9525" dist="25400" dir="14640000" algn="tl" rotWithShape="0">
+                      <a:schemeClr val="bg1">
+                        <a:alpha val="30000"/>
+                      </a:schemeClr>
+                    </a:outerShdw>
+                  </a:effectLst>
+                  <a:latin typeface="+mn-lt"/>
+                  <a:ea typeface="+mn-ea"/>
+                  <a:cs typeface="+mn-cs"/>
+                </a:defRPr>
+              </a:lvl8pPr>
+              <a:lvl9pPr marL="3106200" indent="-228600" algn="l" defTabSz="457200" rtl="0" eaLnBrk="1" latinLnBrk="0" hangingPunct="1">
+                <a:spcBef>
+                  <a:spcPct val="20000"/>
+                </a:spcBef>
+                <a:spcAft>
+                  <a:spcPts val="600"/>
+                </a:spcAft>
+                <a:buClr>
+                  <a:schemeClr val="tx2"/>
+                </a:buClr>
+                <a:buSzPct val="70000"/>
+                <a:buFont typeface="Wingdings 2" charset="2"/>
+                <a:buChar char=""/>
+                <a:defRPr sz="1400" kern="1200">
+                  <a:ln>
+                    <a:solidFill>
+                      <a:schemeClr val="bg1">
+                        <a:lumMod val="75000"/>
+                        <a:lumOff val="25000"/>
+                        <a:alpha val="10000"/>
+                      </a:schemeClr>
+                    </a:solidFill>
+                  </a:ln>
+                  <a:solidFill>
+                    <a:schemeClr val="tx2"/>
+                  </a:solidFill>
+                  <a:effectLst>
+                    <a:outerShdw blurRad="9525" dist="25400" dir="14640000" algn="tl" rotWithShape="0">
+                      <a:schemeClr val="bg1">
+                        <a:alpha val="30000"/>
+                      </a:schemeClr>
+                    </a:outerShdw>
+                  </a:effectLst>
+                  <a:latin typeface="+mn-lt"/>
+                  <a:ea typeface="+mn-ea"/>
+                  <a:cs typeface="+mn-cs"/>
+                </a:defRPr>
+              </a:lvl9pPr>
+            </a:lstStyle>
+            <a:p>
+              <a:pPr marL="36900" indent="0">
+                <a:buNone/>
+              </a:pPr>
+              <a:endParaRPr kumimoji="1" lang="en-US" altLang="ja-JP" sz="2400" dirty="0"/>
+            </a:p>
+            <a:p>
+              <a:pPr marL="36900" indent="0">
+                <a:buNone/>
+              </a:pPr>
+              <a:r>
+                <a:rPr kumimoji="1" lang="ja-JP" altLang="en-US" sz="2400" dirty="0"/>
+                <a:t>直前に配置した</a:t>
+              </a:r>
+              <a:endParaRPr kumimoji="1" lang="en-US" altLang="ja-JP" sz="2400" dirty="0"/>
+            </a:p>
+            <a:p>
+              <a:pPr marL="36900" indent="0">
+                <a:buNone/>
+              </a:pPr>
+              <a:r>
+                <a:rPr kumimoji="1" lang="ja-JP" altLang="en-US" sz="2400" dirty="0"/>
+                <a:t>を削除する</a:t>
+              </a:r>
+              <a:endParaRPr kumimoji="1" lang="en-US" altLang="ja-JP" sz="2400" dirty="0"/>
+            </a:p>
+          </p:txBody>
+        </p:sp>
+        <p:sp>
+          <p:nvSpPr>
+            <p:cNvPr id="31" name="コンテンツ プレースホルダー 2">
+              <a:extLst>
+                <a:ext uri="{FF2B5EF4-FFF2-40B4-BE49-F238E27FC236}">
+                  <a16:creationId xmlns:a16="http://schemas.microsoft.com/office/drawing/2014/main" id="{7102030C-E928-4F04-8B65-02EBF6814EC9}"/>
+                </a:ext>
+              </a:extLst>
+            </p:cNvPr>
+            <p:cNvSpPr txBox="1">
+              <a:spLocks/>
+            </p:cNvSpPr>
+            <p:nvPr/>
+          </p:nvSpPr>
+          <p:spPr>
+            <a:xfrm>
+              <a:off x="1519717" y="2587380"/>
+              <a:ext cx="1986087" cy="731255"/>
+            </a:xfrm>
+            <a:prstGeom prst="roundRect">
+              <a:avLst/>
+            </a:prstGeom>
+          </p:spPr>
+          <p:style>
+            <a:lnRef idx="1">
+              <a:schemeClr val="accent5"/>
+            </a:lnRef>
+            <a:fillRef idx="3">
+              <a:schemeClr val="accent5"/>
+            </a:fillRef>
+            <a:effectRef idx="2">
+              <a:schemeClr val="accent5"/>
+            </a:effectRef>
+            <a:fontRef idx="minor">
+              <a:schemeClr val="lt1"/>
+            </a:fontRef>
+          </p:style>
+          <p:txBody>
+            <a:bodyPr vert="horz" lIns="91440" tIns="45720" rIns="91440" bIns="45720" rtlCol="0" anchor="ctr">
+              <a:normAutofit/>
+            </a:bodyPr>
+            <a:lstStyle>
+              <a:lvl1pPr marL="342900" indent="-306000" algn="l" defTabSz="457200" rtl="0" eaLnBrk="1" latinLnBrk="0" hangingPunct="1">
+                <a:lnSpc>
+                  <a:spcPct val="110000"/>
+                </a:lnSpc>
+                <a:spcBef>
+                  <a:spcPct val="20000"/>
+                </a:spcBef>
+                <a:spcAft>
+                  <a:spcPts val="600"/>
+                </a:spcAft>
+                <a:buClr>
+                  <a:schemeClr val="tx2"/>
+                </a:buClr>
+                <a:buSzPct val="70000"/>
+                <a:buFont typeface="Wingdings 2" charset="2"/>
+                <a:buChar char=""/>
+                <a:defRPr sz="1900" kern="1200">
+                  <a:ln>
+                    <a:solidFill>
+                      <a:schemeClr val="bg1">
+                        <a:lumMod val="75000"/>
+                        <a:lumOff val="25000"/>
+                        <a:alpha val="10000"/>
+                      </a:schemeClr>
+                    </a:solidFill>
+                  </a:ln>
+                  <a:solidFill>
+                    <a:schemeClr val="tx2"/>
+                  </a:solidFill>
+                  <a:effectLst>
+                    <a:outerShdw blurRad="9525" dist="25400" dir="14640000" algn="tl" rotWithShape="0">
+                      <a:schemeClr val="bg1">
+                        <a:alpha val="30000"/>
+                      </a:schemeClr>
+                    </a:outerShdw>
+                  </a:effectLst>
+                  <a:latin typeface="+mn-lt"/>
+                  <a:ea typeface="+mn-ea"/>
+                  <a:cs typeface="+mn-cs"/>
+                </a:defRPr>
+              </a:lvl1pPr>
+              <a:lvl2pPr marL="720000" indent="-270000" algn="l" defTabSz="457200" rtl="0" eaLnBrk="1" latinLnBrk="0" hangingPunct="1">
+                <a:spcBef>
+                  <a:spcPct val="20000"/>
+                </a:spcBef>
+                <a:spcAft>
+                  <a:spcPts val="600"/>
+                </a:spcAft>
+                <a:buClr>
+                  <a:schemeClr val="tx2"/>
+                </a:buClr>
+                <a:buSzPct val="70000"/>
+                <a:buFont typeface="Wingdings 2" charset="2"/>
+                <a:buChar char=""/>
+                <a:defRPr sz="1700" kern="1200">
+                  <a:ln>
+                    <a:solidFill>
+                      <a:schemeClr val="bg1">
+                        <a:lumMod val="75000"/>
+                        <a:lumOff val="25000"/>
+                        <a:alpha val="10000"/>
+                      </a:schemeClr>
+                    </a:solidFill>
+                  </a:ln>
+                  <a:solidFill>
+                    <a:schemeClr val="tx2"/>
+                  </a:solidFill>
+                  <a:effectLst>
+                    <a:outerShdw blurRad="9525" dist="25400" dir="14640000" algn="tl" rotWithShape="0">
+                      <a:schemeClr val="bg1">
+                        <a:alpha val="30000"/>
+                      </a:schemeClr>
+                    </a:outerShdw>
+                  </a:effectLst>
+                  <a:latin typeface="+mn-lt"/>
+                  <a:ea typeface="+mn-ea"/>
+                  <a:cs typeface="+mn-cs"/>
+                </a:defRPr>
+              </a:lvl2pPr>
+              <a:lvl3pPr marL="1026000" indent="-216000" algn="l" defTabSz="457200" rtl="0" eaLnBrk="1" latinLnBrk="0" hangingPunct="1">
+                <a:spcBef>
+                  <a:spcPct val="20000"/>
+                </a:spcBef>
+                <a:spcAft>
+                  <a:spcPts val="600"/>
+                </a:spcAft>
+                <a:buClr>
+                  <a:schemeClr val="tx2"/>
+                </a:buClr>
+                <a:buSzPct val="70000"/>
+                <a:buFont typeface="Wingdings 2" charset="2"/>
+                <a:buChar char=""/>
+                <a:defRPr sz="1500" kern="1200">
+                  <a:ln>
+                    <a:solidFill>
+                      <a:schemeClr val="bg1">
+                        <a:lumMod val="75000"/>
+                        <a:lumOff val="25000"/>
+                        <a:alpha val="10000"/>
+                      </a:schemeClr>
+                    </a:solidFill>
+                  </a:ln>
+                  <a:solidFill>
+                    <a:schemeClr val="tx2"/>
+                  </a:solidFill>
+                  <a:effectLst>
+                    <a:outerShdw blurRad="9525" dist="25400" dir="14640000" algn="tl" rotWithShape="0">
+                      <a:schemeClr val="bg1">
+                        <a:alpha val="30000"/>
+                      </a:schemeClr>
+                    </a:outerShdw>
+                  </a:effectLst>
+                  <a:latin typeface="+mn-lt"/>
+                  <a:ea typeface="+mn-ea"/>
+                  <a:cs typeface="+mn-cs"/>
+                </a:defRPr>
+              </a:lvl3pPr>
+              <a:lvl4pPr marL="1386000" indent="-216000" algn="l" defTabSz="457200" rtl="0" eaLnBrk="1" latinLnBrk="0" hangingPunct="1">
+                <a:spcBef>
+                  <a:spcPct val="20000"/>
+                </a:spcBef>
+                <a:spcAft>
+                  <a:spcPts val="600"/>
+                </a:spcAft>
+                <a:buClr>
+                  <a:schemeClr val="tx2"/>
+                </a:buClr>
+                <a:buSzPct val="70000"/>
+                <a:buFont typeface="Wingdings 2" charset="2"/>
+                <a:buChar char=""/>
+                <a:defRPr sz="1300" kern="1200">
+                  <a:ln>
+                    <a:solidFill>
+                      <a:schemeClr val="bg1">
+                        <a:lumMod val="75000"/>
+                        <a:lumOff val="25000"/>
+                        <a:alpha val="10000"/>
+                      </a:schemeClr>
+                    </a:solidFill>
+                  </a:ln>
+                  <a:solidFill>
+                    <a:schemeClr val="tx2"/>
+                  </a:solidFill>
+                  <a:effectLst>
+                    <a:outerShdw blurRad="9525" dist="25400" dir="14640000" algn="tl" rotWithShape="0">
+                      <a:schemeClr val="bg1">
+                        <a:alpha val="30000"/>
+                      </a:schemeClr>
+                    </a:outerShdw>
+                  </a:effectLst>
+                  <a:latin typeface="+mn-lt"/>
+                  <a:ea typeface="+mn-ea"/>
+                  <a:cs typeface="+mn-cs"/>
+                </a:defRPr>
+              </a:lvl4pPr>
+              <a:lvl5pPr marL="1674000" indent="-216000" algn="l" defTabSz="457200" rtl="0" eaLnBrk="1" latinLnBrk="0" hangingPunct="1">
+                <a:spcBef>
+                  <a:spcPct val="20000"/>
+                </a:spcBef>
+                <a:spcAft>
+                  <a:spcPts val="600"/>
+                </a:spcAft>
+                <a:buClr>
+                  <a:schemeClr val="tx2"/>
+                </a:buClr>
+                <a:buSzPct val="70000"/>
+                <a:buFont typeface="Wingdings 2" charset="2"/>
+                <a:buChar char=""/>
+                <a:defRPr sz="1300" kern="1200">
+                  <a:ln>
+                    <a:solidFill>
+                      <a:schemeClr val="bg1">
+                        <a:lumMod val="75000"/>
+                        <a:lumOff val="25000"/>
+                        <a:alpha val="10000"/>
+                      </a:schemeClr>
+                    </a:solidFill>
+                  </a:ln>
+                  <a:solidFill>
+                    <a:schemeClr val="tx2"/>
+                  </a:solidFill>
+                  <a:effectLst>
+                    <a:outerShdw blurRad="9525" dist="25400" dir="14640000" algn="tl" rotWithShape="0">
+                      <a:schemeClr val="bg1">
+                        <a:alpha val="30000"/>
+                      </a:schemeClr>
+                    </a:outerShdw>
+                  </a:effectLst>
+                  <a:latin typeface="+mn-lt"/>
+                  <a:ea typeface="+mn-ea"/>
+                  <a:cs typeface="+mn-cs"/>
+                </a:defRPr>
+              </a:lvl5pPr>
+              <a:lvl6pPr marL="2014600" indent="-228600" algn="l" defTabSz="457200" rtl="0" eaLnBrk="1" latinLnBrk="0" hangingPunct="1">
+                <a:spcBef>
+                  <a:spcPct val="20000"/>
+                </a:spcBef>
+                <a:spcAft>
+                  <a:spcPts val="600"/>
+                </a:spcAft>
+                <a:buClr>
+                  <a:schemeClr val="tx2"/>
+                </a:buClr>
+                <a:buSzPct val="70000"/>
+                <a:buFont typeface="Wingdings 2" charset="2"/>
+                <a:buChar char=""/>
+                <a:defRPr sz="1400" kern="1200">
+                  <a:ln>
+                    <a:solidFill>
+                      <a:schemeClr val="bg1">
+                        <a:lumMod val="75000"/>
+                        <a:lumOff val="25000"/>
+                        <a:alpha val="10000"/>
+                      </a:schemeClr>
+                    </a:solidFill>
+                  </a:ln>
+                  <a:solidFill>
+                    <a:schemeClr val="tx2"/>
+                  </a:solidFill>
+                  <a:effectLst>
+                    <a:outerShdw blurRad="9525" dist="25400" dir="14640000" algn="tl" rotWithShape="0">
+                      <a:schemeClr val="bg1">
+                        <a:alpha val="30000"/>
+                      </a:schemeClr>
+                    </a:outerShdw>
+                  </a:effectLst>
+                  <a:latin typeface="+mn-lt"/>
+                  <a:ea typeface="+mn-ea"/>
+                  <a:cs typeface="+mn-cs"/>
+                </a:defRPr>
+              </a:lvl6pPr>
+              <a:lvl7pPr marL="2401800" indent="-228600" algn="l" defTabSz="457200" rtl="0" eaLnBrk="1" latinLnBrk="0" hangingPunct="1">
+                <a:spcBef>
+                  <a:spcPct val="20000"/>
+                </a:spcBef>
+                <a:spcAft>
+                  <a:spcPts val="600"/>
+                </a:spcAft>
+                <a:buClr>
+                  <a:schemeClr val="tx2"/>
+                </a:buClr>
+                <a:buSzPct val="70000"/>
+                <a:buFont typeface="Wingdings 2" charset="2"/>
+                <a:buChar char=""/>
+                <a:defRPr sz="1400" kern="1200">
+                  <a:ln>
+                    <a:solidFill>
+                      <a:schemeClr val="bg1">
+                        <a:lumMod val="75000"/>
+                        <a:lumOff val="25000"/>
+                        <a:alpha val="10000"/>
+                      </a:schemeClr>
+                    </a:solidFill>
+                  </a:ln>
+                  <a:solidFill>
+                    <a:schemeClr val="tx2"/>
+                  </a:solidFill>
+                  <a:effectLst>
+                    <a:outerShdw blurRad="9525" dist="25400" dir="14640000" algn="tl" rotWithShape="0">
+                      <a:schemeClr val="bg1">
+                        <a:alpha val="30000"/>
+                      </a:schemeClr>
+                    </a:outerShdw>
+                  </a:effectLst>
+                  <a:latin typeface="+mn-lt"/>
+                  <a:ea typeface="+mn-ea"/>
+                  <a:cs typeface="+mn-cs"/>
+                </a:defRPr>
+              </a:lvl7pPr>
+              <a:lvl8pPr marL="2789000" indent="-228600" algn="l" defTabSz="457200" rtl="0" eaLnBrk="1" latinLnBrk="0" hangingPunct="1">
+                <a:spcBef>
+                  <a:spcPct val="20000"/>
+                </a:spcBef>
+                <a:spcAft>
+                  <a:spcPts val="600"/>
+                </a:spcAft>
+                <a:buClr>
+                  <a:schemeClr val="tx2"/>
+                </a:buClr>
+                <a:buSzPct val="70000"/>
+                <a:buFont typeface="Wingdings 2" charset="2"/>
+                <a:buChar char=""/>
+                <a:defRPr sz="1400" kern="1200">
+                  <a:ln>
+                    <a:solidFill>
+                      <a:schemeClr val="bg1">
+                        <a:lumMod val="75000"/>
+                        <a:lumOff val="25000"/>
+                        <a:alpha val="10000"/>
+                      </a:schemeClr>
+                    </a:solidFill>
+                  </a:ln>
+                  <a:solidFill>
+                    <a:schemeClr val="tx2"/>
+                  </a:solidFill>
+                  <a:effectLst>
+                    <a:outerShdw blurRad="9525" dist="25400" dir="14640000" algn="tl" rotWithShape="0">
+                      <a:schemeClr val="bg1">
+                        <a:alpha val="30000"/>
+                      </a:schemeClr>
+                    </a:outerShdw>
+                  </a:effectLst>
+                  <a:latin typeface="+mn-lt"/>
+                  <a:ea typeface="+mn-ea"/>
+                  <a:cs typeface="+mn-cs"/>
+                </a:defRPr>
+              </a:lvl8pPr>
+              <a:lvl9pPr marL="3106200" indent="-228600" algn="l" defTabSz="457200" rtl="0" eaLnBrk="1" latinLnBrk="0" hangingPunct="1">
+                <a:spcBef>
+                  <a:spcPct val="20000"/>
+                </a:spcBef>
+                <a:spcAft>
+                  <a:spcPts val="600"/>
+                </a:spcAft>
+                <a:buClr>
+                  <a:schemeClr val="tx2"/>
+                </a:buClr>
+                <a:buSzPct val="70000"/>
+                <a:buFont typeface="Wingdings 2" charset="2"/>
+                <a:buChar char=""/>
+                <a:defRPr sz="1400" kern="1200">
+                  <a:ln>
+                    <a:solidFill>
+                      <a:schemeClr val="bg1">
+                        <a:lumMod val="75000"/>
+                        <a:lumOff val="25000"/>
+                        <a:alpha val="10000"/>
+                      </a:schemeClr>
+                    </a:solidFill>
+                  </a:ln>
+                  <a:solidFill>
+                    <a:schemeClr val="tx2"/>
+                  </a:solidFill>
+                  <a:effectLst>
+                    <a:outerShdw blurRad="9525" dist="25400" dir="14640000" algn="tl" rotWithShape="0">
+                      <a:schemeClr val="bg1">
+                        <a:alpha val="30000"/>
+                      </a:schemeClr>
+                    </a:outerShdw>
+                  </a:effectLst>
+                  <a:latin typeface="+mn-lt"/>
+                  <a:ea typeface="+mn-ea"/>
+                  <a:cs typeface="+mn-cs"/>
+                </a:defRPr>
+              </a:lvl9pPr>
+            </a:lstStyle>
+            <a:p>
+              <a:r>
+                <a:rPr kumimoji="1" lang="ja-JP" altLang="en-US" sz="2400" dirty="0"/>
+                <a:t>右クリック</a:t>
+              </a:r>
+              <a:endParaRPr kumimoji="1" lang="en-US" altLang="ja-JP" sz="2400" dirty="0"/>
+            </a:p>
+          </p:txBody>
+        </p:sp>
+      </p:grpSp>
+      <p:grpSp>
+        <p:nvGrpSpPr>
+          <p:cNvPr id="14" name="グループ化 13">
+            <a:extLst>
+              <a:ext uri="{FF2B5EF4-FFF2-40B4-BE49-F238E27FC236}">
+                <a16:creationId xmlns:a16="http://schemas.microsoft.com/office/drawing/2014/main" id="{770570DE-7862-437C-B6F4-1B5D98F7B47F}"/>
+              </a:ext>
+            </a:extLst>
+          </p:cNvPr>
+          <p:cNvGrpSpPr/>
+          <p:nvPr/>
+        </p:nvGrpSpPr>
+        <p:grpSpPr>
+          <a:xfrm>
+            <a:off x="3211255" y="2788798"/>
+            <a:ext cx="1205463" cy="1837497"/>
+            <a:chOff x="2778718" y="3858718"/>
+            <a:chExt cx="1263147" cy="1925425"/>
+          </a:xfrm>
+        </p:grpSpPr>
+        <p:pic>
+          <p:nvPicPr>
+            <p:cNvPr id="6" name="図 5">
+              <a:extLst>
+                <a:ext uri="{FF2B5EF4-FFF2-40B4-BE49-F238E27FC236}">
+                  <a16:creationId xmlns:a16="http://schemas.microsoft.com/office/drawing/2014/main" id="{7FABEC4E-D48E-42D7-AE47-3760F4C1A35D}"/>
+                </a:ext>
+              </a:extLst>
+            </p:cNvPr>
+            <p:cNvPicPr>
+              <a:picLocks noChangeAspect="1"/>
+            </p:cNvPicPr>
+            <p:nvPr/>
+          </p:nvPicPr>
+          <p:blipFill rotWithShape="1">
+            <a:blip r:embed="rId4">
+              <a:extLst>
+                <a:ext uri="{28A0092B-C50C-407E-A947-70E740481C1C}">
+                  <a14:useLocalDpi xmlns:a14="http://schemas.microsoft.com/office/drawing/2010/main" val="0"/>
+                </a:ext>
+              </a:extLst>
+            </a:blip>
+            <a:srcRect t="29362"/>
+            <a:stretch/>
+          </p:blipFill>
+          <p:spPr>
+            <a:xfrm>
+              <a:off x="2778718" y="3858718"/>
+              <a:ext cx="1263147" cy="1925425"/>
+            </a:xfrm>
+            <a:prstGeom prst="rect">
+              <a:avLst/>
+            </a:prstGeom>
+          </p:spPr>
+        </p:pic>
+        <p:sp>
+          <p:nvSpPr>
+            <p:cNvPr id="10" name="フリーフォーム: 図形 9">
+              <a:extLst>
+                <a:ext uri="{FF2B5EF4-FFF2-40B4-BE49-F238E27FC236}">
+                  <a16:creationId xmlns:a16="http://schemas.microsoft.com/office/drawing/2014/main" id="{7DDB70C5-0599-40BE-9BC8-F38A620607BE}"/>
+                </a:ext>
+              </a:extLst>
+            </p:cNvPr>
+            <p:cNvSpPr/>
+            <p:nvPr/>
+          </p:nvSpPr>
+          <p:spPr>
+            <a:xfrm>
+              <a:off x="2925617" y="4058001"/>
+              <a:ext cx="439888" cy="616336"/>
+            </a:xfrm>
+            <a:custGeom>
+              <a:avLst/>
+              <a:gdLst>
+                <a:gd name="connsiteX0" fmla="*/ 436562 w 439888"/>
+                <a:gd name="connsiteY0" fmla="*/ 606425 h 616336"/>
+                <a:gd name="connsiteX1" fmla="*/ 434975 w 439888"/>
+                <a:gd name="connsiteY1" fmla="*/ 560387 h 616336"/>
+                <a:gd name="connsiteX2" fmla="*/ 433387 w 439888"/>
+                <a:gd name="connsiteY2" fmla="*/ 550862 h 616336"/>
+                <a:gd name="connsiteX3" fmla="*/ 431800 w 439888"/>
+                <a:gd name="connsiteY3" fmla="*/ 469900 h 616336"/>
+                <a:gd name="connsiteX4" fmla="*/ 427037 w 439888"/>
+                <a:gd name="connsiteY4" fmla="*/ 466725 h 616336"/>
+                <a:gd name="connsiteX5" fmla="*/ 422275 w 439888"/>
+                <a:gd name="connsiteY5" fmla="*/ 461962 h 616336"/>
+                <a:gd name="connsiteX6" fmla="*/ 409575 w 439888"/>
+                <a:gd name="connsiteY6" fmla="*/ 458787 h 616336"/>
+                <a:gd name="connsiteX7" fmla="*/ 396875 w 439888"/>
+                <a:gd name="connsiteY7" fmla="*/ 447675 h 616336"/>
+                <a:gd name="connsiteX8" fmla="*/ 395287 w 439888"/>
+                <a:gd name="connsiteY8" fmla="*/ 442912 h 616336"/>
+                <a:gd name="connsiteX9" fmla="*/ 387350 w 439888"/>
+                <a:gd name="connsiteY9" fmla="*/ 433387 h 616336"/>
+                <a:gd name="connsiteX10" fmla="*/ 381000 w 439888"/>
+                <a:gd name="connsiteY10" fmla="*/ 427037 h 616336"/>
+                <a:gd name="connsiteX11" fmla="*/ 379412 w 439888"/>
+                <a:gd name="connsiteY11" fmla="*/ 420687 h 616336"/>
+                <a:gd name="connsiteX12" fmla="*/ 376237 w 439888"/>
+                <a:gd name="connsiteY12" fmla="*/ 415925 h 616336"/>
+                <a:gd name="connsiteX13" fmla="*/ 373062 w 439888"/>
+                <a:gd name="connsiteY13" fmla="*/ 407987 h 616336"/>
+                <a:gd name="connsiteX14" fmla="*/ 371475 w 439888"/>
+                <a:gd name="connsiteY14" fmla="*/ 400050 h 616336"/>
+                <a:gd name="connsiteX15" fmla="*/ 369887 w 439888"/>
+                <a:gd name="connsiteY15" fmla="*/ 395287 h 616336"/>
+                <a:gd name="connsiteX16" fmla="*/ 363537 w 439888"/>
+                <a:gd name="connsiteY16" fmla="*/ 360362 h 616336"/>
+                <a:gd name="connsiteX17" fmla="*/ 361950 w 439888"/>
+                <a:gd name="connsiteY17" fmla="*/ 338137 h 616336"/>
+                <a:gd name="connsiteX18" fmla="*/ 360362 w 439888"/>
+                <a:gd name="connsiteY18" fmla="*/ 330200 h 616336"/>
+                <a:gd name="connsiteX19" fmla="*/ 358775 w 439888"/>
+                <a:gd name="connsiteY19" fmla="*/ 306387 h 616336"/>
+                <a:gd name="connsiteX20" fmla="*/ 360362 w 439888"/>
+                <a:gd name="connsiteY20" fmla="*/ 238125 h 616336"/>
+                <a:gd name="connsiteX21" fmla="*/ 365125 w 439888"/>
+                <a:gd name="connsiteY21" fmla="*/ 215900 h 616336"/>
+                <a:gd name="connsiteX22" fmla="*/ 368300 w 439888"/>
+                <a:gd name="connsiteY22" fmla="*/ 203200 h 616336"/>
+                <a:gd name="connsiteX23" fmla="*/ 369887 w 439888"/>
+                <a:gd name="connsiteY23" fmla="*/ 192087 h 616336"/>
+                <a:gd name="connsiteX24" fmla="*/ 373062 w 439888"/>
+                <a:gd name="connsiteY24" fmla="*/ 187325 h 616336"/>
+                <a:gd name="connsiteX25" fmla="*/ 376237 w 439888"/>
+                <a:gd name="connsiteY25" fmla="*/ 174625 h 616336"/>
+                <a:gd name="connsiteX26" fmla="*/ 379412 w 439888"/>
+                <a:gd name="connsiteY26" fmla="*/ 158750 h 616336"/>
+                <a:gd name="connsiteX27" fmla="*/ 388937 w 439888"/>
+                <a:gd name="connsiteY27" fmla="*/ 144462 h 616336"/>
+                <a:gd name="connsiteX28" fmla="*/ 428625 w 439888"/>
+                <a:gd name="connsiteY28" fmla="*/ 139700 h 616336"/>
+                <a:gd name="connsiteX29" fmla="*/ 425450 w 439888"/>
+                <a:gd name="connsiteY29" fmla="*/ 101600 h 616336"/>
+                <a:gd name="connsiteX30" fmla="*/ 423862 w 439888"/>
+                <a:gd name="connsiteY30" fmla="*/ 76200 h 616336"/>
+                <a:gd name="connsiteX31" fmla="*/ 425450 w 439888"/>
+                <a:gd name="connsiteY31" fmla="*/ 6350 h 616336"/>
+                <a:gd name="connsiteX32" fmla="*/ 414337 w 439888"/>
+                <a:gd name="connsiteY32" fmla="*/ 4762 h 616336"/>
+                <a:gd name="connsiteX33" fmla="*/ 403225 w 439888"/>
+                <a:gd name="connsiteY33" fmla="*/ 3175 h 616336"/>
+                <a:gd name="connsiteX34" fmla="*/ 388937 w 439888"/>
+                <a:gd name="connsiteY34" fmla="*/ 0 h 616336"/>
+                <a:gd name="connsiteX35" fmla="*/ 354012 w 439888"/>
+                <a:gd name="connsiteY35" fmla="*/ 1587 h 616336"/>
+                <a:gd name="connsiteX36" fmla="*/ 346075 w 439888"/>
+                <a:gd name="connsiteY36" fmla="*/ 3175 h 616336"/>
+                <a:gd name="connsiteX37" fmla="*/ 331787 w 439888"/>
+                <a:gd name="connsiteY37" fmla="*/ 7937 h 616336"/>
+                <a:gd name="connsiteX38" fmla="*/ 287337 w 439888"/>
+                <a:gd name="connsiteY38" fmla="*/ 9525 h 616336"/>
+                <a:gd name="connsiteX39" fmla="*/ 273050 w 439888"/>
+                <a:gd name="connsiteY39" fmla="*/ 14287 h 616336"/>
+                <a:gd name="connsiteX40" fmla="*/ 268287 w 439888"/>
+                <a:gd name="connsiteY40" fmla="*/ 15875 h 616336"/>
+                <a:gd name="connsiteX41" fmla="*/ 244475 w 439888"/>
+                <a:gd name="connsiteY41" fmla="*/ 22225 h 616336"/>
+                <a:gd name="connsiteX42" fmla="*/ 230187 w 439888"/>
+                <a:gd name="connsiteY42" fmla="*/ 26987 h 616336"/>
+                <a:gd name="connsiteX43" fmla="*/ 225425 w 439888"/>
+                <a:gd name="connsiteY43" fmla="*/ 28575 h 616336"/>
+                <a:gd name="connsiteX44" fmla="*/ 219075 w 439888"/>
+                <a:gd name="connsiteY44" fmla="*/ 30162 h 616336"/>
+                <a:gd name="connsiteX45" fmla="*/ 209550 w 439888"/>
+                <a:gd name="connsiteY45" fmla="*/ 33337 h 616336"/>
+                <a:gd name="connsiteX46" fmla="*/ 204787 w 439888"/>
+                <a:gd name="connsiteY46" fmla="*/ 34925 h 616336"/>
+                <a:gd name="connsiteX47" fmla="*/ 184150 w 439888"/>
+                <a:gd name="connsiteY47" fmla="*/ 39687 h 616336"/>
+                <a:gd name="connsiteX48" fmla="*/ 177800 w 439888"/>
+                <a:gd name="connsiteY48" fmla="*/ 41275 h 616336"/>
+                <a:gd name="connsiteX49" fmla="*/ 168275 w 439888"/>
+                <a:gd name="connsiteY49" fmla="*/ 44450 h 616336"/>
+                <a:gd name="connsiteX50" fmla="*/ 161925 w 439888"/>
+                <a:gd name="connsiteY50" fmla="*/ 46037 h 616336"/>
+                <a:gd name="connsiteX51" fmla="*/ 152400 w 439888"/>
+                <a:gd name="connsiteY51" fmla="*/ 49212 h 616336"/>
+                <a:gd name="connsiteX52" fmla="*/ 139700 w 439888"/>
+                <a:gd name="connsiteY52" fmla="*/ 52387 h 616336"/>
+                <a:gd name="connsiteX53" fmla="*/ 130175 w 439888"/>
+                <a:gd name="connsiteY53" fmla="*/ 58737 h 616336"/>
+                <a:gd name="connsiteX54" fmla="*/ 123825 w 439888"/>
+                <a:gd name="connsiteY54" fmla="*/ 65087 h 616336"/>
+                <a:gd name="connsiteX55" fmla="*/ 114300 w 439888"/>
+                <a:gd name="connsiteY55" fmla="*/ 84137 h 616336"/>
+                <a:gd name="connsiteX56" fmla="*/ 107950 w 439888"/>
+                <a:gd name="connsiteY56" fmla="*/ 93662 h 616336"/>
+                <a:gd name="connsiteX57" fmla="*/ 98425 w 439888"/>
+                <a:gd name="connsiteY57" fmla="*/ 100012 h 616336"/>
+                <a:gd name="connsiteX58" fmla="*/ 95250 w 439888"/>
+                <a:gd name="connsiteY58" fmla="*/ 106362 h 616336"/>
+                <a:gd name="connsiteX59" fmla="*/ 82550 w 439888"/>
+                <a:gd name="connsiteY59" fmla="*/ 115887 h 616336"/>
+                <a:gd name="connsiteX60" fmla="*/ 69850 w 439888"/>
+                <a:gd name="connsiteY60" fmla="*/ 127000 h 616336"/>
+                <a:gd name="connsiteX61" fmla="*/ 60325 w 439888"/>
+                <a:gd name="connsiteY61" fmla="*/ 134937 h 616336"/>
+                <a:gd name="connsiteX62" fmla="*/ 47625 w 439888"/>
+                <a:gd name="connsiteY62" fmla="*/ 157162 h 616336"/>
+                <a:gd name="connsiteX63" fmla="*/ 46037 w 439888"/>
+                <a:gd name="connsiteY63" fmla="*/ 165100 h 616336"/>
+                <a:gd name="connsiteX64" fmla="*/ 42862 w 439888"/>
+                <a:gd name="connsiteY64" fmla="*/ 176212 h 616336"/>
+                <a:gd name="connsiteX65" fmla="*/ 39687 w 439888"/>
+                <a:gd name="connsiteY65" fmla="*/ 192087 h 616336"/>
+                <a:gd name="connsiteX66" fmla="*/ 31750 w 439888"/>
+                <a:gd name="connsiteY66" fmla="*/ 214312 h 616336"/>
+                <a:gd name="connsiteX67" fmla="*/ 28575 w 439888"/>
+                <a:gd name="connsiteY67" fmla="*/ 223837 h 616336"/>
+                <a:gd name="connsiteX68" fmla="*/ 26987 w 439888"/>
+                <a:gd name="connsiteY68" fmla="*/ 234950 h 616336"/>
+                <a:gd name="connsiteX69" fmla="*/ 23812 w 439888"/>
+                <a:gd name="connsiteY69" fmla="*/ 249237 h 616336"/>
+                <a:gd name="connsiteX70" fmla="*/ 22225 w 439888"/>
+                <a:gd name="connsiteY70" fmla="*/ 258762 h 616336"/>
+                <a:gd name="connsiteX71" fmla="*/ 19050 w 439888"/>
+                <a:gd name="connsiteY71" fmla="*/ 271462 h 616336"/>
+                <a:gd name="connsiteX72" fmla="*/ 17462 w 439888"/>
+                <a:gd name="connsiteY72" fmla="*/ 282575 h 616336"/>
+                <a:gd name="connsiteX73" fmla="*/ 15875 w 439888"/>
+                <a:gd name="connsiteY73" fmla="*/ 287337 h 616336"/>
+                <a:gd name="connsiteX74" fmla="*/ 14287 w 439888"/>
+                <a:gd name="connsiteY74" fmla="*/ 293687 h 616336"/>
+                <a:gd name="connsiteX75" fmla="*/ 7937 w 439888"/>
+                <a:gd name="connsiteY75" fmla="*/ 303212 h 616336"/>
+                <a:gd name="connsiteX76" fmla="*/ 1587 w 439888"/>
+                <a:gd name="connsiteY76" fmla="*/ 327025 h 616336"/>
+                <a:gd name="connsiteX77" fmla="*/ 0 w 439888"/>
+                <a:gd name="connsiteY77" fmla="*/ 336550 h 616336"/>
+                <a:gd name="connsiteX78" fmla="*/ 3175 w 439888"/>
+                <a:gd name="connsiteY78" fmla="*/ 376237 h 616336"/>
+                <a:gd name="connsiteX79" fmla="*/ 4762 w 439888"/>
+                <a:gd name="connsiteY79" fmla="*/ 387350 h 616336"/>
+                <a:gd name="connsiteX80" fmla="*/ 6350 w 439888"/>
+                <a:gd name="connsiteY80" fmla="*/ 407987 h 616336"/>
+                <a:gd name="connsiteX81" fmla="*/ 6350 w 439888"/>
+                <a:gd name="connsiteY81" fmla="*/ 547687 h 616336"/>
+                <a:gd name="connsiteX82" fmla="*/ 7937 w 439888"/>
+                <a:gd name="connsiteY82" fmla="*/ 552450 h 616336"/>
+                <a:gd name="connsiteX83" fmla="*/ 9525 w 439888"/>
+                <a:gd name="connsiteY83" fmla="*/ 566737 h 616336"/>
+                <a:gd name="connsiteX84" fmla="*/ 11112 w 439888"/>
+                <a:gd name="connsiteY84" fmla="*/ 587375 h 616336"/>
+                <a:gd name="connsiteX85" fmla="*/ 17462 w 439888"/>
+                <a:gd name="connsiteY85" fmla="*/ 601662 h 616336"/>
+                <a:gd name="connsiteX86" fmla="*/ 22225 w 439888"/>
+                <a:gd name="connsiteY86" fmla="*/ 604837 h 616336"/>
+                <a:gd name="connsiteX87" fmla="*/ 26987 w 439888"/>
+                <a:gd name="connsiteY87" fmla="*/ 615950 h 616336"/>
+                <a:gd name="connsiteX88" fmla="*/ 41275 w 439888"/>
+                <a:gd name="connsiteY88" fmla="*/ 614362 h 616336"/>
+                <a:gd name="connsiteX89" fmla="*/ 58737 w 439888"/>
+                <a:gd name="connsiteY89" fmla="*/ 609600 h 616336"/>
+                <a:gd name="connsiteX90" fmla="*/ 68262 w 439888"/>
+                <a:gd name="connsiteY90" fmla="*/ 606425 h 616336"/>
+                <a:gd name="connsiteX91" fmla="*/ 144462 w 439888"/>
+                <a:gd name="connsiteY91" fmla="*/ 603250 h 616336"/>
+                <a:gd name="connsiteX92" fmla="*/ 188912 w 439888"/>
+                <a:gd name="connsiteY92" fmla="*/ 603250 h 616336"/>
+                <a:gd name="connsiteX93" fmla="*/ 217487 w 439888"/>
+                <a:gd name="connsiteY93" fmla="*/ 606425 h 616336"/>
+                <a:gd name="connsiteX94" fmla="*/ 242887 w 439888"/>
+                <a:gd name="connsiteY94" fmla="*/ 604837 h 616336"/>
+                <a:gd name="connsiteX95" fmla="*/ 263525 w 439888"/>
+                <a:gd name="connsiteY95" fmla="*/ 603250 h 616336"/>
+                <a:gd name="connsiteX96" fmla="*/ 328612 w 439888"/>
+                <a:gd name="connsiteY96" fmla="*/ 604837 h 616336"/>
+                <a:gd name="connsiteX97" fmla="*/ 387350 w 439888"/>
+                <a:gd name="connsiteY97" fmla="*/ 603250 h 616336"/>
+                <a:gd name="connsiteX98" fmla="*/ 436562 w 439888"/>
+                <a:gd name="connsiteY98" fmla="*/ 606425 h 616336"/>
+              </a:gdLst>
+              <a:ahLst/>
+              <a:cxnLst>
+                <a:cxn ang="0">
+                  <a:pos x="connsiteX0" y="connsiteY0"/>
+                </a:cxn>
+                <a:cxn ang="0">
+                  <a:pos x="connsiteX1" y="connsiteY1"/>
+                </a:cxn>
+                <a:cxn ang="0">
+                  <a:pos x="connsiteX2" y="connsiteY2"/>
+                </a:cxn>
+                <a:cxn ang="0">
+                  <a:pos x="connsiteX3" y="connsiteY3"/>
+                </a:cxn>
+                <a:cxn ang="0">
+                  <a:pos x="connsiteX4" y="connsiteY4"/>
+                </a:cxn>
+                <a:cxn ang="0">
+                  <a:pos x="connsiteX5" y="connsiteY5"/>
+                </a:cxn>
+                <a:cxn ang="0">
+                  <a:pos x="connsiteX6" y="connsiteY6"/>
+                </a:cxn>
+                <a:cxn ang="0">
+                  <a:pos x="connsiteX7" y="connsiteY7"/>
+                </a:cxn>
+                <a:cxn ang="0">
+                  <a:pos x="connsiteX8" y="connsiteY8"/>
+                </a:cxn>
+                <a:cxn ang="0">
+                  <a:pos x="connsiteX9" y="connsiteY9"/>
+                </a:cxn>
+                <a:cxn ang="0">
+                  <a:pos x="connsiteX10" y="connsiteY10"/>
+                </a:cxn>
+                <a:cxn ang="0">
+                  <a:pos x="connsiteX11" y="connsiteY11"/>
+                </a:cxn>
+                <a:cxn ang="0">
+                  <a:pos x="connsiteX12" y="connsiteY12"/>
+                </a:cxn>
+                <a:cxn ang="0">
+                  <a:pos x="connsiteX13" y="connsiteY13"/>
+                </a:cxn>
+                <a:cxn ang="0">
+                  <a:pos x="connsiteX14" y="connsiteY14"/>
+                </a:cxn>
+                <a:cxn ang="0">
+                  <a:pos x="connsiteX15" y="connsiteY15"/>
+                </a:cxn>
+                <a:cxn ang="0">
+                  <a:pos x="connsiteX16" y="connsiteY16"/>
+                </a:cxn>
+                <a:cxn ang="0">
+                  <a:pos x="connsiteX17" y="connsiteY17"/>
+                </a:cxn>
+                <a:cxn ang="0">
+                  <a:pos x="connsiteX18" y="connsiteY18"/>
+                </a:cxn>
+                <a:cxn ang="0">
+                  <a:pos x="connsiteX19" y="connsiteY19"/>
+                </a:cxn>
+                <a:cxn ang="0">
+                  <a:pos x="connsiteX20" y="connsiteY20"/>
+                </a:cxn>
+                <a:cxn ang="0">
+                  <a:pos x="connsiteX21" y="connsiteY21"/>
+                </a:cxn>
+                <a:cxn ang="0">
+                  <a:pos x="connsiteX22" y="connsiteY22"/>
+                </a:cxn>
+                <a:cxn ang="0">
+                  <a:pos x="connsiteX23" y="connsiteY23"/>
+                </a:cxn>
+                <a:cxn ang="0">
+                  <a:pos x="connsiteX24" y="connsiteY24"/>
+                </a:cxn>
+                <a:cxn ang="0">
+                  <a:pos x="connsiteX25" y="connsiteY25"/>
+                </a:cxn>
+                <a:cxn ang="0">
+                  <a:pos x="connsiteX26" y="connsiteY26"/>
+                </a:cxn>
+                <a:cxn ang="0">
+                  <a:pos x="connsiteX27" y="connsiteY27"/>
+                </a:cxn>
+                <a:cxn ang="0">
+                  <a:pos x="connsiteX28" y="connsiteY28"/>
+                </a:cxn>
+                <a:cxn ang="0">
+                  <a:pos x="connsiteX29" y="connsiteY29"/>
+                </a:cxn>
+                <a:cxn ang="0">
+                  <a:pos x="connsiteX30" y="connsiteY30"/>
+                </a:cxn>
+                <a:cxn ang="0">
+                  <a:pos x="connsiteX31" y="connsiteY31"/>
+                </a:cxn>
+                <a:cxn ang="0">
+                  <a:pos x="connsiteX32" y="connsiteY32"/>
+                </a:cxn>
+                <a:cxn ang="0">
+                  <a:pos x="connsiteX33" y="connsiteY33"/>
+                </a:cxn>
+                <a:cxn ang="0">
+                  <a:pos x="connsiteX34" y="connsiteY34"/>
+                </a:cxn>
+                <a:cxn ang="0">
+                  <a:pos x="connsiteX35" y="connsiteY35"/>
+                </a:cxn>
+                <a:cxn ang="0">
+                  <a:pos x="connsiteX36" y="connsiteY36"/>
+                </a:cxn>
+                <a:cxn ang="0">
+                  <a:pos x="connsiteX37" y="connsiteY37"/>
+                </a:cxn>
+                <a:cxn ang="0">
+                  <a:pos x="connsiteX38" y="connsiteY38"/>
+                </a:cxn>
+                <a:cxn ang="0">
+                  <a:pos x="connsiteX39" y="connsiteY39"/>
+                </a:cxn>
+                <a:cxn ang="0">
+                  <a:pos x="connsiteX40" y="connsiteY40"/>
+                </a:cxn>
+                <a:cxn ang="0">
+                  <a:pos x="connsiteX41" y="connsiteY41"/>
+                </a:cxn>
+                <a:cxn ang="0">
+                  <a:pos x="connsiteX42" y="connsiteY42"/>
+                </a:cxn>
+                <a:cxn ang="0">
+                  <a:pos x="connsiteX43" y="connsiteY43"/>
+                </a:cxn>
+                <a:cxn ang="0">
+                  <a:pos x="connsiteX44" y="connsiteY44"/>
+                </a:cxn>
+                <a:cxn ang="0">
+                  <a:pos x="connsiteX45" y="connsiteY45"/>
+                </a:cxn>
+                <a:cxn ang="0">
+                  <a:pos x="connsiteX46" y="connsiteY46"/>
+                </a:cxn>
+                <a:cxn ang="0">
+                  <a:pos x="connsiteX47" y="connsiteY47"/>
+                </a:cxn>
+                <a:cxn ang="0">
+                  <a:pos x="connsiteX48" y="connsiteY48"/>
+                </a:cxn>
+                <a:cxn ang="0">
+                  <a:pos x="connsiteX49" y="connsiteY49"/>
+                </a:cxn>
+                <a:cxn ang="0">
+                  <a:pos x="connsiteX50" y="connsiteY50"/>
+                </a:cxn>
+                <a:cxn ang="0">
+                  <a:pos x="connsiteX51" y="connsiteY51"/>
+                </a:cxn>
+                <a:cxn ang="0">
+                  <a:pos x="connsiteX52" y="connsiteY52"/>
+                </a:cxn>
+                <a:cxn ang="0">
+                  <a:pos x="connsiteX53" y="connsiteY53"/>
+                </a:cxn>
+                <a:cxn ang="0">
+                  <a:pos x="connsiteX54" y="connsiteY54"/>
+                </a:cxn>
+                <a:cxn ang="0">
+                  <a:pos x="connsiteX55" y="connsiteY55"/>
+                </a:cxn>
+                <a:cxn ang="0">
+                  <a:pos x="connsiteX56" y="connsiteY56"/>
+                </a:cxn>
+                <a:cxn ang="0">
+                  <a:pos x="connsiteX57" y="connsiteY57"/>
+                </a:cxn>
+                <a:cxn ang="0">
+                  <a:pos x="connsiteX58" y="connsiteY58"/>
+                </a:cxn>
+                <a:cxn ang="0">
+                  <a:pos x="connsiteX59" y="connsiteY59"/>
+                </a:cxn>
+                <a:cxn ang="0">
+                  <a:pos x="connsiteX60" y="connsiteY60"/>
+                </a:cxn>
+                <a:cxn ang="0">
+                  <a:pos x="connsiteX61" y="connsiteY61"/>
+                </a:cxn>
+                <a:cxn ang="0">
+                  <a:pos x="connsiteX62" y="connsiteY62"/>
+                </a:cxn>
+                <a:cxn ang="0">
+                  <a:pos x="connsiteX63" y="connsiteY63"/>
+                </a:cxn>
+                <a:cxn ang="0">
+                  <a:pos x="connsiteX64" y="connsiteY64"/>
+                </a:cxn>
+                <a:cxn ang="0">
+                  <a:pos x="connsiteX65" y="connsiteY65"/>
+                </a:cxn>
+                <a:cxn ang="0">
+                  <a:pos x="connsiteX66" y="connsiteY66"/>
+                </a:cxn>
+                <a:cxn ang="0">
+                  <a:pos x="connsiteX67" y="connsiteY67"/>
+                </a:cxn>
+                <a:cxn ang="0">
+                  <a:pos x="connsiteX68" y="connsiteY68"/>
+                </a:cxn>
+                <a:cxn ang="0">
+                  <a:pos x="connsiteX69" y="connsiteY69"/>
+                </a:cxn>
+                <a:cxn ang="0">
+                  <a:pos x="connsiteX70" y="connsiteY70"/>
+                </a:cxn>
+                <a:cxn ang="0">
+                  <a:pos x="connsiteX71" y="connsiteY71"/>
+                </a:cxn>
+                <a:cxn ang="0">
+                  <a:pos x="connsiteX72" y="connsiteY72"/>
+                </a:cxn>
+                <a:cxn ang="0">
+                  <a:pos x="connsiteX73" y="connsiteY73"/>
+                </a:cxn>
+                <a:cxn ang="0">
+                  <a:pos x="connsiteX74" y="connsiteY74"/>
+                </a:cxn>
+                <a:cxn ang="0">
+                  <a:pos x="connsiteX75" y="connsiteY75"/>
+                </a:cxn>
+                <a:cxn ang="0">
+                  <a:pos x="connsiteX76" y="connsiteY76"/>
+                </a:cxn>
+                <a:cxn ang="0">
+                  <a:pos x="connsiteX77" y="connsiteY77"/>
+                </a:cxn>
+                <a:cxn ang="0">
+                  <a:pos x="connsiteX78" y="connsiteY78"/>
+                </a:cxn>
+                <a:cxn ang="0">
+                  <a:pos x="connsiteX79" y="connsiteY79"/>
+                </a:cxn>
+                <a:cxn ang="0">
+                  <a:pos x="connsiteX80" y="connsiteY80"/>
+                </a:cxn>
+                <a:cxn ang="0">
+                  <a:pos x="connsiteX81" y="connsiteY81"/>
+                </a:cxn>
+                <a:cxn ang="0">
+                  <a:pos x="connsiteX82" y="connsiteY82"/>
+                </a:cxn>
+                <a:cxn ang="0">
+                  <a:pos x="connsiteX83" y="connsiteY83"/>
+                </a:cxn>
+                <a:cxn ang="0">
+                  <a:pos x="connsiteX84" y="connsiteY84"/>
+                </a:cxn>
+                <a:cxn ang="0">
+                  <a:pos x="connsiteX85" y="connsiteY85"/>
+                </a:cxn>
+                <a:cxn ang="0">
+                  <a:pos x="connsiteX86" y="connsiteY86"/>
+                </a:cxn>
+                <a:cxn ang="0">
+                  <a:pos x="connsiteX87" y="connsiteY87"/>
+                </a:cxn>
+                <a:cxn ang="0">
+                  <a:pos x="connsiteX88" y="connsiteY88"/>
+                </a:cxn>
+                <a:cxn ang="0">
+                  <a:pos x="connsiteX89" y="connsiteY89"/>
+                </a:cxn>
+                <a:cxn ang="0">
+                  <a:pos x="connsiteX90" y="connsiteY90"/>
+                </a:cxn>
+                <a:cxn ang="0">
+                  <a:pos x="connsiteX91" y="connsiteY91"/>
+                </a:cxn>
+                <a:cxn ang="0">
+                  <a:pos x="connsiteX92" y="connsiteY92"/>
+                </a:cxn>
+                <a:cxn ang="0">
+                  <a:pos x="connsiteX93" y="connsiteY93"/>
+                </a:cxn>
+                <a:cxn ang="0">
+                  <a:pos x="connsiteX94" y="connsiteY94"/>
+                </a:cxn>
+                <a:cxn ang="0">
+                  <a:pos x="connsiteX95" y="connsiteY95"/>
+                </a:cxn>
+                <a:cxn ang="0">
+                  <a:pos x="connsiteX96" y="connsiteY96"/>
+                </a:cxn>
+                <a:cxn ang="0">
+                  <a:pos x="connsiteX97" y="connsiteY97"/>
+                </a:cxn>
+                <a:cxn ang="0">
+                  <a:pos x="connsiteX98" y="connsiteY98"/>
+                </a:cxn>
+              </a:cxnLst>
+              <a:rect l="l" t="t" r="r" b="b"/>
+              <a:pathLst>
+                <a:path w="439888" h="616336">
+                  <a:moveTo>
+                    <a:pt x="436562" y="606425"/>
+                  </a:moveTo>
+                  <a:cubicBezTo>
+                    <a:pt x="444500" y="599281"/>
+                    <a:pt x="435851" y="575717"/>
+                    <a:pt x="434975" y="560387"/>
+                  </a:cubicBezTo>
+                  <a:cubicBezTo>
+                    <a:pt x="434791" y="557173"/>
+                    <a:pt x="433500" y="554079"/>
+                    <a:pt x="433387" y="550862"/>
+                  </a:cubicBezTo>
+                  <a:cubicBezTo>
+                    <a:pt x="432440" y="523886"/>
+                    <a:pt x="433831" y="496816"/>
+                    <a:pt x="431800" y="469900"/>
+                  </a:cubicBezTo>
+                  <a:cubicBezTo>
+                    <a:pt x="431656" y="467997"/>
+                    <a:pt x="428503" y="467947"/>
+                    <a:pt x="427037" y="466725"/>
+                  </a:cubicBezTo>
+                  <a:cubicBezTo>
+                    <a:pt x="425312" y="465288"/>
+                    <a:pt x="424143" y="463207"/>
+                    <a:pt x="422275" y="461962"/>
+                  </a:cubicBezTo>
+                  <a:cubicBezTo>
+                    <a:pt x="420186" y="460569"/>
+                    <a:pt x="410715" y="459015"/>
+                    <a:pt x="409575" y="458787"/>
+                  </a:cubicBezTo>
+                  <a:cubicBezTo>
+                    <a:pt x="405301" y="455582"/>
+                    <a:pt x="400038" y="452103"/>
+                    <a:pt x="396875" y="447675"/>
+                  </a:cubicBezTo>
+                  <a:cubicBezTo>
+                    <a:pt x="395902" y="446313"/>
+                    <a:pt x="396215" y="444305"/>
+                    <a:pt x="395287" y="442912"/>
+                  </a:cubicBezTo>
+                  <a:cubicBezTo>
+                    <a:pt x="392995" y="439473"/>
+                    <a:pt x="389996" y="436562"/>
+                    <a:pt x="387350" y="433387"/>
+                  </a:cubicBezTo>
+                  <a:cubicBezTo>
+                    <a:pt x="381905" y="417057"/>
+                    <a:pt x="390677" y="439135"/>
+                    <a:pt x="381000" y="427037"/>
+                  </a:cubicBezTo>
+                  <a:cubicBezTo>
+                    <a:pt x="379637" y="425333"/>
+                    <a:pt x="380272" y="422692"/>
+                    <a:pt x="379412" y="420687"/>
+                  </a:cubicBezTo>
+                  <a:cubicBezTo>
+                    <a:pt x="378660" y="418933"/>
+                    <a:pt x="377090" y="417631"/>
+                    <a:pt x="376237" y="415925"/>
+                  </a:cubicBezTo>
+                  <a:cubicBezTo>
+                    <a:pt x="374963" y="413376"/>
+                    <a:pt x="374120" y="410633"/>
+                    <a:pt x="373062" y="407987"/>
+                  </a:cubicBezTo>
+                  <a:cubicBezTo>
+                    <a:pt x="372533" y="405341"/>
+                    <a:pt x="372129" y="402667"/>
+                    <a:pt x="371475" y="400050"/>
+                  </a:cubicBezTo>
+                  <a:cubicBezTo>
+                    <a:pt x="371069" y="398426"/>
+                    <a:pt x="370263" y="396918"/>
+                    <a:pt x="369887" y="395287"/>
+                  </a:cubicBezTo>
+                  <a:cubicBezTo>
+                    <a:pt x="367225" y="383753"/>
+                    <a:pt x="365481" y="372026"/>
+                    <a:pt x="363537" y="360362"/>
+                  </a:cubicBezTo>
+                  <a:cubicBezTo>
+                    <a:pt x="363008" y="352954"/>
+                    <a:pt x="362728" y="345523"/>
+                    <a:pt x="361950" y="338137"/>
+                  </a:cubicBezTo>
+                  <a:cubicBezTo>
+                    <a:pt x="361668" y="335454"/>
+                    <a:pt x="360630" y="332885"/>
+                    <a:pt x="360362" y="330200"/>
+                  </a:cubicBezTo>
+                  <a:cubicBezTo>
+                    <a:pt x="359570" y="322284"/>
+                    <a:pt x="359304" y="314325"/>
+                    <a:pt x="358775" y="306387"/>
+                  </a:cubicBezTo>
+                  <a:cubicBezTo>
+                    <a:pt x="359304" y="283633"/>
+                    <a:pt x="358769" y="260829"/>
+                    <a:pt x="360362" y="238125"/>
+                  </a:cubicBezTo>
+                  <a:cubicBezTo>
+                    <a:pt x="360892" y="230567"/>
+                    <a:pt x="363640" y="223330"/>
+                    <a:pt x="365125" y="215900"/>
+                  </a:cubicBezTo>
+                  <a:cubicBezTo>
+                    <a:pt x="367040" y="206321"/>
+                    <a:pt x="365858" y="210522"/>
+                    <a:pt x="368300" y="203200"/>
+                  </a:cubicBezTo>
+                  <a:cubicBezTo>
+                    <a:pt x="368829" y="199496"/>
+                    <a:pt x="368812" y="195671"/>
+                    <a:pt x="369887" y="192087"/>
+                  </a:cubicBezTo>
+                  <a:cubicBezTo>
+                    <a:pt x="370435" y="190260"/>
+                    <a:pt x="372410" y="189118"/>
+                    <a:pt x="373062" y="187325"/>
+                  </a:cubicBezTo>
+                  <a:cubicBezTo>
+                    <a:pt x="374553" y="183224"/>
+                    <a:pt x="375519" y="178929"/>
+                    <a:pt x="376237" y="174625"/>
+                  </a:cubicBezTo>
+                  <a:cubicBezTo>
+                    <a:pt x="376375" y="173795"/>
+                    <a:pt x="378270" y="160870"/>
+                    <a:pt x="379412" y="158750"/>
+                  </a:cubicBezTo>
+                  <a:cubicBezTo>
+                    <a:pt x="382126" y="153710"/>
+                    <a:pt x="383254" y="145144"/>
+                    <a:pt x="388937" y="144462"/>
+                  </a:cubicBezTo>
+                  <a:lnTo>
+                    <a:pt x="428625" y="139700"/>
+                  </a:lnTo>
+                  <a:cubicBezTo>
+                    <a:pt x="423478" y="124262"/>
+                    <a:pt x="427386" y="137417"/>
+                    <a:pt x="425450" y="101600"/>
+                  </a:cubicBezTo>
+                  <a:cubicBezTo>
+                    <a:pt x="424992" y="93129"/>
+                    <a:pt x="424391" y="84667"/>
+                    <a:pt x="423862" y="76200"/>
+                  </a:cubicBezTo>
+                  <a:cubicBezTo>
+                    <a:pt x="424391" y="52917"/>
+                    <a:pt x="426965" y="29590"/>
+                    <a:pt x="425450" y="6350"/>
+                  </a:cubicBezTo>
+                  <a:cubicBezTo>
+                    <a:pt x="425033" y="-49"/>
+                    <a:pt x="416091" y="4177"/>
+                    <a:pt x="414337" y="4762"/>
+                  </a:cubicBezTo>
+                  <a:cubicBezTo>
+                    <a:pt x="410633" y="4233"/>
+                    <a:pt x="406916" y="3790"/>
+                    <a:pt x="403225" y="3175"/>
+                  </a:cubicBezTo>
+                  <a:cubicBezTo>
+                    <a:pt x="397188" y="2169"/>
+                    <a:pt x="394638" y="1425"/>
+                    <a:pt x="388937" y="0"/>
+                  </a:cubicBezTo>
+                  <a:cubicBezTo>
+                    <a:pt x="377295" y="529"/>
+                    <a:pt x="365634" y="726"/>
+                    <a:pt x="354012" y="1587"/>
+                  </a:cubicBezTo>
+                  <a:cubicBezTo>
+                    <a:pt x="351321" y="1786"/>
+                    <a:pt x="348669" y="2434"/>
+                    <a:pt x="346075" y="3175"/>
+                  </a:cubicBezTo>
+                  <a:cubicBezTo>
+                    <a:pt x="341248" y="4554"/>
+                    <a:pt x="336804" y="7758"/>
+                    <a:pt x="331787" y="7937"/>
+                  </a:cubicBezTo>
+                  <a:lnTo>
+                    <a:pt x="287337" y="9525"/>
+                  </a:lnTo>
+                  <a:lnTo>
+                    <a:pt x="273050" y="14287"/>
+                  </a:lnTo>
+                  <a:cubicBezTo>
+                    <a:pt x="271462" y="14816"/>
+                    <a:pt x="269904" y="15444"/>
+                    <a:pt x="268287" y="15875"/>
+                  </a:cubicBezTo>
+                  <a:cubicBezTo>
+                    <a:pt x="260350" y="17992"/>
+                    <a:pt x="252268" y="19627"/>
+                    <a:pt x="244475" y="22225"/>
+                  </a:cubicBezTo>
+                  <a:lnTo>
+                    <a:pt x="230187" y="26987"/>
+                  </a:lnTo>
+                  <a:cubicBezTo>
+                    <a:pt x="228600" y="27516"/>
+                    <a:pt x="227048" y="28169"/>
+                    <a:pt x="225425" y="28575"/>
+                  </a:cubicBezTo>
+                  <a:cubicBezTo>
+                    <a:pt x="223308" y="29104"/>
+                    <a:pt x="221165" y="29535"/>
+                    <a:pt x="219075" y="30162"/>
+                  </a:cubicBezTo>
+                  <a:cubicBezTo>
+                    <a:pt x="215869" y="31124"/>
+                    <a:pt x="212725" y="32279"/>
+                    <a:pt x="209550" y="33337"/>
+                  </a:cubicBezTo>
+                  <a:cubicBezTo>
+                    <a:pt x="207962" y="33866"/>
+                    <a:pt x="206428" y="34597"/>
+                    <a:pt x="204787" y="34925"/>
+                  </a:cubicBezTo>
+                  <a:cubicBezTo>
+                    <a:pt x="192576" y="37367"/>
+                    <a:pt x="199459" y="35859"/>
+                    <a:pt x="184150" y="39687"/>
+                  </a:cubicBezTo>
+                  <a:cubicBezTo>
+                    <a:pt x="182033" y="40216"/>
+                    <a:pt x="179870" y="40585"/>
+                    <a:pt x="177800" y="41275"/>
+                  </a:cubicBezTo>
+                  <a:cubicBezTo>
+                    <a:pt x="174625" y="42333"/>
+                    <a:pt x="171522" y="43639"/>
+                    <a:pt x="168275" y="44450"/>
+                  </a:cubicBezTo>
+                  <a:cubicBezTo>
+                    <a:pt x="166158" y="44979"/>
+                    <a:pt x="164015" y="45410"/>
+                    <a:pt x="161925" y="46037"/>
+                  </a:cubicBezTo>
+                  <a:cubicBezTo>
+                    <a:pt x="158719" y="46999"/>
+                    <a:pt x="155618" y="48293"/>
+                    <a:pt x="152400" y="49212"/>
+                  </a:cubicBezTo>
+                  <a:cubicBezTo>
+                    <a:pt x="148204" y="50411"/>
+                    <a:pt x="139700" y="52387"/>
+                    <a:pt x="139700" y="52387"/>
+                  </a:cubicBezTo>
+                  <a:cubicBezTo>
+                    <a:pt x="136525" y="54504"/>
+                    <a:pt x="131382" y="55117"/>
+                    <a:pt x="130175" y="58737"/>
+                  </a:cubicBezTo>
+                  <a:cubicBezTo>
+                    <a:pt x="128058" y="65087"/>
+                    <a:pt x="130175" y="62971"/>
+                    <a:pt x="123825" y="65087"/>
+                  </a:cubicBezTo>
+                  <a:cubicBezTo>
+                    <a:pt x="115253" y="90800"/>
+                    <a:pt x="123997" y="71669"/>
+                    <a:pt x="114300" y="84137"/>
+                  </a:cubicBezTo>
+                  <a:cubicBezTo>
+                    <a:pt x="111957" y="87149"/>
+                    <a:pt x="111125" y="91545"/>
+                    <a:pt x="107950" y="93662"/>
+                  </a:cubicBezTo>
+                  <a:lnTo>
+                    <a:pt x="98425" y="100012"/>
+                  </a:lnTo>
+                  <a:cubicBezTo>
+                    <a:pt x="97367" y="102129"/>
+                    <a:pt x="96626" y="104436"/>
+                    <a:pt x="95250" y="106362"/>
+                  </a:cubicBezTo>
+                  <a:cubicBezTo>
+                    <a:pt x="91777" y="111223"/>
+                    <a:pt x="87641" y="112832"/>
+                    <a:pt x="82550" y="115887"/>
+                  </a:cubicBezTo>
+                  <a:cubicBezTo>
+                    <a:pt x="73559" y="129375"/>
+                    <a:pt x="88361" y="108493"/>
+                    <a:pt x="69850" y="127000"/>
+                  </a:cubicBezTo>
+                  <a:cubicBezTo>
+                    <a:pt x="63738" y="133111"/>
+                    <a:pt x="66955" y="130517"/>
+                    <a:pt x="60325" y="134937"/>
+                  </a:cubicBezTo>
+                  <a:cubicBezTo>
+                    <a:pt x="54060" y="144336"/>
+                    <a:pt x="50516" y="147525"/>
+                    <a:pt x="47625" y="157162"/>
+                  </a:cubicBezTo>
+                  <a:cubicBezTo>
+                    <a:pt x="46850" y="159747"/>
+                    <a:pt x="46692" y="162482"/>
+                    <a:pt x="46037" y="165100"/>
+                  </a:cubicBezTo>
+                  <a:cubicBezTo>
+                    <a:pt x="45103" y="168837"/>
+                    <a:pt x="43728" y="172458"/>
+                    <a:pt x="42862" y="176212"/>
+                  </a:cubicBezTo>
+                  <a:cubicBezTo>
+                    <a:pt x="40336" y="187160"/>
+                    <a:pt x="42450" y="183109"/>
+                    <a:pt x="39687" y="192087"/>
+                  </a:cubicBezTo>
+                  <a:cubicBezTo>
+                    <a:pt x="32411" y="215733"/>
+                    <a:pt x="37705" y="197937"/>
+                    <a:pt x="31750" y="214312"/>
+                  </a:cubicBezTo>
+                  <a:cubicBezTo>
+                    <a:pt x="30606" y="217457"/>
+                    <a:pt x="28575" y="223837"/>
+                    <a:pt x="28575" y="223837"/>
+                  </a:cubicBezTo>
+                  <a:cubicBezTo>
+                    <a:pt x="28046" y="227541"/>
+                    <a:pt x="27602" y="231259"/>
+                    <a:pt x="26987" y="234950"/>
+                  </a:cubicBezTo>
+                  <a:cubicBezTo>
+                    <a:pt x="24208" y="251625"/>
+                    <a:pt x="26673" y="234934"/>
+                    <a:pt x="23812" y="249237"/>
+                  </a:cubicBezTo>
+                  <a:cubicBezTo>
+                    <a:pt x="23181" y="252393"/>
+                    <a:pt x="22899" y="255615"/>
+                    <a:pt x="22225" y="258762"/>
+                  </a:cubicBezTo>
+                  <a:cubicBezTo>
+                    <a:pt x="21311" y="263029"/>
+                    <a:pt x="19906" y="267183"/>
+                    <a:pt x="19050" y="271462"/>
+                  </a:cubicBezTo>
+                  <a:cubicBezTo>
+                    <a:pt x="18316" y="275131"/>
+                    <a:pt x="18196" y="278906"/>
+                    <a:pt x="17462" y="282575"/>
+                  </a:cubicBezTo>
+                  <a:cubicBezTo>
+                    <a:pt x="17134" y="284216"/>
+                    <a:pt x="16335" y="285728"/>
+                    <a:pt x="15875" y="287337"/>
+                  </a:cubicBezTo>
+                  <a:cubicBezTo>
+                    <a:pt x="15276" y="289435"/>
+                    <a:pt x="15263" y="291736"/>
+                    <a:pt x="14287" y="293687"/>
+                  </a:cubicBezTo>
+                  <a:cubicBezTo>
+                    <a:pt x="12580" y="297100"/>
+                    <a:pt x="7937" y="303212"/>
+                    <a:pt x="7937" y="303212"/>
+                  </a:cubicBezTo>
+                  <a:cubicBezTo>
+                    <a:pt x="6466" y="308359"/>
+                    <a:pt x="2408" y="322097"/>
+                    <a:pt x="1587" y="327025"/>
+                  </a:cubicBezTo>
+                  <a:lnTo>
+                    <a:pt x="0" y="336550"/>
+                  </a:lnTo>
+                  <a:cubicBezTo>
+                    <a:pt x="1058" y="349779"/>
+                    <a:pt x="1936" y="363024"/>
+                    <a:pt x="3175" y="376237"/>
+                  </a:cubicBezTo>
+                  <a:cubicBezTo>
+                    <a:pt x="3524" y="379963"/>
+                    <a:pt x="4390" y="383627"/>
+                    <a:pt x="4762" y="387350"/>
+                  </a:cubicBezTo>
+                  <a:cubicBezTo>
+                    <a:pt x="5449" y="394215"/>
+                    <a:pt x="5821" y="401108"/>
+                    <a:pt x="6350" y="407987"/>
+                  </a:cubicBezTo>
+                  <a:cubicBezTo>
+                    <a:pt x="5105" y="470202"/>
+                    <a:pt x="3499" y="489238"/>
+                    <a:pt x="6350" y="547687"/>
+                  </a:cubicBezTo>
+                  <a:cubicBezTo>
+                    <a:pt x="6432" y="549358"/>
+                    <a:pt x="7408" y="550862"/>
+                    <a:pt x="7937" y="552450"/>
+                  </a:cubicBezTo>
+                  <a:cubicBezTo>
+                    <a:pt x="8466" y="557212"/>
+                    <a:pt x="9091" y="561965"/>
+                    <a:pt x="9525" y="566737"/>
+                  </a:cubicBezTo>
+                  <a:cubicBezTo>
+                    <a:pt x="10150" y="573608"/>
+                    <a:pt x="10256" y="580529"/>
+                    <a:pt x="11112" y="587375"/>
+                  </a:cubicBezTo>
+                  <a:cubicBezTo>
+                    <a:pt x="11529" y="590714"/>
+                    <a:pt x="16817" y="600802"/>
+                    <a:pt x="17462" y="601662"/>
+                  </a:cubicBezTo>
+                  <a:cubicBezTo>
+                    <a:pt x="18607" y="603188"/>
+                    <a:pt x="20637" y="603779"/>
+                    <a:pt x="22225" y="604837"/>
+                  </a:cubicBezTo>
+                  <a:cubicBezTo>
+                    <a:pt x="22804" y="606574"/>
+                    <a:pt x="25547" y="615557"/>
+                    <a:pt x="26987" y="615950"/>
+                  </a:cubicBezTo>
+                  <a:cubicBezTo>
+                    <a:pt x="31610" y="617211"/>
+                    <a:pt x="36531" y="615040"/>
+                    <a:pt x="41275" y="614362"/>
+                  </a:cubicBezTo>
+                  <a:cubicBezTo>
+                    <a:pt x="49130" y="613240"/>
+                    <a:pt x="50825" y="612238"/>
+                    <a:pt x="58737" y="609600"/>
+                  </a:cubicBezTo>
+                  <a:lnTo>
+                    <a:pt x="68262" y="606425"/>
+                  </a:lnTo>
+                  <a:cubicBezTo>
+                    <a:pt x="104152" y="602835"/>
+                    <a:pt x="78821" y="604977"/>
+                    <a:pt x="144462" y="603250"/>
+                  </a:cubicBezTo>
+                  <a:cubicBezTo>
+                    <a:pt x="165620" y="600604"/>
+                    <a:pt x="158010" y="600810"/>
+                    <a:pt x="188912" y="603250"/>
+                  </a:cubicBezTo>
+                  <a:cubicBezTo>
+                    <a:pt x="198466" y="604004"/>
+                    <a:pt x="217487" y="606425"/>
+                    <a:pt x="217487" y="606425"/>
+                  </a:cubicBezTo>
+                  <a:lnTo>
+                    <a:pt x="242887" y="604837"/>
+                  </a:lnTo>
+                  <a:cubicBezTo>
+                    <a:pt x="249770" y="604362"/>
+                    <a:pt x="256625" y="603250"/>
+                    <a:pt x="263525" y="603250"/>
+                  </a:cubicBezTo>
+                  <a:cubicBezTo>
+                    <a:pt x="285227" y="603250"/>
+                    <a:pt x="306916" y="604308"/>
+                    <a:pt x="328612" y="604837"/>
+                  </a:cubicBezTo>
+                  <a:lnTo>
+                    <a:pt x="387350" y="603250"/>
+                  </a:lnTo>
+                  <a:cubicBezTo>
+                    <a:pt x="444988" y="601579"/>
+                    <a:pt x="428624" y="613569"/>
+                    <a:pt x="436562" y="606425"/>
+                  </a:cubicBezTo>
+                  <a:close/>
+                </a:path>
+              </a:pathLst>
+            </a:custGeom>
+            <a:solidFill>
+              <a:schemeClr val="accent1">
+                <a:alpha val="92000"/>
+              </a:schemeClr>
+            </a:solidFill>
+            <a:ln w="3175">
+              <a:solidFill>
+                <a:schemeClr val="accent1">
+                  <a:lumMod val="50000"/>
+                </a:schemeClr>
+              </a:solidFill>
+            </a:ln>
+          </p:spPr>
+          <p:style>
+            <a:lnRef idx="2">
+              <a:schemeClr val="accent1">
+                <a:shade val="50000"/>
+              </a:schemeClr>
+            </a:lnRef>
+            <a:fillRef idx="1">
+              <a:schemeClr val="accent1"/>
+            </a:fillRef>
+            <a:effectRef idx="0">
+              <a:schemeClr val="accent1"/>
+            </a:effectRef>
+            <a:fontRef idx="minor">
+              <a:schemeClr val="lt1"/>
+            </a:fontRef>
+          </p:style>
+          <p:txBody>
+            <a:bodyPr rtlCol="0" anchor="ctr"/>
+            <a:lstStyle/>
+            <a:p>
+              <a:pPr algn="ctr"/>
+              <a:endParaRPr kumimoji="1" lang="ja-JP" altLang="en-US"/>
+            </a:p>
+          </p:txBody>
+        </p:sp>
+      </p:grpSp>
+      <p:pic>
+        <p:nvPicPr>
+          <p:cNvPr id="32" name="図 31">
+            <a:extLst>
+              <a:ext uri="{FF2B5EF4-FFF2-40B4-BE49-F238E27FC236}">
+                <a16:creationId xmlns:a16="http://schemas.microsoft.com/office/drawing/2014/main" id="{E9F61B44-90D7-4FBC-AA9C-850C097759B2}"/>
+              </a:ext>
+            </a:extLst>
+          </p:cNvPr>
+          <p:cNvPicPr>
+            <a:picLocks noChangeAspect="1"/>
+          </p:cNvPicPr>
+          <p:nvPr/>
+        </p:nvPicPr>
+        <p:blipFill>
+          <a:blip r:embed="rId2">
+            <a:extLst>
+              <a:ext uri="{28A0092B-C50C-407E-A947-70E740481C1C}">
+                <a14:useLocalDpi xmlns:a14="http://schemas.microsoft.com/office/drawing/2010/main" val="0"/>
+              </a:ext>
+            </a:extLst>
+          </a:blip>
+          <a:stretch>
+            <a:fillRect/>
+          </a:stretch>
+        </p:blipFill>
+        <p:spPr>
+          <a:xfrm>
+            <a:off x="2774181" y="3601167"/>
+            <a:ext cx="347285" cy="361649"/>
+          </a:xfrm>
+          <a:prstGeom prst="rect">
+            <a:avLst/>
+          </a:prstGeom>
+        </p:spPr>
+      </p:pic>
+      <p:pic>
+        <p:nvPicPr>
+          <p:cNvPr id="33" name="図 32">
+            <a:extLst>
+              <a:ext uri="{FF2B5EF4-FFF2-40B4-BE49-F238E27FC236}">
+                <a16:creationId xmlns:a16="http://schemas.microsoft.com/office/drawing/2014/main" id="{93D672AF-9821-47AB-9974-2F2DF928B2BC}"/>
+              </a:ext>
+            </a:extLst>
+          </p:cNvPr>
+          <p:cNvPicPr>
+            <a:picLocks noChangeAspect="1"/>
+          </p:cNvPicPr>
+          <p:nvPr/>
+        </p:nvPicPr>
+        <p:blipFill>
+          <a:blip r:embed="rId2">
+            <a:extLst>
+              <a:ext uri="{28A0092B-C50C-407E-A947-70E740481C1C}">
+                <a14:useLocalDpi xmlns:a14="http://schemas.microsoft.com/office/drawing/2010/main" val="0"/>
+              </a:ext>
+            </a:extLst>
+          </a:blip>
+          <a:stretch>
+            <a:fillRect/>
+          </a:stretch>
+        </p:blipFill>
+        <p:spPr>
+          <a:xfrm>
+            <a:off x="6733875" y="3641158"/>
+            <a:ext cx="347285" cy="361649"/>
+          </a:xfrm>
+          <a:prstGeom prst="rect">
+            <a:avLst/>
+          </a:prstGeom>
+        </p:spPr>
+      </p:pic>
+      <p:grpSp>
+        <p:nvGrpSpPr>
+          <p:cNvPr id="13" name="グループ化 12">
+            <a:extLst>
+              <a:ext uri="{FF2B5EF4-FFF2-40B4-BE49-F238E27FC236}">
+                <a16:creationId xmlns:a16="http://schemas.microsoft.com/office/drawing/2014/main" id="{8746E863-BB17-48CA-A370-32CF6154AFFE}"/>
+              </a:ext>
+            </a:extLst>
+          </p:cNvPr>
+          <p:cNvGrpSpPr/>
+          <p:nvPr/>
+        </p:nvGrpSpPr>
+        <p:grpSpPr>
+          <a:xfrm>
+            <a:off x="7209168" y="2788798"/>
+            <a:ext cx="1234305" cy="1881461"/>
+            <a:chOff x="994558" y="3931167"/>
+            <a:chExt cx="1263147" cy="1925425"/>
+          </a:xfrm>
+        </p:grpSpPr>
+        <p:pic>
+          <p:nvPicPr>
+            <p:cNvPr id="12" name="図 11">
+              <a:extLst>
+                <a:ext uri="{FF2B5EF4-FFF2-40B4-BE49-F238E27FC236}">
+                  <a16:creationId xmlns:a16="http://schemas.microsoft.com/office/drawing/2014/main" id="{E986ACC0-9D84-4064-9F2A-493F0EC65196}"/>
+                </a:ext>
+              </a:extLst>
+            </p:cNvPr>
+            <p:cNvPicPr>
+              <a:picLocks noChangeAspect="1"/>
+            </p:cNvPicPr>
+            <p:nvPr/>
+          </p:nvPicPr>
+          <p:blipFill rotWithShape="1">
+            <a:blip r:embed="rId4">
+              <a:extLst>
+                <a:ext uri="{28A0092B-C50C-407E-A947-70E740481C1C}">
+                  <a14:useLocalDpi xmlns:a14="http://schemas.microsoft.com/office/drawing/2010/main" val="0"/>
+                </a:ext>
+              </a:extLst>
+            </a:blip>
+            <a:srcRect t="29362"/>
+            <a:stretch/>
+          </p:blipFill>
+          <p:spPr>
+            <a:xfrm>
+              <a:off x="994558" y="3931167"/>
+              <a:ext cx="1263147" cy="1925425"/>
+            </a:xfrm>
+            <a:prstGeom prst="rect">
+              <a:avLst/>
+            </a:prstGeom>
+          </p:spPr>
+        </p:pic>
+        <p:sp>
+          <p:nvSpPr>
+            <p:cNvPr id="11" name="フリーフォーム: 図形 10">
+              <a:extLst>
+                <a:ext uri="{FF2B5EF4-FFF2-40B4-BE49-F238E27FC236}">
+                  <a16:creationId xmlns:a16="http://schemas.microsoft.com/office/drawing/2014/main" id="{A281E38B-9066-4B73-A24F-76C3B0BA57C7}"/>
+                </a:ext>
+              </a:extLst>
+            </p:cNvPr>
+            <p:cNvSpPr/>
+            <p:nvPr/>
+          </p:nvSpPr>
+          <p:spPr>
+            <a:xfrm flipH="1">
+              <a:off x="1581430" y="4133179"/>
+              <a:ext cx="427904" cy="599545"/>
+            </a:xfrm>
+            <a:custGeom>
+              <a:avLst/>
+              <a:gdLst>
+                <a:gd name="connsiteX0" fmla="*/ 436562 w 439888"/>
+                <a:gd name="connsiteY0" fmla="*/ 606425 h 616336"/>
+                <a:gd name="connsiteX1" fmla="*/ 434975 w 439888"/>
+                <a:gd name="connsiteY1" fmla="*/ 560387 h 616336"/>
+                <a:gd name="connsiteX2" fmla="*/ 433387 w 439888"/>
+                <a:gd name="connsiteY2" fmla="*/ 550862 h 616336"/>
+                <a:gd name="connsiteX3" fmla="*/ 431800 w 439888"/>
+                <a:gd name="connsiteY3" fmla="*/ 469900 h 616336"/>
+                <a:gd name="connsiteX4" fmla="*/ 427037 w 439888"/>
+                <a:gd name="connsiteY4" fmla="*/ 466725 h 616336"/>
+                <a:gd name="connsiteX5" fmla="*/ 422275 w 439888"/>
+                <a:gd name="connsiteY5" fmla="*/ 461962 h 616336"/>
+                <a:gd name="connsiteX6" fmla="*/ 409575 w 439888"/>
+                <a:gd name="connsiteY6" fmla="*/ 458787 h 616336"/>
+                <a:gd name="connsiteX7" fmla="*/ 396875 w 439888"/>
+                <a:gd name="connsiteY7" fmla="*/ 447675 h 616336"/>
+                <a:gd name="connsiteX8" fmla="*/ 395287 w 439888"/>
+                <a:gd name="connsiteY8" fmla="*/ 442912 h 616336"/>
+                <a:gd name="connsiteX9" fmla="*/ 387350 w 439888"/>
+                <a:gd name="connsiteY9" fmla="*/ 433387 h 616336"/>
+                <a:gd name="connsiteX10" fmla="*/ 381000 w 439888"/>
+                <a:gd name="connsiteY10" fmla="*/ 427037 h 616336"/>
+                <a:gd name="connsiteX11" fmla="*/ 379412 w 439888"/>
+                <a:gd name="connsiteY11" fmla="*/ 420687 h 616336"/>
+                <a:gd name="connsiteX12" fmla="*/ 376237 w 439888"/>
+                <a:gd name="connsiteY12" fmla="*/ 415925 h 616336"/>
+                <a:gd name="connsiteX13" fmla="*/ 373062 w 439888"/>
+                <a:gd name="connsiteY13" fmla="*/ 407987 h 616336"/>
+                <a:gd name="connsiteX14" fmla="*/ 371475 w 439888"/>
+                <a:gd name="connsiteY14" fmla="*/ 400050 h 616336"/>
+                <a:gd name="connsiteX15" fmla="*/ 369887 w 439888"/>
+                <a:gd name="connsiteY15" fmla="*/ 395287 h 616336"/>
+                <a:gd name="connsiteX16" fmla="*/ 363537 w 439888"/>
+                <a:gd name="connsiteY16" fmla="*/ 360362 h 616336"/>
+                <a:gd name="connsiteX17" fmla="*/ 361950 w 439888"/>
+                <a:gd name="connsiteY17" fmla="*/ 338137 h 616336"/>
+                <a:gd name="connsiteX18" fmla="*/ 360362 w 439888"/>
+                <a:gd name="connsiteY18" fmla="*/ 330200 h 616336"/>
+                <a:gd name="connsiteX19" fmla="*/ 358775 w 439888"/>
+                <a:gd name="connsiteY19" fmla="*/ 306387 h 616336"/>
+                <a:gd name="connsiteX20" fmla="*/ 360362 w 439888"/>
+                <a:gd name="connsiteY20" fmla="*/ 238125 h 616336"/>
+                <a:gd name="connsiteX21" fmla="*/ 365125 w 439888"/>
+                <a:gd name="connsiteY21" fmla="*/ 215900 h 616336"/>
+                <a:gd name="connsiteX22" fmla="*/ 368300 w 439888"/>
+                <a:gd name="connsiteY22" fmla="*/ 203200 h 616336"/>
+                <a:gd name="connsiteX23" fmla="*/ 369887 w 439888"/>
+                <a:gd name="connsiteY23" fmla="*/ 192087 h 616336"/>
+                <a:gd name="connsiteX24" fmla="*/ 373062 w 439888"/>
+                <a:gd name="connsiteY24" fmla="*/ 187325 h 616336"/>
+                <a:gd name="connsiteX25" fmla="*/ 376237 w 439888"/>
+                <a:gd name="connsiteY25" fmla="*/ 174625 h 616336"/>
+                <a:gd name="connsiteX26" fmla="*/ 379412 w 439888"/>
+                <a:gd name="connsiteY26" fmla="*/ 158750 h 616336"/>
+                <a:gd name="connsiteX27" fmla="*/ 388937 w 439888"/>
+                <a:gd name="connsiteY27" fmla="*/ 144462 h 616336"/>
+                <a:gd name="connsiteX28" fmla="*/ 428625 w 439888"/>
+                <a:gd name="connsiteY28" fmla="*/ 139700 h 616336"/>
+                <a:gd name="connsiteX29" fmla="*/ 425450 w 439888"/>
+                <a:gd name="connsiteY29" fmla="*/ 101600 h 616336"/>
+                <a:gd name="connsiteX30" fmla="*/ 423862 w 439888"/>
+                <a:gd name="connsiteY30" fmla="*/ 76200 h 616336"/>
+                <a:gd name="connsiteX31" fmla="*/ 425450 w 439888"/>
+                <a:gd name="connsiteY31" fmla="*/ 6350 h 616336"/>
+                <a:gd name="connsiteX32" fmla="*/ 414337 w 439888"/>
+                <a:gd name="connsiteY32" fmla="*/ 4762 h 616336"/>
+                <a:gd name="connsiteX33" fmla="*/ 403225 w 439888"/>
+                <a:gd name="connsiteY33" fmla="*/ 3175 h 616336"/>
+                <a:gd name="connsiteX34" fmla="*/ 388937 w 439888"/>
+                <a:gd name="connsiteY34" fmla="*/ 0 h 616336"/>
+                <a:gd name="connsiteX35" fmla="*/ 354012 w 439888"/>
+                <a:gd name="connsiteY35" fmla="*/ 1587 h 616336"/>
+                <a:gd name="connsiteX36" fmla="*/ 346075 w 439888"/>
+                <a:gd name="connsiteY36" fmla="*/ 3175 h 616336"/>
+                <a:gd name="connsiteX37" fmla="*/ 331787 w 439888"/>
+                <a:gd name="connsiteY37" fmla="*/ 7937 h 616336"/>
+                <a:gd name="connsiteX38" fmla="*/ 287337 w 439888"/>
+                <a:gd name="connsiteY38" fmla="*/ 9525 h 616336"/>
+                <a:gd name="connsiteX39" fmla="*/ 273050 w 439888"/>
+                <a:gd name="connsiteY39" fmla="*/ 14287 h 616336"/>
+                <a:gd name="connsiteX40" fmla="*/ 268287 w 439888"/>
+                <a:gd name="connsiteY40" fmla="*/ 15875 h 616336"/>
+                <a:gd name="connsiteX41" fmla="*/ 244475 w 439888"/>
+                <a:gd name="connsiteY41" fmla="*/ 22225 h 616336"/>
+                <a:gd name="connsiteX42" fmla="*/ 230187 w 439888"/>
+                <a:gd name="connsiteY42" fmla="*/ 26987 h 616336"/>
+                <a:gd name="connsiteX43" fmla="*/ 225425 w 439888"/>
+                <a:gd name="connsiteY43" fmla="*/ 28575 h 616336"/>
+                <a:gd name="connsiteX44" fmla="*/ 219075 w 439888"/>
+                <a:gd name="connsiteY44" fmla="*/ 30162 h 616336"/>
+                <a:gd name="connsiteX45" fmla="*/ 209550 w 439888"/>
+                <a:gd name="connsiteY45" fmla="*/ 33337 h 616336"/>
+                <a:gd name="connsiteX46" fmla="*/ 204787 w 439888"/>
+                <a:gd name="connsiteY46" fmla="*/ 34925 h 616336"/>
+                <a:gd name="connsiteX47" fmla="*/ 184150 w 439888"/>
+                <a:gd name="connsiteY47" fmla="*/ 39687 h 616336"/>
+                <a:gd name="connsiteX48" fmla="*/ 177800 w 439888"/>
+                <a:gd name="connsiteY48" fmla="*/ 41275 h 616336"/>
+                <a:gd name="connsiteX49" fmla="*/ 168275 w 439888"/>
+                <a:gd name="connsiteY49" fmla="*/ 44450 h 616336"/>
+                <a:gd name="connsiteX50" fmla="*/ 161925 w 439888"/>
+                <a:gd name="connsiteY50" fmla="*/ 46037 h 616336"/>
+                <a:gd name="connsiteX51" fmla="*/ 152400 w 439888"/>
+                <a:gd name="connsiteY51" fmla="*/ 49212 h 616336"/>
+                <a:gd name="connsiteX52" fmla="*/ 139700 w 439888"/>
+                <a:gd name="connsiteY52" fmla="*/ 52387 h 616336"/>
+                <a:gd name="connsiteX53" fmla="*/ 130175 w 439888"/>
+                <a:gd name="connsiteY53" fmla="*/ 58737 h 616336"/>
+                <a:gd name="connsiteX54" fmla="*/ 123825 w 439888"/>
+                <a:gd name="connsiteY54" fmla="*/ 65087 h 616336"/>
+                <a:gd name="connsiteX55" fmla="*/ 114300 w 439888"/>
+                <a:gd name="connsiteY55" fmla="*/ 84137 h 616336"/>
+                <a:gd name="connsiteX56" fmla="*/ 107950 w 439888"/>
+                <a:gd name="connsiteY56" fmla="*/ 93662 h 616336"/>
+                <a:gd name="connsiteX57" fmla="*/ 98425 w 439888"/>
+                <a:gd name="connsiteY57" fmla="*/ 100012 h 616336"/>
+                <a:gd name="connsiteX58" fmla="*/ 95250 w 439888"/>
+                <a:gd name="connsiteY58" fmla="*/ 106362 h 616336"/>
+                <a:gd name="connsiteX59" fmla="*/ 82550 w 439888"/>
+                <a:gd name="connsiteY59" fmla="*/ 115887 h 616336"/>
+                <a:gd name="connsiteX60" fmla="*/ 69850 w 439888"/>
+                <a:gd name="connsiteY60" fmla="*/ 127000 h 616336"/>
+                <a:gd name="connsiteX61" fmla="*/ 60325 w 439888"/>
+                <a:gd name="connsiteY61" fmla="*/ 134937 h 616336"/>
+                <a:gd name="connsiteX62" fmla="*/ 47625 w 439888"/>
+                <a:gd name="connsiteY62" fmla="*/ 157162 h 616336"/>
+                <a:gd name="connsiteX63" fmla="*/ 46037 w 439888"/>
+                <a:gd name="connsiteY63" fmla="*/ 165100 h 616336"/>
+                <a:gd name="connsiteX64" fmla="*/ 42862 w 439888"/>
+                <a:gd name="connsiteY64" fmla="*/ 176212 h 616336"/>
+                <a:gd name="connsiteX65" fmla="*/ 39687 w 439888"/>
+                <a:gd name="connsiteY65" fmla="*/ 192087 h 616336"/>
+                <a:gd name="connsiteX66" fmla="*/ 31750 w 439888"/>
+                <a:gd name="connsiteY66" fmla="*/ 214312 h 616336"/>
+                <a:gd name="connsiteX67" fmla="*/ 28575 w 439888"/>
+                <a:gd name="connsiteY67" fmla="*/ 223837 h 616336"/>
+                <a:gd name="connsiteX68" fmla="*/ 26987 w 439888"/>
+                <a:gd name="connsiteY68" fmla="*/ 234950 h 616336"/>
+                <a:gd name="connsiteX69" fmla="*/ 23812 w 439888"/>
+                <a:gd name="connsiteY69" fmla="*/ 249237 h 616336"/>
+                <a:gd name="connsiteX70" fmla="*/ 22225 w 439888"/>
+                <a:gd name="connsiteY70" fmla="*/ 258762 h 616336"/>
+                <a:gd name="connsiteX71" fmla="*/ 19050 w 439888"/>
+                <a:gd name="connsiteY71" fmla="*/ 271462 h 616336"/>
+                <a:gd name="connsiteX72" fmla="*/ 17462 w 439888"/>
+                <a:gd name="connsiteY72" fmla="*/ 282575 h 616336"/>
+                <a:gd name="connsiteX73" fmla="*/ 15875 w 439888"/>
+                <a:gd name="connsiteY73" fmla="*/ 287337 h 616336"/>
+                <a:gd name="connsiteX74" fmla="*/ 14287 w 439888"/>
+                <a:gd name="connsiteY74" fmla="*/ 293687 h 616336"/>
+                <a:gd name="connsiteX75" fmla="*/ 7937 w 439888"/>
+                <a:gd name="connsiteY75" fmla="*/ 303212 h 616336"/>
+                <a:gd name="connsiteX76" fmla="*/ 1587 w 439888"/>
+                <a:gd name="connsiteY76" fmla="*/ 327025 h 616336"/>
+                <a:gd name="connsiteX77" fmla="*/ 0 w 439888"/>
+                <a:gd name="connsiteY77" fmla="*/ 336550 h 616336"/>
+                <a:gd name="connsiteX78" fmla="*/ 3175 w 439888"/>
+                <a:gd name="connsiteY78" fmla="*/ 376237 h 616336"/>
+                <a:gd name="connsiteX79" fmla="*/ 4762 w 439888"/>
+                <a:gd name="connsiteY79" fmla="*/ 387350 h 616336"/>
+                <a:gd name="connsiteX80" fmla="*/ 6350 w 439888"/>
+                <a:gd name="connsiteY80" fmla="*/ 407987 h 616336"/>
+                <a:gd name="connsiteX81" fmla="*/ 6350 w 439888"/>
+                <a:gd name="connsiteY81" fmla="*/ 547687 h 616336"/>
+                <a:gd name="connsiteX82" fmla="*/ 7937 w 439888"/>
+                <a:gd name="connsiteY82" fmla="*/ 552450 h 616336"/>
+                <a:gd name="connsiteX83" fmla="*/ 9525 w 439888"/>
+                <a:gd name="connsiteY83" fmla="*/ 566737 h 616336"/>
+                <a:gd name="connsiteX84" fmla="*/ 11112 w 439888"/>
+                <a:gd name="connsiteY84" fmla="*/ 587375 h 616336"/>
+                <a:gd name="connsiteX85" fmla="*/ 17462 w 439888"/>
+                <a:gd name="connsiteY85" fmla="*/ 601662 h 616336"/>
+                <a:gd name="connsiteX86" fmla="*/ 22225 w 439888"/>
+                <a:gd name="connsiteY86" fmla="*/ 604837 h 616336"/>
+                <a:gd name="connsiteX87" fmla="*/ 26987 w 439888"/>
+                <a:gd name="connsiteY87" fmla="*/ 615950 h 616336"/>
+                <a:gd name="connsiteX88" fmla="*/ 41275 w 439888"/>
+                <a:gd name="connsiteY88" fmla="*/ 614362 h 616336"/>
+                <a:gd name="connsiteX89" fmla="*/ 58737 w 439888"/>
+                <a:gd name="connsiteY89" fmla="*/ 609600 h 616336"/>
+                <a:gd name="connsiteX90" fmla="*/ 68262 w 439888"/>
+                <a:gd name="connsiteY90" fmla="*/ 606425 h 616336"/>
+                <a:gd name="connsiteX91" fmla="*/ 144462 w 439888"/>
+                <a:gd name="connsiteY91" fmla="*/ 603250 h 616336"/>
+                <a:gd name="connsiteX92" fmla="*/ 188912 w 439888"/>
+                <a:gd name="connsiteY92" fmla="*/ 603250 h 616336"/>
+                <a:gd name="connsiteX93" fmla="*/ 217487 w 439888"/>
+                <a:gd name="connsiteY93" fmla="*/ 606425 h 616336"/>
+                <a:gd name="connsiteX94" fmla="*/ 242887 w 439888"/>
+                <a:gd name="connsiteY94" fmla="*/ 604837 h 616336"/>
+                <a:gd name="connsiteX95" fmla="*/ 263525 w 439888"/>
+                <a:gd name="connsiteY95" fmla="*/ 603250 h 616336"/>
+                <a:gd name="connsiteX96" fmla="*/ 328612 w 439888"/>
+                <a:gd name="connsiteY96" fmla="*/ 604837 h 616336"/>
+                <a:gd name="connsiteX97" fmla="*/ 387350 w 439888"/>
+                <a:gd name="connsiteY97" fmla="*/ 603250 h 616336"/>
+                <a:gd name="connsiteX98" fmla="*/ 436562 w 439888"/>
+                <a:gd name="connsiteY98" fmla="*/ 606425 h 616336"/>
+              </a:gdLst>
+              <a:ahLst/>
+              <a:cxnLst>
+                <a:cxn ang="0">
+                  <a:pos x="connsiteX0" y="connsiteY0"/>
+                </a:cxn>
+                <a:cxn ang="0">
+                  <a:pos x="connsiteX1" y="connsiteY1"/>
+                </a:cxn>
+                <a:cxn ang="0">
+                  <a:pos x="connsiteX2" y="connsiteY2"/>
+                </a:cxn>
+                <a:cxn ang="0">
+                  <a:pos x="connsiteX3" y="connsiteY3"/>
+                </a:cxn>
+                <a:cxn ang="0">
+                  <a:pos x="connsiteX4" y="connsiteY4"/>
+                </a:cxn>
+                <a:cxn ang="0">
+                  <a:pos x="connsiteX5" y="connsiteY5"/>
+                </a:cxn>
+                <a:cxn ang="0">
+                  <a:pos x="connsiteX6" y="connsiteY6"/>
+                </a:cxn>
+                <a:cxn ang="0">
+                  <a:pos x="connsiteX7" y="connsiteY7"/>
+                </a:cxn>
+                <a:cxn ang="0">
+                  <a:pos x="connsiteX8" y="connsiteY8"/>
+                </a:cxn>
+                <a:cxn ang="0">
+                  <a:pos x="connsiteX9" y="connsiteY9"/>
+                </a:cxn>
+                <a:cxn ang="0">
+                  <a:pos x="connsiteX10" y="connsiteY10"/>
+                </a:cxn>
+                <a:cxn ang="0">
+                  <a:pos x="connsiteX11" y="connsiteY11"/>
+                </a:cxn>
+                <a:cxn ang="0">
+                  <a:pos x="connsiteX12" y="connsiteY12"/>
+                </a:cxn>
+                <a:cxn ang="0">
+                  <a:pos x="connsiteX13" y="connsiteY13"/>
+                </a:cxn>
+                <a:cxn ang="0">
+                  <a:pos x="connsiteX14" y="connsiteY14"/>
+                </a:cxn>
+                <a:cxn ang="0">
+                  <a:pos x="connsiteX15" y="connsiteY15"/>
+                </a:cxn>
+                <a:cxn ang="0">
+                  <a:pos x="connsiteX16" y="connsiteY16"/>
+                </a:cxn>
+                <a:cxn ang="0">
+                  <a:pos x="connsiteX17" y="connsiteY17"/>
+                </a:cxn>
+                <a:cxn ang="0">
+                  <a:pos x="connsiteX18" y="connsiteY18"/>
+                </a:cxn>
+                <a:cxn ang="0">
+                  <a:pos x="connsiteX19" y="connsiteY19"/>
+                </a:cxn>
+                <a:cxn ang="0">
+                  <a:pos x="connsiteX20" y="connsiteY20"/>
+                </a:cxn>
+                <a:cxn ang="0">
+                  <a:pos x="connsiteX21" y="connsiteY21"/>
+                </a:cxn>
+                <a:cxn ang="0">
+                  <a:pos x="connsiteX22" y="connsiteY22"/>
+                </a:cxn>
+                <a:cxn ang="0">
+                  <a:pos x="connsiteX23" y="connsiteY23"/>
+                </a:cxn>
+                <a:cxn ang="0">
+                  <a:pos x="connsiteX24" y="connsiteY24"/>
+                </a:cxn>
+                <a:cxn ang="0">
+                  <a:pos x="connsiteX25" y="connsiteY25"/>
+                </a:cxn>
+                <a:cxn ang="0">
+                  <a:pos x="connsiteX26" y="connsiteY26"/>
+                </a:cxn>
+                <a:cxn ang="0">
+                  <a:pos x="connsiteX27" y="connsiteY27"/>
+                </a:cxn>
+                <a:cxn ang="0">
+                  <a:pos x="connsiteX28" y="connsiteY28"/>
+                </a:cxn>
+                <a:cxn ang="0">
+                  <a:pos x="connsiteX29" y="connsiteY29"/>
+                </a:cxn>
+                <a:cxn ang="0">
+                  <a:pos x="connsiteX30" y="connsiteY30"/>
+                </a:cxn>
+                <a:cxn ang="0">
+                  <a:pos x="connsiteX31" y="connsiteY31"/>
+                </a:cxn>
+                <a:cxn ang="0">
+                  <a:pos x="connsiteX32" y="connsiteY32"/>
+                </a:cxn>
+                <a:cxn ang="0">
+                  <a:pos x="connsiteX33" y="connsiteY33"/>
+                </a:cxn>
+                <a:cxn ang="0">
+                  <a:pos x="connsiteX34" y="connsiteY34"/>
+                </a:cxn>
+                <a:cxn ang="0">
+                  <a:pos x="connsiteX35" y="connsiteY35"/>
+                </a:cxn>
+                <a:cxn ang="0">
+                  <a:pos x="connsiteX36" y="connsiteY36"/>
+                </a:cxn>
+                <a:cxn ang="0">
+                  <a:pos x="connsiteX37" y="connsiteY37"/>
+                </a:cxn>
+                <a:cxn ang="0">
+                  <a:pos x="connsiteX38" y="connsiteY38"/>
+                </a:cxn>
+                <a:cxn ang="0">
+                  <a:pos x="connsiteX39" y="connsiteY39"/>
+                </a:cxn>
+                <a:cxn ang="0">
+                  <a:pos x="connsiteX40" y="connsiteY40"/>
+                </a:cxn>
+                <a:cxn ang="0">
+                  <a:pos x="connsiteX41" y="connsiteY41"/>
+                </a:cxn>
+                <a:cxn ang="0">
+                  <a:pos x="connsiteX42" y="connsiteY42"/>
+                </a:cxn>
+                <a:cxn ang="0">
+                  <a:pos x="connsiteX43" y="connsiteY43"/>
+                </a:cxn>
+                <a:cxn ang="0">
+                  <a:pos x="connsiteX44" y="connsiteY44"/>
+                </a:cxn>
+                <a:cxn ang="0">
+                  <a:pos x="connsiteX45" y="connsiteY45"/>
+                </a:cxn>
+                <a:cxn ang="0">
+                  <a:pos x="connsiteX46" y="connsiteY46"/>
+                </a:cxn>
+                <a:cxn ang="0">
+                  <a:pos x="connsiteX47" y="connsiteY47"/>
+                </a:cxn>
+                <a:cxn ang="0">
+                  <a:pos x="connsiteX48" y="connsiteY48"/>
+                </a:cxn>
+                <a:cxn ang="0">
+                  <a:pos x="connsiteX49" y="connsiteY49"/>
+                </a:cxn>
+                <a:cxn ang="0">
+                  <a:pos x="connsiteX50" y="connsiteY50"/>
+                </a:cxn>
+                <a:cxn ang="0">
+                  <a:pos x="connsiteX51" y="connsiteY51"/>
+                </a:cxn>
+                <a:cxn ang="0">
+                  <a:pos x="connsiteX52" y="connsiteY52"/>
+                </a:cxn>
+                <a:cxn ang="0">
+                  <a:pos x="connsiteX53" y="connsiteY53"/>
+                </a:cxn>
+                <a:cxn ang="0">
+                  <a:pos x="connsiteX54" y="connsiteY54"/>
+                </a:cxn>
+                <a:cxn ang="0">
+                  <a:pos x="connsiteX55" y="connsiteY55"/>
+                </a:cxn>
+                <a:cxn ang="0">
+                  <a:pos x="connsiteX56" y="connsiteY56"/>
+                </a:cxn>
+                <a:cxn ang="0">
+                  <a:pos x="connsiteX57" y="connsiteY57"/>
+                </a:cxn>
+                <a:cxn ang="0">
+                  <a:pos x="connsiteX58" y="connsiteY58"/>
+                </a:cxn>
+                <a:cxn ang="0">
+                  <a:pos x="connsiteX59" y="connsiteY59"/>
+                </a:cxn>
+                <a:cxn ang="0">
+                  <a:pos x="connsiteX60" y="connsiteY60"/>
+                </a:cxn>
+                <a:cxn ang="0">
+                  <a:pos x="connsiteX61" y="connsiteY61"/>
+                </a:cxn>
+                <a:cxn ang="0">
+                  <a:pos x="connsiteX62" y="connsiteY62"/>
+                </a:cxn>
+                <a:cxn ang="0">
+                  <a:pos x="connsiteX63" y="connsiteY63"/>
+                </a:cxn>
+                <a:cxn ang="0">
+                  <a:pos x="connsiteX64" y="connsiteY64"/>
+                </a:cxn>
+                <a:cxn ang="0">
+                  <a:pos x="connsiteX65" y="connsiteY65"/>
+                </a:cxn>
+                <a:cxn ang="0">
+                  <a:pos x="connsiteX66" y="connsiteY66"/>
+                </a:cxn>
+                <a:cxn ang="0">
+                  <a:pos x="connsiteX67" y="connsiteY67"/>
+                </a:cxn>
+                <a:cxn ang="0">
+                  <a:pos x="connsiteX68" y="connsiteY68"/>
+                </a:cxn>
+                <a:cxn ang="0">
+                  <a:pos x="connsiteX69" y="connsiteY69"/>
+                </a:cxn>
+                <a:cxn ang="0">
+                  <a:pos x="connsiteX70" y="connsiteY70"/>
+                </a:cxn>
+                <a:cxn ang="0">
+                  <a:pos x="connsiteX71" y="connsiteY71"/>
+                </a:cxn>
+                <a:cxn ang="0">
+                  <a:pos x="connsiteX72" y="connsiteY72"/>
+                </a:cxn>
+                <a:cxn ang="0">
+                  <a:pos x="connsiteX73" y="connsiteY73"/>
+                </a:cxn>
+                <a:cxn ang="0">
+                  <a:pos x="connsiteX74" y="connsiteY74"/>
+                </a:cxn>
+                <a:cxn ang="0">
+                  <a:pos x="connsiteX75" y="connsiteY75"/>
+                </a:cxn>
+                <a:cxn ang="0">
+                  <a:pos x="connsiteX76" y="connsiteY76"/>
+                </a:cxn>
+                <a:cxn ang="0">
+                  <a:pos x="connsiteX77" y="connsiteY77"/>
+                </a:cxn>
+                <a:cxn ang="0">
+                  <a:pos x="connsiteX78" y="connsiteY78"/>
+                </a:cxn>
+                <a:cxn ang="0">
+                  <a:pos x="connsiteX79" y="connsiteY79"/>
+                </a:cxn>
+                <a:cxn ang="0">
+                  <a:pos x="connsiteX80" y="connsiteY80"/>
+                </a:cxn>
+                <a:cxn ang="0">
+                  <a:pos x="connsiteX81" y="connsiteY81"/>
+                </a:cxn>
+                <a:cxn ang="0">
+                  <a:pos x="connsiteX82" y="connsiteY82"/>
+                </a:cxn>
+                <a:cxn ang="0">
+                  <a:pos x="connsiteX83" y="connsiteY83"/>
+                </a:cxn>
+                <a:cxn ang="0">
+                  <a:pos x="connsiteX84" y="connsiteY84"/>
+                </a:cxn>
+                <a:cxn ang="0">
+                  <a:pos x="connsiteX85" y="connsiteY85"/>
+                </a:cxn>
+                <a:cxn ang="0">
+                  <a:pos x="connsiteX86" y="connsiteY86"/>
+                </a:cxn>
+                <a:cxn ang="0">
+                  <a:pos x="connsiteX87" y="connsiteY87"/>
+                </a:cxn>
+                <a:cxn ang="0">
+                  <a:pos x="connsiteX88" y="connsiteY88"/>
+                </a:cxn>
+                <a:cxn ang="0">
+                  <a:pos x="connsiteX89" y="connsiteY89"/>
+                </a:cxn>
+                <a:cxn ang="0">
+                  <a:pos x="connsiteX90" y="connsiteY90"/>
+                </a:cxn>
+                <a:cxn ang="0">
+                  <a:pos x="connsiteX91" y="connsiteY91"/>
+                </a:cxn>
+                <a:cxn ang="0">
+                  <a:pos x="connsiteX92" y="connsiteY92"/>
+                </a:cxn>
+                <a:cxn ang="0">
+                  <a:pos x="connsiteX93" y="connsiteY93"/>
+                </a:cxn>
+                <a:cxn ang="0">
+                  <a:pos x="connsiteX94" y="connsiteY94"/>
+                </a:cxn>
+                <a:cxn ang="0">
+                  <a:pos x="connsiteX95" y="connsiteY95"/>
+                </a:cxn>
+                <a:cxn ang="0">
+                  <a:pos x="connsiteX96" y="connsiteY96"/>
+                </a:cxn>
+                <a:cxn ang="0">
+                  <a:pos x="connsiteX97" y="connsiteY97"/>
+                </a:cxn>
+                <a:cxn ang="0">
+                  <a:pos x="connsiteX98" y="connsiteY98"/>
+                </a:cxn>
+              </a:cxnLst>
+              <a:rect l="l" t="t" r="r" b="b"/>
+              <a:pathLst>
+                <a:path w="439888" h="616336">
+                  <a:moveTo>
+                    <a:pt x="436562" y="606425"/>
+                  </a:moveTo>
+                  <a:cubicBezTo>
+                    <a:pt x="444500" y="599281"/>
+                    <a:pt x="435851" y="575717"/>
+                    <a:pt x="434975" y="560387"/>
+                  </a:cubicBezTo>
+                  <a:cubicBezTo>
+                    <a:pt x="434791" y="557173"/>
+                    <a:pt x="433500" y="554079"/>
+                    <a:pt x="433387" y="550862"/>
+                  </a:cubicBezTo>
+                  <a:cubicBezTo>
+                    <a:pt x="432440" y="523886"/>
+                    <a:pt x="433831" y="496816"/>
+                    <a:pt x="431800" y="469900"/>
+                  </a:cubicBezTo>
+                  <a:cubicBezTo>
+                    <a:pt x="431656" y="467997"/>
+                    <a:pt x="428503" y="467947"/>
+                    <a:pt x="427037" y="466725"/>
+                  </a:cubicBezTo>
+                  <a:cubicBezTo>
+                    <a:pt x="425312" y="465288"/>
+                    <a:pt x="424143" y="463207"/>
+                    <a:pt x="422275" y="461962"/>
+                  </a:cubicBezTo>
+                  <a:cubicBezTo>
+                    <a:pt x="420186" y="460569"/>
+                    <a:pt x="410715" y="459015"/>
+                    <a:pt x="409575" y="458787"/>
+                  </a:cubicBezTo>
+                  <a:cubicBezTo>
+                    <a:pt x="405301" y="455582"/>
+                    <a:pt x="400038" y="452103"/>
+                    <a:pt x="396875" y="447675"/>
+                  </a:cubicBezTo>
+                  <a:cubicBezTo>
+                    <a:pt x="395902" y="446313"/>
+                    <a:pt x="396215" y="444305"/>
+                    <a:pt x="395287" y="442912"/>
+                  </a:cubicBezTo>
+                  <a:cubicBezTo>
+                    <a:pt x="392995" y="439473"/>
+                    <a:pt x="389996" y="436562"/>
+                    <a:pt x="387350" y="433387"/>
+                  </a:cubicBezTo>
+                  <a:cubicBezTo>
+                    <a:pt x="381905" y="417057"/>
+                    <a:pt x="390677" y="439135"/>
+                    <a:pt x="381000" y="427037"/>
+                  </a:cubicBezTo>
+                  <a:cubicBezTo>
+                    <a:pt x="379637" y="425333"/>
+                    <a:pt x="380272" y="422692"/>
+                    <a:pt x="379412" y="420687"/>
+                  </a:cubicBezTo>
+                  <a:cubicBezTo>
+                    <a:pt x="378660" y="418933"/>
+                    <a:pt x="377090" y="417631"/>
+                    <a:pt x="376237" y="415925"/>
+                  </a:cubicBezTo>
+                  <a:cubicBezTo>
+                    <a:pt x="374963" y="413376"/>
+                    <a:pt x="374120" y="410633"/>
+                    <a:pt x="373062" y="407987"/>
+                  </a:cubicBezTo>
+                  <a:cubicBezTo>
+                    <a:pt x="372533" y="405341"/>
+                    <a:pt x="372129" y="402667"/>
+                    <a:pt x="371475" y="400050"/>
+                  </a:cubicBezTo>
+                  <a:cubicBezTo>
+                    <a:pt x="371069" y="398426"/>
+                    <a:pt x="370263" y="396918"/>
+                    <a:pt x="369887" y="395287"/>
+                  </a:cubicBezTo>
+                  <a:cubicBezTo>
+                    <a:pt x="367225" y="383753"/>
+                    <a:pt x="365481" y="372026"/>
+                    <a:pt x="363537" y="360362"/>
+                  </a:cubicBezTo>
+                  <a:cubicBezTo>
+                    <a:pt x="363008" y="352954"/>
+                    <a:pt x="362728" y="345523"/>
+                    <a:pt x="361950" y="338137"/>
+                  </a:cubicBezTo>
+                  <a:cubicBezTo>
+                    <a:pt x="361668" y="335454"/>
+                    <a:pt x="360630" y="332885"/>
+                    <a:pt x="360362" y="330200"/>
+                  </a:cubicBezTo>
+                  <a:cubicBezTo>
+                    <a:pt x="359570" y="322284"/>
+                    <a:pt x="359304" y="314325"/>
+                    <a:pt x="358775" y="306387"/>
+                  </a:cubicBezTo>
+                  <a:cubicBezTo>
+                    <a:pt x="359304" y="283633"/>
+                    <a:pt x="358769" y="260829"/>
+                    <a:pt x="360362" y="238125"/>
+                  </a:cubicBezTo>
+                  <a:cubicBezTo>
+                    <a:pt x="360892" y="230567"/>
+                    <a:pt x="363640" y="223330"/>
+                    <a:pt x="365125" y="215900"/>
+                  </a:cubicBezTo>
+                  <a:cubicBezTo>
+                    <a:pt x="367040" y="206321"/>
+                    <a:pt x="365858" y="210522"/>
+                    <a:pt x="368300" y="203200"/>
+                  </a:cubicBezTo>
+                  <a:cubicBezTo>
+                    <a:pt x="368829" y="199496"/>
+                    <a:pt x="368812" y="195671"/>
+                    <a:pt x="369887" y="192087"/>
+                  </a:cubicBezTo>
+                  <a:cubicBezTo>
+                    <a:pt x="370435" y="190260"/>
+                    <a:pt x="372410" y="189118"/>
+                    <a:pt x="373062" y="187325"/>
+                  </a:cubicBezTo>
+                  <a:cubicBezTo>
+                    <a:pt x="374553" y="183224"/>
+                    <a:pt x="375519" y="178929"/>
+                    <a:pt x="376237" y="174625"/>
+                  </a:cubicBezTo>
+                  <a:cubicBezTo>
+                    <a:pt x="376375" y="173795"/>
+                    <a:pt x="378270" y="160870"/>
+                    <a:pt x="379412" y="158750"/>
+                  </a:cubicBezTo>
+                  <a:cubicBezTo>
+                    <a:pt x="382126" y="153710"/>
+                    <a:pt x="383254" y="145144"/>
+                    <a:pt x="388937" y="144462"/>
+                  </a:cubicBezTo>
+                  <a:lnTo>
+                    <a:pt x="428625" y="139700"/>
+                  </a:lnTo>
+                  <a:cubicBezTo>
+                    <a:pt x="423478" y="124262"/>
+                    <a:pt x="427386" y="137417"/>
+                    <a:pt x="425450" y="101600"/>
+                  </a:cubicBezTo>
+                  <a:cubicBezTo>
+                    <a:pt x="424992" y="93129"/>
+                    <a:pt x="424391" y="84667"/>
+                    <a:pt x="423862" y="76200"/>
+                  </a:cubicBezTo>
+                  <a:cubicBezTo>
+                    <a:pt x="424391" y="52917"/>
+                    <a:pt x="426965" y="29590"/>
+                    <a:pt x="425450" y="6350"/>
+                  </a:cubicBezTo>
+                  <a:cubicBezTo>
+                    <a:pt x="425033" y="-49"/>
+                    <a:pt x="416091" y="4177"/>
+                    <a:pt x="414337" y="4762"/>
+                  </a:cubicBezTo>
+                  <a:cubicBezTo>
+                    <a:pt x="410633" y="4233"/>
+                    <a:pt x="406916" y="3790"/>
+                    <a:pt x="403225" y="3175"/>
+                  </a:cubicBezTo>
+                  <a:cubicBezTo>
+                    <a:pt x="397188" y="2169"/>
+                    <a:pt x="394638" y="1425"/>
+                    <a:pt x="388937" y="0"/>
+                  </a:cubicBezTo>
+                  <a:cubicBezTo>
+                    <a:pt x="377295" y="529"/>
+                    <a:pt x="365634" y="726"/>
+                    <a:pt x="354012" y="1587"/>
+                  </a:cubicBezTo>
+                  <a:cubicBezTo>
+                    <a:pt x="351321" y="1786"/>
+                    <a:pt x="348669" y="2434"/>
+                    <a:pt x="346075" y="3175"/>
+                  </a:cubicBezTo>
+                  <a:cubicBezTo>
+                    <a:pt x="341248" y="4554"/>
+                    <a:pt x="336804" y="7758"/>
+                    <a:pt x="331787" y="7937"/>
+                  </a:cubicBezTo>
+                  <a:lnTo>
+                    <a:pt x="287337" y="9525"/>
+                  </a:lnTo>
+                  <a:lnTo>
+                    <a:pt x="273050" y="14287"/>
+                  </a:lnTo>
+                  <a:cubicBezTo>
+                    <a:pt x="271462" y="14816"/>
+                    <a:pt x="269904" y="15444"/>
+                    <a:pt x="268287" y="15875"/>
+                  </a:cubicBezTo>
+                  <a:cubicBezTo>
+                    <a:pt x="260350" y="17992"/>
+                    <a:pt x="252268" y="19627"/>
+                    <a:pt x="244475" y="22225"/>
+                  </a:cubicBezTo>
+                  <a:lnTo>
+                    <a:pt x="230187" y="26987"/>
+                  </a:lnTo>
+                  <a:cubicBezTo>
+                    <a:pt x="228600" y="27516"/>
+                    <a:pt x="227048" y="28169"/>
+                    <a:pt x="225425" y="28575"/>
+                  </a:cubicBezTo>
+                  <a:cubicBezTo>
+                    <a:pt x="223308" y="29104"/>
+                    <a:pt x="221165" y="29535"/>
+                    <a:pt x="219075" y="30162"/>
+                  </a:cubicBezTo>
+                  <a:cubicBezTo>
+                    <a:pt x="215869" y="31124"/>
+                    <a:pt x="212725" y="32279"/>
+                    <a:pt x="209550" y="33337"/>
+                  </a:cubicBezTo>
+                  <a:cubicBezTo>
+                    <a:pt x="207962" y="33866"/>
+                    <a:pt x="206428" y="34597"/>
+                    <a:pt x="204787" y="34925"/>
+                  </a:cubicBezTo>
+                  <a:cubicBezTo>
+                    <a:pt x="192576" y="37367"/>
+                    <a:pt x="199459" y="35859"/>
+                    <a:pt x="184150" y="39687"/>
+                  </a:cubicBezTo>
+                  <a:cubicBezTo>
+                    <a:pt x="182033" y="40216"/>
+                    <a:pt x="179870" y="40585"/>
+                    <a:pt x="177800" y="41275"/>
+                  </a:cubicBezTo>
+                  <a:cubicBezTo>
+                    <a:pt x="174625" y="42333"/>
+                    <a:pt x="171522" y="43639"/>
+                    <a:pt x="168275" y="44450"/>
+                  </a:cubicBezTo>
+                  <a:cubicBezTo>
+                    <a:pt x="166158" y="44979"/>
+                    <a:pt x="164015" y="45410"/>
+                    <a:pt x="161925" y="46037"/>
+                  </a:cubicBezTo>
+                  <a:cubicBezTo>
+                    <a:pt x="158719" y="46999"/>
+                    <a:pt x="155618" y="48293"/>
+                    <a:pt x="152400" y="49212"/>
+                  </a:cubicBezTo>
+                  <a:cubicBezTo>
+                    <a:pt x="148204" y="50411"/>
+                    <a:pt x="139700" y="52387"/>
+                    <a:pt x="139700" y="52387"/>
+                  </a:cubicBezTo>
+                  <a:cubicBezTo>
+                    <a:pt x="136525" y="54504"/>
+                    <a:pt x="131382" y="55117"/>
+                    <a:pt x="130175" y="58737"/>
+                  </a:cubicBezTo>
+                  <a:cubicBezTo>
+                    <a:pt x="128058" y="65087"/>
+                    <a:pt x="130175" y="62971"/>
+                    <a:pt x="123825" y="65087"/>
+                  </a:cubicBezTo>
+                  <a:cubicBezTo>
+                    <a:pt x="115253" y="90800"/>
+                    <a:pt x="123997" y="71669"/>
+                    <a:pt x="114300" y="84137"/>
+                  </a:cubicBezTo>
+                  <a:cubicBezTo>
+                    <a:pt x="111957" y="87149"/>
+                    <a:pt x="111125" y="91545"/>
+                    <a:pt x="107950" y="93662"/>
+                  </a:cubicBezTo>
+                  <a:lnTo>
+                    <a:pt x="98425" y="100012"/>
+                  </a:lnTo>
+                  <a:cubicBezTo>
+                    <a:pt x="97367" y="102129"/>
+                    <a:pt x="96626" y="104436"/>
+                    <a:pt x="95250" y="106362"/>
+                  </a:cubicBezTo>
+                  <a:cubicBezTo>
+                    <a:pt x="91777" y="111223"/>
+                    <a:pt x="87641" y="112832"/>
+                    <a:pt x="82550" y="115887"/>
+                  </a:cubicBezTo>
+                  <a:cubicBezTo>
+                    <a:pt x="73559" y="129375"/>
+                    <a:pt x="88361" y="108493"/>
+                    <a:pt x="69850" y="127000"/>
+                  </a:cubicBezTo>
+                  <a:cubicBezTo>
+                    <a:pt x="63738" y="133111"/>
+                    <a:pt x="66955" y="130517"/>
+                    <a:pt x="60325" y="134937"/>
+                  </a:cubicBezTo>
+                  <a:cubicBezTo>
+                    <a:pt x="54060" y="144336"/>
+                    <a:pt x="50516" y="147525"/>
+                    <a:pt x="47625" y="157162"/>
+                  </a:cubicBezTo>
+                  <a:cubicBezTo>
+                    <a:pt x="46850" y="159747"/>
+                    <a:pt x="46692" y="162482"/>
+                    <a:pt x="46037" y="165100"/>
+                  </a:cubicBezTo>
+                  <a:cubicBezTo>
+                    <a:pt x="45103" y="168837"/>
+                    <a:pt x="43728" y="172458"/>
+                    <a:pt x="42862" y="176212"/>
+                  </a:cubicBezTo>
+                  <a:cubicBezTo>
+                    <a:pt x="40336" y="187160"/>
+                    <a:pt x="42450" y="183109"/>
+                    <a:pt x="39687" y="192087"/>
+                  </a:cubicBezTo>
+                  <a:cubicBezTo>
+                    <a:pt x="32411" y="215733"/>
+                    <a:pt x="37705" y="197937"/>
+                    <a:pt x="31750" y="214312"/>
+                  </a:cubicBezTo>
+                  <a:cubicBezTo>
+                    <a:pt x="30606" y="217457"/>
+                    <a:pt x="28575" y="223837"/>
+                    <a:pt x="28575" y="223837"/>
+                  </a:cubicBezTo>
+                  <a:cubicBezTo>
+                    <a:pt x="28046" y="227541"/>
+                    <a:pt x="27602" y="231259"/>
+                    <a:pt x="26987" y="234950"/>
+                  </a:cubicBezTo>
+                  <a:cubicBezTo>
+                    <a:pt x="24208" y="251625"/>
+                    <a:pt x="26673" y="234934"/>
+                    <a:pt x="23812" y="249237"/>
+                  </a:cubicBezTo>
+                  <a:cubicBezTo>
+                    <a:pt x="23181" y="252393"/>
+                    <a:pt x="22899" y="255615"/>
+                    <a:pt x="22225" y="258762"/>
+                  </a:cubicBezTo>
+                  <a:cubicBezTo>
+                    <a:pt x="21311" y="263029"/>
+                    <a:pt x="19906" y="267183"/>
+                    <a:pt x="19050" y="271462"/>
+                  </a:cubicBezTo>
+                  <a:cubicBezTo>
+                    <a:pt x="18316" y="275131"/>
+                    <a:pt x="18196" y="278906"/>
+                    <a:pt x="17462" y="282575"/>
+                  </a:cubicBezTo>
+                  <a:cubicBezTo>
+                    <a:pt x="17134" y="284216"/>
+                    <a:pt x="16335" y="285728"/>
+                    <a:pt x="15875" y="287337"/>
+                  </a:cubicBezTo>
+                  <a:cubicBezTo>
+                    <a:pt x="15276" y="289435"/>
+                    <a:pt x="15263" y="291736"/>
+                    <a:pt x="14287" y="293687"/>
+                  </a:cubicBezTo>
+                  <a:cubicBezTo>
+                    <a:pt x="12580" y="297100"/>
+                    <a:pt x="7937" y="303212"/>
+                    <a:pt x="7937" y="303212"/>
+                  </a:cubicBezTo>
+                  <a:cubicBezTo>
+                    <a:pt x="6466" y="308359"/>
+                    <a:pt x="2408" y="322097"/>
+                    <a:pt x="1587" y="327025"/>
+                  </a:cubicBezTo>
+                  <a:lnTo>
+                    <a:pt x="0" y="336550"/>
+                  </a:lnTo>
+                  <a:cubicBezTo>
+                    <a:pt x="1058" y="349779"/>
+                    <a:pt x="1936" y="363024"/>
+                    <a:pt x="3175" y="376237"/>
+                  </a:cubicBezTo>
+                  <a:cubicBezTo>
+                    <a:pt x="3524" y="379963"/>
+                    <a:pt x="4390" y="383627"/>
+                    <a:pt x="4762" y="387350"/>
+                  </a:cubicBezTo>
+                  <a:cubicBezTo>
+                    <a:pt x="5449" y="394215"/>
+                    <a:pt x="5821" y="401108"/>
+                    <a:pt x="6350" y="407987"/>
+                  </a:cubicBezTo>
+                  <a:cubicBezTo>
+                    <a:pt x="5105" y="470202"/>
+                    <a:pt x="3499" y="489238"/>
+                    <a:pt x="6350" y="547687"/>
+                  </a:cubicBezTo>
+                  <a:cubicBezTo>
+                    <a:pt x="6432" y="549358"/>
+                    <a:pt x="7408" y="550862"/>
+                    <a:pt x="7937" y="552450"/>
+                  </a:cubicBezTo>
+                  <a:cubicBezTo>
+                    <a:pt x="8466" y="557212"/>
+                    <a:pt x="9091" y="561965"/>
+                    <a:pt x="9525" y="566737"/>
+                  </a:cubicBezTo>
+                  <a:cubicBezTo>
+                    <a:pt x="10150" y="573608"/>
+                    <a:pt x="10256" y="580529"/>
+                    <a:pt x="11112" y="587375"/>
+                  </a:cubicBezTo>
+                  <a:cubicBezTo>
+                    <a:pt x="11529" y="590714"/>
+                    <a:pt x="16817" y="600802"/>
+                    <a:pt x="17462" y="601662"/>
+                  </a:cubicBezTo>
+                  <a:cubicBezTo>
+                    <a:pt x="18607" y="603188"/>
+                    <a:pt x="20637" y="603779"/>
+                    <a:pt x="22225" y="604837"/>
+                  </a:cubicBezTo>
+                  <a:cubicBezTo>
+                    <a:pt x="22804" y="606574"/>
+                    <a:pt x="25547" y="615557"/>
+                    <a:pt x="26987" y="615950"/>
+                  </a:cubicBezTo>
+                  <a:cubicBezTo>
+                    <a:pt x="31610" y="617211"/>
+                    <a:pt x="36531" y="615040"/>
+                    <a:pt x="41275" y="614362"/>
+                  </a:cubicBezTo>
+                  <a:cubicBezTo>
+                    <a:pt x="49130" y="613240"/>
+                    <a:pt x="50825" y="612238"/>
+                    <a:pt x="58737" y="609600"/>
+                  </a:cubicBezTo>
+                  <a:lnTo>
+                    <a:pt x="68262" y="606425"/>
+                  </a:lnTo>
+                  <a:cubicBezTo>
+                    <a:pt x="104152" y="602835"/>
+                    <a:pt x="78821" y="604977"/>
+                    <a:pt x="144462" y="603250"/>
+                  </a:cubicBezTo>
+                  <a:cubicBezTo>
+                    <a:pt x="165620" y="600604"/>
+                    <a:pt x="158010" y="600810"/>
+                    <a:pt x="188912" y="603250"/>
+                  </a:cubicBezTo>
+                  <a:cubicBezTo>
+                    <a:pt x="198466" y="604004"/>
+                    <a:pt x="217487" y="606425"/>
+                    <a:pt x="217487" y="606425"/>
+                  </a:cubicBezTo>
+                  <a:lnTo>
+                    <a:pt x="242887" y="604837"/>
+                  </a:lnTo>
+                  <a:cubicBezTo>
+                    <a:pt x="249770" y="604362"/>
+                    <a:pt x="256625" y="603250"/>
+                    <a:pt x="263525" y="603250"/>
+                  </a:cubicBezTo>
+                  <a:cubicBezTo>
+                    <a:pt x="285227" y="603250"/>
+                    <a:pt x="306916" y="604308"/>
+                    <a:pt x="328612" y="604837"/>
+                  </a:cubicBezTo>
+                  <a:lnTo>
+                    <a:pt x="387350" y="603250"/>
+                  </a:lnTo>
+                  <a:cubicBezTo>
+                    <a:pt x="444988" y="601579"/>
+                    <a:pt x="428624" y="613569"/>
+                    <a:pt x="436562" y="606425"/>
+                  </a:cubicBezTo>
+                  <a:close/>
+                </a:path>
+              </a:pathLst>
+            </a:custGeom>
+            <a:solidFill>
+              <a:schemeClr val="accent1">
+                <a:alpha val="92000"/>
+              </a:schemeClr>
+            </a:solidFill>
+            <a:ln w="3175">
+              <a:solidFill>
+                <a:schemeClr val="accent1">
+                  <a:lumMod val="50000"/>
+                </a:schemeClr>
+              </a:solidFill>
+            </a:ln>
+          </p:spPr>
+          <p:style>
+            <a:lnRef idx="2">
+              <a:schemeClr val="accent1">
+                <a:shade val="50000"/>
+              </a:schemeClr>
+            </a:lnRef>
+            <a:fillRef idx="1">
+              <a:schemeClr val="accent1"/>
+            </a:fillRef>
+            <a:effectRef idx="0">
+              <a:schemeClr val="accent1"/>
+            </a:effectRef>
+            <a:fontRef idx="minor">
+              <a:schemeClr val="lt1"/>
+            </a:fontRef>
+          </p:style>
+          <p:txBody>
+            <a:bodyPr rtlCol="0" anchor="ctr"/>
+            <a:lstStyle/>
+            <a:p>
+              <a:pPr algn="ctr"/>
+              <a:endParaRPr kumimoji="1" lang="ja-JP" altLang="en-US"/>
+            </a:p>
+          </p:txBody>
+        </p:sp>
+      </p:grpSp>
+      <p:grpSp>
+        <p:nvGrpSpPr>
+          <p:cNvPr id="35" name="グループ化 34">
+            <a:extLst>
+              <a:ext uri="{FF2B5EF4-FFF2-40B4-BE49-F238E27FC236}">
+                <a16:creationId xmlns:a16="http://schemas.microsoft.com/office/drawing/2014/main" id="{A9D8F96F-0A64-4E78-95C9-AEF395CFC677}"/>
+              </a:ext>
+            </a:extLst>
+          </p:cNvPr>
+          <p:cNvGrpSpPr/>
+          <p:nvPr/>
+        </p:nvGrpSpPr>
+        <p:grpSpPr>
+          <a:xfrm>
+            <a:off x="348280" y="4737753"/>
+            <a:ext cx="7852493" cy="1510647"/>
+            <a:chOff x="1024876" y="2568855"/>
+            <a:chExt cx="2945842" cy="1510647"/>
+          </a:xfrm>
+        </p:grpSpPr>
+        <p:sp>
+          <p:nvSpPr>
+            <p:cNvPr id="36" name="コンテンツ プレースホルダー 2">
+              <a:extLst>
+                <a:ext uri="{FF2B5EF4-FFF2-40B4-BE49-F238E27FC236}">
+                  <a16:creationId xmlns:a16="http://schemas.microsoft.com/office/drawing/2014/main" id="{9CCAA918-01A2-47D4-97DC-7F534039C397}"/>
+                </a:ext>
+              </a:extLst>
+            </p:cNvPr>
+            <p:cNvSpPr txBox="1">
+              <a:spLocks/>
+            </p:cNvSpPr>
+            <p:nvPr/>
+          </p:nvSpPr>
+          <p:spPr>
+            <a:xfrm>
+              <a:off x="1054805" y="2682125"/>
+              <a:ext cx="2915913" cy="1397377"/>
+            </a:xfrm>
+            <a:prstGeom prst="rect">
+              <a:avLst/>
+            </a:prstGeom>
+            <a:solidFill>
+              <a:schemeClr val="bg1"/>
+            </a:solidFill>
+          </p:spPr>
+          <p:style>
+            <a:lnRef idx="2">
+              <a:schemeClr val="accent5"/>
+            </a:lnRef>
+            <a:fillRef idx="1">
+              <a:schemeClr val="lt1"/>
+            </a:fillRef>
+            <a:effectRef idx="0">
+              <a:schemeClr val="accent5"/>
+            </a:effectRef>
+            <a:fontRef idx="minor">
+              <a:schemeClr val="dk1"/>
+            </a:fontRef>
+          </p:style>
+          <p:txBody>
+            <a:bodyPr vert="horz" lIns="91440" tIns="45720" rIns="91440" bIns="45720" rtlCol="0" anchor="ctr">
+              <a:normAutofit/>
+            </a:bodyPr>
+            <a:lstStyle>
+              <a:lvl1pPr marL="342900" indent="-306000" algn="l" defTabSz="457200" rtl="0" eaLnBrk="1" latinLnBrk="0" hangingPunct="1">
+                <a:lnSpc>
+                  <a:spcPct val="110000"/>
+                </a:lnSpc>
+                <a:spcBef>
+                  <a:spcPct val="20000"/>
+                </a:spcBef>
+                <a:spcAft>
+                  <a:spcPts val="600"/>
+                </a:spcAft>
+                <a:buClr>
+                  <a:schemeClr val="tx2"/>
+                </a:buClr>
+                <a:buSzPct val="70000"/>
+                <a:buFont typeface="Wingdings 2" charset="2"/>
+                <a:buChar char=""/>
+                <a:defRPr sz="1900" kern="1200">
+                  <a:ln>
+                    <a:solidFill>
+                      <a:schemeClr val="bg1">
+                        <a:lumMod val="75000"/>
+                        <a:lumOff val="25000"/>
+                        <a:alpha val="10000"/>
+                      </a:schemeClr>
+                    </a:solidFill>
+                  </a:ln>
+                  <a:solidFill>
+                    <a:schemeClr val="tx2"/>
+                  </a:solidFill>
+                  <a:effectLst>
+                    <a:outerShdw blurRad="9525" dist="25400" dir="14640000" algn="tl" rotWithShape="0">
+                      <a:schemeClr val="bg1">
+                        <a:alpha val="30000"/>
+                      </a:schemeClr>
+                    </a:outerShdw>
+                  </a:effectLst>
+                  <a:latin typeface="+mn-lt"/>
+                  <a:ea typeface="+mn-ea"/>
+                  <a:cs typeface="+mn-cs"/>
+                </a:defRPr>
+              </a:lvl1pPr>
+              <a:lvl2pPr marL="720000" indent="-270000" algn="l" defTabSz="457200" rtl="0" eaLnBrk="1" latinLnBrk="0" hangingPunct="1">
+                <a:spcBef>
+                  <a:spcPct val="20000"/>
+                </a:spcBef>
+                <a:spcAft>
+                  <a:spcPts val="600"/>
+                </a:spcAft>
+                <a:buClr>
+                  <a:schemeClr val="tx2"/>
+                </a:buClr>
+                <a:buSzPct val="70000"/>
+                <a:buFont typeface="Wingdings 2" charset="2"/>
+                <a:buChar char=""/>
+                <a:defRPr sz="1700" kern="1200">
+                  <a:ln>
+                    <a:solidFill>
+                      <a:schemeClr val="bg1">
+                        <a:lumMod val="75000"/>
+                        <a:lumOff val="25000"/>
+                        <a:alpha val="10000"/>
+                      </a:schemeClr>
+                    </a:solidFill>
+                  </a:ln>
+                  <a:solidFill>
+                    <a:schemeClr val="tx2"/>
+                  </a:solidFill>
+                  <a:effectLst>
+                    <a:outerShdw blurRad="9525" dist="25400" dir="14640000" algn="tl" rotWithShape="0">
+                      <a:schemeClr val="bg1">
+                        <a:alpha val="30000"/>
+                      </a:schemeClr>
+                    </a:outerShdw>
+                  </a:effectLst>
+                  <a:latin typeface="+mn-lt"/>
+                  <a:ea typeface="+mn-ea"/>
+                  <a:cs typeface="+mn-cs"/>
+                </a:defRPr>
+              </a:lvl2pPr>
+              <a:lvl3pPr marL="1026000" indent="-216000" algn="l" defTabSz="457200" rtl="0" eaLnBrk="1" latinLnBrk="0" hangingPunct="1">
+                <a:spcBef>
+                  <a:spcPct val="20000"/>
+                </a:spcBef>
+                <a:spcAft>
+                  <a:spcPts val="600"/>
+                </a:spcAft>
+                <a:buClr>
+                  <a:schemeClr val="tx2"/>
+                </a:buClr>
+                <a:buSzPct val="70000"/>
+                <a:buFont typeface="Wingdings 2" charset="2"/>
+                <a:buChar char=""/>
+                <a:defRPr sz="1500" kern="1200">
+                  <a:ln>
+                    <a:solidFill>
+                      <a:schemeClr val="bg1">
+                        <a:lumMod val="75000"/>
+                        <a:lumOff val="25000"/>
+                        <a:alpha val="10000"/>
+                      </a:schemeClr>
+                    </a:solidFill>
+                  </a:ln>
+                  <a:solidFill>
+                    <a:schemeClr val="tx2"/>
+                  </a:solidFill>
+                  <a:effectLst>
+                    <a:outerShdw blurRad="9525" dist="25400" dir="14640000" algn="tl" rotWithShape="0">
+                      <a:schemeClr val="bg1">
+                        <a:alpha val="30000"/>
+                      </a:schemeClr>
+                    </a:outerShdw>
+                  </a:effectLst>
+                  <a:latin typeface="+mn-lt"/>
+                  <a:ea typeface="+mn-ea"/>
+                  <a:cs typeface="+mn-cs"/>
+                </a:defRPr>
+              </a:lvl3pPr>
+              <a:lvl4pPr marL="1386000" indent="-216000" algn="l" defTabSz="457200" rtl="0" eaLnBrk="1" latinLnBrk="0" hangingPunct="1">
+                <a:spcBef>
+                  <a:spcPct val="20000"/>
+                </a:spcBef>
+                <a:spcAft>
+                  <a:spcPts val="600"/>
+                </a:spcAft>
+                <a:buClr>
+                  <a:schemeClr val="tx2"/>
+                </a:buClr>
+                <a:buSzPct val="70000"/>
+                <a:buFont typeface="Wingdings 2" charset="2"/>
+                <a:buChar char=""/>
+                <a:defRPr sz="1300" kern="1200">
+                  <a:ln>
+                    <a:solidFill>
+                      <a:schemeClr val="bg1">
+                        <a:lumMod val="75000"/>
+                        <a:lumOff val="25000"/>
+                        <a:alpha val="10000"/>
+                      </a:schemeClr>
+                    </a:solidFill>
+                  </a:ln>
+                  <a:solidFill>
+                    <a:schemeClr val="tx2"/>
+                  </a:solidFill>
+                  <a:effectLst>
+                    <a:outerShdw blurRad="9525" dist="25400" dir="14640000" algn="tl" rotWithShape="0">
+                      <a:schemeClr val="bg1">
+                        <a:alpha val="30000"/>
+                      </a:schemeClr>
+                    </a:outerShdw>
+                  </a:effectLst>
+                  <a:latin typeface="+mn-lt"/>
+                  <a:ea typeface="+mn-ea"/>
+                  <a:cs typeface="+mn-cs"/>
+                </a:defRPr>
+              </a:lvl4pPr>
+              <a:lvl5pPr marL="1674000" indent="-216000" algn="l" defTabSz="457200" rtl="0" eaLnBrk="1" latinLnBrk="0" hangingPunct="1">
+                <a:spcBef>
+                  <a:spcPct val="20000"/>
+                </a:spcBef>
+                <a:spcAft>
+                  <a:spcPts val="600"/>
+                </a:spcAft>
+                <a:buClr>
+                  <a:schemeClr val="tx2"/>
+                </a:buClr>
+                <a:buSzPct val="70000"/>
+                <a:buFont typeface="Wingdings 2" charset="2"/>
+                <a:buChar char=""/>
+                <a:defRPr sz="1300" kern="1200">
+                  <a:ln>
+                    <a:solidFill>
+                      <a:schemeClr val="bg1">
+                        <a:lumMod val="75000"/>
+                        <a:lumOff val="25000"/>
+                        <a:alpha val="10000"/>
+                      </a:schemeClr>
+                    </a:solidFill>
+                  </a:ln>
+                  <a:solidFill>
+                    <a:schemeClr val="tx2"/>
+                  </a:solidFill>
+                  <a:effectLst>
+                    <a:outerShdw blurRad="9525" dist="25400" dir="14640000" algn="tl" rotWithShape="0">
+                      <a:schemeClr val="bg1">
+                        <a:alpha val="30000"/>
+                      </a:schemeClr>
+                    </a:outerShdw>
+                  </a:effectLst>
+                  <a:latin typeface="+mn-lt"/>
+                  <a:ea typeface="+mn-ea"/>
+                  <a:cs typeface="+mn-cs"/>
+                </a:defRPr>
+              </a:lvl5pPr>
+              <a:lvl6pPr marL="2014600" indent="-228600" algn="l" defTabSz="457200" rtl="0" eaLnBrk="1" latinLnBrk="0" hangingPunct="1">
+                <a:spcBef>
+                  <a:spcPct val="20000"/>
+                </a:spcBef>
+                <a:spcAft>
+                  <a:spcPts val="600"/>
+                </a:spcAft>
+                <a:buClr>
+                  <a:schemeClr val="tx2"/>
+                </a:buClr>
+                <a:buSzPct val="70000"/>
+                <a:buFont typeface="Wingdings 2" charset="2"/>
+                <a:buChar char=""/>
+                <a:defRPr sz="1400" kern="1200">
+                  <a:ln>
+                    <a:solidFill>
+                      <a:schemeClr val="bg1">
+                        <a:lumMod val="75000"/>
+                        <a:lumOff val="25000"/>
+                        <a:alpha val="10000"/>
+                      </a:schemeClr>
+                    </a:solidFill>
+                  </a:ln>
+                  <a:solidFill>
+                    <a:schemeClr val="tx2"/>
+                  </a:solidFill>
+                  <a:effectLst>
+                    <a:outerShdw blurRad="9525" dist="25400" dir="14640000" algn="tl" rotWithShape="0">
+                      <a:schemeClr val="bg1">
+                        <a:alpha val="30000"/>
+                      </a:schemeClr>
+                    </a:outerShdw>
+                  </a:effectLst>
+                  <a:latin typeface="+mn-lt"/>
+                  <a:ea typeface="+mn-ea"/>
+                  <a:cs typeface="+mn-cs"/>
+                </a:defRPr>
+              </a:lvl6pPr>
+              <a:lvl7pPr marL="2401800" indent="-228600" algn="l" defTabSz="457200" rtl="0" eaLnBrk="1" latinLnBrk="0" hangingPunct="1">
+                <a:spcBef>
+                  <a:spcPct val="20000"/>
+                </a:spcBef>
+                <a:spcAft>
+                  <a:spcPts val="600"/>
+                </a:spcAft>
+                <a:buClr>
+                  <a:schemeClr val="tx2"/>
+                </a:buClr>
+                <a:buSzPct val="70000"/>
+                <a:buFont typeface="Wingdings 2" charset="2"/>
+                <a:buChar char=""/>
+                <a:defRPr sz="1400" kern="1200">
+                  <a:ln>
+                    <a:solidFill>
+                      <a:schemeClr val="bg1">
+                        <a:lumMod val="75000"/>
+                        <a:lumOff val="25000"/>
+                        <a:alpha val="10000"/>
+                      </a:schemeClr>
+                    </a:solidFill>
+                  </a:ln>
+                  <a:solidFill>
+                    <a:schemeClr val="tx2"/>
+                  </a:solidFill>
+                  <a:effectLst>
+                    <a:outerShdw blurRad="9525" dist="25400" dir="14640000" algn="tl" rotWithShape="0">
+                      <a:schemeClr val="bg1">
+                        <a:alpha val="30000"/>
+                      </a:schemeClr>
+                    </a:outerShdw>
+                  </a:effectLst>
+                  <a:latin typeface="+mn-lt"/>
+                  <a:ea typeface="+mn-ea"/>
+                  <a:cs typeface="+mn-cs"/>
+                </a:defRPr>
+              </a:lvl7pPr>
+              <a:lvl8pPr marL="2789000" indent="-228600" algn="l" defTabSz="457200" rtl="0" eaLnBrk="1" latinLnBrk="0" hangingPunct="1">
+                <a:spcBef>
+                  <a:spcPct val="20000"/>
+                </a:spcBef>
+                <a:spcAft>
+                  <a:spcPts val="600"/>
+                </a:spcAft>
+                <a:buClr>
+                  <a:schemeClr val="tx2"/>
+                </a:buClr>
+                <a:buSzPct val="70000"/>
+                <a:buFont typeface="Wingdings 2" charset="2"/>
+                <a:buChar char=""/>
+                <a:defRPr sz="1400" kern="1200">
+                  <a:ln>
+                    <a:solidFill>
+                      <a:schemeClr val="bg1">
+                        <a:lumMod val="75000"/>
+                        <a:lumOff val="25000"/>
+                        <a:alpha val="10000"/>
+                      </a:schemeClr>
+                    </a:solidFill>
+                  </a:ln>
+                  <a:solidFill>
+                    <a:schemeClr val="tx2"/>
+                  </a:solidFill>
+                  <a:effectLst>
+                    <a:outerShdw blurRad="9525" dist="25400" dir="14640000" algn="tl" rotWithShape="0">
+                      <a:schemeClr val="bg1">
+                        <a:alpha val="30000"/>
+                      </a:schemeClr>
+                    </a:outerShdw>
+                  </a:effectLst>
+                  <a:latin typeface="+mn-lt"/>
+                  <a:ea typeface="+mn-ea"/>
+                  <a:cs typeface="+mn-cs"/>
+                </a:defRPr>
+              </a:lvl8pPr>
+              <a:lvl9pPr marL="3106200" indent="-228600" algn="l" defTabSz="457200" rtl="0" eaLnBrk="1" latinLnBrk="0" hangingPunct="1">
+                <a:spcBef>
+                  <a:spcPct val="20000"/>
+                </a:spcBef>
+                <a:spcAft>
+                  <a:spcPts val="600"/>
+                </a:spcAft>
+                <a:buClr>
+                  <a:schemeClr val="tx2"/>
+                </a:buClr>
+                <a:buSzPct val="70000"/>
+                <a:buFont typeface="Wingdings 2" charset="2"/>
+                <a:buChar char=""/>
+                <a:defRPr sz="1400" kern="1200">
+                  <a:ln>
+                    <a:solidFill>
+                      <a:schemeClr val="bg1">
+                        <a:lumMod val="75000"/>
+                        <a:lumOff val="25000"/>
+                        <a:alpha val="10000"/>
+                      </a:schemeClr>
+                    </a:solidFill>
+                  </a:ln>
+                  <a:solidFill>
+                    <a:schemeClr val="tx2"/>
+                  </a:solidFill>
+                  <a:effectLst>
+                    <a:outerShdw blurRad="9525" dist="25400" dir="14640000" algn="tl" rotWithShape="0">
+                      <a:schemeClr val="bg1">
+                        <a:alpha val="30000"/>
+                      </a:schemeClr>
+                    </a:outerShdw>
+                  </a:effectLst>
+                  <a:latin typeface="+mn-lt"/>
+                  <a:ea typeface="+mn-ea"/>
+                  <a:cs typeface="+mn-cs"/>
+                </a:defRPr>
+              </a:lvl9pPr>
+            </a:lstStyle>
+            <a:p>
+              <a:pPr marL="36900" indent="0">
+                <a:buNone/>
+              </a:pPr>
+              <a:endParaRPr kumimoji="1" lang="en-US" altLang="ja-JP" sz="2400" dirty="0"/>
+            </a:p>
+            <a:p>
+              <a:pPr marL="36900" indent="0">
+                <a:buNone/>
+              </a:pPr>
+              <a:r>
+                <a:rPr kumimoji="1" lang="en-US" altLang="ja-JP" sz="2400" dirty="0"/>
+                <a:t>      </a:t>
+              </a:r>
+              <a:r>
+                <a:rPr kumimoji="1" lang="ja-JP" altLang="en-US" sz="2400" dirty="0"/>
+                <a:t>を保存して終了する</a:t>
+              </a:r>
+              <a:endParaRPr kumimoji="1" lang="en-US" altLang="ja-JP" sz="2400" dirty="0"/>
+            </a:p>
+          </p:txBody>
+        </p:sp>
+        <p:sp>
+          <p:nvSpPr>
+            <p:cNvPr id="37" name="コンテンツ プレースホルダー 2">
+              <a:extLst>
+                <a:ext uri="{FF2B5EF4-FFF2-40B4-BE49-F238E27FC236}">
+                  <a16:creationId xmlns:a16="http://schemas.microsoft.com/office/drawing/2014/main" id="{7C64DCB3-3D15-4EAB-A345-032E553A0CD6}"/>
+                </a:ext>
+              </a:extLst>
+            </p:cNvPr>
+            <p:cNvSpPr txBox="1">
+              <a:spLocks/>
+            </p:cNvSpPr>
+            <p:nvPr/>
+          </p:nvSpPr>
+          <p:spPr>
+            <a:xfrm>
+              <a:off x="1024876" y="2568855"/>
+              <a:ext cx="732496" cy="603910"/>
+            </a:xfrm>
+            <a:prstGeom prst="roundRect">
+              <a:avLst/>
+            </a:prstGeom>
+          </p:spPr>
+          <p:style>
+            <a:lnRef idx="1">
+              <a:schemeClr val="accent5"/>
+            </a:lnRef>
+            <a:fillRef idx="3">
+              <a:schemeClr val="accent5"/>
+            </a:fillRef>
+            <a:effectRef idx="2">
+              <a:schemeClr val="accent5"/>
+            </a:effectRef>
+            <a:fontRef idx="minor">
+              <a:schemeClr val="lt1"/>
+            </a:fontRef>
+          </p:style>
+          <p:txBody>
+            <a:bodyPr vert="horz" lIns="91440" tIns="45720" rIns="91440" bIns="45720" rtlCol="0" anchor="ctr">
+              <a:normAutofit/>
+            </a:bodyPr>
+            <a:lstStyle>
+              <a:lvl1pPr marL="342900" indent="-306000" algn="l" defTabSz="457200" rtl="0" eaLnBrk="1" latinLnBrk="0" hangingPunct="1">
+                <a:lnSpc>
+                  <a:spcPct val="110000"/>
+                </a:lnSpc>
+                <a:spcBef>
+                  <a:spcPct val="20000"/>
+                </a:spcBef>
+                <a:spcAft>
+                  <a:spcPts val="600"/>
+                </a:spcAft>
+                <a:buClr>
+                  <a:schemeClr val="tx2"/>
+                </a:buClr>
+                <a:buSzPct val="70000"/>
+                <a:buFont typeface="Wingdings 2" charset="2"/>
+                <a:buChar char=""/>
+                <a:defRPr sz="1900" kern="1200">
+                  <a:ln>
+                    <a:solidFill>
+                      <a:schemeClr val="bg1">
+                        <a:lumMod val="75000"/>
+                        <a:lumOff val="25000"/>
+                        <a:alpha val="10000"/>
+                      </a:schemeClr>
+                    </a:solidFill>
+                  </a:ln>
+                  <a:solidFill>
+                    <a:schemeClr val="tx2"/>
+                  </a:solidFill>
+                  <a:effectLst>
+                    <a:outerShdw blurRad="9525" dist="25400" dir="14640000" algn="tl" rotWithShape="0">
+                      <a:schemeClr val="bg1">
+                        <a:alpha val="30000"/>
+                      </a:schemeClr>
+                    </a:outerShdw>
+                  </a:effectLst>
+                  <a:latin typeface="+mn-lt"/>
+                  <a:ea typeface="+mn-ea"/>
+                  <a:cs typeface="+mn-cs"/>
+                </a:defRPr>
+              </a:lvl1pPr>
+              <a:lvl2pPr marL="720000" indent="-270000" algn="l" defTabSz="457200" rtl="0" eaLnBrk="1" latinLnBrk="0" hangingPunct="1">
+                <a:spcBef>
+                  <a:spcPct val="20000"/>
+                </a:spcBef>
+                <a:spcAft>
+                  <a:spcPts val="600"/>
+                </a:spcAft>
+                <a:buClr>
+                  <a:schemeClr val="tx2"/>
+                </a:buClr>
+                <a:buSzPct val="70000"/>
+                <a:buFont typeface="Wingdings 2" charset="2"/>
+                <a:buChar char=""/>
+                <a:defRPr sz="1700" kern="1200">
+                  <a:ln>
+                    <a:solidFill>
+                      <a:schemeClr val="bg1">
+                        <a:lumMod val="75000"/>
+                        <a:lumOff val="25000"/>
+                        <a:alpha val="10000"/>
+                      </a:schemeClr>
+                    </a:solidFill>
+                  </a:ln>
+                  <a:solidFill>
+                    <a:schemeClr val="tx2"/>
+                  </a:solidFill>
+                  <a:effectLst>
+                    <a:outerShdw blurRad="9525" dist="25400" dir="14640000" algn="tl" rotWithShape="0">
+                      <a:schemeClr val="bg1">
+                        <a:alpha val="30000"/>
+                      </a:schemeClr>
+                    </a:outerShdw>
+                  </a:effectLst>
+                  <a:latin typeface="+mn-lt"/>
+                  <a:ea typeface="+mn-ea"/>
+                  <a:cs typeface="+mn-cs"/>
+                </a:defRPr>
+              </a:lvl2pPr>
+              <a:lvl3pPr marL="1026000" indent="-216000" algn="l" defTabSz="457200" rtl="0" eaLnBrk="1" latinLnBrk="0" hangingPunct="1">
+                <a:spcBef>
+                  <a:spcPct val="20000"/>
+                </a:spcBef>
+                <a:spcAft>
+                  <a:spcPts val="600"/>
+                </a:spcAft>
+                <a:buClr>
+                  <a:schemeClr val="tx2"/>
+                </a:buClr>
+                <a:buSzPct val="70000"/>
+                <a:buFont typeface="Wingdings 2" charset="2"/>
+                <a:buChar char=""/>
+                <a:defRPr sz="1500" kern="1200">
+                  <a:ln>
+                    <a:solidFill>
+                      <a:schemeClr val="bg1">
+                        <a:lumMod val="75000"/>
+                        <a:lumOff val="25000"/>
+                        <a:alpha val="10000"/>
+                      </a:schemeClr>
+                    </a:solidFill>
+                  </a:ln>
+                  <a:solidFill>
+                    <a:schemeClr val="tx2"/>
+                  </a:solidFill>
+                  <a:effectLst>
+                    <a:outerShdw blurRad="9525" dist="25400" dir="14640000" algn="tl" rotWithShape="0">
+                      <a:schemeClr val="bg1">
+                        <a:alpha val="30000"/>
+                      </a:schemeClr>
+                    </a:outerShdw>
+                  </a:effectLst>
+                  <a:latin typeface="+mn-lt"/>
+                  <a:ea typeface="+mn-ea"/>
+                  <a:cs typeface="+mn-cs"/>
+                </a:defRPr>
+              </a:lvl3pPr>
+              <a:lvl4pPr marL="1386000" indent="-216000" algn="l" defTabSz="457200" rtl="0" eaLnBrk="1" latinLnBrk="0" hangingPunct="1">
+                <a:spcBef>
+                  <a:spcPct val="20000"/>
+                </a:spcBef>
+                <a:spcAft>
+                  <a:spcPts val="600"/>
+                </a:spcAft>
+                <a:buClr>
+                  <a:schemeClr val="tx2"/>
+                </a:buClr>
+                <a:buSzPct val="70000"/>
+                <a:buFont typeface="Wingdings 2" charset="2"/>
+                <a:buChar char=""/>
+                <a:defRPr sz="1300" kern="1200">
+                  <a:ln>
+                    <a:solidFill>
+                      <a:schemeClr val="bg1">
+                        <a:lumMod val="75000"/>
+                        <a:lumOff val="25000"/>
+                        <a:alpha val="10000"/>
+                      </a:schemeClr>
+                    </a:solidFill>
+                  </a:ln>
+                  <a:solidFill>
+                    <a:schemeClr val="tx2"/>
+                  </a:solidFill>
+                  <a:effectLst>
+                    <a:outerShdw blurRad="9525" dist="25400" dir="14640000" algn="tl" rotWithShape="0">
+                      <a:schemeClr val="bg1">
+                        <a:alpha val="30000"/>
+                      </a:schemeClr>
+                    </a:outerShdw>
+                  </a:effectLst>
+                  <a:latin typeface="+mn-lt"/>
+                  <a:ea typeface="+mn-ea"/>
+                  <a:cs typeface="+mn-cs"/>
+                </a:defRPr>
+              </a:lvl4pPr>
+              <a:lvl5pPr marL="1674000" indent="-216000" algn="l" defTabSz="457200" rtl="0" eaLnBrk="1" latinLnBrk="0" hangingPunct="1">
+                <a:spcBef>
+                  <a:spcPct val="20000"/>
+                </a:spcBef>
+                <a:spcAft>
+                  <a:spcPts val="600"/>
+                </a:spcAft>
+                <a:buClr>
+                  <a:schemeClr val="tx2"/>
+                </a:buClr>
+                <a:buSzPct val="70000"/>
+                <a:buFont typeface="Wingdings 2" charset="2"/>
+                <a:buChar char=""/>
+                <a:defRPr sz="1300" kern="1200">
+                  <a:ln>
+                    <a:solidFill>
+                      <a:schemeClr val="bg1">
+                        <a:lumMod val="75000"/>
+                        <a:lumOff val="25000"/>
+                        <a:alpha val="10000"/>
+                      </a:schemeClr>
+                    </a:solidFill>
+                  </a:ln>
+                  <a:solidFill>
+                    <a:schemeClr val="tx2"/>
+                  </a:solidFill>
+                  <a:effectLst>
+                    <a:outerShdw blurRad="9525" dist="25400" dir="14640000" algn="tl" rotWithShape="0">
+                      <a:schemeClr val="bg1">
+                        <a:alpha val="30000"/>
+                      </a:schemeClr>
+                    </a:outerShdw>
+                  </a:effectLst>
+                  <a:latin typeface="+mn-lt"/>
+                  <a:ea typeface="+mn-ea"/>
+                  <a:cs typeface="+mn-cs"/>
+                </a:defRPr>
+              </a:lvl5pPr>
+              <a:lvl6pPr marL="2014600" indent="-228600" algn="l" defTabSz="457200" rtl="0" eaLnBrk="1" latinLnBrk="0" hangingPunct="1">
+                <a:spcBef>
+                  <a:spcPct val="20000"/>
+                </a:spcBef>
+                <a:spcAft>
+                  <a:spcPts val="600"/>
+                </a:spcAft>
+                <a:buClr>
+                  <a:schemeClr val="tx2"/>
+                </a:buClr>
+                <a:buSzPct val="70000"/>
+                <a:buFont typeface="Wingdings 2" charset="2"/>
+                <a:buChar char=""/>
+                <a:defRPr sz="1400" kern="1200">
+                  <a:ln>
+                    <a:solidFill>
+                      <a:schemeClr val="bg1">
+                        <a:lumMod val="75000"/>
+                        <a:lumOff val="25000"/>
+                        <a:alpha val="10000"/>
+                      </a:schemeClr>
+                    </a:solidFill>
+                  </a:ln>
+                  <a:solidFill>
+                    <a:schemeClr val="tx2"/>
+                  </a:solidFill>
+                  <a:effectLst>
+                    <a:outerShdw blurRad="9525" dist="25400" dir="14640000" algn="tl" rotWithShape="0">
+                      <a:schemeClr val="bg1">
+                        <a:alpha val="30000"/>
+                      </a:schemeClr>
+                    </a:outerShdw>
+                  </a:effectLst>
+                  <a:latin typeface="+mn-lt"/>
+                  <a:ea typeface="+mn-ea"/>
+                  <a:cs typeface="+mn-cs"/>
+                </a:defRPr>
+              </a:lvl6pPr>
+              <a:lvl7pPr marL="2401800" indent="-228600" algn="l" defTabSz="457200" rtl="0" eaLnBrk="1" latinLnBrk="0" hangingPunct="1">
+                <a:spcBef>
+                  <a:spcPct val="20000"/>
+                </a:spcBef>
+                <a:spcAft>
+                  <a:spcPts val="600"/>
+                </a:spcAft>
+                <a:buClr>
+                  <a:schemeClr val="tx2"/>
+                </a:buClr>
+                <a:buSzPct val="70000"/>
+                <a:buFont typeface="Wingdings 2" charset="2"/>
+                <a:buChar char=""/>
+                <a:defRPr sz="1400" kern="1200">
+                  <a:ln>
+                    <a:solidFill>
+                      <a:schemeClr val="bg1">
+                        <a:lumMod val="75000"/>
+                        <a:lumOff val="25000"/>
+                        <a:alpha val="10000"/>
+                      </a:schemeClr>
+                    </a:solidFill>
+                  </a:ln>
+                  <a:solidFill>
+                    <a:schemeClr val="tx2"/>
+                  </a:solidFill>
+                  <a:effectLst>
+                    <a:outerShdw blurRad="9525" dist="25400" dir="14640000" algn="tl" rotWithShape="0">
+                      <a:schemeClr val="bg1">
+                        <a:alpha val="30000"/>
+                      </a:schemeClr>
+                    </a:outerShdw>
+                  </a:effectLst>
+                  <a:latin typeface="+mn-lt"/>
+                  <a:ea typeface="+mn-ea"/>
+                  <a:cs typeface="+mn-cs"/>
+                </a:defRPr>
+              </a:lvl7pPr>
+              <a:lvl8pPr marL="2789000" indent="-228600" algn="l" defTabSz="457200" rtl="0" eaLnBrk="1" latinLnBrk="0" hangingPunct="1">
+                <a:spcBef>
+                  <a:spcPct val="20000"/>
+                </a:spcBef>
+                <a:spcAft>
+                  <a:spcPts val="600"/>
+                </a:spcAft>
+                <a:buClr>
+                  <a:schemeClr val="tx2"/>
+                </a:buClr>
+                <a:buSzPct val="70000"/>
+                <a:buFont typeface="Wingdings 2" charset="2"/>
+                <a:buChar char=""/>
+                <a:defRPr sz="1400" kern="1200">
+                  <a:ln>
+                    <a:solidFill>
+                      <a:schemeClr val="bg1">
+                        <a:lumMod val="75000"/>
+                        <a:lumOff val="25000"/>
+                        <a:alpha val="10000"/>
+                      </a:schemeClr>
+                    </a:solidFill>
+                  </a:ln>
+                  <a:solidFill>
+                    <a:schemeClr val="tx2"/>
+                  </a:solidFill>
+                  <a:effectLst>
+                    <a:outerShdw blurRad="9525" dist="25400" dir="14640000" algn="tl" rotWithShape="0">
+                      <a:schemeClr val="bg1">
+                        <a:alpha val="30000"/>
+                      </a:schemeClr>
+                    </a:outerShdw>
+                  </a:effectLst>
+                  <a:latin typeface="+mn-lt"/>
+                  <a:ea typeface="+mn-ea"/>
+                  <a:cs typeface="+mn-cs"/>
+                </a:defRPr>
+              </a:lvl8pPr>
+              <a:lvl9pPr marL="3106200" indent="-228600" algn="l" defTabSz="457200" rtl="0" eaLnBrk="1" latinLnBrk="0" hangingPunct="1">
+                <a:spcBef>
+                  <a:spcPct val="20000"/>
+                </a:spcBef>
+                <a:spcAft>
+                  <a:spcPts val="600"/>
+                </a:spcAft>
+                <a:buClr>
+                  <a:schemeClr val="tx2"/>
+                </a:buClr>
+                <a:buSzPct val="70000"/>
+                <a:buFont typeface="Wingdings 2" charset="2"/>
+                <a:buChar char=""/>
+                <a:defRPr sz="1400" kern="1200">
+                  <a:ln>
+                    <a:solidFill>
+                      <a:schemeClr val="bg1">
+                        <a:lumMod val="75000"/>
+                        <a:lumOff val="25000"/>
+                        <a:alpha val="10000"/>
+                      </a:schemeClr>
+                    </a:solidFill>
+                  </a:ln>
+                  <a:solidFill>
+                    <a:schemeClr val="tx2"/>
+                  </a:solidFill>
+                  <a:effectLst>
+                    <a:outerShdw blurRad="9525" dist="25400" dir="14640000" algn="tl" rotWithShape="0">
+                      <a:schemeClr val="bg1">
+                        <a:alpha val="30000"/>
+                      </a:schemeClr>
+                    </a:outerShdw>
+                  </a:effectLst>
+                  <a:latin typeface="+mn-lt"/>
+                  <a:ea typeface="+mn-ea"/>
+                  <a:cs typeface="+mn-cs"/>
+                </a:defRPr>
+              </a:lvl9pPr>
+            </a:lstStyle>
+            <a:p>
+              <a:r>
+                <a:rPr lang="ja-JP" altLang="en-US" sz="2400" dirty="0"/>
+                <a:t>スペース</a:t>
+              </a:r>
+              <a:endParaRPr kumimoji="1" lang="en-US" altLang="ja-JP" sz="2400" dirty="0"/>
+            </a:p>
+          </p:txBody>
+        </p:sp>
+      </p:grpSp>
+      <p:pic>
+        <p:nvPicPr>
+          <p:cNvPr id="42" name="図 41">
+            <a:extLst>
+              <a:ext uri="{FF2B5EF4-FFF2-40B4-BE49-F238E27FC236}">
+                <a16:creationId xmlns:a16="http://schemas.microsoft.com/office/drawing/2014/main" id="{7A4FC80F-EA1D-4DE6-8506-C3E6D84550F1}"/>
+              </a:ext>
+            </a:extLst>
+          </p:cNvPr>
+          <p:cNvPicPr>
+            <a:picLocks noChangeAspect="1"/>
+          </p:cNvPicPr>
+          <p:nvPr/>
+        </p:nvPicPr>
+        <p:blipFill>
+          <a:blip r:embed="rId2">
+            <a:extLst>
+              <a:ext uri="{28A0092B-C50C-407E-A947-70E740481C1C}">
+                <a14:useLocalDpi xmlns:a14="http://schemas.microsoft.com/office/drawing/2010/main" val="0"/>
+              </a:ext>
+            </a:extLst>
+          </a:blip>
+          <a:stretch>
+            <a:fillRect/>
+          </a:stretch>
+        </p:blipFill>
+        <p:spPr>
+          <a:xfrm>
+            <a:off x="561566" y="5662704"/>
+            <a:ext cx="347285" cy="361649"/>
+          </a:xfrm>
+          <a:prstGeom prst="rect">
+            <a:avLst/>
+          </a:prstGeom>
+        </p:spPr>
+      </p:pic>
+      <p:pic>
+        <p:nvPicPr>
+          <p:cNvPr id="44" name="図 43">
+            <a:extLst>
+              <a:ext uri="{FF2B5EF4-FFF2-40B4-BE49-F238E27FC236}">
+                <a16:creationId xmlns:a16="http://schemas.microsoft.com/office/drawing/2014/main" id="{741F0938-DE56-4441-B987-F187DD10ABB8}"/>
+              </a:ext>
+            </a:extLst>
+          </p:cNvPr>
+          <p:cNvPicPr>
+            <a:picLocks noChangeAspect="1"/>
+          </p:cNvPicPr>
+          <p:nvPr/>
+        </p:nvPicPr>
+        <p:blipFill rotWithShape="1">
+          <a:blip r:embed="rId5">
+            <a:extLst>
+              <a:ext uri="{28A0092B-C50C-407E-A947-70E740481C1C}">
+                <a14:useLocalDpi xmlns:a14="http://schemas.microsoft.com/office/drawing/2010/main" val="0"/>
+              </a:ext>
+            </a:extLst>
+          </a:blip>
+          <a:srcRect l="26572" t="68171" r="35050"/>
+          <a:stretch/>
+        </p:blipFill>
+        <p:spPr>
+          <a:xfrm>
+            <a:off x="4873657" y="4984247"/>
+            <a:ext cx="3176833" cy="1317375"/>
+          </a:xfrm>
+          <a:prstGeom prst="rect">
+            <a:avLst/>
+          </a:prstGeom>
+        </p:spPr>
+      </p:pic>
+      <p:sp>
+        <p:nvSpPr>
+          <p:cNvPr id="45" name="四角形: 角を丸くする 44">
+            <a:extLst>
+              <a:ext uri="{FF2B5EF4-FFF2-40B4-BE49-F238E27FC236}">
+                <a16:creationId xmlns:a16="http://schemas.microsoft.com/office/drawing/2014/main" id="{828F128F-6C8E-4346-A980-CA9F1A96DFF1}"/>
+              </a:ext>
+            </a:extLst>
+          </p:cNvPr>
+          <p:cNvSpPr/>
           <p:nvPr/>
         </p:nvSpPr>
         <p:spPr>
           <a:xfrm>
-            <a:off x="2979006" y="5396983"/>
-            <a:ext cx="772998" cy="461665"/>
+            <a:off x="5183961" y="5454933"/>
+            <a:ext cx="2725128" cy="606695"/>
           </a:xfrm>
-          <a:prstGeom prst="rect">
+          <a:prstGeom prst="roundRect">
             <a:avLst/>
           </a:prstGeom>
-          <a:noFill/>
+          <a:solidFill>
+            <a:schemeClr val="accent1">
+              <a:alpha val="55000"/>
+            </a:schemeClr>
+          </a:solidFill>
         </p:spPr>
+        <p:style>
+          <a:lnRef idx="2">
+            <a:schemeClr val="accent1">
+              <a:shade val="50000"/>
+            </a:schemeClr>
+          </a:lnRef>
+          <a:fillRef idx="1">
+            <a:schemeClr val="accent1"/>
+          </a:fillRef>
+          <a:effectRef idx="0">
+            <a:schemeClr val="accent1"/>
+          </a:effectRef>
+          <a:fontRef idx="minor">
+            <a:schemeClr val="lt1"/>
+          </a:fontRef>
+        </p:style>
         <p:txBody>
-          <a:bodyPr wrap="square" rtlCol="0">
-            <a:spAutoFit/>
-          </a:bodyPr>
+          <a:bodyPr rtlCol="0" anchor="ctr"/>
           <a:lstStyle/>
           <a:p>
             <a:pPr algn="ctr"/>
-            <a:r>
-              <a:rPr kumimoji="1" lang="ja-JP" altLang="en-US" sz="2400" dirty="0"/>
-              <a:t>子</a:t>
-            </a:r>
-          </a:p>
-        </p:txBody>
-      </p:sp>
-      <p:sp>
-        <p:nvSpPr>
-          <p:cNvPr id="9" name="テキスト ボックス 8">
-            <a:extLst>
-              <a:ext uri="{FF2B5EF4-FFF2-40B4-BE49-F238E27FC236}">
-                <a16:creationId xmlns:a16="http://schemas.microsoft.com/office/drawing/2014/main" id="{CEB939EF-7D2F-4404-9AE8-76F0E2DED2DC}"/>
-              </a:ext>
-            </a:extLst>
-          </p:cNvPr>
-          <p:cNvSpPr txBox="1"/>
-          <p:nvPr/>
-        </p:nvSpPr>
-        <p:spPr>
-          <a:xfrm>
-            <a:off x="7514470" y="5842936"/>
-            <a:ext cx="3553769" cy="461665"/>
-          </a:xfrm>
-          <a:prstGeom prst="rect">
-            <a:avLst/>
-          </a:prstGeom>
-          <a:noFill/>
-        </p:spPr>
-        <p:txBody>
-          <a:bodyPr wrap="square" rtlCol="0">
-            <a:spAutoFit/>
-          </a:bodyPr>
-          <a:lstStyle/>
-          <a:p>
-            <a:pPr algn="ctr"/>
-            <a:r>
-              <a:rPr kumimoji="1" lang="ja-JP" altLang="en-US" sz="2400" dirty="0"/>
-              <a:t>ブロック（障害物）配置例</a:t>
-            </a:r>
+            <a:endParaRPr kumimoji="1" lang="ja-JP" altLang="en-US" dirty="0"/>
           </a:p>
         </p:txBody>
       </p:sp>
@@ -6647,12 +11767,829 @@
           <a:chExt cx="0" cy="0"/>
         </a:xfrm>
       </p:grpSpPr>
+      <p:grpSp>
+        <p:nvGrpSpPr>
+          <p:cNvPr id="72" name="グループ化 71">
+            <a:extLst>
+              <a:ext uri="{FF2B5EF4-FFF2-40B4-BE49-F238E27FC236}">
+                <a16:creationId xmlns:a16="http://schemas.microsoft.com/office/drawing/2014/main" id="{F134454B-6CD5-46FC-A45A-FED38775DFA0}"/>
+              </a:ext>
+            </a:extLst>
+          </p:cNvPr>
+          <p:cNvGrpSpPr/>
+          <p:nvPr/>
+        </p:nvGrpSpPr>
+        <p:grpSpPr>
+          <a:xfrm>
+            <a:off x="797729" y="3076450"/>
+            <a:ext cx="7777310" cy="1949474"/>
+            <a:chOff x="1924072" y="2978414"/>
+            <a:chExt cx="7777310" cy="1949474"/>
+          </a:xfrm>
+        </p:grpSpPr>
+        <p:sp>
+          <p:nvSpPr>
+            <p:cNvPr id="74" name="コンテンツ プレースホルダー 2">
+              <a:extLst>
+                <a:ext uri="{FF2B5EF4-FFF2-40B4-BE49-F238E27FC236}">
+                  <a16:creationId xmlns:a16="http://schemas.microsoft.com/office/drawing/2014/main" id="{8266B92D-4E41-4763-8C73-4462F0BD468F}"/>
+                </a:ext>
+              </a:extLst>
+            </p:cNvPr>
+            <p:cNvSpPr txBox="1">
+              <a:spLocks/>
+            </p:cNvSpPr>
+            <p:nvPr/>
+          </p:nvSpPr>
+          <p:spPr>
+            <a:xfrm>
+              <a:off x="2040137" y="3089748"/>
+              <a:ext cx="7661245" cy="1838140"/>
+            </a:xfrm>
+            <a:prstGeom prst="rect">
+              <a:avLst/>
+            </a:prstGeom>
+            <a:solidFill>
+              <a:schemeClr val="bg1"/>
+            </a:solidFill>
+          </p:spPr>
+          <p:style>
+            <a:lnRef idx="2">
+              <a:schemeClr val="accent5"/>
+            </a:lnRef>
+            <a:fillRef idx="1">
+              <a:schemeClr val="lt1"/>
+            </a:fillRef>
+            <a:effectRef idx="0">
+              <a:schemeClr val="accent5"/>
+            </a:effectRef>
+            <a:fontRef idx="minor">
+              <a:schemeClr val="dk1"/>
+            </a:fontRef>
+          </p:style>
+          <p:txBody>
+            <a:bodyPr vert="horz" lIns="91440" tIns="45720" rIns="91440" bIns="45720" rtlCol="0" anchor="b">
+              <a:normAutofit/>
+            </a:bodyPr>
+            <a:lstStyle>
+              <a:lvl1pPr marL="342900" indent="-306000" algn="l" defTabSz="457200" rtl="0" eaLnBrk="1" latinLnBrk="0" hangingPunct="1">
+                <a:lnSpc>
+                  <a:spcPct val="110000"/>
+                </a:lnSpc>
+                <a:spcBef>
+                  <a:spcPct val="20000"/>
+                </a:spcBef>
+                <a:spcAft>
+                  <a:spcPts val="600"/>
+                </a:spcAft>
+                <a:buClr>
+                  <a:schemeClr val="tx2"/>
+                </a:buClr>
+                <a:buSzPct val="70000"/>
+                <a:buFont typeface="Wingdings 2" charset="2"/>
+                <a:buChar char=""/>
+                <a:defRPr sz="1900" kern="1200">
+                  <a:ln>
+                    <a:solidFill>
+                      <a:schemeClr val="bg1">
+                        <a:lumMod val="75000"/>
+                        <a:lumOff val="25000"/>
+                        <a:alpha val="10000"/>
+                      </a:schemeClr>
+                    </a:solidFill>
+                  </a:ln>
+                  <a:solidFill>
+                    <a:schemeClr val="tx2"/>
+                  </a:solidFill>
+                  <a:effectLst>
+                    <a:outerShdw blurRad="9525" dist="25400" dir="14640000" algn="tl" rotWithShape="0">
+                      <a:schemeClr val="bg1">
+                        <a:alpha val="30000"/>
+                      </a:schemeClr>
+                    </a:outerShdw>
+                  </a:effectLst>
+                  <a:latin typeface="+mn-lt"/>
+                  <a:ea typeface="+mn-ea"/>
+                  <a:cs typeface="+mn-cs"/>
+                </a:defRPr>
+              </a:lvl1pPr>
+              <a:lvl2pPr marL="720000" indent="-270000" algn="l" defTabSz="457200" rtl="0" eaLnBrk="1" latinLnBrk="0" hangingPunct="1">
+                <a:spcBef>
+                  <a:spcPct val="20000"/>
+                </a:spcBef>
+                <a:spcAft>
+                  <a:spcPts val="600"/>
+                </a:spcAft>
+                <a:buClr>
+                  <a:schemeClr val="tx2"/>
+                </a:buClr>
+                <a:buSzPct val="70000"/>
+                <a:buFont typeface="Wingdings 2" charset="2"/>
+                <a:buChar char=""/>
+                <a:defRPr sz="1700" kern="1200">
+                  <a:ln>
+                    <a:solidFill>
+                      <a:schemeClr val="bg1">
+                        <a:lumMod val="75000"/>
+                        <a:lumOff val="25000"/>
+                        <a:alpha val="10000"/>
+                      </a:schemeClr>
+                    </a:solidFill>
+                  </a:ln>
+                  <a:solidFill>
+                    <a:schemeClr val="tx2"/>
+                  </a:solidFill>
+                  <a:effectLst>
+                    <a:outerShdw blurRad="9525" dist="25400" dir="14640000" algn="tl" rotWithShape="0">
+                      <a:schemeClr val="bg1">
+                        <a:alpha val="30000"/>
+                      </a:schemeClr>
+                    </a:outerShdw>
+                  </a:effectLst>
+                  <a:latin typeface="+mn-lt"/>
+                  <a:ea typeface="+mn-ea"/>
+                  <a:cs typeface="+mn-cs"/>
+                </a:defRPr>
+              </a:lvl2pPr>
+              <a:lvl3pPr marL="1026000" indent="-216000" algn="l" defTabSz="457200" rtl="0" eaLnBrk="1" latinLnBrk="0" hangingPunct="1">
+                <a:spcBef>
+                  <a:spcPct val="20000"/>
+                </a:spcBef>
+                <a:spcAft>
+                  <a:spcPts val="600"/>
+                </a:spcAft>
+                <a:buClr>
+                  <a:schemeClr val="tx2"/>
+                </a:buClr>
+                <a:buSzPct val="70000"/>
+                <a:buFont typeface="Wingdings 2" charset="2"/>
+                <a:buChar char=""/>
+                <a:defRPr sz="1500" kern="1200">
+                  <a:ln>
+                    <a:solidFill>
+                      <a:schemeClr val="bg1">
+                        <a:lumMod val="75000"/>
+                        <a:lumOff val="25000"/>
+                        <a:alpha val="10000"/>
+                      </a:schemeClr>
+                    </a:solidFill>
+                  </a:ln>
+                  <a:solidFill>
+                    <a:schemeClr val="tx2"/>
+                  </a:solidFill>
+                  <a:effectLst>
+                    <a:outerShdw blurRad="9525" dist="25400" dir="14640000" algn="tl" rotWithShape="0">
+                      <a:schemeClr val="bg1">
+                        <a:alpha val="30000"/>
+                      </a:schemeClr>
+                    </a:outerShdw>
+                  </a:effectLst>
+                  <a:latin typeface="+mn-lt"/>
+                  <a:ea typeface="+mn-ea"/>
+                  <a:cs typeface="+mn-cs"/>
+                </a:defRPr>
+              </a:lvl3pPr>
+              <a:lvl4pPr marL="1386000" indent="-216000" algn="l" defTabSz="457200" rtl="0" eaLnBrk="1" latinLnBrk="0" hangingPunct="1">
+                <a:spcBef>
+                  <a:spcPct val="20000"/>
+                </a:spcBef>
+                <a:spcAft>
+                  <a:spcPts val="600"/>
+                </a:spcAft>
+                <a:buClr>
+                  <a:schemeClr val="tx2"/>
+                </a:buClr>
+                <a:buSzPct val="70000"/>
+                <a:buFont typeface="Wingdings 2" charset="2"/>
+                <a:buChar char=""/>
+                <a:defRPr sz="1300" kern="1200">
+                  <a:ln>
+                    <a:solidFill>
+                      <a:schemeClr val="bg1">
+                        <a:lumMod val="75000"/>
+                        <a:lumOff val="25000"/>
+                        <a:alpha val="10000"/>
+                      </a:schemeClr>
+                    </a:solidFill>
+                  </a:ln>
+                  <a:solidFill>
+                    <a:schemeClr val="tx2"/>
+                  </a:solidFill>
+                  <a:effectLst>
+                    <a:outerShdw blurRad="9525" dist="25400" dir="14640000" algn="tl" rotWithShape="0">
+                      <a:schemeClr val="bg1">
+                        <a:alpha val="30000"/>
+                      </a:schemeClr>
+                    </a:outerShdw>
+                  </a:effectLst>
+                  <a:latin typeface="+mn-lt"/>
+                  <a:ea typeface="+mn-ea"/>
+                  <a:cs typeface="+mn-cs"/>
+                </a:defRPr>
+              </a:lvl4pPr>
+              <a:lvl5pPr marL="1674000" indent="-216000" algn="l" defTabSz="457200" rtl="0" eaLnBrk="1" latinLnBrk="0" hangingPunct="1">
+                <a:spcBef>
+                  <a:spcPct val="20000"/>
+                </a:spcBef>
+                <a:spcAft>
+                  <a:spcPts val="600"/>
+                </a:spcAft>
+                <a:buClr>
+                  <a:schemeClr val="tx2"/>
+                </a:buClr>
+                <a:buSzPct val="70000"/>
+                <a:buFont typeface="Wingdings 2" charset="2"/>
+                <a:buChar char=""/>
+                <a:defRPr sz="1300" kern="1200">
+                  <a:ln>
+                    <a:solidFill>
+                      <a:schemeClr val="bg1">
+                        <a:lumMod val="75000"/>
+                        <a:lumOff val="25000"/>
+                        <a:alpha val="10000"/>
+                      </a:schemeClr>
+                    </a:solidFill>
+                  </a:ln>
+                  <a:solidFill>
+                    <a:schemeClr val="tx2"/>
+                  </a:solidFill>
+                  <a:effectLst>
+                    <a:outerShdw blurRad="9525" dist="25400" dir="14640000" algn="tl" rotWithShape="0">
+                      <a:schemeClr val="bg1">
+                        <a:alpha val="30000"/>
+                      </a:schemeClr>
+                    </a:outerShdw>
+                  </a:effectLst>
+                  <a:latin typeface="+mn-lt"/>
+                  <a:ea typeface="+mn-ea"/>
+                  <a:cs typeface="+mn-cs"/>
+                </a:defRPr>
+              </a:lvl5pPr>
+              <a:lvl6pPr marL="2014600" indent="-228600" algn="l" defTabSz="457200" rtl="0" eaLnBrk="1" latinLnBrk="0" hangingPunct="1">
+                <a:spcBef>
+                  <a:spcPct val="20000"/>
+                </a:spcBef>
+                <a:spcAft>
+                  <a:spcPts val="600"/>
+                </a:spcAft>
+                <a:buClr>
+                  <a:schemeClr val="tx2"/>
+                </a:buClr>
+                <a:buSzPct val="70000"/>
+                <a:buFont typeface="Wingdings 2" charset="2"/>
+                <a:buChar char=""/>
+                <a:defRPr sz="1400" kern="1200">
+                  <a:ln>
+                    <a:solidFill>
+                      <a:schemeClr val="bg1">
+                        <a:lumMod val="75000"/>
+                        <a:lumOff val="25000"/>
+                        <a:alpha val="10000"/>
+                      </a:schemeClr>
+                    </a:solidFill>
+                  </a:ln>
+                  <a:solidFill>
+                    <a:schemeClr val="tx2"/>
+                  </a:solidFill>
+                  <a:effectLst>
+                    <a:outerShdw blurRad="9525" dist="25400" dir="14640000" algn="tl" rotWithShape="0">
+                      <a:schemeClr val="bg1">
+                        <a:alpha val="30000"/>
+                      </a:schemeClr>
+                    </a:outerShdw>
+                  </a:effectLst>
+                  <a:latin typeface="+mn-lt"/>
+                  <a:ea typeface="+mn-ea"/>
+                  <a:cs typeface="+mn-cs"/>
+                </a:defRPr>
+              </a:lvl6pPr>
+              <a:lvl7pPr marL="2401800" indent="-228600" algn="l" defTabSz="457200" rtl="0" eaLnBrk="1" latinLnBrk="0" hangingPunct="1">
+                <a:spcBef>
+                  <a:spcPct val="20000"/>
+                </a:spcBef>
+                <a:spcAft>
+                  <a:spcPts val="600"/>
+                </a:spcAft>
+                <a:buClr>
+                  <a:schemeClr val="tx2"/>
+                </a:buClr>
+                <a:buSzPct val="70000"/>
+                <a:buFont typeface="Wingdings 2" charset="2"/>
+                <a:buChar char=""/>
+                <a:defRPr sz="1400" kern="1200">
+                  <a:ln>
+                    <a:solidFill>
+                      <a:schemeClr val="bg1">
+                        <a:lumMod val="75000"/>
+                        <a:lumOff val="25000"/>
+                        <a:alpha val="10000"/>
+                      </a:schemeClr>
+                    </a:solidFill>
+                  </a:ln>
+                  <a:solidFill>
+                    <a:schemeClr val="tx2"/>
+                  </a:solidFill>
+                  <a:effectLst>
+                    <a:outerShdw blurRad="9525" dist="25400" dir="14640000" algn="tl" rotWithShape="0">
+                      <a:schemeClr val="bg1">
+                        <a:alpha val="30000"/>
+                      </a:schemeClr>
+                    </a:outerShdw>
+                  </a:effectLst>
+                  <a:latin typeface="+mn-lt"/>
+                  <a:ea typeface="+mn-ea"/>
+                  <a:cs typeface="+mn-cs"/>
+                </a:defRPr>
+              </a:lvl7pPr>
+              <a:lvl8pPr marL="2789000" indent="-228600" algn="l" defTabSz="457200" rtl="0" eaLnBrk="1" latinLnBrk="0" hangingPunct="1">
+                <a:spcBef>
+                  <a:spcPct val="20000"/>
+                </a:spcBef>
+                <a:spcAft>
+                  <a:spcPts val="600"/>
+                </a:spcAft>
+                <a:buClr>
+                  <a:schemeClr val="tx2"/>
+                </a:buClr>
+                <a:buSzPct val="70000"/>
+                <a:buFont typeface="Wingdings 2" charset="2"/>
+                <a:buChar char=""/>
+                <a:defRPr sz="1400" kern="1200">
+                  <a:ln>
+                    <a:solidFill>
+                      <a:schemeClr val="bg1">
+                        <a:lumMod val="75000"/>
+                        <a:lumOff val="25000"/>
+                        <a:alpha val="10000"/>
+                      </a:schemeClr>
+                    </a:solidFill>
+                  </a:ln>
+                  <a:solidFill>
+                    <a:schemeClr val="tx2"/>
+                  </a:solidFill>
+                  <a:effectLst>
+                    <a:outerShdw blurRad="9525" dist="25400" dir="14640000" algn="tl" rotWithShape="0">
+                      <a:schemeClr val="bg1">
+                        <a:alpha val="30000"/>
+                      </a:schemeClr>
+                    </a:outerShdw>
+                  </a:effectLst>
+                  <a:latin typeface="+mn-lt"/>
+                  <a:ea typeface="+mn-ea"/>
+                  <a:cs typeface="+mn-cs"/>
+                </a:defRPr>
+              </a:lvl8pPr>
+              <a:lvl9pPr marL="3106200" indent="-228600" algn="l" defTabSz="457200" rtl="0" eaLnBrk="1" latinLnBrk="0" hangingPunct="1">
+                <a:spcBef>
+                  <a:spcPct val="20000"/>
+                </a:spcBef>
+                <a:spcAft>
+                  <a:spcPts val="600"/>
+                </a:spcAft>
+                <a:buClr>
+                  <a:schemeClr val="tx2"/>
+                </a:buClr>
+                <a:buSzPct val="70000"/>
+                <a:buFont typeface="Wingdings 2" charset="2"/>
+                <a:buChar char=""/>
+                <a:defRPr sz="1400" kern="1200">
+                  <a:ln>
+                    <a:solidFill>
+                      <a:schemeClr val="bg1">
+                        <a:lumMod val="75000"/>
+                        <a:lumOff val="25000"/>
+                        <a:alpha val="10000"/>
+                      </a:schemeClr>
+                    </a:solidFill>
+                  </a:ln>
+                  <a:solidFill>
+                    <a:schemeClr val="tx2"/>
+                  </a:solidFill>
+                  <a:effectLst>
+                    <a:outerShdw blurRad="9525" dist="25400" dir="14640000" algn="tl" rotWithShape="0">
+                      <a:schemeClr val="bg1">
+                        <a:alpha val="30000"/>
+                      </a:schemeClr>
+                    </a:outerShdw>
+                  </a:effectLst>
+                  <a:latin typeface="+mn-lt"/>
+                  <a:ea typeface="+mn-ea"/>
+                  <a:cs typeface="+mn-cs"/>
+                </a:defRPr>
+              </a:lvl9pPr>
+            </a:lstStyle>
+            <a:p>
+              <a:pPr marL="36900" indent="0">
+                <a:buNone/>
+              </a:pPr>
+              <a:endParaRPr kumimoji="1" lang="en-US" altLang="ja-JP" sz="2400" dirty="0"/>
+            </a:p>
+          </p:txBody>
+        </p:sp>
+        <p:sp>
+          <p:nvSpPr>
+            <p:cNvPr id="75" name="コンテンツ プレースホルダー 2">
+              <a:extLst>
+                <a:ext uri="{FF2B5EF4-FFF2-40B4-BE49-F238E27FC236}">
+                  <a16:creationId xmlns:a16="http://schemas.microsoft.com/office/drawing/2014/main" id="{0B544C1A-B122-40F2-B284-660F287E881A}"/>
+                </a:ext>
+              </a:extLst>
+            </p:cNvPr>
+            <p:cNvSpPr txBox="1">
+              <a:spLocks/>
+            </p:cNvSpPr>
+            <p:nvPr/>
+          </p:nvSpPr>
+          <p:spPr>
+            <a:xfrm>
+              <a:off x="1924072" y="2978414"/>
+              <a:ext cx="1886590" cy="536052"/>
+            </a:xfrm>
+            <a:prstGeom prst="roundRect">
+              <a:avLst/>
+            </a:prstGeom>
+          </p:spPr>
+          <p:style>
+            <a:lnRef idx="1">
+              <a:schemeClr val="accent5"/>
+            </a:lnRef>
+            <a:fillRef idx="3">
+              <a:schemeClr val="accent5"/>
+            </a:fillRef>
+            <a:effectRef idx="2">
+              <a:schemeClr val="accent5"/>
+            </a:effectRef>
+            <a:fontRef idx="minor">
+              <a:schemeClr val="lt1"/>
+            </a:fontRef>
+          </p:style>
+          <p:txBody>
+            <a:bodyPr vert="horz" lIns="91440" tIns="45720" rIns="91440" bIns="45720" rtlCol="0" anchor="ctr">
+              <a:normAutofit/>
+            </a:bodyPr>
+            <a:lstStyle>
+              <a:lvl1pPr marL="342900" indent="-306000" algn="l" defTabSz="457200" rtl="0" eaLnBrk="1" latinLnBrk="0" hangingPunct="1">
+                <a:lnSpc>
+                  <a:spcPct val="110000"/>
+                </a:lnSpc>
+                <a:spcBef>
+                  <a:spcPct val="20000"/>
+                </a:spcBef>
+                <a:spcAft>
+                  <a:spcPts val="600"/>
+                </a:spcAft>
+                <a:buClr>
+                  <a:schemeClr val="tx2"/>
+                </a:buClr>
+                <a:buSzPct val="70000"/>
+                <a:buFont typeface="Wingdings 2" charset="2"/>
+                <a:buChar char=""/>
+                <a:defRPr sz="1900" kern="1200">
+                  <a:ln>
+                    <a:solidFill>
+                      <a:schemeClr val="bg1">
+                        <a:lumMod val="75000"/>
+                        <a:lumOff val="25000"/>
+                        <a:alpha val="10000"/>
+                      </a:schemeClr>
+                    </a:solidFill>
+                  </a:ln>
+                  <a:solidFill>
+                    <a:schemeClr val="tx2"/>
+                  </a:solidFill>
+                  <a:effectLst>
+                    <a:outerShdw blurRad="9525" dist="25400" dir="14640000" algn="tl" rotWithShape="0">
+                      <a:schemeClr val="bg1">
+                        <a:alpha val="30000"/>
+                      </a:schemeClr>
+                    </a:outerShdw>
+                  </a:effectLst>
+                  <a:latin typeface="+mn-lt"/>
+                  <a:ea typeface="+mn-ea"/>
+                  <a:cs typeface="+mn-cs"/>
+                </a:defRPr>
+              </a:lvl1pPr>
+              <a:lvl2pPr marL="720000" indent="-270000" algn="l" defTabSz="457200" rtl="0" eaLnBrk="1" latinLnBrk="0" hangingPunct="1">
+                <a:spcBef>
+                  <a:spcPct val="20000"/>
+                </a:spcBef>
+                <a:spcAft>
+                  <a:spcPts val="600"/>
+                </a:spcAft>
+                <a:buClr>
+                  <a:schemeClr val="tx2"/>
+                </a:buClr>
+                <a:buSzPct val="70000"/>
+                <a:buFont typeface="Wingdings 2" charset="2"/>
+                <a:buChar char=""/>
+                <a:defRPr sz="1700" kern="1200">
+                  <a:ln>
+                    <a:solidFill>
+                      <a:schemeClr val="bg1">
+                        <a:lumMod val="75000"/>
+                        <a:lumOff val="25000"/>
+                        <a:alpha val="10000"/>
+                      </a:schemeClr>
+                    </a:solidFill>
+                  </a:ln>
+                  <a:solidFill>
+                    <a:schemeClr val="tx2"/>
+                  </a:solidFill>
+                  <a:effectLst>
+                    <a:outerShdw blurRad="9525" dist="25400" dir="14640000" algn="tl" rotWithShape="0">
+                      <a:schemeClr val="bg1">
+                        <a:alpha val="30000"/>
+                      </a:schemeClr>
+                    </a:outerShdw>
+                  </a:effectLst>
+                  <a:latin typeface="+mn-lt"/>
+                  <a:ea typeface="+mn-ea"/>
+                  <a:cs typeface="+mn-cs"/>
+                </a:defRPr>
+              </a:lvl2pPr>
+              <a:lvl3pPr marL="1026000" indent="-216000" algn="l" defTabSz="457200" rtl="0" eaLnBrk="1" latinLnBrk="0" hangingPunct="1">
+                <a:spcBef>
+                  <a:spcPct val="20000"/>
+                </a:spcBef>
+                <a:spcAft>
+                  <a:spcPts val="600"/>
+                </a:spcAft>
+                <a:buClr>
+                  <a:schemeClr val="tx2"/>
+                </a:buClr>
+                <a:buSzPct val="70000"/>
+                <a:buFont typeface="Wingdings 2" charset="2"/>
+                <a:buChar char=""/>
+                <a:defRPr sz="1500" kern="1200">
+                  <a:ln>
+                    <a:solidFill>
+                      <a:schemeClr val="bg1">
+                        <a:lumMod val="75000"/>
+                        <a:lumOff val="25000"/>
+                        <a:alpha val="10000"/>
+                      </a:schemeClr>
+                    </a:solidFill>
+                  </a:ln>
+                  <a:solidFill>
+                    <a:schemeClr val="tx2"/>
+                  </a:solidFill>
+                  <a:effectLst>
+                    <a:outerShdw blurRad="9525" dist="25400" dir="14640000" algn="tl" rotWithShape="0">
+                      <a:schemeClr val="bg1">
+                        <a:alpha val="30000"/>
+                      </a:schemeClr>
+                    </a:outerShdw>
+                  </a:effectLst>
+                  <a:latin typeface="+mn-lt"/>
+                  <a:ea typeface="+mn-ea"/>
+                  <a:cs typeface="+mn-cs"/>
+                </a:defRPr>
+              </a:lvl3pPr>
+              <a:lvl4pPr marL="1386000" indent="-216000" algn="l" defTabSz="457200" rtl="0" eaLnBrk="1" latinLnBrk="0" hangingPunct="1">
+                <a:spcBef>
+                  <a:spcPct val="20000"/>
+                </a:spcBef>
+                <a:spcAft>
+                  <a:spcPts val="600"/>
+                </a:spcAft>
+                <a:buClr>
+                  <a:schemeClr val="tx2"/>
+                </a:buClr>
+                <a:buSzPct val="70000"/>
+                <a:buFont typeface="Wingdings 2" charset="2"/>
+                <a:buChar char=""/>
+                <a:defRPr sz="1300" kern="1200">
+                  <a:ln>
+                    <a:solidFill>
+                      <a:schemeClr val="bg1">
+                        <a:lumMod val="75000"/>
+                        <a:lumOff val="25000"/>
+                        <a:alpha val="10000"/>
+                      </a:schemeClr>
+                    </a:solidFill>
+                  </a:ln>
+                  <a:solidFill>
+                    <a:schemeClr val="tx2"/>
+                  </a:solidFill>
+                  <a:effectLst>
+                    <a:outerShdw blurRad="9525" dist="25400" dir="14640000" algn="tl" rotWithShape="0">
+                      <a:schemeClr val="bg1">
+                        <a:alpha val="30000"/>
+                      </a:schemeClr>
+                    </a:outerShdw>
+                  </a:effectLst>
+                  <a:latin typeface="+mn-lt"/>
+                  <a:ea typeface="+mn-ea"/>
+                  <a:cs typeface="+mn-cs"/>
+                </a:defRPr>
+              </a:lvl4pPr>
+              <a:lvl5pPr marL="1674000" indent="-216000" algn="l" defTabSz="457200" rtl="0" eaLnBrk="1" latinLnBrk="0" hangingPunct="1">
+                <a:spcBef>
+                  <a:spcPct val="20000"/>
+                </a:spcBef>
+                <a:spcAft>
+                  <a:spcPts val="600"/>
+                </a:spcAft>
+                <a:buClr>
+                  <a:schemeClr val="tx2"/>
+                </a:buClr>
+                <a:buSzPct val="70000"/>
+                <a:buFont typeface="Wingdings 2" charset="2"/>
+                <a:buChar char=""/>
+                <a:defRPr sz="1300" kern="1200">
+                  <a:ln>
+                    <a:solidFill>
+                      <a:schemeClr val="bg1">
+                        <a:lumMod val="75000"/>
+                        <a:lumOff val="25000"/>
+                        <a:alpha val="10000"/>
+                      </a:schemeClr>
+                    </a:solidFill>
+                  </a:ln>
+                  <a:solidFill>
+                    <a:schemeClr val="tx2"/>
+                  </a:solidFill>
+                  <a:effectLst>
+                    <a:outerShdw blurRad="9525" dist="25400" dir="14640000" algn="tl" rotWithShape="0">
+                      <a:schemeClr val="bg1">
+                        <a:alpha val="30000"/>
+                      </a:schemeClr>
+                    </a:outerShdw>
+                  </a:effectLst>
+                  <a:latin typeface="+mn-lt"/>
+                  <a:ea typeface="+mn-ea"/>
+                  <a:cs typeface="+mn-cs"/>
+                </a:defRPr>
+              </a:lvl5pPr>
+              <a:lvl6pPr marL="2014600" indent="-228600" algn="l" defTabSz="457200" rtl="0" eaLnBrk="1" latinLnBrk="0" hangingPunct="1">
+                <a:spcBef>
+                  <a:spcPct val="20000"/>
+                </a:spcBef>
+                <a:spcAft>
+                  <a:spcPts val="600"/>
+                </a:spcAft>
+                <a:buClr>
+                  <a:schemeClr val="tx2"/>
+                </a:buClr>
+                <a:buSzPct val="70000"/>
+                <a:buFont typeface="Wingdings 2" charset="2"/>
+                <a:buChar char=""/>
+                <a:defRPr sz="1400" kern="1200">
+                  <a:ln>
+                    <a:solidFill>
+                      <a:schemeClr val="bg1">
+                        <a:lumMod val="75000"/>
+                        <a:lumOff val="25000"/>
+                        <a:alpha val="10000"/>
+                      </a:schemeClr>
+                    </a:solidFill>
+                  </a:ln>
+                  <a:solidFill>
+                    <a:schemeClr val="tx2"/>
+                  </a:solidFill>
+                  <a:effectLst>
+                    <a:outerShdw blurRad="9525" dist="25400" dir="14640000" algn="tl" rotWithShape="0">
+                      <a:schemeClr val="bg1">
+                        <a:alpha val="30000"/>
+                      </a:schemeClr>
+                    </a:outerShdw>
+                  </a:effectLst>
+                  <a:latin typeface="+mn-lt"/>
+                  <a:ea typeface="+mn-ea"/>
+                  <a:cs typeface="+mn-cs"/>
+                </a:defRPr>
+              </a:lvl6pPr>
+              <a:lvl7pPr marL="2401800" indent="-228600" algn="l" defTabSz="457200" rtl="0" eaLnBrk="1" latinLnBrk="0" hangingPunct="1">
+                <a:spcBef>
+                  <a:spcPct val="20000"/>
+                </a:spcBef>
+                <a:spcAft>
+                  <a:spcPts val="600"/>
+                </a:spcAft>
+                <a:buClr>
+                  <a:schemeClr val="tx2"/>
+                </a:buClr>
+                <a:buSzPct val="70000"/>
+                <a:buFont typeface="Wingdings 2" charset="2"/>
+                <a:buChar char=""/>
+                <a:defRPr sz="1400" kern="1200">
+                  <a:ln>
+                    <a:solidFill>
+                      <a:schemeClr val="bg1">
+                        <a:lumMod val="75000"/>
+                        <a:lumOff val="25000"/>
+                        <a:alpha val="10000"/>
+                      </a:schemeClr>
+                    </a:solidFill>
+                  </a:ln>
+                  <a:solidFill>
+                    <a:schemeClr val="tx2"/>
+                  </a:solidFill>
+                  <a:effectLst>
+                    <a:outerShdw blurRad="9525" dist="25400" dir="14640000" algn="tl" rotWithShape="0">
+                      <a:schemeClr val="bg1">
+                        <a:alpha val="30000"/>
+                      </a:schemeClr>
+                    </a:outerShdw>
+                  </a:effectLst>
+                  <a:latin typeface="+mn-lt"/>
+                  <a:ea typeface="+mn-ea"/>
+                  <a:cs typeface="+mn-cs"/>
+                </a:defRPr>
+              </a:lvl7pPr>
+              <a:lvl8pPr marL="2789000" indent="-228600" algn="l" defTabSz="457200" rtl="0" eaLnBrk="1" latinLnBrk="0" hangingPunct="1">
+                <a:spcBef>
+                  <a:spcPct val="20000"/>
+                </a:spcBef>
+                <a:spcAft>
+                  <a:spcPts val="600"/>
+                </a:spcAft>
+                <a:buClr>
+                  <a:schemeClr val="tx2"/>
+                </a:buClr>
+                <a:buSzPct val="70000"/>
+                <a:buFont typeface="Wingdings 2" charset="2"/>
+                <a:buChar char=""/>
+                <a:defRPr sz="1400" kern="1200">
+                  <a:ln>
+                    <a:solidFill>
+                      <a:schemeClr val="bg1">
+                        <a:lumMod val="75000"/>
+                        <a:lumOff val="25000"/>
+                        <a:alpha val="10000"/>
+                      </a:schemeClr>
+                    </a:solidFill>
+                  </a:ln>
+                  <a:solidFill>
+                    <a:schemeClr val="tx2"/>
+                  </a:solidFill>
+                  <a:effectLst>
+                    <a:outerShdw blurRad="9525" dist="25400" dir="14640000" algn="tl" rotWithShape="0">
+                      <a:schemeClr val="bg1">
+                        <a:alpha val="30000"/>
+                      </a:schemeClr>
+                    </a:outerShdw>
+                  </a:effectLst>
+                  <a:latin typeface="+mn-lt"/>
+                  <a:ea typeface="+mn-ea"/>
+                  <a:cs typeface="+mn-cs"/>
+                </a:defRPr>
+              </a:lvl8pPr>
+              <a:lvl9pPr marL="3106200" indent="-228600" algn="l" defTabSz="457200" rtl="0" eaLnBrk="1" latinLnBrk="0" hangingPunct="1">
+                <a:spcBef>
+                  <a:spcPct val="20000"/>
+                </a:spcBef>
+                <a:spcAft>
+                  <a:spcPts val="600"/>
+                </a:spcAft>
+                <a:buClr>
+                  <a:schemeClr val="tx2"/>
+                </a:buClr>
+                <a:buSzPct val="70000"/>
+                <a:buFont typeface="Wingdings 2" charset="2"/>
+                <a:buChar char=""/>
+                <a:defRPr sz="1400" kern="1200">
+                  <a:ln>
+                    <a:solidFill>
+                      <a:schemeClr val="bg1">
+                        <a:lumMod val="75000"/>
+                        <a:lumOff val="25000"/>
+                        <a:alpha val="10000"/>
+                      </a:schemeClr>
+                    </a:solidFill>
+                  </a:ln>
+                  <a:solidFill>
+                    <a:schemeClr val="tx2"/>
+                  </a:solidFill>
+                  <a:effectLst>
+                    <a:outerShdw blurRad="9525" dist="25400" dir="14640000" algn="tl" rotWithShape="0">
+                      <a:schemeClr val="bg1">
+                        <a:alpha val="30000"/>
+                      </a:schemeClr>
+                    </a:outerShdw>
+                  </a:effectLst>
+                  <a:latin typeface="+mn-lt"/>
+                  <a:ea typeface="+mn-ea"/>
+                  <a:cs typeface="+mn-cs"/>
+                </a:defRPr>
+              </a:lvl9pPr>
+            </a:lstStyle>
+            <a:p>
+              <a:r>
+                <a:rPr lang="ja-JP" altLang="en-US" sz="2400" dirty="0"/>
+                <a:t>移動方法</a:t>
+              </a:r>
+              <a:endParaRPr kumimoji="1" lang="en-US" altLang="ja-JP" sz="2400" dirty="0"/>
+            </a:p>
+          </p:txBody>
+        </p:sp>
+      </p:grpSp>
       <p:sp>
         <p:nvSpPr>
           <p:cNvPr id="2" name="タイトル 1">
             <a:extLst>
               <a:ext uri="{FF2B5EF4-FFF2-40B4-BE49-F238E27FC236}">
-                <a16:creationId xmlns:a16="http://schemas.microsoft.com/office/drawing/2014/main" id="{FA806922-3C13-460B-A920-3654E29866A7}"/>
+                <a16:creationId xmlns:a16="http://schemas.microsoft.com/office/drawing/2014/main" id="{E37866A0-039B-402A-9874-AD3DC8223CA2}"/>
               </a:ext>
             </a:extLst>
           </p:cNvPr>
@@ -6663,17 +12600,28 @@
             <p:ph type="title"/>
           </p:nvPr>
         </p:nvSpPr>
-        <p:spPr/>
+        <p:spPr>
+          <a:xfrm>
+            <a:off x="913795" y="609600"/>
+            <a:ext cx="10353762" cy="1257300"/>
+          </a:xfrm>
+        </p:spPr>
         <p:txBody>
           <a:bodyPr>
             <a:normAutofit/>
           </a:bodyPr>
           <a:lstStyle/>
           <a:p>
+            <a:pPr algn="l"/>
             <a:r>
               <a:rPr kumimoji="1" lang="ja-JP" altLang="en-US" sz="4800" dirty="0"/>
-              <a:t>鬼</a:t>
+              <a:t>鬼（追う側）の操作   </a:t>
             </a:r>
+            <a:r>
+              <a:rPr kumimoji="1" lang="en-US" altLang="ja-JP" sz="4800" dirty="0"/>
+              <a:t>seek.py</a:t>
+            </a:r>
+            <a:endParaRPr kumimoji="1" lang="ja-JP" altLang="en-US" sz="4800" dirty="0"/>
           </a:p>
         </p:txBody>
       </p:sp>
@@ -6682,7 +12630,7 @@
           <p:cNvPr id="3" name="コンテンツ プレースホルダー 2">
             <a:extLst>
               <a:ext uri="{FF2B5EF4-FFF2-40B4-BE49-F238E27FC236}">
-                <a16:creationId xmlns:a16="http://schemas.microsoft.com/office/drawing/2014/main" id="{989E2573-8678-4500-BB23-81B28B44E671}"/>
+                <a16:creationId xmlns:a16="http://schemas.microsoft.com/office/drawing/2014/main" id="{C65186F6-5601-4014-BEDD-AF13BF5931AE}"/>
               </a:ext>
             </a:extLst>
           </p:cNvPr>
@@ -6693,7 +12641,12 @@
             <p:ph idx="1"/>
           </p:nvPr>
         </p:nvSpPr>
-        <p:spPr/>
+        <p:spPr>
+          <a:xfrm>
+            <a:off x="807690" y="1803581"/>
+            <a:ext cx="7488524" cy="1667132"/>
+          </a:xfrm>
+        </p:spPr>
         <p:txBody>
           <a:bodyPr>
             <a:normAutofit/>
@@ -6702,7 +12655,30 @@
           <a:p>
             <a:r>
               <a:rPr kumimoji="1" lang="ja-JP" altLang="en-US" sz="2400" dirty="0"/>
-              <a:t>ウォークスルーを用いて視点が子の座標と一致させるため操作させる</a:t>
+              <a:t>制限時間</a:t>
+            </a:r>
+            <a:r>
+              <a:rPr kumimoji="1" lang="en-US" altLang="ja-JP" sz="2400" dirty="0"/>
+              <a:t>60</a:t>
+            </a:r>
+            <a:r>
+              <a:rPr kumimoji="1" lang="ja-JP" altLang="en-US" sz="2400" dirty="0"/>
+              <a:t>秒</a:t>
+            </a:r>
+            <a:endParaRPr kumimoji="1" lang="en-US" altLang="ja-JP" sz="2400" dirty="0"/>
+          </a:p>
+          <a:p>
+            <a:r>
+              <a:rPr kumimoji="1" lang="ja-JP" altLang="en-US" sz="2400" dirty="0"/>
+              <a:t>　　　を捜査して　　　を</a:t>
+            </a:r>
+            <a:r>
+              <a:rPr kumimoji="1" lang="en-US" altLang="ja-JP" sz="2400" dirty="0"/>
+              <a:t>3</a:t>
+            </a:r>
+            <a:r>
+              <a:rPr kumimoji="1" lang="ja-JP" altLang="en-US" sz="2400" dirty="0"/>
+              <a:t>つ見つけ、捕まえればクリア</a:t>
             </a:r>
             <a:endParaRPr kumimoji="1" lang="en-US" altLang="ja-JP" sz="2400" dirty="0"/>
           </a:p>
@@ -6710,10 +12686,10 @@
       </p:sp>
       <p:pic>
         <p:nvPicPr>
-          <p:cNvPr id="5" name="図 4">
+          <p:cNvPr id="15" name="図 14">
             <a:extLst>
               <a:ext uri="{FF2B5EF4-FFF2-40B4-BE49-F238E27FC236}">
-                <a16:creationId xmlns:a16="http://schemas.microsoft.com/office/drawing/2014/main" id="{E98662DE-A698-4E5C-98A3-FAF6FAA1BD02}"/>
+                <a16:creationId xmlns:a16="http://schemas.microsoft.com/office/drawing/2014/main" id="{2D163731-7944-44F4-BD8A-B4B98AED2128}"/>
               </a:ext>
             </a:extLst>
           </p:cNvPr>
@@ -6736,20 +12712,971 @@
         </p:blipFill>
         <p:spPr>
           <a:xfrm>
-            <a:off x="7057348" y="2707286"/>
-            <a:ext cx="4178196" cy="3169666"/>
+            <a:off x="3345263" y="2423711"/>
+            <a:ext cx="347285" cy="361649"/>
           </a:xfrm>
           <a:prstGeom prst="rect">
             <a:avLst/>
           </a:prstGeom>
         </p:spPr>
       </p:pic>
+      <p:grpSp>
+        <p:nvGrpSpPr>
+          <p:cNvPr id="28" name="グループ化 27">
+            <a:extLst>
+              <a:ext uri="{FF2B5EF4-FFF2-40B4-BE49-F238E27FC236}">
+                <a16:creationId xmlns:a16="http://schemas.microsoft.com/office/drawing/2014/main" id="{60F60965-13D8-4591-A892-39996BB21B7D}"/>
+              </a:ext>
+            </a:extLst>
+          </p:cNvPr>
+          <p:cNvGrpSpPr/>
+          <p:nvPr/>
+        </p:nvGrpSpPr>
+        <p:grpSpPr>
+          <a:xfrm>
+            <a:off x="772618" y="5122476"/>
+            <a:ext cx="7802421" cy="1519245"/>
+            <a:chOff x="1051633" y="3163231"/>
+            <a:chExt cx="7802421" cy="1519245"/>
+          </a:xfrm>
+        </p:grpSpPr>
+        <p:sp>
+          <p:nvSpPr>
+            <p:cNvPr id="21" name="コンテンツ プレースホルダー 2">
+              <a:extLst>
+                <a:ext uri="{FF2B5EF4-FFF2-40B4-BE49-F238E27FC236}">
+                  <a16:creationId xmlns:a16="http://schemas.microsoft.com/office/drawing/2014/main" id="{B976F52A-FB6B-4645-B8B4-861E65DF3918}"/>
+                </a:ext>
+              </a:extLst>
+            </p:cNvPr>
+            <p:cNvSpPr txBox="1">
+              <a:spLocks/>
+            </p:cNvSpPr>
+            <p:nvPr/>
+          </p:nvSpPr>
+          <p:spPr>
+            <a:xfrm>
+              <a:off x="1192809" y="3209277"/>
+              <a:ext cx="7661245" cy="1473199"/>
+            </a:xfrm>
+            <a:prstGeom prst="rect">
+              <a:avLst/>
+            </a:prstGeom>
+            <a:solidFill>
+              <a:schemeClr val="bg1"/>
+            </a:solidFill>
+          </p:spPr>
+          <p:style>
+            <a:lnRef idx="2">
+              <a:schemeClr val="accent5"/>
+            </a:lnRef>
+            <a:fillRef idx="1">
+              <a:schemeClr val="lt1"/>
+            </a:fillRef>
+            <a:effectRef idx="0">
+              <a:schemeClr val="accent5"/>
+            </a:effectRef>
+            <a:fontRef idx="minor">
+              <a:schemeClr val="dk1"/>
+            </a:fontRef>
+          </p:style>
+          <p:txBody>
+            <a:bodyPr vert="horz" lIns="91440" tIns="45720" rIns="91440" bIns="45720" rtlCol="0" anchor="ctr">
+              <a:normAutofit/>
+            </a:bodyPr>
+            <a:lstStyle>
+              <a:lvl1pPr marL="342900" indent="-306000" algn="l" defTabSz="457200" rtl="0" eaLnBrk="1" latinLnBrk="0" hangingPunct="1">
+                <a:lnSpc>
+                  <a:spcPct val="110000"/>
+                </a:lnSpc>
+                <a:spcBef>
+                  <a:spcPct val="20000"/>
+                </a:spcBef>
+                <a:spcAft>
+                  <a:spcPts val="600"/>
+                </a:spcAft>
+                <a:buClr>
+                  <a:schemeClr val="tx2"/>
+                </a:buClr>
+                <a:buSzPct val="70000"/>
+                <a:buFont typeface="Wingdings 2" charset="2"/>
+                <a:buChar char=""/>
+                <a:defRPr sz="1900" kern="1200">
+                  <a:ln>
+                    <a:solidFill>
+                      <a:schemeClr val="bg1">
+                        <a:lumMod val="75000"/>
+                        <a:lumOff val="25000"/>
+                        <a:alpha val="10000"/>
+                      </a:schemeClr>
+                    </a:solidFill>
+                  </a:ln>
+                  <a:solidFill>
+                    <a:schemeClr val="tx2"/>
+                  </a:solidFill>
+                  <a:effectLst>
+                    <a:outerShdw blurRad="9525" dist="25400" dir="14640000" algn="tl" rotWithShape="0">
+                      <a:schemeClr val="bg1">
+                        <a:alpha val="30000"/>
+                      </a:schemeClr>
+                    </a:outerShdw>
+                  </a:effectLst>
+                  <a:latin typeface="+mn-lt"/>
+                  <a:ea typeface="+mn-ea"/>
+                  <a:cs typeface="+mn-cs"/>
+                </a:defRPr>
+              </a:lvl1pPr>
+              <a:lvl2pPr marL="720000" indent="-270000" algn="l" defTabSz="457200" rtl="0" eaLnBrk="1" latinLnBrk="0" hangingPunct="1">
+                <a:spcBef>
+                  <a:spcPct val="20000"/>
+                </a:spcBef>
+                <a:spcAft>
+                  <a:spcPts val="600"/>
+                </a:spcAft>
+                <a:buClr>
+                  <a:schemeClr val="tx2"/>
+                </a:buClr>
+                <a:buSzPct val="70000"/>
+                <a:buFont typeface="Wingdings 2" charset="2"/>
+                <a:buChar char=""/>
+                <a:defRPr sz="1700" kern="1200">
+                  <a:ln>
+                    <a:solidFill>
+                      <a:schemeClr val="bg1">
+                        <a:lumMod val="75000"/>
+                        <a:lumOff val="25000"/>
+                        <a:alpha val="10000"/>
+                      </a:schemeClr>
+                    </a:solidFill>
+                  </a:ln>
+                  <a:solidFill>
+                    <a:schemeClr val="tx2"/>
+                  </a:solidFill>
+                  <a:effectLst>
+                    <a:outerShdw blurRad="9525" dist="25400" dir="14640000" algn="tl" rotWithShape="0">
+                      <a:schemeClr val="bg1">
+                        <a:alpha val="30000"/>
+                      </a:schemeClr>
+                    </a:outerShdw>
+                  </a:effectLst>
+                  <a:latin typeface="+mn-lt"/>
+                  <a:ea typeface="+mn-ea"/>
+                  <a:cs typeface="+mn-cs"/>
+                </a:defRPr>
+              </a:lvl2pPr>
+              <a:lvl3pPr marL="1026000" indent="-216000" algn="l" defTabSz="457200" rtl="0" eaLnBrk="1" latinLnBrk="0" hangingPunct="1">
+                <a:spcBef>
+                  <a:spcPct val="20000"/>
+                </a:spcBef>
+                <a:spcAft>
+                  <a:spcPts val="600"/>
+                </a:spcAft>
+                <a:buClr>
+                  <a:schemeClr val="tx2"/>
+                </a:buClr>
+                <a:buSzPct val="70000"/>
+                <a:buFont typeface="Wingdings 2" charset="2"/>
+                <a:buChar char=""/>
+                <a:defRPr sz="1500" kern="1200">
+                  <a:ln>
+                    <a:solidFill>
+                      <a:schemeClr val="bg1">
+                        <a:lumMod val="75000"/>
+                        <a:lumOff val="25000"/>
+                        <a:alpha val="10000"/>
+                      </a:schemeClr>
+                    </a:solidFill>
+                  </a:ln>
+                  <a:solidFill>
+                    <a:schemeClr val="tx2"/>
+                  </a:solidFill>
+                  <a:effectLst>
+                    <a:outerShdw blurRad="9525" dist="25400" dir="14640000" algn="tl" rotWithShape="0">
+                      <a:schemeClr val="bg1">
+                        <a:alpha val="30000"/>
+                      </a:schemeClr>
+                    </a:outerShdw>
+                  </a:effectLst>
+                  <a:latin typeface="+mn-lt"/>
+                  <a:ea typeface="+mn-ea"/>
+                  <a:cs typeface="+mn-cs"/>
+                </a:defRPr>
+              </a:lvl3pPr>
+              <a:lvl4pPr marL="1386000" indent="-216000" algn="l" defTabSz="457200" rtl="0" eaLnBrk="1" latinLnBrk="0" hangingPunct="1">
+                <a:spcBef>
+                  <a:spcPct val="20000"/>
+                </a:spcBef>
+                <a:spcAft>
+                  <a:spcPts val="600"/>
+                </a:spcAft>
+                <a:buClr>
+                  <a:schemeClr val="tx2"/>
+                </a:buClr>
+                <a:buSzPct val="70000"/>
+                <a:buFont typeface="Wingdings 2" charset="2"/>
+                <a:buChar char=""/>
+                <a:defRPr sz="1300" kern="1200">
+                  <a:ln>
+                    <a:solidFill>
+                      <a:schemeClr val="bg1">
+                        <a:lumMod val="75000"/>
+                        <a:lumOff val="25000"/>
+                        <a:alpha val="10000"/>
+                      </a:schemeClr>
+                    </a:solidFill>
+                  </a:ln>
+                  <a:solidFill>
+                    <a:schemeClr val="tx2"/>
+                  </a:solidFill>
+                  <a:effectLst>
+                    <a:outerShdw blurRad="9525" dist="25400" dir="14640000" algn="tl" rotWithShape="0">
+                      <a:schemeClr val="bg1">
+                        <a:alpha val="30000"/>
+                      </a:schemeClr>
+                    </a:outerShdw>
+                  </a:effectLst>
+                  <a:latin typeface="+mn-lt"/>
+                  <a:ea typeface="+mn-ea"/>
+                  <a:cs typeface="+mn-cs"/>
+                </a:defRPr>
+              </a:lvl4pPr>
+              <a:lvl5pPr marL="1674000" indent="-216000" algn="l" defTabSz="457200" rtl="0" eaLnBrk="1" latinLnBrk="0" hangingPunct="1">
+                <a:spcBef>
+                  <a:spcPct val="20000"/>
+                </a:spcBef>
+                <a:spcAft>
+                  <a:spcPts val="600"/>
+                </a:spcAft>
+                <a:buClr>
+                  <a:schemeClr val="tx2"/>
+                </a:buClr>
+                <a:buSzPct val="70000"/>
+                <a:buFont typeface="Wingdings 2" charset="2"/>
+                <a:buChar char=""/>
+                <a:defRPr sz="1300" kern="1200">
+                  <a:ln>
+                    <a:solidFill>
+                      <a:schemeClr val="bg1">
+                        <a:lumMod val="75000"/>
+                        <a:lumOff val="25000"/>
+                        <a:alpha val="10000"/>
+                      </a:schemeClr>
+                    </a:solidFill>
+                  </a:ln>
+                  <a:solidFill>
+                    <a:schemeClr val="tx2"/>
+                  </a:solidFill>
+                  <a:effectLst>
+                    <a:outerShdw blurRad="9525" dist="25400" dir="14640000" algn="tl" rotWithShape="0">
+                      <a:schemeClr val="bg1">
+                        <a:alpha val="30000"/>
+                      </a:schemeClr>
+                    </a:outerShdw>
+                  </a:effectLst>
+                  <a:latin typeface="+mn-lt"/>
+                  <a:ea typeface="+mn-ea"/>
+                  <a:cs typeface="+mn-cs"/>
+                </a:defRPr>
+              </a:lvl5pPr>
+              <a:lvl6pPr marL="2014600" indent="-228600" algn="l" defTabSz="457200" rtl="0" eaLnBrk="1" latinLnBrk="0" hangingPunct="1">
+                <a:spcBef>
+                  <a:spcPct val="20000"/>
+                </a:spcBef>
+                <a:spcAft>
+                  <a:spcPts val="600"/>
+                </a:spcAft>
+                <a:buClr>
+                  <a:schemeClr val="tx2"/>
+                </a:buClr>
+                <a:buSzPct val="70000"/>
+                <a:buFont typeface="Wingdings 2" charset="2"/>
+                <a:buChar char=""/>
+                <a:defRPr sz="1400" kern="1200">
+                  <a:ln>
+                    <a:solidFill>
+                      <a:schemeClr val="bg1">
+                        <a:lumMod val="75000"/>
+                        <a:lumOff val="25000"/>
+                        <a:alpha val="10000"/>
+                      </a:schemeClr>
+                    </a:solidFill>
+                  </a:ln>
+                  <a:solidFill>
+                    <a:schemeClr val="tx2"/>
+                  </a:solidFill>
+                  <a:effectLst>
+                    <a:outerShdw blurRad="9525" dist="25400" dir="14640000" algn="tl" rotWithShape="0">
+                      <a:schemeClr val="bg1">
+                        <a:alpha val="30000"/>
+                      </a:schemeClr>
+                    </a:outerShdw>
+                  </a:effectLst>
+                  <a:latin typeface="+mn-lt"/>
+                  <a:ea typeface="+mn-ea"/>
+                  <a:cs typeface="+mn-cs"/>
+                </a:defRPr>
+              </a:lvl6pPr>
+              <a:lvl7pPr marL="2401800" indent="-228600" algn="l" defTabSz="457200" rtl="0" eaLnBrk="1" latinLnBrk="0" hangingPunct="1">
+                <a:spcBef>
+                  <a:spcPct val="20000"/>
+                </a:spcBef>
+                <a:spcAft>
+                  <a:spcPts val="600"/>
+                </a:spcAft>
+                <a:buClr>
+                  <a:schemeClr val="tx2"/>
+                </a:buClr>
+                <a:buSzPct val="70000"/>
+                <a:buFont typeface="Wingdings 2" charset="2"/>
+                <a:buChar char=""/>
+                <a:defRPr sz="1400" kern="1200">
+                  <a:ln>
+                    <a:solidFill>
+                      <a:schemeClr val="bg1">
+                        <a:lumMod val="75000"/>
+                        <a:lumOff val="25000"/>
+                        <a:alpha val="10000"/>
+                      </a:schemeClr>
+                    </a:solidFill>
+                  </a:ln>
+                  <a:solidFill>
+                    <a:schemeClr val="tx2"/>
+                  </a:solidFill>
+                  <a:effectLst>
+                    <a:outerShdw blurRad="9525" dist="25400" dir="14640000" algn="tl" rotWithShape="0">
+                      <a:schemeClr val="bg1">
+                        <a:alpha val="30000"/>
+                      </a:schemeClr>
+                    </a:outerShdw>
+                  </a:effectLst>
+                  <a:latin typeface="+mn-lt"/>
+                  <a:ea typeface="+mn-ea"/>
+                  <a:cs typeface="+mn-cs"/>
+                </a:defRPr>
+              </a:lvl7pPr>
+              <a:lvl8pPr marL="2789000" indent="-228600" algn="l" defTabSz="457200" rtl="0" eaLnBrk="1" latinLnBrk="0" hangingPunct="1">
+                <a:spcBef>
+                  <a:spcPct val="20000"/>
+                </a:spcBef>
+                <a:spcAft>
+                  <a:spcPts val="600"/>
+                </a:spcAft>
+                <a:buClr>
+                  <a:schemeClr val="tx2"/>
+                </a:buClr>
+                <a:buSzPct val="70000"/>
+                <a:buFont typeface="Wingdings 2" charset="2"/>
+                <a:buChar char=""/>
+                <a:defRPr sz="1400" kern="1200">
+                  <a:ln>
+                    <a:solidFill>
+                      <a:schemeClr val="bg1">
+                        <a:lumMod val="75000"/>
+                        <a:lumOff val="25000"/>
+                        <a:alpha val="10000"/>
+                      </a:schemeClr>
+                    </a:solidFill>
+                  </a:ln>
+                  <a:solidFill>
+                    <a:schemeClr val="tx2"/>
+                  </a:solidFill>
+                  <a:effectLst>
+                    <a:outerShdw blurRad="9525" dist="25400" dir="14640000" algn="tl" rotWithShape="0">
+                      <a:schemeClr val="bg1">
+                        <a:alpha val="30000"/>
+                      </a:schemeClr>
+                    </a:outerShdw>
+                  </a:effectLst>
+                  <a:latin typeface="+mn-lt"/>
+                  <a:ea typeface="+mn-ea"/>
+                  <a:cs typeface="+mn-cs"/>
+                </a:defRPr>
+              </a:lvl8pPr>
+              <a:lvl9pPr marL="3106200" indent="-228600" algn="l" defTabSz="457200" rtl="0" eaLnBrk="1" latinLnBrk="0" hangingPunct="1">
+                <a:spcBef>
+                  <a:spcPct val="20000"/>
+                </a:spcBef>
+                <a:spcAft>
+                  <a:spcPts val="600"/>
+                </a:spcAft>
+                <a:buClr>
+                  <a:schemeClr val="tx2"/>
+                </a:buClr>
+                <a:buSzPct val="70000"/>
+                <a:buFont typeface="Wingdings 2" charset="2"/>
+                <a:buChar char=""/>
+                <a:defRPr sz="1400" kern="1200">
+                  <a:ln>
+                    <a:solidFill>
+                      <a:schemeClr val="bg1">
+                        <a:lumMod val="75000"/>
+                        <a:lumOff val="25000"/>
+                        <a:alpha val="10000"/>
+                      </a:schemeClr>
+                    </a:solidFill>
+                  </a:ln>
+                  <a:solidFill>
+                    <a:schemeClr val="tx2"/>
+                  </a:solidFill>
+                  <a:effectLst>
+                    <a:outerShdw blurRad="9525" dist="25400" dir="14640000" algn="tl" rotWithShape="0">
+                      <a:schemeClr val="bg1">
+                        <a:alpha val="30000"/>
+                      </a:schemeClr>
+                    </a:outerShdw>
+                  </a:effectLst>
+                  <a:latin typeface="+mn-lt"/>
+                  <a:ea typeface="+mn-ea"/>
+                  <a:cs typeface="+mn-cs"/>
+                </a:defRPr>
+              </a:lvl9pPr>
+            </a:lstStyle>
+            <a:p>
+              <a:pPr marL="36900" indent="0">
+                <a:buNone/>
+              </a:pPr>
+              <a:r>
+                <a:rPr lang="ja-JP" altLang="en-US" sz="2400" dirty="0"/>
+                <a:t>カメラ視点を変える</a:t>
+              </a:r>
+              <a:endParaRPr kumimoji="1" lang="en-US" altLang="ja-JP" sz="2400" dirty="0"/>
+            </a:p>
+          </p:txBody>
+        </p:sp>
+        <p:sp>
+          <p:nvSpPr>
+            <p:cNvPr id="23" name="コンテンツ プレースホルダー 2">
+              <a:extLst>
+                <a:ext uri="{FF2B5EF4-FFF2-40B4-BE49-F238E27FC236}">
+                  <a16:creationId xmlns:a16="http://schemas.microsoft.com/office/drawing/2014/main" id="{D281BB2E-77A7-4300-B6AB-CBD48310386B}"/>
+                </a:ext>
+              </a:extLst>
+            </p:cNvPr>
+            <p:cNvSpPr txBox="1">
+              <a:spLocks/>
+            </p:cNvSpPr>
+            <p:nvPr/>
+          </p:nvSpPr>
+          <p:spPr>
+            <a:xfrm>
+              <a:off x="1051633" y="3163231"/>
+              <a:ext cx="3349120" cy="536052"/>
+            </a:xfrm>
+            <a:prstGeom prst="roundRect">
+              <a:avLst/>
+            </a:prstGeom>
+          </p:spPr>
+          <p:style>
+            <a:lnRef idx="1">
+              <a:schemeClr val="accent5"/>
+            </a:lnRef>
+            <a:fillRef idx="3">
+              <a:schemeClr val="accent5"/>
+            </a:fillRef>
+            <a:effectRef idx="2">
+              <a:schemeClr val="accent5"/>
+            </a:effectRef>
+            <a:fontRef idx="minor">
+              <a:schemeClr val="lt1"/>
+            </a:fontRef>
+          </p:style>
+          <p:txBody>
+            <a:bodyPr vert="horz" lIns="91440" tIns="45720" rIns="91440" bIns="45720" rtlCol="0" anchor="ctr">
+              <a:normAutofit/>
+            </a:bodyPr>
+            <a:lstStyle>
+              <a:lvl1pPr marL="342900" indent="-306000" algn="l" defTabSz="457200" rtl="0" eaLnBrk="1" latinLnBrk="0" hangingPunct="1">
+                <a:lnSpc>
+                  <a:spcPct val="110000"/>
+                </a:lnSpc>
+                <a:spcBef>
+                  <a:spcPct val="20000"/>
+                </a:spcBef>
+                <a:spcAft>
+                  <a:spcPts val="600"/>
+                </a:spcAft>
+                <a:buClr>
+                  <a:schemeClr val="tx2"/>
+                </a:buClr>
+                <a:buSzPct val="70000"/>
+                <a:buFont typeface="Wingdings 2" charset="2"/>
+                <a:buChar char=""/>
+                <a:defRPr sz="1900" kern="1200">
+                  <a:ln>
+                    <a:solidFill>
+                      <a:schemeClr val="bg1">
+                        <a:lumMod val="75000"/>
+                        <a:lumOff val="25000"/>
+                        <a:alpha val="10000"/>
+                      </a:schemeClr>
+                    </a:solidFill>
+                  </a:ln>
+                  <a:solidFill>
+                    <a:schemeClr val="tx2"/>
+                  </a:solidFill>
+                  <a:effectLst>
+                    <a:outerShdw blurRad="9525" dist="25400" dir="14640000" algn="tl" rotWithShape="0">
+                      <a:schemeClr val="bg1">
+                        <a:alpha val="30000"/>
+                      </a:schemeClr>
+                    </a:outerShdw>
+                  </a:effectLst>
+                  <a:latin typeface="+mn-lt"/>
+                  <a:ea typeface="+mn-ea"/>
+                  <a:cs typeface="+mn-cs"/>
+                </a:defRPr>
+              </a:lvl1pPr>
+              <a:lvl2pPr marL="720000" indent="-270000" algn="l" defTabSz="457200" rtl="0" eaLnBrk="1" latinLnBrk="0" hangingPunct="1">
+                <a:spcBef>
+                  <a:spcPct val="20000"/>
+                </a:spcBef>
+                <a:spcAft>
+                  <a:spcPts val="600"/>
+                </a:spcAft>
+                <a:buClr>
+                  <a:schemeClr val="tx2"/>
+                </a:buClr>
+                <a:buSzPct val="70000"/>
+                <a:buFont typeface="Wingdings 2" charset="2"/>
+                <a:buChar char=""/>
+                <a:defRPr sz="1700" kern="1200">
+                  <a:ln>
+                    <a:solidFill>
+                      <a:schemeClr val="bg1">
+                        <a:lumMod val="75000"/>
+                        <a:lumOff val="25000"/>
+                        <a:alpha val="10000"/>
+                      </a:schemeClr>
+                    </a:solidFill>
+                  </a:ln>
+                  <a:solidFill>
+                    <a:schemeClr val="tx2"/>
+                  </a:solidFill>
+                  <a:effectLst>
+                    <a:outerShdw blurRad="9525" dist="25400" dir="14640000" algn="tl" rotWithShape="0">
+                      <a:schemeClr val="bg1">
+                        <a:alpha val="30000"/>
+                      </a:schemeClr>
+                    </a:outerShdw>
+                  </a:effectLst>
+                  <a:latin typeface="+mn-lt"/>
+                  <a:ea typeface="+mn-ea"/>
+                  <a:cs typeface="+mn-cs"/>
+                </a:defRPr>
+              </a:lvl2pPr>
+              <a:lvl3pPr marL="1026000" indent="-216000" algn="l" defTabSz="457200" rtl="0" eaLnBrk="1" latinLnBrk="0" hangingPunct="1">
+                <a:spcBef>
+                  <a:spcPct val="20000"/>
+                </a:spcBef>
+                <a:spcAft>
+                  <a:spcPts val="600"/>
+                </a:spcAft>
+                <a:buClr>
+                  <a:schemeClr val="tx2"/>
+                </a:buClr>
+                <a:buSzPct val="70000"/>
+                <a:buFont typeface="Wingdings 2" charset="2"/>
+                <a:buChar char=""/>
+                <a:defRPr sz="1500" kern="1200">
+                  <a:ln>
+                    <a:solidFill>
+                      <a:schemeClr val="bg1">
+                        <a:lumMod val="75000"/>
+                        <a:lumOff val="25000"/>
+                        <a:alpha val="10000"/>
+                      </a:schemeClr>
+                    </a:solidFill>
+                  </a:ln>
+                  <a:solidFill>
+                    <a:schemeClr val="tx2"/>
+                  </a:solidFill>
+                  <a:effectLst>
+                    <a:outerShdw blurRad="9525" dist="25400" dir="14640000" algn="tl" rotWithShape="0">
+                      <a:schemeClr val="bg1">
+                        <a:alpha val="30000"/>
+                      </a:schemeClr>
+                    </a:outerShdw>
+                  </a:effectLst>
+                  <a:latin typeface="+mn-lt"/>
+                  <a:ea typeface="+mn-ea"/>
+                  <a:cs typeface="+mn-cs"/>
+                </a:defRPr>
+              </a:lvl3pPr>
+              <a:lvl4pPr marL="1386000" indent="-216000" algn="l" defTabSz="457200" rtl="0" eaLnBrk="1" latinLnBrk="0" hangingPunct="1">
+                <a:spcBef>
+                  <a:spcPct val="20000"/>
+                </a:spcBef>
+                <a:spcAft>
+                  <a:spcPts val="600"/>
+                </a:spcAft>
+                <a:buClr>
+                  <a:schemeClr val="tx2"/>
+                </a:buClr>
+                <a:buSzPct val="70000"/>
+                <a:buFont typeface="Wingdings 2" charset="2"/>
+                <a:buChar char=""/>
+                <a:defRPr sz="1300" kern="1200">
+                  <a:ln>
+                    <a:solidFill>
+                      <a:schemeClr val="bg1">
+                        <a:lumMod val="75000"/>
+                        <a:lumOff val="25000"/>
+                        <a:alpha val="10000"/>
+                      </a:schemeClr>
+                    </a:solidFill>
+                  </a:ln>
+                  <a:solidFill>
+                    <a:schemeClr val="tx2"/>
+                  </a:solidFill>
+                  <a:effectLst>
+                    <a:outerShdw blurRad="9525" dist="25400" dir="14640000" algn="tl" rotWithShape="0">
+                      <a:schemeClr val="bg1">
+                        <a:alpha val="30000"/>
+                      </a:schemeClr>
+                    </a:outerShdw>
+                  </a:effectLst>
+                  <a:latin typeface="+mn-lt"/>
+                  <a:ea typeface="+mn-ea"/>
+                  <a:cs typeface="+mn-cs"/>
+                </a:defRPr>
+              </a:lvl4pPr>
+              <a:lvl5pPr marL="1674000" indent="-216000" algn="l" defTabSz="457200" rtl="0" eaLnBrk="1" latinLnBrk="0" hangingPunct="1">
+                <a:spcBef>
+                  <a:spcPct val="20000"/>
+                </a:spcBef>
+                <a:spcAft>
+                  <a:spcPts val="600"/>
+                </a:spcAft>
+                <a:buClr>
+                  <a:schemeClr val="tx2"/>
+                </a:buClr>
+                <a:buSzPct val="70000"/>
+                <a:buFont typeface="Wingdings 2" charset="2"/>
+                <a:buChar char=""/>
+                <a:defRPr sz="1300" kern="1200">
+                  <a:ln>
+                    <a:solidFill>
+                      <a:schemeClr val="bg1">
+                        <a:lumMod val="75000"/>
+                        <a:lumOff val="25000"/>
+                        <a:alpha val="10000"/>
+                      </a:schemeClr>
+                    </a:solidFill>
+                  </a:ln>
+                  <a:solidFill>
+                    <a:schemeClr val="tx2"/>
+                  </a:solidFill>
+                  <a:effectLst>
+                    <a:outerShdw blurRad="9525" dist="25400" dir="14640000" algn="tl" rotWithShape="0">
+                      <a:schemeClr val="bg1">
+                        <a:alpha val="30000"/>
+                      </a:schemeClr>
+                    </a:outerShdw>
+                  </a:effectLst>
+                  <a:latin typeface="+mn-lt"/>
+                  <a:ea typeface="+mn-ea"/>
+                  <a:cs typeface="+mn-cs"/>
+                </a:defRPr>
+              </a:lvl5pPr>
+              <a:lvl6pPr marL="2014600" indent="-228600" algn="l" defTabSz="457200" rtl="0" eaLnBrk="1" latinLnBrk="0" hangingPunct="1">
+                <a:spcBef>
+                  <a:spcPct val="20000"/>
+                </a:spcBef>
+                <a:spcAft>
+                  <a:spcPts val="600"/>
+                </a:spcAft>
+                <a:buClr>
+                  <a:schemeClr val="tx2"/>
+                </a:buClr>
+                <a:buSzPct val="70000"/>
+                <a:buFont typeface="Wingdings 2" charset="2"/>
+                <a:buChar char=""/>
+                <a:defRPr sz="1400" kern="1200">
+                  <a:ln>
+                    <a:solidFill>
+                      <a:schemeClr val="bg1">
+                        <a:lumMod val="75000"/>
+                        <a:lumOff val="25000"/>
+                        <a:alpha val="10000"/>
+                      </a:schemeClr>
+                    </a:solidFill>
+                  </a:ln>
+                  <a:solidFill>
+                    <a:schemeClr val="tx2"/>
+                  </a:solidFill>
+                  <a:effectLst>
+                    <a:outerShdw blurRad="9525" dist="25400" dir="14640000" algn="tl" rotWithShape="0">
+                      <a:schemeClr val="bg1">
+                        <a:alpha val="30000"/>
+                      </a:schemeClr>
+                    </a:outerShdw>
+                  </a:effectLst>
+                  <a:latin typeface="+mn-lt"/>
+                  <a:ea typeface="+mn-ea"/>
+                  <a:cs typeface="+mn-cs"/>
+                </a:defRPr>
+              </a:lvl6pPr>
+              <a:lvl7pPr marL="2401800" indent="-228600" algn="l" defTabSz="457200" rtl="0" eaLnBrk="1" latinLnBrk="0" hangingPunct="1">
+                <a:spcBef>
+                  <a:spcPct val="20000"/>
+                </a:spcBef>
+                <a:spcAft>
+                  <a:spcPts val="600"/>
+                </a:spcAft>
+                <a:buClr>
+                  <a:schemeClr val="tx2"/>
+                </a:buClr>
+                <a:buSzPct val="70000"/>
+                <a:buFont typeface="Wingdings 2" charset="2"/>
+                <a:buChar char=""/>
+                <a:defRPr sz="1400" kern="1200">
+                  <a:ln>
+                    <a:solidFill>
+                      <a:schemeClr val="bg1">
+                        <a:lumMod val="75000"/>
+                        <a:lumOff val="25000"/>
+                        <a:alpha val="10000"/>
+                      </a:schemeClr>
+                    </a:solidFill>
+                  </a:ln>
+                  <a:solidFill>
+                    <a:schemeClr val="tx2"/>
+                  </a:solidFill>
+                  <a:effectLst>
+                    <a:outerShdw blurRad="9525" dist="25400" dir="14640000" algn="tl" rotWithShape="0">
+                      <a:schemeClr val="bg1">
+                        <a:alpha val="30000"/>
+                      </a:schemeClr>
+                    </a:outerShdw>
+                  </a:effectLst>
+                  <a:latin typeface="+mn-lt"/>
+                  <a:ea typeface="+mn-ea"/>
+                  <a:cs typeface="+mn-cs"/>
+                </a:defRPr>
+              </a:lvl7pPr>
+              <a:lvl8pPr marL="2789000" indent="-228600" algn="l" defTabSz="457200" rtl="0" eaLnBrk="1" latinLnBrk="0" hangingPunct="1">
+                <a:spcBef>
+                  <a:spcPct val="20000"/>
+                </a:spcBef>
+                <a:spcAft>
+                  <a:spcPts val="600"/>
+                </a:spcAft>
+                <a:buClr>
+                  <a:schemeClr val="tx2"/>
+                </a:buClr>
+                <a:buSzPct val="70000"/>
+                <a:buFont typeface="Wingdings 2" charset="2"/>
+                <a:buChar char=""/>
+                <a:defRPr sz="1400" kern="1200">
+                  <a:ln>
+                    <a:solidFill>
+                      <a:schemeClr val="bg1">
+                        <a:lumMod val="75000"/>
+                        <a:lumOff val="25000"/>
+                        <a:alpha val="10000"/>
+                      </a:schemeClr>
+                    </a:solidFill>
+                  </a:ln>
+                  <a:solidFill>
+                    <a:schemeClr val="tx2"/>
+                  </a:solidFill>
+                  <a:effectLst>
+                    <a:outerShdw blurRad="9525" dist="25400" dir="14640000" algn="tl" rotWithShape="0">
+                      <a:schemeClr val="bg1">
+                        <a:alpha val="30000"/>
+                      </a:schemeClr>
+                    </a:outerShdw>
+                  </a:effectLst>
+                  <a:latin typeface="+mn-lt"/>
+                  <a:ea typeface="+mn-ea"/>
+                  <a:cs typeface="+mn-cs"/>
+                </a:defRPr>
+              </a:lvl8pPr>
+              <a:lvl9pPr marL="3106200" indent="-228600" algn="l" defTabSz="457200" rtl="0" eaLnBrk="1" latinLnBrk="0" hangingPunct="1">
+                <a:spcBef>
+                  <a:spcPct val="20000"/>
+                </a:spcBef>
+                <a:spcAft>
+                  <a:spcPts val="600"/>
+                </a:spcAft>
+                <a:buClr>
+                  <a:schemeClr val="tx2"/>
+                </a:buClr>
+                <a:buSzPct val="70000"/>
+                <a:buFont typeface="Wingdings 2" charset="2"/>
+                <a:buChar char=""/>
+                <a:defRPr sz="1400" kern="1200">
+                  <a:ln>
+                    <a:solidFill>
+                      <a:schemeClr val="bg1">
+                        <a:lumMod val="75000"/>
+                        <a:lumOff val="25000"/>
+                        <a:alpha val="10000"/>
+                      </a:schemeClr>
+                    </a:solidFill>
+                  </a:ln>
+                  <a:solidFill>
+                    <a:schemeClr val="tx2"/>
+                  </a:solidFill>
+                  <a:effectLst>
+                    <a:outerShdw blurRad="9525" dist="25400" dir="14640000" algn="tl" rotWithShape="0">
+                      <a:schemeClr val="bg1">
+                        <a:alpha val="30000"/>
+                      </a:schemeClr>
+                    </a:outerShdw>
+                  </a:effectLst>
+                  <a:latin typeface="+mn-lt"/>
+                  <a:ea typeface="+mn-ea"/>
+                  <a:cs typeface="+mn-cs"/>
+                </a:defRPr>
+              </a:lvl9pPr>
+            </a:lstStyle>
+            <a:p>
+              <a:r>
+                <a:rPr kumimoji="1" lang="ja-JP" altLang="en-US" sz="2400" dirty="0"/>
+                <a:t>左クリック＆ドラッグ</a:t>
+              </a:r>
+              <a:endParaRPr kumimoji="1" lang="en-US" altLang="ja-JP" sz="2400" dirty="0"/>
+            </a:p>
+          </p:txBody>
+        </p:sp>
+      </p:grpSp>
+      <p:grpSp>
+        <p:nvGrpSpPr>
+          <p:cNvPr id="16" name="グループ化 15">
+            <a:extLst>
+              <a:ext uri="{FF2B5EF4-FFF2-40B4-BE49-F238E27FC236}">
+                <a16:creationId xmlns:a16="http://schemas.microsoft.com/office/drawing/2014/main" id="{FBDB0877-498D-4E8A-80D7-F228B2AE753A}"/>
+              </a:ext>
+            </a:extLst>
+          </p:cNvPr>
+          <p:cNvGrpSpPr/>
+          <p:nvPr/>
+        </p:nvGrpSpPr>
+        <p:grpSpPr>
+          <a:xfrm>
+            <a:off x="8494389" y="1850348"/>
+            <a:ext cx="3148884" cy="4639351"/>
+            <a:chOff x="7998678" y="1427385"/>
+            <a:chExt cx="3553769" cy="5235881"/>
+          </a:xfrm>
+        </p:grpSpPr>
+        <p:pic>
+          <p:nvPicPr>
+            <p:cNvPr id="8" name="図 7">
+              <a:extLst>
+                <a:ext uri="{FF2B5EF4-FFF2-40B4-BE49-F238E27FC236}">
+                  <a16:creationId xmlns:a16="http://schemas.microsoft.com/office/drawing/2014/main" id="{FBE223F7-E1C8-4851-9ABE-F9CE91C0808A}"/>
+                </a:ext>
+              </a:extLst>
+            </p:cNvPr>
+            <p:cNvPicPr>
+              <a:picLocks noChangeAspect="1"/>
+            </p:cNvPicPr>
+            <p:nvPr/>
+          </p:nvPicPr>
+          <p:blipFill>
+            <a:blip r:embed="rId3">
+              <a:extLst>
+                <a:ext uri="{28A0092B-C50C-407E-A947-70E740481C1C}">
+                  <a14:useLocalDpi xmlns:a14="http://schemas.microsoft.com/office/drawing/2010/main" val="0"/>
+                </a:ext>
+              </a:extLst>
+            </a:blip>
+            <a:stretch>
+              <a:fillRect/>
+            </a:stretch>
+          </p:blipFill>
+          <p:spPr>
+            <a:xfrm>
+              <a:off x="8356794" y="3814493"/>
+              <a:ext cx="2837538" cy="2265311"/>
+            </a:xfrm>
+            <a:prstGeom prst="rect">
+              <a:avLst/>
+            </a:prstGeom>
+          </p:spPr>
+        </p:pic>
+        <p:sp>
+          <p:nvSpPr>
+            <p:cNvPr id="9" name="テキスト ボックス 8">
+              <a:extLst>
+                <a:ext uri="{FF2B5EF4-FFF2-40B4-BE49-F238E27FC236}">
+                  <a16:creationId xmlns:a16="http://schemas.microsoft.com/office/drawing/2014/main" id="{CEB939EF-7D2F-4404-9AE8-76F0E2DED2DC}"/>
+                </a:ext>
+              </a:extLst>
+            </p:cNvPr>
+            <p:cNvSpPr txBox="1"/>
+            <p:nvPr/>
+          </p:nvSpPr>
+          <p:spPr>
+            <a:xfrm>
+              <a:off x="7998678" y="6201601"/>
+              <a:ext cx="3553769" cy="461665"/>
+            </a:xfrm>
+            <a:prstGeom prst="rect">
+              <a:avLst/>
+            </a:prstGeom>
+            <a:noFill/>
+          </p:spPr>
+          <p:txBody>
+            <a:bodyPr wrap="square" rtlCol="0">
+              <a:spAutoFit/>
+            </a:bodyPr>
+            <a:lstStyle/>
+            <a:p>
+              <a:pPr algn="ctr"/>
+              <a:r>
+                <a:rPr lang="ja-JP" altLang="en-US" sz="2400" dirty="0"/>
+                <a:t>鬼の操作例</a:t>
+              </a:r>
+              <a:endParaRPr kumimoji="1" lang="ja-JP" altLang="en-US" sz="2400" dirty="0"/>
+            </a:p>
+          </p:txBody>
+        </p:sp>
+        <p:pic>
+          <p:nvPicPr>
+            <p:cNvPr id="5" name="図 4">
+              <a:extLst>
+                <a:ext uri="{FF2B5EF4-FFF2-40B4-BE49-F238E27FC236}">
+                  <a16:creationId xmlns:a16="http://schemas.microsoft.com/office/drawing/2014/main" id="{9FB5B5F6-BC7F-4B4C-909E-77BFFFC0B71B}"/>
+                </a:ext>
+              </a:extLst>
+            </p:cNvPr>
+            <p:cNvPicPr>
+              <a:picLocks noChangeAspect="1"/>
+            </p:cNvPicPr>
+            <p:nvPr/>
+          </p:nvPicPr>
+          <p:blipFill>
+            <a:blip r:embed="rId4">
+              <a:extLst>
+                <a:ext uri="{28A0092B-C50C-407E-A947-70E740481C1C}">
+                  <a14:useLocalDpi xmlns:a14="http://schemas.microsoft.com/office/drawing/2010/main" val="0"/>
+                </a:ext>
+              </a:extLst>
+            </a:blip>
+            <a:stretch>
+              <a:fillRect/>
+            </a:stretch>
+          </p:blipFill>
+          <p:spPr>
+            <a:xfrm>
+              <a:off x="8356794" y="1427385"/>
+              <a:ext cx="2837538" cy="2265310"/>
+            </a:xfrm>
+            <a:prstGeom prst="rect">
+              <a:avLst/>
+            </a:prstGeom>
+          </p:spPr>
+        </p:pic>
+      </p:grpSp>
       <p:pic>
         <p:nvPicPr>
-          <p:cNvPr id="7" name="図 6">
+          <p:cNvPr id="27" name="コンテンツ プレースホルダー 4">
             <a:extLst>
               <a:ext uri="{FF2B5EF4-FFF2-40B4-BE49-F238E27FC236}">
-                <a16:creationId xmlns:a16="http://schemas.microsoft.com/office/drawing/2014/main" id="{7DC7F34D-02A5-4322-91F9-07A828E3537B}"/>
+                <a16:creationId xmlns:a16="http://schemas.microsoft.com/office/drawing/2014/main" id="{898DB179-621D-4F25-A359-00948FBB079D}"/>
               </a:ext>
             </a:extLst>
           </p:cNvPr>
@@ -6759,7 +13686,7 @@
           <p:nvPr/>
         </p:nvPicPr>
         <p:blipFill>
-          <a:blip r:embed="rId3">
+          <a:blip r:embed="rId5">
             <a:extLst>
               <a:ext uri="{28A0092B-C50C-407E-A947-70E740481C1C}">
                 <a14:useLocalDpi xmlns:a14="http://schemas.microsoft.com/office/drawing/2010/main" val="0"/>
@@ -6772,20 +13699,1883 @@
         </p:blipFill>
         <p:spPr>
           <a:xfrm>
-            <a:off x="380156" y="2707286"/>
-            <a:ext cx="4754498" cy="3169666"/>
+            <a:off x="1356645" y="2445285"/>
+            <a:ext cx="347286" cy="357576"/>
           </a:xfrm>
           <a:prstGeom prst="rect">
             <a:avLst/>
           </a:prstGeom>
+          <a:effectLst>
+            <a:outerShdw blurRad="25400" dir="17880000">
+              <a:srgbClr val="000000">
+                <a:alpha val="46000"/>
+              </a:srgbClr>
+            </a:outerShdw>
+          </a:effectLst>
         </p:spPr>
       </p:pic>
+      <p:grpSp>
+        <p:nvGrpSpPr>
+          <p:cNvPr id="55" name="グループ化 54">
+            <a:extLst>
+              <a:ext uri="{FF2B5EF4-FFF2-40B4-BE49-F238E27FC236}">
+                <a16:creationId xmlns:a16="http://schemas.microsoft.com/office/drawing/2014/main" id="{B8A6E02B-7C69-4C0C-A484-9D1161AB6070}"/>
+              </a:ext>
+            </a:extLst>
+          </p:cNvPr>
+          <p:cNvGrpSpPr/>
+          <p:nvPr/>
+        </p:nvGrpSpPr>
+        <p:grpSpPr>
+          <a:xfrm>
+            <a:off x="5740509" y="3223116"/>
+            <a:ext cx="2555705" cy="1742753"/>
+            <a:chOff x="5121570" y="2479566"/>
+            <a:chExt cx="2555705" cy="1742753"/>
+          </a:xfrm>
+        </p:grpSpPr>
+        <p:pic>
+          <p:nvPicPr>
+            <p:cNvPr id="18" name="図 17">
+              <a:extLst>
+                <a:ext uri="{FF2B5EF4-FFF2-40B4-BE49-F238E27FC236}">
+                  <a16:creationId xmlns:a16="http://schemas.microsoft.com/office/drawing/2014/main" id="{6BA2ED69-E613-4BDF-9621-AD96A3113365}"/>
+                </a:ext>
+              </a:extLst>
+            </p:cNvPr>
+            <p:cNvPicPr>
+              <a:picLocks noChangeAspect="1"/>
+            </p:cNvPicPr>
+            <p:nvPr/>
+          </p:nvPicPr>
+          <p:blipFill rotWithShape="1">
+            <a:blip r:embed="rId6">
+              <a:extLst>
+                <a:ext uri="{28A0092B-C50C-407E-A947-70E740481C1C}">
+                  <a14:useLocalDpi xmlns:a14="http://schemas.microsoft.com/office/drawing/2010/main" val="0"/>
+                </a:ext>
+              </a:extLst>
+            </a:blip>
+            <a:srcRect l="12232" t="38889" r="66806" b="32523"/>
+            <a:stretch/>
+          </p:blipFill>
+          <p:spPr>
+            <a:xfrm>
+              <a:off x="5121570" y="2479566"/>
+              <a:ext cx="2555705" cy="1742753"/>
+            </a:xfrm>
+            <a:prstGeom prst="rect">
+              <a:avLst/>
+            </a:prstGeom>
+          </p:spPr>
+        </p:pic>
+        <p:sp>
+          <p:nvSpPr>
+            <p:cNvPr id="22" name="四角形: 角を丸くする 21">
+              <a:extLst>
+                <a:ext uri="{FF2B5EF4-FFF2-40B4-BE49-F238E27FC236}">
+                  <a16:creationId xmlns:a16="http://schemas.microsoft.com/office/drawing/2014/main" id="{87FB3A69-7270-4490-9F50-DA75334B7210}"/>
+                </a:ext>
+              </a:extLst>
+            </p:cNvPr>
+            <p:cNvSpPr/>
+            <p:nvPr/>
+          </p:nvSpPr>
+          <p:spPr>
+            <a:xfrm>
+              <a:off x="5824824" y="2574633"/>
+              <a:ext cx="780941" cy="727367"/>
+            </a:xfrm>
+            <a:prstGeom prst="roundRect">
+              <a:avLst/>
+            </a:prstGeom>
+            <a:solidFill>
+              <a:schemeClr val="accent1">
+                <a:alpha val="55000"/>
+              </a:schemeClr>
+            </a:solidFill>
+          </p:spPr>
+          <p:style>
+            <a:lnRef idx="2">
+              <a:schemeClr val="accent1">
+                <a:shade val="50000"/>
+              </a:schemeClr>
+            </a:lnRef>
+            <a:fillRef idx="1">
+              <a:schemeClr val="accent1"/>
+            </a:fillRef>
+            <a:effectRef idx="0">
+              <a:schemeClr val="accent1"/>
+            </a:effectRef>
+            <a:fontRef idx="minor">
+              <a:schemeClr val="lt1"/>
+            </a:fontRef>
+          </p:style>
+          <p:txBody>
+            <a:bodyPr rtlCol="0" anchor="ctr"/>
+            <a:lstStyle/>
+            <a:p>
+              <a:pPr algn="ctr"/>
+              <a:endParaRPr kumimoji="1" lang="ja-JP" altLang="en-US"/>
+            </a:p>
+          </p:txBody>
+        </p:sp>
+        <p:sp>
+          <p:nvSpPr>
+            <p:cNvPr id="34" name="四角形: 角を丸くする 33">
+              <a:extLst>
+                <a:ext uri="{FF2B5EF4-FFF2-40B4-BE49-F238E27FC236}">
+                  <a16:creationId xmlns:a16="http://schemas.microsoft.com/office/drawing/2014/main" id="{61EBD828-C531-4036-9FC1-C2ED19007446}"/>
+                </a:ext>
+              </a:extLst>
+            </p:cNvPr>
+            <p:cNvSpPr/>
+            <p:nvPr/>
+          </p:nvSpPr>
+          <p:spPr>
+            <a:xfrm>
+              <a:off x="5187956" y="3389030"/>
+              <a:ext cx="780941" cy="727367"/>
+            </a:xfrm>
+            <a:prstGeom prst="roundRect">
+              <a:avLst/>
+            </a:prstGeom>
+            <a:solidFill>
+              <a:schemeClr val="accent1">
+                <a:alpha val="55000"/>
+              </a:schemeClr>
+            </a:solidFill>
+          </p:spPr>
+          <p:style>
+            <a:lnRef idx="2">
+              <a:schemeClr val="accent1">
+                <a:shade val="50000"/>
+              </a:schemeClr>
+            </a:lnRef>
+            <a:fillRef idx="1">
+              <a:schemeClr val="accent1"/>
+            </a:fillRef>
+            <a:effectRef idx="0">
+              <a:schemeClr val="accent1"/>
+            </a:effectRef>
+            <a:fontRef idx="minor">
+              <a:schemeClr val="lt1"/>
+            </a:fontRef>
+          </p:style>
+          <p:txBody>
+            <a:bodyPr rtlCol="0" anchor="ctr"/>
+            <a:lstStyle/>
+            <a:p>
+              <a:pPr algn="ctr"/>
+              <a:endParaRPr kumimoji="1" lang="ja-JP" altLang="en-US" dirty="0"/>
+            </a:p>
+          </p:txBody>
+        </p:sp>
+        <p:sp>
+          <p:nvSpPr>
+            <p:cNvPr id="35" name="四角形: 角を丸くする 34">
+              <a:extLst>
+                <a:ext uri="{FF2B5EF4-FFF2-40B4-BE49-F238E27FC236}">
+                  <a16:creationId xmlns:a16="http://schemas.microsoft.com/office/drawing/2014/main" id="{B6B6064E-149F-469A-BF26-73A8E7F50844}"/>
+                </a:ext>
+              </a:extLst>
+            </p:cNvPr>
+            <p:cNvSpPr/>
+            <p:nvPr/>
+          </p:nvSpPr>
+          <p:spPr>
+            <a:xfrm>
+              <a:off x="6035283" y="3389030"/>
+              <a:ext cx="780941" cy="727367"/>
+            </a:xfrm>
+            <a:prstGeom prst="roundRect">
+              <a:avLst/>
+            </a:prstGeom>
+            <a:solidFill>
+              <a:schemeClr val="accent1">
+                <a:alpha val="55000"/>
+              </a:schemeClr>
+            </a:solidFill>
+          </p:spPr>
+          <p:style>
+            <a:lnRef idx="2">
+              <a:schemeClr val="accent1">
+                <a:shade val="50000"/>
+              </a:schemeClr>
+            </a:lnRef>
+            <a:fillRef idx="1">
+              <a:schemeClr val="accent1"/>
+            </a:fillRef>
+            <a:effectRef idx="0">
+              <a:schemeClr val="accent1"/>
+            </a:effectRef>
+            <a:fontRef idx="minor">
+              <a:schemeClr val="lt1"/>
+            </a:fontRef>
+          </p:style>
+          <p:txBody>
+            <a:bodyPr rtlCol="0" anchor="ctr"/>
+            <a:lstStyle/>
+            <a:p>
+              <a:pPr algn="ctr"/>
+              <a:endParaRPr kumimoji="1" lang="ja-JP" altLang="en-US"/>
+            </a:p>
+          </p:txBody>
+        </p:sp>
+        <p:sp>
+          <p:nvSpPr>
+            <p:cNvPr id="36" name="四角形: 角を丸くする 35">
+              <a:extLst>
+                <a:ext uri="{FF2B5EF4-FFF2-40B4-BE49-F238E27FC236}">
+                  <a16:creationId xmlns:a16="http://schemas.microsoft.com/office/drawing/2014/main" id="{BF47C62E-0B36-4D6A-9888-B93DEEF1CF71}"/>
+                </a:ext>
+              </a:extLst>
+            </p:cNvPr>
+            <p:cNvSpPr/>
+            <p:nvPr/>
+          </p:nvSpPr>
+          <p:spPr>
+            <a:xfrm>
+              <a:off x="6868204" y="3389030"/>
+              <a:ext cx="780941" cy="727367"/>
+            </a:xfrm>
+            <a:prstGeom prst="roundRect">
+              <a:avLst/>
+            </a:prstGeom>
+            <a:solidFill>
+              <a:schemeClr val="accent1">
+                <a:alpha val="55000"/>
+              </a:schemeClr>
+            </a:solidFill>
+          </p:spPr>
+          <p:style>
+            <a:lnRef idx="2">
+              <a:schemeClr val="accent1">
+                <a:shade val="50000"/>
+              </a:schemeClr>
+            </a:lnRef>
+            <a:fillRef idx="1">
+              <a:schemeClr val="accent1"/>
+            </a:fillRef>
+            <a:effectRef idx="0">
+              <a:schemeClr val="accent1"/>
+            </a:effectRef>
+            <a:fontRef idx="minor">
+              <a:schemeClr val="lt1"/>
+            </a:fontRef>
+          </p:style>
+          <p:txBody>
+            <a:bodyPr rtlCol="0" anchor="ctr"/>
+            <a:lstStyle/>
+            <a:p>
+              <a:pPr algn="ctr"/>
+              <a:endParaRPr kumimoji="1" lang="ja-JP" altLang="en-US"/>
+            </a:p>
+          </p:txBody>
+        </p:sp>
+      </p:grpSp>
+      <p:grpSp>
+        <p:nvGrpSpPr>
+          <p:cNvPr id="14" name="グループ化 13">
+            <a:extLst>
+              <a:ext uri="{FF2B5EF4-FFF2-40B4-BE49-F238E27FC236}">
+                <a16:creationId xmlns:a16="http://schemas.microsoft.com/office/drawing/2014/main" id="{770570DE-7862-437C-B6F4-1B5D98F7B47F}"/>
+              </a:ext>
+            </a:extLst>
+          </p:cNvPr>
+          <p:cNvGrpSpPr/>
+          <p:nvPr/>
+        </p:nvGrpSpPr>
+        <p:grpSpPr>
+          <a:xfrm>
+            <a:off x="7614688" y="5234845"/>
+            <a:ext cx="858604" cy="1308776"/>
+            <a:chOff x="2778718" y="3858718"/>
+            <a:chExt cx="1263147" cy="1925425"/>
+          </a:xfrm>
+        </p:grpSpPr>
+        <p:pic>
+          <p:nvPicPr>
+            <p:cNvPr id="6" name="図 5">
+              <a:extLst>
+                <a:ext uri="{FF2B5EF4-FFF2-40B4-BE49-F238E27FC236}">
+                  <a16:creationId xmlns:a16="http://schemas.microsoft.com/office/drawing/2014/main" id="{7FABEC4E-D48E-42D7-AE47-3760F4C1A35D}"/>
+                </a:ext>
+              </a:extLst>
+            </p:cNvPr>
+            <p:cNvPicPr>
+              <a:picLocks noChangeAspect="1"/>
+            </p:cNvPicPr>
+            <p:nvPr/>
+          </p:nvPicPr>
+          <p:blipFill rotWithShape="1">
+            <a:blip r:embed="rId7">
+              <a:extLst>
+                <a:ext uri="{28A0092B-C50C-407E-A947-70E740481C1C}">
+                  <a14:useLocalDpi xmlns:a14="http://schemas.microsoft.com/office/drawing/2010/main" val="0"/>
+                </a:ext>
+              </a:extLst>
+            </a:blip>
+            <a:srcRect t="29362"/>
+            <a:stretch/>
+          </p:blipFill>
+          <p:spPr>
+            <a:xfrm>
+              <a:off x="2778718" y="3858718"/>
+              <a:ext cx="1263147" cy="1925425"/>
+            </a:xfrm>
+            <a:prstGeom prst="rect">
+              <a:avLst/>
+            </a:prstGeom>
+          </p:spPr>
+        </p:pic>
+        <p:sp>
+          <p:nvSpPr>
+            <p:cNvPr id="10" name="フリーフォーム: 図形 9">
+              <a:extLst>
+                <a:ext uri="{FF2B5EF4-FFF2-40B4-BE49-F238E27FC236}">
+                  <a16:creationId xmlns:a16="http://schemas.microsoft.com/office/drawing/2014/main" id="{7DDB70C5-0599-40BE-9BC8-F38A620607BE}"/>
+                </a:ext>
+              </a:extLst>
+            </p:cNvPr>
+            <p:cNvSpPr/>
+            <p:nvPr/>
+          </p:nvSpPr>
+          <p:spPr>
+            <a:xfrm>
+              <a:off x="2925617" y="4058001"/>
+              <a:ext cx="439888" cy="616336"/>
+            </a:xfrm>
+            <a:custGeom>
+              <a:avLst/>
+              <a:gdLst>
+                <a:gd name="connsiteX0" fmla="*/ 436562 w 439888"/>
+                <a:gd name="connsiteY0" fmla="*/ 606425 h 616336"/>
+                <a:gd name="connsiteX1" fmla="*/ 434975 w 439888"/>
+                <a:gd name="connsiteY1" fmla="*/ 560387 h 616336"/>
+                <a:gd name="connsiteX2" fmla="*/ 433387 w 439888"/>
+                <a:gd name="connsiteY2" fmla="*/ 550862 h 616336"/>
+                <a:gd name="connsiteX3" fmla="*/ 431800 w 439888"/>
+                <a:gd name="connsiteY3" fmla="*/ 469900 h 616336"/>
+                <a:gd name="connsiteX4" fmla="*/ 427037 w 439888"/>
+                <a:gd name="connsiteY4" fmla="*/ 466725 h 616336"/>
+                <a:gd name="connsiteX5" fmla="*/ 422275 w 439888"/>
+                <a:gd name="connsiteY5" fmla="*/ 461962 h 616336"/>
+                <a:gd name="connsiteX6" fmla="*/ 409575 w 439888"/>
+                <a:gd name="connsiteY6" fmla="*/ 458787 h 616336"/>
+                <a:gd name="connsiteX7" fmla="*/ 396875 w 439888"/>
+                <a:gd name="connsiteY7" fmla="*/ 447675 h 616336"/>
+                <a:gd name="connsiteX8" fmla="*/ 395287 w 439888"/>
+                <a:gd name="connsiteY8" fmla="*/ 442912 h 616336"/>
+                <a:gd name="connsiteX9" fmla="*/ 387350 w 439888"/>
+                <a:gd name="connsiteY9" fmla="*/ 433387 h 616336"/>
+                <a:gd name="connsiteX10" fmla="*/ 381000 w 439888"/>
+                <a:gd name="connsiteY10" fmla="*/ 427037 h 616336"/>
+                <a:gd name="connsiteX11" fmla="*/ 379412 w 439888"/>
+                <a:gd name="connsiteY11" fmla="*/ 420687 h 616336"/>
+                <a:gd name="connsiteX12" fmla="*/ 376237 w 439888"/>
+                <a:gd name="connsiteY12" fmla="*/ 415925 h 616336"/>
+                <a:gd name="connsiteX13" fmla="*/ 373062 w 439888"/>
+                <a:gd name="connsiteY13" fmla="*/ 407987 h 616336"/>
+                <a:gd name="connsiteX14" fmla="*/ 371475 w 439888"/>
+                <a:gd name="connsiteY14" fmla="*/ 400050 h 616336"/>
+                <a:gd name="connsiteX15" fmla="*/ 369887 w 439888"/>
+                <a:gd name="connsiteY15" fmla="*/ 395287 h 616336"/>
+                <a:gd name="connsiteX16" fmla="*/ 363537 w 439888"/>
+                <a:gd name="connsiteY16" fmla="*/ 360362 h 616336"/>
+                <a:gd name="connsiteX17" fmla="*/ 361950 w 439888"/>
+                <a:gd name="connsiteY17" fmla="*/ 338137 h 616336"/>
+                <a:gd name="connsiteX18" fmla="*/ 360362 w 439888"/>
+                <a:gd name="connsiteY18" fmla="*/ 330200 h 616336"/>
+                <a:gd name="connsiteX19" fmla="*/ 358775 w 439888"/>
+                <a:gd name="connsiteY19" fmla="*/ 306387 h 616336"/>
+                <a:gd name="connsiteX20" fmla="*/ 360362 w 439888"/>
+                <a:gd name="connsiteY20" fmla="*/ 238125 h 616336"/>
+                <a:gd name="connsiteX21" fmla="*/ 365125 w 439888"/>
+                <a:gd name="connsiteY21" fmla="*/ 215900 h 616336"/>
+                <a:gd name="connsiteX22" fmla="*/ 368300 w 439888"/>
+                <a:gd name="connsiteY22" fmla="*/ 203200 h 616336"/>
+                <a:gd name="connsiteX23" fmla="*/ 369887 w 439888"/>
+                <a:gd name="connsiteY23" fmla="*/ 192087 h 616336"/>
+                <a:gd name="connsiteX24" fmla="*/ 373062 w 439888"/>
+                <a:gd name="connsiteY24" fmla="*/ 187325 h 616336"/>
+                <a:gd name="connsiteX25" fmla="*/ 376237 w 439888"/>
+                <a:gd name="connsiteY25" fmla="*/ 174625 h 616336"/>
+                <a:gd name="connsiteX26" fmla="*/ 379412 w 439888"/>
+                <a:gd name="connsiteY26" fmla="*/ 158750 h 616336"/>
+                <a:gd name="connsiteX27" fmla="*/ 388937 w 439888"/>
+                <a:gd name="connsiteY27" fmla="*/ 144462 h 616336"/>
+                <a:gd name="connsiteX28" fmla="*/ 428625 w 439888"/>
+                <a:gd name="connsiteY28" fmla="*/ 139700 h 616336"/>
+                <a:gd name="connsiteX29" fmla="*/ 425450 w 439888"/>
+                <a:gd name="connsiteY29" fmla="*/ 101600 h 616336"/>
+                <a:gd name="connsiteX30" fmla="*/ 423862 w 439888"/>
+                <a:gd name="connsiteY30" fmla="*/ 76200 h 616336"/>
+                <a:gd name="connsiteX31" fmla="*/ 425450 w 439888"/>
+                <a:gd name="connsiteY31" fmla="*/ 6350 h 616336"/>
+                <a:gd name="connsiteX32" fmla="*/ 414337 w 439888"/>
+                <a:gd name="connsiteY32" fmla="*/ 4762 h 616336"/>
+                <a:gd name="connsiteX33" fmla="*/ 403225 w 439888"/>
+                <a:gd name="connsiteY33" fmla="*/ 3175 h 616336"/>
+                <a:gd name="connsiteX34" fmla="*/ 388937 w 439888"/>
+                <a:gd name="connsiteY34" fmla="*/ 0 h 616336"/>
+                <a:gd name="connsiteX35" fmla="*/ 354012 w 439888"/>
+                <a:gd name="connsiteY35" fmla="*/ 1587 h 616336"/>
+                <a:gd name="connsiteX36" fmla="*/ 346075 w 439888"/>
+                <a:gd name="connsiteY36" fmla="*/ 3175 h 616336"/>
+                <a:gd name="connsiteX37" fmla="*/ 331787 w 439888"/>
+                <a:gd name="connsiteY37" fmla="*/ 7937 h 616336"/>
+                <a:gd name="connsiteX38" fmla="*/ 287337 w 439888"/>
+                <a:gd name="connsiteY38" fmla="*/ 9525 h 616336"/>
+                <a:gd name="connsiteX39" fmla="*/ 273050 w 439888"/>
+                <a:gd name="connsiteY39" fmla="*/ 14287 h 616336"/>
+                <a:gd name="connsiteX40" fmla="*/ 268287 w 439888"/>
+                <a:gd name="connsiteY40" fmla="*/ 15875 h 616336"/>
+                <a:gd name="connsiteX41" fmla="*/ 244475 w 439888"/>
+                <a:gd name="connsiteY41" fmla="*/ 22225 h 616336"/>
+                <a:gd name="connsiteX42" fmla="*/ 230187 w 439888"/>
+                <a:gd name="connsiteY42" fmla="*/ 26987 h 616336"/>
+                <a:gd name="connsiteX43" fmla="*/ 225425 w 439888"/>
+                <a:gd name="connsiteY43" fmla="*/ 28575 h 616336"/>
+                <a:gd name="connsiteX44" fmla="*/ 219075 w 439888"/>
+                <a:gd name="connsiteY44" fmla="*/ 30162 h 616336"/>
+                <a:gd name="connsiteX45" fmla="*/ 209550 w 439888"/>
+                <a:gd name="connsiteY45" fmla="*/ 33337 h 616336"/>
+                <a:gd name="connsiteX46" fmla="*/ 204787 w 439888"/>
+                <a:gd name="connsiteY46" fmla="*/ 34925 h 616336"/>
+                <a:gd name="connsiteX47" fmla="*/ 184150 w 439888"/>
+                <a:gd name="connsiteY47" fmla="*/ 39687 h 616336"/>
+                <a:gd name="connsiteX48" fmla="*/ 177800 w 439888"/>
+                <a:gd name="connsiteY48" fmla="*/ 41275 h 616336"/>
+                <a:gd name="connsiteX49" fmla="*/ 168275 w 439888"/>
+                <a:gd name="connsiteY49" fmla="*/ 44450 h 616336"/>
+                <a:gd name="connsiteX50" fmla="*/ 161925 w 439888"/>
+                <a:gd name="connsiteY50" fmla="*/ 46037 h 616336"/>
+                <a:gd name="connsiteX51" fmla="*/ 152400 w 439888"/>
+                <a:gd name="connsiteY51" fmla="*/ 49212 h 616336"/>
+                <a:gd name="connsiteX52" fmla="*/ 139700 w 439888"/>
+                <a:gd name="connsiteY52" fmla="*/ 52387 h 616336"/>
+                <a:gd name="connsiteX53" fmla="*/ 130175 w 439888"/>
+                <a:gd name="connsiteY53" fmla="*/ 58737 h 616336"/>
+                <a:gd name="connsiteX54" fmla="*/ 123825 w 439888"/>
+                <a:gd name="connsiteY54" fmla="*/ 65087 h 616336"/>
+                <a:gd name="connsiteX55" fmla="*/ 114300 w 439888"/>
+                <a:gd name="connsiteY55" fmla="*/ 84137 h 616336"/>
+                <a:gd name="connsiteX56" fmla="*/ 107950 w 439888"/>
+                <a:gd name="connsiteY56" fmla="*/ 93662 h 616336"/>
+                <a:gd name="connsiteX57" fmla="*/ 98425 w 439888"/>
+                <a:gd name="connsiteY57" fmla="*/ 100012 h 616336"/>
+                <a:gd name="connsiteX58" fmla="*/ 95250 w 439888"/>
+                <a:gd name="connsiteY58" fmla="*/ 106362 h 616336"/>
+                <a:gd name="connsiteX59" fmla="*/ 82550 w 439888"/>
+                <a:gd name="connsiteY59" fmla="*/ 115887 h 616336"/>
+                <a:gd name="connsiteX60" fmla="*/ 69850 w 439888"/>
+                <a:gd name="connsiteY60" fmla="*/ 127000 h 616336"/>
+                <a:gd name="connsiteX61" fmla="*/ 60325 w 439888"/>
+                <a:gd name="connsiteY61" fmla="*/ 134937 h 616336"/>
+                <a:gd name="connsiteX62" fmla="*/ 47625 w 439888"/>
+                <a:gd name="connsiteY62" fmla="*/ 157162 h 616336"/>
+                <a:gd name="connsiteX63" fmla="*/ 46037 w 439888"/>
+                <a:gd name="connsiteY63" fmla="*/ 165100 h 616336"/>
+                <a:gd name="connsiteX64" fmla="*/ 42862 w 439888"/>
+                <a:gd name="connsiteY64" fmla="*/ 176212 h 616336"/>
+                <a:gd name="connsiteX65" fmla="*/ 39687 w 439888"/>
+                <a:gd name="connsiteY65" fmla="*/ 192087 h 616336"/>
+                <a:gd name="connsiteX66" fmla="*/ 31750 w 439888"/>
+                <a:gd name="connsiteY66" fmla="*/ 214312 h 616336"/>
+                <a:gd name="connsiteX67" fmla="*/ 28575 w 439888"/>
+                <a:gd name="connsiteY67" fmla="*/ 223837 h 616336"/>
+                <a:gd name="connsiteX68" fmla="*/ 26987 w 439888"/>
+                <a:gd name="connsiteY68" fmla="*/ 234950 h 616336"/>
+                <a:gd name="connsiteX69" fmla="*/ 23812 w 439888"/>
+                <a:gd name="connsiteY69" fmla="*/ 249237 h 616336"/>
+                <a:gd name="connsiteX70" fmla="*/ 22225 w 439888"/>
+                <a:gd name="connsiteY70" fmla="*/ 258762 h 616336"/>
+                <a:gd name="connsiteX71" fmla="*/ 19050 w 439888"/>
+                <a:gd name="connsiteY71" fmla="*/ 271462 h 616336"/>
+                <a:gd name="connsiteX72" fmla="*/ 17462 w 439888"/>
+                <a:gd name="connsiteY72" fmla="*/ 282575 h 616336"/>
+                <a:gd name="connsiteX73" fmla="*/ 15875 w 439888"/>
+                <a:gd name="connsiteY73" fmla="*/ 287337 h 616336"/>
+                <a:gd name="connsiteX74" fmla="*/ 14287 w 439888"/>
+                <a:gd name="connsiteY74" fmla="*/ 293687 h 616336"/>
+                <a:gd name="connsiteX75" fmla="*/ 7937 w 439888"/>
+                <a:gd name="connsiteY75" fmla="*/ 303212 h 616336"/>
+                <a:gd name="connsiteX76" fmla="*/ 1587 w 439888"/>
+                <a:gd name="connsiteY76" fmla="*/ 327025 h 616336"/>
+                <a:gd name="connsiteX77" fmla="*/ 0 w 439888"/>
+                <a:gd name="connsiteY77" fmla="*/ 336550 h 616336"/>
+                <a:gd name="connsiteX78" fmla="*/ 3175 w 439888"/>
+                <a:gd name="connsiteY78" fmla="*/ 376237 h 616336"/>
+                <a:gd name="connsiteX79" fmla="*/ 4762 w 439888"/>
+                <a:gd name="connsiteY79" fmla="*/ 387350 h 616336"/>
+                <a:gd name="connsiteX80" fmla="*/ 6350 w 439888"/>
+                <a:gd name="connsiteY80" fmla="*/ 407987 h 616336"/>
+                <a:gd name="connsiteX81" fmla="*/ 6350 w 439888"/>
+                <a:gd name="connsiteY81" fmla="*/ 547687 h 616336"/>
+                <a:gd name="connsiteX82" fmla="*/ 7937 w 439888"/>
+                <a:gd name="connsiteY82" fmla="*/ 552450 h 616336"/>
+                <a:gd name="connsiteX83" fmla="*/ 9525 w 439888"/>
+                <a:gd name="connsiteY83" fmla="*/ 566737 h 616336"/>
+                <a:gd name="connsiteX84" fmla="*/ 11112 w 439888"/>
+                <a:gd name="connsiteY84" fmla="*/ 587375 h 616336"/>
+                <a:gd name="connsiteX85" fmla="*/ 17462 w 439888"/>
+                <a:gd name="connsiteY85" fmla="*/ 601662 h 616336"/>
+                <a:gd name="connsiteX86" fmla="*/ 22225 w 439888"/>
+                <a:gd name="connsiteY86" fmla="*/ 604837 h 616336"/>
+                <a:gd name="connsiteX87" fmla="*/ 26987 w 439888"/>
+                <a:gd name="connsiteY87" fmla="*/ 615950 h 616336"/>
+                <a:gd name="connsiteX88" fmla="*/ 41275 w 439888"/>
+                <a:gd name="connsiteY88" fmla="*/ 614362 h 616336"/>
+                <a:gd name="connsiteX89" fmla="*/ 58737 w 439888"/>
+                <a:gd name="connsiteY89" fmla="*/ 609600 h 616336"/>
+                <a:gd name="connsiteX90" fmla="*/ 68262 w 439888"/>
+                <a:gd name="connsiteY90" fmla="*/ 606425 h 616336"/>
+                <a:gd name="connsiteX91" fmla="*/ 144462 w 439888"/>
+                <a:gd name="connsiteY91" fmla="*/ 603250 h 616336"/>
+                <a:gd name="connsiteX92" fmla="*/ 188912 w 439888"/>
+                <a:gd name="connsiteY92" fmla="*/ 603250 h 616336"/>
+                <a:gd name="connsiteX93" fmla="*/ 217487 w 439888"/>
+                <a:gd name="connsiteY93" fmla="*/ 606425 h 616336"/>
+                <a:gd name="connsiteX94" fmla="*/ 242887 w 439888"/>
+                <a:gd name="connsiteY94" fmla="*/ 604837 h 616336"/>
+                <a:gd name="connsiteX95" fmla="*/ 263525 w 439888"/>
+                <a:gd name="connsiteY95" fmla="*/ 603250 h 616336"/>
+                <a:gd name="connsiteX96" fmla="*/ 328612 w 439888"/>
+                <a:gd name="connsiteY96" fmla="*/ 604837 h 616336"/>
+                <a:gd name="connsiteX97" fmla="*/ 387350 w 439888"/>
+                <a:gd name="connsiteY97" fmla="*/ 603250 h 616336"/>
+                <a:gd name="connsiteX98" fmla="*/ 436562 w 439888"/>
+                <a:gd name="connsiteY98" fmla="*/ 606425 h 616336"/>
+              </a:gdLst>
+              <a:ahLst/>
+              <a:cxnLst>
+                <a:cxn ang="0">
+                  <a:pos x="connsiteX0" y="connsiteY0"/>
+                </a:cxn>
+                <a:cxn ang="0">
+                  <a:pos x="connsiteX1" y="connsiteY1"/>
+                </a:cxn>
+                <a:cxn ang="0">
+                  <a:pos x="connsiteX2" y="connsiteY2"/>
+                </a:cxn>
+                <a:cxn ang="0">
+                  <a:pos x="connsiteX3" y="connsiteY3"/>
+                </a:cxn>
+                <a:cxn ang="0">
+                  <a:pos x="connsiteX4" y="connsiteY4"/>
+                </a:cxn>
+                <a:cxn ang="0">
+                  <a:pos x="connsiteX5" y="connsiteY5"/>
+                </a:cxn>
+                <a:cxn ang="0">
+                  <a:pos x="connsiteX6" y="connsiteY6"/>
+                </a:cxn>
+                <a:cxn ang="0">
+                  <a:pos x="connsiteX7" y="connsiteY7"/>
+                </a:cxn>
+                <a:cxn ang="0">
+                  <a:pos x="connsiteX8" y="connsiteY8"/>
+                </a:cxn>
+                <a:cxn ang="0">
+                  <a:pos x="connsiteX9" y="connsiteY9"/>
+                </a:cxn>
+                <a:cxn ang="0">
+                  <a:pos x="connsiteX10" y="connsiteY10"/>
+                </a:cxn>
+                <a:cxn ang="0">
+                  <a:pos x="connsiteX11" y="connsiteY11"/>
+                </a:cxn>
+                <a:cxn ang="0">
+                  <a:pos x="connsiteX12" y="connsiteY12"/>
+                </a:cxn>
+                <a:cxn ang="0">
+                  <a:pos x="connsiteX13" y="connsiteY13"/>
+                </a:cxn>
+                <a:cxn ang="0">
+                  <a:pos x="connsiteX14" y="connsiteY14"/>
+                </a:cxn>
+                <a:cxn ang="0">
+                  <a:pos x="connsiteX15" y="connsiteY15"/>
+                </a:cxn>
+                <a:cxn ang="0">
+                  <a:pos x="connsiteX16" y="connsiteY16"/>
+                </a:cxn>
+                <a:cxn ang="0">
+                  <a:pos x="connsiteX17" y="connsiteY17"/>
+                </a:cxn>
+                <a:cxn ang="0">
+                  <a:pos x="connsiteX18" y="connsiteY18"/>
+                </a:cxn>
+                <a:cxn ang="0">
+                  <a:pos x="connsiteX19" y="connsiteY19"/>
+                </a:cxn>
+                <a:cxn ang="0">
+                  <a:pos x="connsiteX20" y="connsiteY20"/>
+                </a:cxn>
+                <a:cxn ang="0">
+                  <a:pos x="connsiteX21" y="connsiteY21"/>
+                </a:cxn>
+                <a:cxn ang="0">
+                  <a:pos x="connsiteX22" y="connsiteY22"/>
+                </a:cxn>
+                <a:cxn ang="0">
+                  <a:pos x="connsiteX23" y="connsiteY23"/>
+                </a:cxn>
+                <a:cxn ang="0">
+                  <a:pos x="connsiteX24" y="connsiteY24"/>
+                </a:cxn>
+                <a:cxn ang="0">
+                  <a:pos x="connsiteX25" y="connsiteY25"/>
+                </a:cxn>
+                <a:cxn ang="0">
+                  <a:pos x="connsiteX26" y="connsiteY26"/>
+                </a:cxn>
+                <a:cxn ang="0">
+                  <a:pos x="connsiteX27" y="connsiteY27"/>
+                </a:cxn>
+                <a:cxn ang="0">
+                  <a:pos x="connsiteX28" y="connsiteY28"/>
+                </a:cxn>
+                <a:cxn ang="0">
+                  <a:pos x="connsiteX29" y="connsiteY29"/>
+                </a:cxn>
+                <a:cxn ang="0">
+                  <a:pos x="connsiteX30" y="connsiteY30"/>
+                </a:cxn>
+                <a:cxn ang="0">
+                  <a:pos x="connsiteX31" y="connsiteY31"/>
+                </a:cxn>
+                <a:cxn ang="0">
+                  <a:pos x="connsiteX32" y="connsiteY32"/>
+                </a:cxn>
+                <a:cxn ang="0">
+                  <a:pos x="connsiteX33" y="connsiteY33"/>
+                </a:cxn>
+                <a:cxn ang="0">
+                  <a:pos x="connsiteX34" y="connsiteY34"/>
+                </a:cxn>
+                <a:cxn ang="0">
+                  <a:pos x="connsiteX35" y="connsiteY35"/>
+                </a:cxn>
+                <a:cxn ang="0">
+                  <a:pos x="connsiteX36" y="connsiteY36"/>
+                </a:cxn>
+                <a:cxn ang="0">
+                  <a:pos x="connsiteX37" y="connsiteY37"/>
+                </a:cxn>
+                <a:cxn ang="0">
+                  <a:pos x="connsiteX38" y="connsiteY38"/>
+                </a:cxn>
+                <a:cxn ang="0">
+                  <a:pos x="connsiteX39" y="connsiteY39"/>
+                </a:cxn>
+                <a:cxn ang="0">
+                  <a:pos x="connsiteX40" y="connsiteY40"/>
+                </a:cxn>
+                <a:cxn ang="0">
+                  <a:pos x="connsiteX41" y="connsiteY41"/>
+                </a:cxn>
+                <a:cxn ang="0">
+                  <a:pos x="connsiteX42" y="connsiteY42"/>
+                </a:cxn>
+                <a:cxn ang="0">
+                  <a:pos x="connsiteX43" y="connsiteY43"/>
+                </a:cxn>
+                <a:cxn ang="0">
+                  <a:pos x="connsiteX44" y="connsiteY44"/>
+                </a:cxn>
+                <a:cxn ang="0">
+                  <a:pos x="connsiteX45" y="connsiteY45"/>
+                </a:cxn>
+                <a:cxn ang="0">
+                  <a:pos x="connsiteX46" y="connsiteY46"/>
+                </a:cxn>
+                <a:cxn ang="0">
+                  <a:pos x="connsiteX47" y="connsiteY47"/>
+                </a:cxn>
+                <a:cxn ang="0">
+                  <a:pos x="connsiteX48" y="connsiteY48"/>
+                </a:cxn>
+                <a:cxn ang="0">
+                  <a:pos x="connsiteX49" y="connsiteY49"/>
+                </a:cxn>
+                <a:cxn ang="0">
+                  <a:pos x="connsiteX50" y="connsiteY50"/>
+                </a:cxn>
+                <a:cxn ang="0">
+                  <a:pos x="connsiteX51" y="connsiteY51"/>
+                </a:cxn>
+                <a:cxn ang="0">
+                  <a:pos x="connsiteX52" y="connsiteY52"/>
+                </a:cxn>
+                <a:cxn ang="0">
+                  <a:pos x="connsiteX53" y="connsiteY53"/>
+                </a:cxn>
+                <a:cxn ang="0">
+                  <a:pos x="connsiteX54" y="connsiteY54"/>
+                </a:cxn>
+                <a:cxn ang="0">
+                  <a:pos x="connsiteX55" y="connsiteY55"/>
+                </a:cxn>
+                <a:cxn ang="0">
+                  <a:pos x="connsiteX56" y="connsiteY56"/>
+                </a:cxn>
+                <a:cxn ang="0">
+                  <a:pos x="connsiteX57" y="connsiteY57"/>
+                </a:cxn>
+                <a:cxn ang="0">
+                  <a:pos x="connsiteX58" y="connsiteY58"/>
+                </a:cxn>
+                <a:cxn ang="0">
+                  <a:pos x="connsiteX59" y="connsiteY59"/>
+                </a:cxn>
+                <a:cxn ang="0">
+                  <a:pos x="connsiteX60" y="connsiteY60"/>
+                </a:cxn>
+                <a:cxn ang="0">
+                  <a:pos x="connsiteX61" y="connsiteY61"/>
+                </a:cxn>
+                <a:cxn ang="0">
+                  <a:pos x="connsiteX62" y="connsiteY62"/>
+                </a:cxn>
+                <a:cxn ang="0">
+                  <a:pos x="connsiteX63" y="connsiteY63"/>
+                </a:cxn>
+                <a:cxn ang="0">
+                  <a:pos x="connsiteX64" y="connsiteY64"/>
+                </a:cxn>
+                <a:cxn ang="0">
+                  <a:pos x="connsiteX65" y="connsiteY65"/>
+                </a:cxn>
+                <a:cxn ang="0">
+                  <a:pos x="connsiteX66" y="connsiteY66"/>
+                </a:cxn>
+                <a:cxn ang="0">
+                  <a:pos x="connsiteX67" y="connsiteY67"/>
+                </a:cxn>
+                <a:cxn ang="0">
+                  <a:pos x="connsiteX68" y="connsiteY68"/>
+                </a:cxn>
+                <a:cxn ang="0">
+                  <a:pos x="connsiteX69" y="connsiteY69"/>
+                </a:cxn>
+                <a:cxn ang="0">
+                  <a:pos x="connsiteX70" y="connsiteY70"/>
+                </a:cxn>
+                <a:cxn ang="0">
+                  <a:pos x="connsiteX71" y="connsiteY71"/>
+                </a:cxn>
+                <a:cxn ang="0">
+                  <a:pos x="connsiteX72" y="connsiteY72"/>
+                </a:cxn>
+                <a:cxn ang="0">
+                  <a:pos x="connsiteX73" y="connsiteY73"/>
+                </a:cxn>
+                <a:cxn ang="0">
+                  <a:pos x="connsiteX74" y="connsiteY74"/>
+                </a:cxn>
+                <a:cxn ang="0">
+                  <a:pos x="connsiteX75" y="connsiteY75"/>
+                </a:cxn>
+                <a:cxn ang="0">
+                  <a:pos x="connsiteX76" y="connsiteY76"/>
+                </a:cxn>
+                <a:cxn ang="0">
+                  <a:pos x="connsiteX77" y="connsiteY77"/>
+                </a:cxn>
+                <a:cxn ang="0">
+                  <a:pos x="connsiteX78" y="connsiteY78"/>
+                </a:cxn>
+                <a:cxn ang="0">
+                  <a:pos x="connsiteX79" y="connsiteY79"/>
+                </a:cxn>
+                <a:cxn ang="0">
+                  <a:pos x="connsiteX80" y="connsiteY80"/>
+                </a:cxn>
+                <a:cxn ang="0">
+                  <a:pos x="connsiteX81" y="connsiteY81"/>
+                </a:cxn>
+                <a:cxn ang="0">
+                  <a:pos x="connsiteX82" y="connsiteY82"/>
+                </a:cxn>
+                <a:cxn ang="0">
+                  <a:pos x="connsiteX83" y="connsiteY83"/>
+                </a:cxn>
+                <a:cxn ang="0">
+                  <a:pos x="connsiteX84" y="connsiteY84"/>
+                </a:cxn>
+                <a:cxn ang="0">
+                  <a:pos x="connsiteX85" y="connsiteY85"/>
+                </a:cxn>
+                <a:cxn ang="0">
+                  <a:pos x="connsiteX86" y="connsiteY86"/>
+                </a:cxn>
+                <a:cxn ang="0">
+                  <a:pos x="connsiteX87" y="connsiteY87"/>
+                </a:cxn>
+                <a:cxn ang="0">
+                  <a:pos x="connsiteX88" y="connsiteY88"/>
+                </a:cxn>
+                <a:cxn ang="0">
+                  <a:pos x="connsiteX89" y="connsiteY89"/>
+                </a:cxn>
+                <a:cxn ang="0">
+                  <a:pos x="connsiteX90" y="connsiteY90"/>
+                </a:cxn>
+                <a:cxn ang="0">
+                  <a:pos x="connsiteX91" y="connsiteY91"/>
+                </a:cxn>
+                <a:cxn ang="0">
+                  <a:pos x="connsiteX92" y="connsiteY92"/>
+                </a:cxn>
+                <a:cxn ang="0">
+                  <a:pos x="connsiteX93" y="connsiteY93"/>
+                </a:cxn>
+                <a:cxn ang="0">
+                  <a:pos x="connsiteX94" y="connsiteY94"/>
+                </a:cxn>
+                <a:cxn ang="0">
+                  <a:pos x="connsiteX95" y="connsiteY95"/>
+                </a:cxn>
+                <a:cxn ang="0">
+                  <a:pos x="connsiteX96" y="connsiteY96"/>
+                </a:cxn>
+                <a:cxn ang="0">
+                  <a:pos x="connsiteX97" y="connsiteY97"/>
+                </a:cxn>
+                <a:cxn ang="0">
+                  <a:pos x="connsiteX98" y="connsiteY98"/>
+                </a:cxn>
+              </a:cxnLst>
+              <a:rect l="l" t="t" r="r" b="b"/>
+              <a:pathLst>
+                <a:path w="439888" h="616336">
+                  <a:moveTo>
+                    <a:pt x="436562" y="606425"/>
+                  </a:moveTo>
+                  <a:cubicBezTo>
+                    <a:pt x="444500" y="599281"/>
+                    <a:pt x="435851" y="575717"/>
+                    <a:pt x="434975" y="560387"/>
+                  </a:cubicBezTo>
+                  <a:cubicBezTo>
+                    <a:pt x="434791" y="557173"/>
+                    <a:pt x="433500" y="554079"/>
+                    <a:pt x="433387" y="550862"/>
+                  </a:cubicBezTo>
+                  <a:cubicBezTo>
+                    <a:pt x="432440" y="523886"/>
+                    <a:pt x="433831" y="496816"/>
+                    <a:pt x="431800" y="469900"/>
+                  </a:cubicBezTo>
+                  <a:cubicBezTo>
+                    <a:pt x="431656" y="467997"/>
+                    <a:pt x="428503" y="467947"/>
+                    <a:pt x="427037" y="466725"/>
+                  </a:cubicBezTo>
+                  <a:cubicBezTo>
+                    <a:pt x="425312" y="465288"/>
+                    <a:pt x="424143" y="463207"/>
+                    <a:pt x="422275" y="461962"/>
+                  </a:cubicBezTo>
+                  <a:cubicBezTo>
+                    <a:pt x="420186" y="460569"/>
+                    <a:pt x="410715" y="459015"/>
+                    <a:pt x="409575" y="458787"/>
+                  </a:cubicBezTo>
+                  <a:cubicBezTo>
+                    <a:pt x="405301" y="455582"/>
+                    <a:pt x="400038" y="452103"/>
+                    <a:pt x="396875" y="447675"/>
+                  </a:cubicBezTo>
+                  <a:cubicBezTo>
+                    <a:pt x="395902" y="446313"/>
+                    <a:pt x="396215" y="444305"/>
+                    <a:pt x="395287" y="442912"/>
+                  </a:cubicBezTo>
+                  <a:cubicBezTo>
+                    <a:pt x="392995" y="439473"/>
+                    <a:pt x="389996" y="436562"/>
+                    <a:pt x="387350" y="433387"/>
+                  </a:cubicBezTo>
+                  <a:cubicBezTo>
+                    <a:pt x="381905" y="417057"/>
+                    <a:pt x="390677" y="439135"/>
+                    <a:pt x="381000" y="427037"/>
+                  </a:cubicBezTo>
+                  <a:cubicBezTo>
+                    <a:pt x="379637" y="425333"/>
+                    <a:pt x="380272" y="422692"/>
+                    <a:pt x="379412" y="420687"/>
+                  </a:cubicBezTo>
+                  <a:cubicBezTo>
+                    <a:pt x="378660" y="418933"/>
+                    <a:pt x="377090" y="417631"/>
+                    <a:pt x="376237" y="415925"/>
+                  </a:cubicBezTo>
+                  <a:cubicBezTo>
+                    <a:pt x="374963" y="413376"/>
+                    <a:pt x="374120" y="410633"/>
+                    <a:pt x="373062" y="407987"/>
+                  </a:cubicBezTo>
+                  <a:cubicBezTo>
+                    <a:pt x="372533" y="405341"/>
+                    <a:pt x="372129" y="402667"/>
+                    <a:pt x="371475" y="400050"/>
+                  </a:cubicBezTo>
+                  <a:cubicBezTo>
+                    <a:pt x="371069" y="398426"/>
+                    <a:pt x="370263" y="396918"/>
+                    <a:pt x="369887" y="395287"/>
+                  </a:cubicBezTo>
+                  <a:cubicBezTo>
+                    <a:pt x="367225" y="383753"/>
+                    <a:pt x="365481" y="372026"/>
+                    <a:pt x="363537" y="360362"/>
+                  </a:cubicBezTo>
+                  <a:cubicBezTo>
+                    <a:pt x="363008" y="352954"/>
+                    <a:pt x="362728" y="345523"/>
+                    <a:pt x="361950" y="338137"/>
+                  </a:cubicBezTo>
+                  <a:cubicBezTo>
+                    <a:pt x="361668" y="335454"/>
+                    <a:pt x="360630" y="332885"/>
+                    <a:pt x="360362" y="330200"/>
+                  </a:cubicBezTo>
+                  <a:cubicBezTo>
+                    <a:pt x="359570" y="322284"/>
+                    <a:pt x="359304" y="314325"/>
+                    <a:pt x="358775" y="306387"/>
+                  </a:cubicBezTo>
+                  <a:cubicBezTo>
+                    <a:pt x="359304" y="283633"/>
+                    <a:pt x="358769" y="260829"/>
+                    <a:pt x="360362" y="238125"/>
+                  </a:cubicBezTo>
+                  <a:cubicBezTo>
+                    <a:pt x="360892" y="230567"/>
+                    <a:pt x="363640" y="223330"/>
+                    <a:pt x="365125" y="215900"/>
+                  </a:cubicBezTo>
+                  <a:cubicBezTo>
+                    <a:pt x="367040" y="206321"/>
+                    <a:pt x="365858" y="210522"/>
+                    <a:pt x="368300" y="203200"/>
+                  </a:cubicBezTo>
+                  <a:cubicBezTo>
+                    <a:pt x="368829" y="199496"/>
+                    <a:pt x="368812" y="195671"/>
+                    <a:pt x="369887" y="192087"/>
+                  </a:cubicBezTo>
+                  <a:cubicBezTo>
+                    <a:pt x="370435" y="190260"/>
+                    <a:pt x="372410" y="189118"/>
+                    <a:pt x="373062" y="187325"/>
+                  </a:cubicBezTo>
+                  <a:cubicBezTo>
+                    <a:pt x="374553" y="183224"/>
+                    <a:pt x="375519" y="178929"/>
+                    <a:pt x="376237" y="174625"/>
+                  </a:cubicBezTo>
+                  <a:cubicBezTo>
+                    <a:pt x="376375" y="173795"/>
+                    <a:pt x="378270" y="160870"/>
+                    <a:pt x="379412" y="158750"/>
+                  </a:cubicBezTo>
+                  <a:cubicBezTo>
+                    <a:pt x="382126" y="153710"/>
+                    <a:pt x="383254" y="145144"/>
+                    <a:pt x="388937" y="144462"/>
+                  </a:cubicBezTo>
+                  <a:lnTo>
+                    <a:pt x="428625" y="139700"/>
+                  </a:lnTo>
+                  <a:cubicBezTo>
+                    <a:pt x="423478" y="124262"/>
+                    <a:pt x="427386" y="137417"/>
+                    <a:pt x="425450" y="101600"/>
+                  </a:cubicBezTo>
+                  <a:cubicBezTo>
+                    <a:pt x="424992" y="93129"/>
+                    <a:pt x="424391" y="84667"/>
+                    <a:pt x="423862" y="76200"/>
+                  </a:cubicBezTo>
+                  <a:cubicBezTo>
+                    <a:pt x="424391" y="52917"/>
+                    <a:pt x="426965" y="29590"/>
+                    <a:pt x="425450" y="6350"/>
+                  </a:cubicBezTo>
+                  <a:cubicBezTo>
+                    <a:pt x="425033" y="-49"/>
+                    <a:pt x="416091" y="4177"/>
+                    <a:pt x="414337" y="4762"/>
+                  </a:cubicBezTo>
+                  <a:cubicBezTo>
+                    <a:pt x="410633" y="4233"/>
+                    <a:pt x="406916" y="3790"/>
+                    <a:pt x="403225" y="3175"/>
+                  </a:cubicBezTo>
+                  <a:cubicBezTo>
+                    <a:pt x="397188" y="2169"/>
+                    <a:pt x="394638" y="1425"/>
+                    <a:pt x="388937" y="0"/>
+                  </a:cubicBezTo>
+                  <a:cubicBezTo>
+                    <a:pt x="377295" y="529"/>
+                    <a:pt x="365634" y="726"/>
+                    <a:pt x="354012" y="1587"/>
+                  </a:cubicBezTo>
+                  <a:cubicBezTo>
+                    <a:pt x="351321" y="1786"/>
+                    <a:pt x="348669" y="2434"/>
+                    <a:pt x="346075" y="3175"/>
+                  </a:cubicBezTo>
+                  <a:cubicBezTo>
+                    <a:pt x="341248" y="4554"/>
+                    <a:pt x="336804" y="7758"/>
+                    <a:pt x="331787" y="7937"/>
+                  </a:cubicBezTo>
+                  <a:lnTo>
+                    <a:pt x="287337" y="9525"/>
+                  </a:lnTo>
+                  <a:lnTo>
+                    <a:pt x="273050" y="14287"/>
+                  </a:lnTo>
+                  <a:cubicBezTo>
+                    <a:pt x="271462" y="14816"/>
+                    <a:pt x="269904" y="15444"/>
+                    <a:pt x="268287" y="15875"/>
+                  </a:cubicBezTo>
+                  <a:cubicBezTo>
+                    <a:pt x="260350" y="17992"/>
+                    <a:pt x="252268" y="19627"/>
+                    <a:pt x="244475" y="22225"/>
+                  </a:cubicBezTo>
+                  <a:lnTo>
+                    <a:pt x="230187" y="26987"/>
+                  </a:lnTo>
+                  <a:cubicBezTo>
+                    <a:pt x="228600" y="27516"/>
+                    <a:pt x="227048" y="28169"/>
+                    <a:pt x="225425" y="28575"/>
+                  </a:cubicBezTo>
+                  <a:cubicBezTo>
+                    <a:pt x="223308" y="29104"/>
+                    <a:pt x="221165" y="29535"/>
+                    <a:pt x="219075" y="30162"/>
+                  </a:cubicBezTo>
+                  <a:cubicBezTo>
+                    <a:pt x="215869" y="31124"/>
+                    <a:pt x="212725" y="32279"/>
+                    <a:pt x="209550" y="33337"/>
+                  </a:cubicBezTo>
+                  <a:cubicBezTo>
+                    <a:pt x="207962" y="33866"/>
+                    <a:pt x="206428" y="34597"/>
+                    <a:pt x="204787" y="34925"/>
+                  </a:cubicBezTo>
+                  <a:cubicBezTo>
+                    <a:pt x="192576" y="37367"/>
+                    <a:pt x="199459" y="35859"/>
+                    <a:pt x="184150" y="39687"/>
+                  </a:cubicBezTo>
+                  <a:cubicBezTo>
+                    <a:pt x="182033" y="40216"/>
+                    <a:pt x="179870" y="40585"/>
+                    <a:pt x="177800" y="41275"/>
+                  </a:cubicBezTo>
+                  <a:cubicBezTo>
+                    <a:pt x="174625" y="42333"/>
+                    <a:pt x="171522" y="43639"/>
+                    <a:pt x="168275" y="44450"/>
+                  </a:cubicBezTo>
+                  <a:cubicBezTo>
+                    <a:pt x="166158" y="44979"/>
+                    <a:pt x="164015" y="45410"/>
+                    <a:pt x="161925" y="46037"/>
+                  </a:cubicBezTo>
+                  <a:cubicBezTo>
+                    <a:pt x="158719" y="46999"/>
+                    <a:pt x="155618" y="48293"/>
+                    <a:pt x="152400" y="49212"/>
+                  </a:cubicBezTo>
+                  <a:cubicBezTo>
+                    <a:pt x="148204" y="50411"/>
+                    <a:pt x="139700" y="52387"/>
+                    <a:pt x="139700" y="52387"/>
+                  </a:cubicBezTo>
+                  <a:cubicBezTo>
+                    <a:pt x="136525" y="54504"/>
+                    <a:pt x="131382" y="55117"/>
+                    <a:pt x="130175" y="58737"/>
+                  </a:cubicBezTo>
+                  <a:cubicBezTo>
+                    <a:pt x="128058" y="65087"/>
+                    <a:pt x="130175" y="62971"/>
+                    <a:pt x="123825" y="65087"/>
+                  </a:cubicBezTo>
+                  <a:cubicBezTo>
+                    <a:pt x="115253" y="90800"/>
+                    <a:pt x="123997" y="71669"/>
+                    <a:pt x="114300" y="84137"/>
+                  </a:cubicBezTo>
+                  <a:cubicBezTo>
+                    <a:pt x="111957" y="87149"/>
+                    <a:pt x="111125" y="91545"/>
+                    <a:pt x="107950" y="93662"/>
+                  </a:cubicBezTo>
+                  <a:lnTo>
+                    <a:pt x="98425" y="100012"/>
+                  </a:lnTo>
+                  <a:cubicBezTo>
+                    <a:pt x="97367" y="102129"/>
+                    <a:pt x="96626" y="104436"/>
+                    <a:pt x="95250" y="106362"/>
+                  </a:cubicBezTo>
+                  <a:cubicBezTo>
+                    <a:pt x="91777" y="111223"/>
+                    <a:pt x="87641" y="112832"/>
+                    <a:pt x="82550" y="115887"/>
+                  </a:cubicBezTo>
+                  <a:cubicBezTo>
+                    <a:pt x="73559" y="129375"/>
+                    <a:pt x="88361" y="108493"/>
+                    <a:pt x="69850" y="127000"/>
+                  </a:cubicBezTo>
+                  <a:cubicBezTo>
+                    <a:pt x="63738" y="133111"/>
+                    <a:pt x="66955" y="130517"/>
+                    <a:pt x="60325" y="134937"/>
+                  </a:cubicBezTo>
+                  <a:cubicBezTo>
+                    <a:pt x="54060" y="144336"/>
+                    <a:pt x="50516" y="147525"/>
+                    <a:pt x="47625" y="157162"/>
+                  </a:cubicBezTo>
+                  <a:cubicBezTo>
+                    <a:pt x="46850" y="159747"/>
+                    <a:pt x="46692" y="162482"/>
+                    <a:pt x="46037" y="165100"/>
+                  </a:cubicBezTo>
+                  <a:cubicBezTo>
+                    <a:pt x="45103" y="168837"/>
+                    <a:pt x="43728" y="172458"/>
+                    <a:pt x="42862" y="176212"/>
+                  </a:cubicBezTo>
+                  <a:cubicBezTo>
+                    <a:pt x="40336" y="187160"/>
+                    <a:pt x="42450" y="183109"/>
+                    <a:pt x="39687" y="192087"/>
+                  </a:cubicBezTo>
+                  <a:cubicBezTo>
+                    <a:pt x="32411" y="215733"/>
+                    <a:pt x="37705" y="197937"/>
+                    <a:pt x="31750" y="214312"/>
+                  </a:cubicBezTo>
+                  <a:cubicBezTo>
+                    <a:pt x="30606" y="217457"/>
+                    <a:pt x="28575" y="223837"/>
+                    <a:pt x="28575" y="223837"/>
+                  </a:cubicBezTo>
+                  <a:cubicBezTo>
+                    <a:pt x="28046" y="227541"/>
+                    <a:pt x="27602" y="231259"/>
+                    <a:pt x="26987" y="234950"/>
+                  </a:cubicBezTo>
+                  <a:cubicBezTo>
+                    <a:pt x="24208" y="251625"/>
+                    <a:pt x="26673" y="234934"/>
+                    <a:pt x="23812" y="249237"/>
+                  </a:cubicBezTo>
+                  <a:cubicBezTo>
+                    <a:pt x="23181" y="252393"/>
+                    <a:pt x="22899" y="255615"/>
+                    <a:pt x="22225" y="258762"/>
+                  </a:cubicBezTo>
+                  <a:cubicBezTo>
+                    <a:pt x="21311" y="263029"/>
+                    <a:pt x="19906" y="267183"/>
+                    <a:pt x="19050" y="271462"/>
+                  </a:cubicBezTo>
+                  <a:cubicBezTo>
+                    <a:pt x="18316" y="275131"/>
+                    <a:pt x="18196" y="278906"/>
+                    <a:pt x="17462" y="282575"/>
+                  </a:cubicBezTo>
+                  <a:cubicBezTo>
+                    <a:pt x="17134" y="284216"/>
+                    <a:pt x="16335" y="285728"/>
+                    <a:pt x="15875" y="287337"/>
+                  </a:cubicBezTo>
+                  <a:cubicBezTo>
+                    <a:pt x="15276" y="289435"/>
+                    <a:pt x="15263" y="291736"/>
+                    <a:pt x="14287" y="293687"/>
+                  </a:cubicBezTo>
+                  <a:cubicBezTo>
+                    <a:pt x="12580" y="297100"/>
+                    <a:pt x="7937" y="303212"/>
+                    <a:pt x="7937" y="303212"/>
+                  </a:cubicBezTo>
+                  <a:cubicBezTo>
+                    <a:pt x="6466" y="308359"/>
+                    <a:pt x="2408" y="322097"/>
+                    <a:pt x="1587" y="327025"/>
+                  </a:cubicBezTo>
+                  <a:lnTo>
+                    <a:pt x="0" y="336550"/>
+                  </a:lnTo>
+                  <a:cubicBezTo>
+                    <a:pt x="1058" y="349779"/>
+                    <a:pt x="1936" y="363024"/>
+                    <a:pt x="3175" y="376237"/>
+                  </a:cubicBezTo>
+                  <a:cubicBezTo>
+                    <a:pt x="3524" y="379963"/>
+                    <a:pt x="4390" y="383627"/>
+                    <a:pt x="4762" y="387350"/>
+                  </a:cubicBezTo>
+                  <a:cubicBezTo>
+                    <a:pt x="5449" y="394215"/>
+                    <a:pt x="5821" y="401108"/>
+                    <a:pt x="6350" y="407987"/>
+                  </a:cubicBezTo>
+                  <a:cubicBezTo>
+                    <a:pt x="5105" y="470202"/>
+                    <a:pt x="3499" y="489238"/>
+                    <a:pt x="6350" y="547687"/>
+                  </a:cubicBezTo>
+                  <a:cubicBezTo>
+                    <a:pt x="6432" y="549358"/>
+                    <a:pt x="7408" y="550862"/>
+                    <a:pt x="7937" y="552450"/>
+                  </a:cubicBezTo>
+                  <a:cubicBezTo>
+                    <a:pt x="8466" y="557212"/>
+                    <a:pt x="9091" y="561965"/>
+                    <a:pt x="9525" y="566737"/>
+                  </a:cubicBezTo>
+                  <a:cubicBezTo>
+                    <a:pt x="10150" y="573608"/>
+                    <a:pt x="10256" y="580529"/>
+                    <a:pt x="11112" y="587375"/>
+                  </a:cubicBezTo>
+                  <a:cubicBezTo>
+                    <a:pt x="11529" y="590714"/>
+                    <a:pt x="16817" y="600802"/>
+                    <a:pt x="17462" y="601662"/>
+                  </a:cubicBezTo>
+                  <a:cubicBezTo>
+                    <a:pt x="18607" y="603188"/>
+                    <a:pt x="20637" y="603779"/>
+                    <a:pt x="22225" y="604837"/>
+                  </a:cubicBezTo>
+                  <a:cubicBezTo>
+                    <a:pt x="22804" y="606574"/>
+                    <a:pt x="25547" y="615557"/>
+                    <a:pt x="26987" y="615950"/>
+                  </a:cubicBezTo>
+                  <a:cubicBezTo>
+                    <a:pt x="31610" y="617211"/>
+                    <a:pt x="36531" y="615040"/>
+                    <a:pt x="41275" y="614362"/>
+                  </a:cubicBezTo>
+                  <a:cubicBezTo>
+                    <a:pt x="49130" y="613240"/>
+                    <a:pt x="50825" y="612238"/>
+                    <a:pt x="58737" y="609600"/>
+                  </a:cubicBezTo>
+                  <a:lnTo>
+                    <a:pt x="68262" y="606425"/>
+                  </a:lnTo>
+                  <a:cubicBezTo>
+                    <a:pt x="104152" y="602835"/>
+                    <a:pt x="78821" y="604977"/>
+                    <a:pt x="144462" y="603250"/>
+                  </a:cubicBezTo>
+                  <a:cubicBezTo>
+                    <a:pt x="165620" y="600604"/>
+                    <a:pt x="158010" y="600810"/>
+                    <a:pt x="188912" y="603250"/>
+                  </a:cubicBezTo>
+                  <a:cubicBezTo>
+                    <a:pt x="198466" y="604004"/>
+                    <a:pt x="217487" y="606425"/>
+                    <a:pt x="217487" y="606425"/>
+                  </a:cubicBezTo>
+                  <a:lnTo>
+                    <a:pt x="242887" y="604837"/>
+                  </a:lnTo>
+                  <a:cubicBezTo>
+                    <a:pt x="249770" y="604362"/>
+                    <a:pt x="256625" y="603250"/>
+                    <a:pt x="263525" y="603250"/>
+                  </a:cubicBezTo>
+                  <a:cubicBezTo>
+                    <a:pt x="285227" y="603250"/>
+                    <a:pt x="306916" y="604308"/>
+                    <a:pt x="328612" y="604837"/>
+                  </a:cubicBezTo>
+                  <a:lnTo>
+                    <a:pt x="387350" y="603250"/>
+                  </a:lnTo>
+                  <a:cubicBezTo>
+                    <a:pt x="444988" y="601579"/>
+                    <a:pt x="428624" y="613569"/>
+                    <a:pt x="436562" y="606425"/>
+                  </a:cubicBezTo>
+                  <a:close/>
+                </a:path>
+              </a:pathLst>
+            </a:custGeom>
+            <a:solidFill>
+              <a:schemeClr val="accent1">
+                <a:alpha val="92000"/>
+              </a:schemeClr>
+            </a:solidFill>
+            <a:ln w="3175">
+              <a:solidFill>
+                <a:schemeClr val="accent1">
+                  <a:lumMod val="50000"/>
+                </a:schemeClr>
+              </a:solidFill>
+            </a:ln>
+          </p:spPr>
+          <p:style>
+            <a:lnRef idx="2">
+              <a:schemeClr val="accent1">
+                <a:shade val="50000"/>
+              </a:schemeClr>
+            </a:lnRef>
+            <a:fillRef idx="1">
+              <a:schemeClr val="accent1"/>
+            </a:fillRef>
+            <a:effectRef idx="0">
+              <a:schemeClr val="accent1"/>
+            </a:effectRef>
+            <a:fontRef idx="minor">
+              <a:schemeClr val="lt1"/>
+            </a:fontRef>
+          </p:style>
+          <p:txBody>
+            <a:bodyPr rtlCol="0" anchor="ctr"/>
+            <a:lstStyle/>
+            <a:p>
+              <a:pPr algn="ctr"/>
+              <a:endParaRPr kumimoji="1" lang="ja-JP" altLang="en-US"/>
+            </a:p>
+          </p:txBody>
+        </p:sp>
+      </p:grpSp>
       <p:sp>
         <p:nvSpPr>
-          <p:cNvPr id="4" name="爆発: 8 pt 3">
+          <p:cNvPr id="25" name="テキスト ボックス 24">
             <a:extLst>
               <a:ext uri="{FF2B5EF4-FFF2-40B4-BE49-F238E27FC236}">
-                <a16:creationId xmlns:a16="http://schemas.microsoft.com/office/drawing/2014/main" id="{68912B4D-9C71-4925-8531-F23A396EDA64}"/>
+                <a16:creationId xmlns:a16="http://schemas.microsoft.com/office/drawing/2014/main" id="{A7B7CD01-1238-44DF-B932-121DCC286919}"/>
+              </a:ext>
+            </a:extLst>
+          </p:cNvPr>
+          <p:cNvSpPr txBox="1"/>
+          <p:nvPr/>
+        </p:nvSpPr>
+        <p:spPr>
+          <a:xfrm>
+            <a:off x="5317703" y="1660835"/>
+            <a:ext cx="651193" cy="461665"/>
+          </a:xfrm>
+          <a:prstGeom prst="rect">
+            <a:avLst/>
+          </a:prstGeom>
+          <a:noFill/>
+        </p:spPr>
+        <p:txBody>
+          <a:bodyPr wrap="square" rtlCol="0" anchor="ctr">
+            <a:spAutoFit/>
+          </a:bodyPr>
+          <a:lstStyle/>
+          <a:p>
+            <a:pPr algn="ctr"/>
+            <a:r>
+              <a:rPr kumimoji="1" lang="ja-JP" altLang="en-US" sz="2400" dirty="0">
+                <a:solidFill>
+                  <a:schemeClr val="bg1"/>
+                </a:solidFill>
+              </a:rPr>
+              <a:t>前</a:t>
+            </a:r>
+            <a:endParaRPr kumimoji="1" lang="ja-JP" altLang="en-US" dirty="0">
+              <a:solidFill>
+                <a:schemeClr val="bg1"/>
+              </a:solidFill>
+            </a:endParaRPr>
+          </a:p>
+        </p:txBody>
+      </p:sp>
+      <p:grpSp>
+        <p:nvGrpSpPr>
+          <p:cNvPr id="64" name="グループ化 63">
+            <a:extLst>
+              <a:ext uri="{FF2B5EF4-FFF2-40B4-BE49-F238E27FC236}">
+                <a16:creationId xmlns:a16="http://schemas.microsoft.com/office/drawing/2014/main" id="{8DDA43F3-1F60-43C3-9AF2-0D17FDC16C82}"/>
+              </a:ext>
+            </a:extLst>
+          </p:cNvPr>
+          <p:cNvGrpSpPr/>
+          <p:nvPr/>
+        </p:nvGrpSpPr>
+        <p:grpSpPr>
+          <a:xfrm>
+            <a:off x="2858736" y="3253855"/>
+            <a:ext cx="2554445" cy="1743607"/>
+            <a:chOff x="2886438" y="4054666"/>
+            <a:chExt cx="2554445" cy="1743607"/>
+          </a:xfrm>
+        </p:grpSpPr>
+        <p:grpSp>
+          <p:nvGrpSpPr>
+            <p:cNvPr id="59" name="グループ化 58">
+              <a:extLst>
+                <a:ext uri="{FF2B5EF4-FFF2-40B4-BE49-F238E27FC236}">
+                  <a16:creationId xmlns:a16="http://schemas.microsoft.com/office/drawing/2014/main" id="{2DD52028-81EA-4AEB-A6E9-A1DEF3FF07D5}"/>
+                </a:ext>
+              </a:extLst>
+            </p:cNvPr>
+            <p:cNvGrpSpPr/>
+            <p:nvPr/>
+          </p:nvGrpSpPr>
+          <p:grpSpPr>
+            <a:xfrm>
+              <a:off x="2886438" y="4054666"/>
+              <a:ext cx="2554445" cy="1743607"/>
+              <a:chOff x="1445970" y="2388869"/>
+              <a:chExt cx="2554445" cy="1743607"/>
+            </a:xfrm>
+          </p:grpSpPr>
+          <p:pic>
+            <p:nvPicPr>
+              <p:cNvPr id="53" name="図 52">
+                <a:extLst>
+                  <a:ext uri="{FF2B5EF4-FFF2-40B4-BE49-F238E27FC236}">
+                    <a16:creationId xmlns:a16="http://schemas.microsoft.com/office/drawing/2014/main" id="{2BEEB902-B9A9-440A-928B-A9FD4D07E298}"/>
+                  </a:ext>
+                </a:extLst>
+              </p:cNvPr>
+              <p:cNvPicPr>
+                <a:picLocks noChangeAspect="1"/>
+              </p:cNvPicPr>
+              <p:nvPr/>
+            </p:nvPicPr>
+            <p:blipFill>
+              <a:blip r:embed="rId8"/>
+              <a:stretch>
+                <a:fillRect/>
+              </a:stretch>
+            </p:blipFill>
+            <p:spPr>
+              <a:xfrm>
+                <a:off x="1445970" y="2388869"/>
+                <a:ext cx="2554445" cy="1743607"/>
+              </a:xfrm>
+              <a:prstGeom prst="rect">
+                <a:avLst/>
+              </a:prstGeom>
+            </p:spPr>
+          </p:pic>
+          <p:sp>
+            <p:nvSpPr>
+              <p:cNvPr id="54" name="四角形: 角を丸くする 53">
+                <a:extLst>
+                  <a:ext uri="{FF2B5EF4-FFF2-40B4-BE49-F238E27FC236}">
+                    <a16:creationId xmlns:a16="http://schemas.microsoft.com/office/drawing/2014/main" id="{5573194A-0AED-4CAB-9DF3-5AD51143712C}"/>
+                  </a:ext>
+                </a:extLst>
+              </p:cNvPr>
+              <p:cNvSpPr/>
+              <p:nvPr/>
+            </p:nvSpPr>
+            <p:spPr>
+              <a:xfrm>
+                <a:off x="1491362" y="3269574"/>
+                <a:ext cx="780941" cy="727367"/>
+              </a:xfrm>
+              <a:prstGeom prst="roundRect">
+                <a:avLst/>
+              </a:prstGeom>
+              <a:solidFill>
+                <a:schemeClr val="accent1">
+                  <a:alpha val="55000"/>
+                </a:schemeClr>
+              </a:solidFill>
+            </p:spPr>
+            <p:style>
+              <a:lnRef idx="2">
+                <a:schemeClr val="accent1">
+                  <a:shade val="50000"/>
+                </a:schemeClr>
+              </a:lnRef>
+              <a:fillRef idx="1">
+                <a:schemeClr val="accent1"/>
+              </a:fillRef>
+              <a:effectRef idx="0">
+                <a:schemeClr val="accent1"/>
+              </a:effectRef>
+              <a:fontRef idx="minor">
+                <a:schemeClr val="lt1"/>
+              </a:fontRef>
+            </p:style>
+            <p:txBody>
+              <a:bodyPr rtlCol="0" anchor="ctr"/>
+              <a:lstStyle/>
+              <a:p>
+                <a:pPr algn="ctr"/>
+                <a:endParaRPr kumimoji="1" lang="ja-JP" altLang="en-US" dirty="0"/>
+              </a:p>
+            </p:txBody>
+          </p:sp>
+          <p:sp>
+            <p:nvSpPr>
+              <p:cNvPr id="56" name="四角形: 角を丸くする 55">
+                <a:extLst>
+                  <a:ext uri="{FF2B5EF4-FFF2-40B4-BE49-F238E27FC236}">
+                    <a16:creationId xmlns:a16="http://schemas.microsoft.com/office/drawing/2014/main" id="{8E212545-E2E1-4CE1-B7D6-4D0804777EDA}"/>
+                  </a:ext>
+                </a:extLst>
+              </p:cNvPr>
+              <p:cNvSpPr/>
+              <p:nvPr/>
+            </p:nvSpPr>
+            <p:spPr>
+              <a:xfrm>
+                <a:off x="2352011" y="3293181"/>
+                <a:ext cx="780941" cy="727367"/>
+              </a:xfrm>
+              <a:prstGeom prst="roundRect">
+                <a:avLst/>
+              </a:prstGeom>
+              <a:solidFill>
+                <a:schemeClr val="accent1">
+                  <a:alpha val="55000"/>
+                </a:schemeClr>
+              </a:solidFill>
+            </p:spPr>
+            <p:style>
+              <a:lnRef idx="2">
+                <a:schemeClr val="accent1">
+                  <a:shade val="50000"/>
+                </a:schemeClr>
+              </a:lnRef>
+              <a:fillRef idx="1">
+                <a:schemeClr val="accent1"/>
+              </a:fillRef>
+              <a:effectRef idx="0">
+                <a:schemeClr val="accent1"/>
+              </a:effectRef>
+              <a:fontRef idx="minor">
+                <a:schemeClr val="lt1"/>
+              </a:fontRef>
+            </p:style>
+            <p:txBody>
+              <a:bodyPr rtlCol="0" anchor="ctr"/>
+              <a:lstStyle/>
+              <a:p>
+                <a:pPr algn="ctr"/>
+                <a:endParaRPr kumimoji="1" lang="ja-JP" altLang="en-US" dirty="0"/>
+              </a:p>
+            </p:txBody>
+          </p:sp>
+          <p:sp>
+            <p:nvSpPr>
+              <p:cNvPr id="57" name="四角形: 角を丸くする 56">
+                <a:extLst>
+                  <a:ext uri="{FF2B5EF4-FFF2-40B4-BE49-F238E27FC236}">
+                    <a16:creationId xmlns:a16="http://schemas.microsoft.com/office/drawing/2014/main" id="{8AADBC74-45E7-4206-AE98-3986F94A1CC4}"/>
+                  </a:ext>
+                </a:extLst>
+              </p:cNvPr>
+              <p:cNvSpPr/>
+              <p:nvPr/>
+            </p:nvSpPr>
+            <p:spPr>
+              <a:xfrm>
+                <a:off x="3205481" y="3281302"/>
+                <a:ext cx="780941" cy="727367"/>
+              </a:xfrm>
+              <a:prstGeom prst="roundRect">
+                <a:avLst/>
+              </a:prstGeom>
+              <a:solidFill>
+                <a:schemeClr val="accent1">
+                  <a:alpha val="55000"/>
+                </a:schemeClr>
+              </a:solidFill>
+            </p:spPr>
+            <p:style>
+              <a:lnRef idx="2">
+                <a:schemeClr val="accent1">
+                  <a:shade val="50000"/>
+                </a:schemeClr>
+              </a:lnRef>
+              <a:fillRef idx="1">
+                <a:schemeClr val="accent1"/>
+              </a:fillRef>
+              <a:effectRef idx="0">
+                <a:schemeClr val="accent1"/>
+              </a:effectRef>
+              <a:fontRef idx="minor">
+                <a:schemeClr val="lt1"/>
+              </a:fontRef>
+            </p:style>
+            <p:txBody>
+              <a:bodyPr rtlCol="0" anchor="ctr"/>
+              <a:lstStyle/>
+              <a:p>
+                <a:pPr algn="ctr"/>
+                <a:endParaRPr kumimoji="1" lang="ja-JP" altLang="en-US" dirty="0"/>
+              </a:p>
+            </p:txBody>
+          </p:sp>
+          <p:sp>
+            <p:nvSpPr>
+              <p:cNvPr id="58" name="四角形: 角を丸くする 57">
+                <a:extLst>
+                  <a:ext uri="{FF2B5EF4-FFF2-40B4-BE49-F238E27FC236}">
+                    <a16:creationId xmlns:a16="http://schemas.microsoft.com/office/drawing/2014/main" id="{92BD6D97-7853-4489-A88D-2DC5B81CA46E}"/>
+                  </a:ext>
+                </a:extLst>
+              </p:cNvPr>
+              <p:cNvSpPr/>
+              <p:nvPr/>
+            </p:nvSpPr>
+            <p:spPr>
+              <a:xfrm>
+                <a:off x="2134811" y="2477342"/>
+                <a:ext cx="780941" cy="727367"/>
+              </a:xfrm>
+              <a:prstGeom prst="roundRect">
+                <a:avLst/>
+              </a:prstGeom>
+              <a:solidFill>
+                <a:schemeClr val="accent1">
+                  <a:alpha val="55000"/>
+                </a:schemeClr>
+              </a:solidFill>
+            </p:spPr>
+            <p:style>
+              <a:lnRef idx="2">
+                <a:schemeClr val="accent1">
+                  <a:shade val="50000"/>
+                </a:schemeClr>
+              </a:lnRef>
+              <a:fillRef idx="1">
+                <a:schemeClr val="accent1"/>
+              </a:fillRef>
+              <a:effectRef idx="0">
+                <a:schemeClr val="accent1"/>
+              </a:effectRef>
+              <a:fontRef idx="minor">
+                <a:schemeClr val="lt1"/>
+              </a:fontRef>
+            </p:style>
+            <p:txBody>
+              <a:bodyPr rtlCol="0" anchor="ctr"/>
+              <a:lstStyle/>
+              <a:p>
+                <a:pPr algn="ctr"/>
+                <a:endParaRPr kumimoji="1" lang="ja-JP" altLang="en-US" dirty="0"/>
+              </a:p>
+            </p:txBody>
+          </p:sp>
+        </p:grpSp>
+        <p:sp>
+          <p:nvSpPr>
+            <p:cNvPr id="60" name="テキスト ボックス 59">
+              <a:extLst>
+                <a:ext uri="{FF2B5EF4-FFF2-40B4-BE49-F238E27FC236}">
+                  <a16:creationId xmlns:a16="http://schemas.microsoft.com/office/drawing/2014/main" id="{74E259BC-CE93-44D8-A6F0-E194F8870056}"/>
+                </a:ext>
+              </a:extLst>
+            </p:cNvPr>
+            <p:cNvSpPr txBox="1"/>
+            <p:nvPr/>
+          </p:nvSpPr>
+          <p:spPr>
+            <a:xfrm>
+              <a:off x="3705440" y="4297820"/>
+              <a:ext cx="503097" cy="461665"/>
+            </a:xfrm>
+            <a:prstGeom prst="rect">
+              <a:avLst/>
+            </a:prstGeom>
+            <a:noFill/>
+          </p:spPr>
+          <p:txBody>
+            <a:bodyPr wrap="square" rtlCol="0" anchor="ctr">
+              <a:spAutoFit/>
+            </a:bodyPr>
+            <a:lstStyle/>
+            <a:p>
+              <a:pPr algn="ctr"/>
+              <a:r>
+                <a:rPr lang="ja-JP" altLang="en-US" sz="2400" dirty="0">
+                  <a:solidFill>
+                    <a:schemeClr val="bg1"/>
+                  </a:solidFill>
+                </a:rPr>
+                <a:t>前</a:t>
+              </a:r>
+              <a:endParaRPr kumimoji="1" lang="ja-JP" altLang="en-US" sz="2400" dirty="0">
+                <a:solidFill>
+                  <a:schemeClr val="bg1"/>
+                </a:solidFill>
+              </a:endParaRPr>
+            </a:p>
+          </p:txBody>
+        </p:sp>
+        <p:sp>
+          <p:nvSpPr>
+            <p:cNvPr id="61" name="テキスト ボックス 60">
+              <a:extLst>
+                <a:ext uri="{FF2B5EF4-FFF2-40B4-BE49-F238E27FC236}">
+                  <a16:creationId xmlns:a16="http://schemas.microsoft.com/office/drawing/2014/main" id="{F5CE71E4-5D92-4E5A-8698-3623C378CFEB}"/>
+                </a:ext>
+              </a:extLst>
+            </p:cNvPr>
+            <p:cNvSpPr txBox="1"/>
+            <p:nvPr/>
+          </p:nvSpPr>
+          <p:spPr>
+            <a:xfrm>
+              <a:off x="3897891" y="5068840"/>
+              <a:ext cx="503097" cy="461665"/>
+            </a:xfrm>
+            <a:prstGeom prst="rect">
+              <a:avLst/>
+            </a:prstGeom>
+            <a:noFill/>
+          </p:spPr>
+          <p:txBody>
+            <a:bodyPr wrap="square" rtlCol="0" anchor="ctr">
+              <a:spAutoFit/>
+            </a:bodyPr>
+            <a:lstStyle/>
+            <a:p>
+              <a:pPr algn="ctr"/>
+              <a:r>
+                <a:rPr lang="ja-JP" altLang="en-US" sz="2400" dirty="0">
+                  <a:solidFill>
+                    <a:schemeClr val="bg1"/>
+                  </a:solidFill>
+                </a:rPr>
+                <a:t>後</a:t>
+              </a:r>
+              <a:endParaRPr kumimoji="1" lang="ja-JP" altLang="en-US" sz="2400" dirty="0">
+                <a:solidFill>
+                  <a:schemeClr val="bg1"/>
+                </a:solidFill>
+              </a:endParaRPr>
+            </a:p>
+          </p:txBody>
+        </p:sp>
+        <p:sp>
+          <p:nvSpPr>
+            <p:cNvPr id="62" name="テキスト ボックス 61">
+              <a:extLst>
+                <a:ext uri="{FF2B5EF4-FFF2-40B4-BE49-F238E27FC236}">
+                  <a16:creationId xmlns:a16="http://schemas.microsoft.com/office/drawing/2014/main" id="{0FE325F8-1E6B-4F9C-BCE0-94FDD8FDD17C}"/>
+                </a:ext>
+              </a:extLst>
+            </p:cNvPr>
+            <p:cNvSpPr txBox="1"/>
+            <p:nvPr/>
+          </p:nvSpPr>
+          <p:spPr>
+            <a:xfrm>
+              <a:off x="4772454" y="5068840"/>
+              <a:ext cx="503097" cy="461665"/>
+            </a:xfrm>
+            <a:prstGeom prst="rect">
+              <a:avLst/>
+            </a:prstGeom>
+            <a:noFill/>
+          </p:spPr>
+          <p:txBody>
+            <a:bodyPr wrap="square" rtlCol="0" anchor="ctr">
+              <a:spAutoFit/>
+            </a:bodyPr>
+            <a:lstStyle/>
+            <a:p>
+              <a:pPr algn="ctr"/>
+              <a:r>
+                <a:rPr lang="ja-JP" altLang="en-US" sz="2400" dirty="0">
+                  <a:solidFill>
+                    <a:schemeClr val="bg1"/>
+                  </a:solidFill>
+                </a:rPr>
+                <a:t>右</a:t>
+              </a:r>
+              <a:endParaRPr kumimoji="1" lang="ja-JP" altLang="en-US" sz="2400" dirty="0">
+                <a:solidFill>
+                  <a:schemeClr val="bg1"/>
+                </a:solidFill>
+              </a:endParaRPr>
+            </a:p>
+          </p:txBody>
+        </p:sp>
+        <p:sp>
+          <p:nvSpPr>
+            <p:cNvPr id="63" name="テキスト ボックス 62">
+              <a:extLst>
+                <a:ext uri="{FF2B5EF4-FFF2-40B4-BE49-F238E27FC236}">
+                  <a16:creationId xmlns:a16="http://schemas.microsoft.com/office/drawing/2014/main" id="{6F43943C-BEA4-4902-8873-D046B39AB7EB}"/>
+                </a:ext>
+              </a:extLst>
+            </p:cNvPr>
+            <p:cNvSpPr txBox="1"/>
+            <p:nvPr/>
+          </p:nvSpPr>
+          <p:spPr>
+            <a:xfrm>
+              <a:off x="3076307" y="5080750"/>
+              <a:ext cx="503097" cy="461665"/>
+            </a:xfrm>
+            <a:prstGeom prst="rect">
+              <a:avLst/>
+            </a:prstGeom>
+            <a:noFill/>
+          </p:spPr>
+          <p:txBody>
+            <a:bodyPr wrap="square" rtlCol="0" anchor="ctr">
+              <a:spAutoFit/>
+            </a:bodyPr>
+            <a:lstStyle/>
+            <a:p>
+              <a:pPr algn="ctr"/>
+              <a:r>
+                <a:rPr lang="ja-JP" altLang="en-US" sz="2400" dirty="0">
+                  <a:solidFill>
+                    <a:schemeClr val="bg1"/>
+                  </a:solidFill>
+                </a:rPr>
+                <a:t>左</a:t>
+              </a:r>
+              <a:endParaRPr kumimoji="1" lang="ja-JP" altLang="en-US" sz="2400" dirty="0">
+                <a:solidFill>
+                  <a:schemeClr val="bg1"/>
+                </a:solidFill>
+              </a:endParaRPr>
+            </a:p>
+          </p:txBody>
+        </p:sp>
+      </p:grpSp>
+      <p:sp>
+        <p:nvSpPr>
+          <p:cNvPr id="76" name="吹き出し: 角を丸めた四角形 75">
+            <a:extLst>
+              <a:ext uri="{FF2B5EF4-FFF2-40B4-BE49-F238E27FC236}">
+                <a16:creationId xmlns:a16="http://schemas.microsoft.com/office/drawing/2014/main" id="{3B609321-F593-4E1D-B4E0-A2713579C2DD}"/>
               </a:ext>
             </a:extLst>
           </p:cNvPr>
@@ -6794,27 +15584,29 @@
         </p:nvSpPr>
         <p:spPr>
           <a:xfrm>
-            <a:off x="2976212" y="2391266"/>
-            <a:ext cx="2608082" cy="2608082"/>
+            <a:off x="10504293" y="2769078"/>
+            <a:ext cx="1366887" cy="418706"/>
           </a:xfrm>
-          <a:prstGeom prst="irregularSeal1">
-            <a:avLst/>
+          <a:prstGeom prst="wedgeRoundRectCallout">
+            <a:avLst>
+              <a:gd name="adj1" fmla="val -64971"/>
+              <a:gd name="adj2" fmla="val 33208"/>
+              <a:gd name="adj3" fmla="val 16667"/>
+            </a:avLst>
           </a:prstGeom>
         </p:spPr>
         <p:style>
           <a:lnRef idx="2">
-            <a:schemeClr val="accent1">
-              <a:shade val="50000"/>
-            </a:schemeClr>
+            <a:schemeClr val="accent1"/>
           </a:lnRef>
           <a:fillRef idx="1">
-            <a:schemeClr val="accent1"/>
+            <a:schemeClr val="lt1"/>
           </a:fillRef>
           <a:effectRef idx="0">
             <a:schemeClr val="accent1"/>
           </a:effectRef>
           <a:fontRef idx="minor">
-            <a:schemeClr val="lt1"/>
+            <a:schemeClr val="dk1"/>
           </a:fontRef>
         </p:style>
         <p:txBody>
@@ -6824,22 +15616,17 @@
             <a:pPr algn="ctr"/>
             <a:r>
               <a:rPr kumimoji="1" lang="ja-JP" altLang="en-US" sz="2400" dirty="0"/>
-              <a:t>いた</a:t>
+              <a:t>発見</a:t>
             </a:r>
-            <a:r>
-              <a:rPr kumimoji="1" lang="en-US" altLang="ja-JP" sz="2400" dirty="0"/>
-              <a:t>!!</a:t>
-            </a:r>
-            <a:endParaRPr kumimoji="1" lang="ja-JP" altLang="en-US" sz="2400" dirty="0"/>
           </a:p>
         </p:txBody>
       </p:sp>
       <p:sp>
         <p:nvSpPr>
-          <p:cNvPr id="6" name="思考の吹き出し: 雲形 5">
+          <p:cNvPr id="77" name="吹き出し: 角を丸めた四角形 76">
             <a:extLst>
               <a:ext uri="{FF2B5EF4-FFF2-40B4-BE49-F238E27FC236}">
-                <a16:creationId xmlns:a16="http://schemas.microsoft.com/office/drawing/2014/main" id="{A3EF3B2D-440B-41F1-9C9B-814CA61F3C01}"/>
+                <a16:creationId xmlns:a16="http://schemas.microsoft.com/office/drawing/2014/main" id="{90B92291-7D47-42F5-97AC-33F7C5788200}"/>
               </a:ext>
             </a:extLst>
           </p:cNvPr>
@@ -6848,27 +15635,29 @@
         </p:nvSpPr>
         <p:spPr>
           <a:xfrm>
-            <a:off x="9389096" y="2272252"/>
-            <a:ext cx="2728966" cy="1828407"/>
+            <a:off x="10741496" y="4759747"/>
+            <a:ext cx="1207248" cy="475097"/>
           </a:xfrm>
-          <a:prstGeom prst="cloudCallout">
-            <a:avLst/>
+          <a:prstGeom prst="wedgeRoundRectCallout">
+            <a:avLst>
+              <a:gd name="adj1" fmla="val -63780"/>
+              <a:gd name="adj2" fmla="val 42338"/>
+              <a:gd name="adj3" fmla="val 16667"/>
+            </a:avLst>
           </a:prstGeom>
         </p:spPr>
         <p:style>
           <a:lnRef idx="2">
-            <a:schemeClr val="accent1">
-              <a:shade val="50000"/>
-            </a:schemeClr>
+            <a:schemeClr val="accent1"/>
           </a:lnRef>
           <a:fillRef idx="1">
-            <a:schemeClr val="accent1"/>
+            <a:schemeClr val="lt1"/>
           </a:fillRef>
           <a:effectRef idx="0">
             <a:schemeClr val="accent1"/>
           </a:effectRef>
           <a:fontRef idx="minor">
-            <a:schemeClr val="lt1"/>
+            <a:schemeClr val="dk1"/>
           </a:fontRef>
         </p:style>
         <p:txBody>
@@ -6878,20 +15667,16 @@
             <a:pPr algn="ctr"/>
             <a:r>
               <a:rPr kumimoji="1" lang="ja-JP" altLang="en-US" sz="2400" dirty="0"/>
-              <a:t>いない</a:t>
+              <a:t>捕獲</a:t>
             </a:r>
-            <a:r>
-              <a:rPr kumimoji="1" lang="en-US" altLang="ja-JP" sz="2400" dirty="0"/>
-              <a:t>......</a:t>
-            </a:r>
-            <a:endParaRPr kumimoji="1" lang="ja-JP" altLang="en-US" sz="2400" dirty="0"/>
+            <a:endParaRPr kumimoji="1" lang="en-US" altLang="ja-JP" sz="2400" dirty="0"/>
           </a:p>
         </p:txBody>
       </p:sp>
     </p:spTree>
     <p:extLst>
       <p:ext uri="{BB962C8B-B14F-4D97-AF65-F5344CB8AC3E}">
-        <p14:creationId xmlns:p14="http://schemas.microsoft.com/office/powerpoint/2010/main" val="3316389220"/>
+        <p14:creationId xmlns:p14="http://schemas.microsoft.com/office/powerpoint/2010/main" val="2188323847"/>
       </p:ext>
     </p:extLst>
   </p:cSld>
@@ -6902,115 +15687,6 @@
 </file>
 
 <file path=ppt/slides/slide5.xml><?xml version="1.0" encoding="utf-8"?>
-<p:sld xmlns:a="http://schemas.openxmlformats.org/drawingml/2006/main" xmlns:r="http://schemas.openxmlformats.org/officeDocument/2006/relationships" xmlns:p="http://schemas.openxmlformats.org/presentationml/2006/main">
-  <p:cSld>
-    <p:spTree>
-      <p:nvGrpSpPr>
-        <p:cNvPr id="1" name=""/>
-        <p:cNvGrpSpPr/>
-        <p:nvPr/>
-      </p:nvGrpSpPr>
-      <p:grpSpPr>
-        <a:xfrm>
-          <a:off x="0" y="0"/>
-          <a:ext cx="0" cy="0"/>
-          <a:chOff x="0" y="0"/>
-          <a:chExt cx="0" cy="0"/>
-        </a:xfrm>
-      </p:grpSpPr>
-      <p:sp>
-        <p:nvSpPr>
-          <p:cNvPr id="2" name="タイトル 1">
-            <a:extLst>
-              <a:ext uri="{FF2B5EF4-FFF2-40B4-BE49-F238E27FC236}">
-                <a16:creationId xmlns:a16="http://schemas.microsoft.com/office/drawing/2014/main" id="{C02A50E8-A4A1-4353-A196-4EF9F2147A30}"/>
-              </a:ext>
-            </a:extLst>
-          </p:cNvPr>
-          <p:cNvSpPr>
-            <a:spLocks noGrp="1"/>
-          </p:cNvSpPr>
-          <p:nvPr>
-            <p:ph type="title"/>
-          </p:nvPr>
-        </p:nvSpPr>
-        <p:spPr/>
-        <p:txBody>
-          <a:bodyPr>
-            <a:normAutofit/>
-          </a:bodyPr>
-          <a:lstStyle/>
-          <a:p>
-            <a:r>
-              <a:rPr kumimoji="1" lang="ja-JP" altLang="en-US" sz="4800" dirty="0"/>
-              <a:t>今後について</a:t>
-            </a:r>
-          </a:p>
-        </p:txBody>
-      </p:sp>
-      <p:sp>
-        <p:nvSpPr>
-          <p:cNvPr id="3" name="コンテンツ プレースホルダー 2">
-            <a:extLst>
-              <a:ext uri="{FF2B5EF4-FFF2-40B4-BE49-F238E27FC236}">
-                <a16:creationId xmlns:a16="http://schemas.microsoft.com/office/drawing/2014/main" id="{23962144-3DD6-4EAE-942F-144033A9696F}"/>
-              </a:ext>
-            </a:extLst>
-          </p:cNvPr>
-          <p:cNvSpPr>
-            <a:spLocks noGrp="1"/>
-          </p:cNvSpPr>
-          <p:nvPr>
-            <p:ph idx="1"/>
-          </p:nvPr>
-        </p:nvSpPr>
-        <p:spPr>
-          <a:xfrm>
-            <a:off x="913795" y="2067023"/>
-            <a:ext cx="10353762" cy="3714749"/>
-          </a:xfrm>
-        </p:spPr>
-        <p:txBody>
-          <a:bodyPr>
-            <a:normAutofit/>
-          </a:bodyPr>
-          <a:lstStyle/>
-          <a:p>
-            <a:r>
-              <a:rPr kumimoji="1" lang="ja-JP" altLang="en-US" sz="2400" dirty="0"/>
-              <a:t>ウォークスルーの実装</a:t>
-            </a:r>
-            <a:endParaRPr kumimoji="1" lang="en-US" altLang="ja-JP" sz="2400" dirty="0"/>
-          </a:p>
-          <a:p>
-            <a:r>
-              <a:rPr kumimoji="1" lang="ja-JP" altLang="en-US" sz="2400" dirty="0"/>
-              <a:t>マウスクリックの３次元座標の取得</a:t>
-            </a:r>
-            <a:endParaRPr kumimoji="1" lang="en-US" altLang="ja-JP" sz="2400" dirty="0"/>
-          </a:p>
-          <a:p>
-            <a:pPr marL="36900" indent="0">
-              <a:buNone/>
-            </a:pPr>
-            <a:endParaRPr kumimoji="1" lang="ja-JP" altLang="en-US" sz="2400" dirty="0"/>
-          </a:p>
-        </p:txBody>
-      </p:sp>
-    </p:spTree>
-    <p:extLst>
-      <p:ext uri="{BB962C8B-B14F-4D97-AF65-F5344CB8AC3E}">
-        <p14:creationId xmlns:p14="http://schemas.microsoft.com/office/powerpoint/2010/main" val="2766128068"/>
-      </p:ext>
-    </p:extLst>
-  </p:cSld>
-  <p:clrMapOvr>
-    <a:masterClrMapping/>
-  </p:clrMapOvr>
-</p:sld>
-</file>
-
-<file path=ppt/slides/slide6.xml><?xml version="1.0" encoding="utf-8"?>
 <p:sld xmlns:a="http://schemas.openxmlformats.org/drawingml/2006/main" xmlns:r="http://schemas.openxmlformats.org/officeDocument/2006/relationships" xmlns:p="http://schemas.openxmlformats.org/presentationml/2006/main">
   <p:cSld>
     <p:spTree>
@@ -7078,17 +15754,31 @@
           <a:lstStyle/>
           <a:p>
             <a:r>
-              <a:rPr kumimoji="1" lang="ja-JP" altLang="en-US" dirty="0"/>
+              <a:rPr kumimoji="1" lang="ja-JP" altLang="en-US" sz="2400" dirty="0"/>
               <a:t>ウォークスルーの実装</a:t>
             </a:r>
-            <a:endParaRPr kumimoji="1" lang="en-US" altLang="ja-JP" dirty="0"/>
+            <a:endParaRPr kumimoji="1" lang="en-US" altLang="ja-JP" sz="2400" dirty="0"/>
           </a:p>
           <a:p>
             <a:r>
-              <a:rPr kumimoji="1" lang="ja-JP" altLang="en-US" dirty="0"/>
-              <a:t>衝突検出</a:t>
+              <a:rPr kumimoji="1" lang="ja-JP" altLang="en-US" sz="2400" dirty="0"/>
+              <a:t>直方体と球衝突検出</a:t>
             </a:r>
-            <a:endParaRPr kumimoji="1" lang="en-US" altLang="ja-JP" dirty="0"/>
+            <a:endParaRPr kumimoji="1" lang="en-US" altLang="ja-JP" sz="2400" dirty="0"/>
+          </a:p>
+          <a:p>
+            <a:r>
+              <a:rPr kumimoji="1" lang="ja-JP" altLang="en-US" sz="2400" dirty="0"/>
+              <a:t>球同士の衝突検出</a:t>
+            </a:r>
+            <a:endParaRPr kumimoji="1" lang="en-US" altLang="ja-JP" sz="2400" dirty="0"/>
+          </a:p>
+          <a:p>
+            <a:r>
+              <a:rPr kumimoji="1" lang="ja-JP" altLang="en-US" sz="2400" dirty="0"/>
+              <a:t>スクリーン座標→グローバル座標変換</a:t>
+            </a:r>
+            <a:endParaRPr kumimoji="1" lang="en-US" altLang="ja-JP" sz="2400" dirty="0"/>
           </a:p>
           <a:p>
             <a:endParaRPr kumimoji="1" lang="ja-JP" altLang="en-US" dirty="0"/>
@@ -7108,7 +15798,7 @@
 </p:sld>
 </file>
 
-<file path=ppt/slides/slide7.xml><?xml version="1.0" encoding="utf-8"?>
+<file path=ppt/slides/slide6.xml><?xml version="1.0" encoding="utf-8"?>
 <p:sld xmlns:a="http://schemas.openxmlformats.org/drawingml/2006/main" xmlns:r="http://schemas.openxmlformats.org/officeDocument/2006/relationships" xmlns:p="http://schemas.openxmlformats.org/presentationml/2006/main">
   <p:cSld>
     <p:spTree>
@@ -7172,29 +15862,23 @@
         </p:nvSpPr>
         <p:spPr/>
         <p:txBody>
-          <a:bodyPr/>
+          <a:bodyPr>
+            <a:normAutofit/>
+          </a:bodyPr>
           <a:lstStyle/>
           <a:p>
             <a:r>
-              <a:rPr kumimoji="1" lang="ja-JP" altLang="en-US" dirty="0"/>
+              <a:rPr kumimoji="1" lang="ja-JP" altLang="en-US" sz="2400" dirty="0"/>
               <a:t>衝突平面に平行な移動成分を残して移動させることができなかった。</a:t>
             </a:r>
-            <a:endParaRPr kumimoji="1" lang="en-US" altLang="ja-JP" dirty="0"/>
+            <a:endParaRPr kumimoji="1" lang="en-US" altLang="ja-JP" sz="2400" dirty="0"/>
           </a:p>
           <a:p>
             <a:r>
-              <a:rPr kumimoji="1" lang="ja-JP" altLang="en-US" dirty="0"/>
-              <a:t>テクスチャを実装できなかったのでプレイヤーへやさしくない</a:t>
+              <a:rPr kumimoji="1" lang="ja-JP" altLang="en-US" sz="2400" dirty="0"/>
+              <a:t>テクスチャを実装できなかったので制限時間を表示できていないため、プレイヤーへやさしくない</a:t>
             </a:r>
-            <a:r>
-              <a:rPr kumimoji="1" lang="en-US" altLang="ja-JP" dirty="0"/>
-              <a:t>GUI</a:t>
-            </a:r>
-            <a:r>
-              <a:rPr kumimoji="1" lang="ja-JP" altLang="en-US" dirty="0"/>
-              <a:t>となってしまった。</a:t>
-            </a:r>
-            <a:endParaRPr kumimoji="1" lang="en-US" altLang="ja-JP" dirty="0"/>
+            <a:endParaRPr kumimoji="1" lang="en-US" altLang="ja-JP" sz="2400" dirty="0"/>
           </a:p>
         </p:txBody>
       </p:sp>
@@ -7211,7 +15895,7 @@
 </p:sld>
 </file>
 
-<file path=ppt/slides/slide8.xml><?xml version="1.0" encoding="utf-8"?>
+<file path=ppt/slides/slide7.xml><?xml version="1.0" encoding="utf-8"?>
 <p:sld xmlns:a="http://schemas.openxmlformats.org/drawingml/2006/main" xmlns:r="http://schemas.openxmlformats.org/officeDocument/2006/relationships" xmlns:p="http://schemas.openxmlformats.org/presentationml/2006/main">
   <p:cSld>
     <p:spTree>
@@ -7275,30 +15959,32 @@
         </p:nvSpPr>
         <p:spPr/>
         <p:txBody>
-          <a:bodyPr/>
+          <a:bodyPr>
+            <a:normAutofit/>
+          </a:bodyPr>
           <a:lstStyle/>
           <a:p>
             <a:r>
-              <a:rPr kumimoji="1" lang="ja-JP" altLang="en-US" dirty="0"/>
+              <a:rPr kumimoji="1" lang="ja-JP" altLang="en-US" sz="2400" dirty="0"/>
               <a:t>衝突検出は難しかった。</a:t>
             </a:r>
-            <a:endParaRPr kumimoji="1" lang="en-US" altLang="ja-JP" dirty="0"/>
+            <a:endParaRPr kumimoji="1" lang="en-US" altLang="ja-JP" sz="2400" dirty="0"/>
           </a:p>
           <a:p>
             <a:r>
-              <a:rPr kumimoji="1" lang="en-US" altLang="ja-JP" dirty="0"/>
+              <a:rPr kumimoji="1" lang="en-US" altLang="ja-JP" sz="2400" dirty="0"/>
               <a:t>OpenGL</a:t>
             </a:r>
             <a:r>
-              <a:rPr kumimoji="1" lang="ja-JP" altLang="en-US" dirty="0"/>
+              <a:rPr kumimoji="1" lang="ja-JP" altLang="en-US" sz="2400" dirty="0"/>
               <a:t>は使いづらかった。</a:t>
             </a:r>
             <a:r>
-              <a:rPr kumimoji="1" lang="en-US" altLang="ja-JP" dirty="0"/>
+              <a:rPr kumimoji="1" lang="en-US" altLang="ja-JP" sz="2400" dirty="0"/>
               <a:t>Unity</a:t>
             </a:r>
             <a:r>
-              <a:rPr kumimoji="1" lang="ja-JP" altLang="en-US" dirty="0"/>
+              <a:rPr kumimoji="1" lang="ja-JP" altLang="en-US" sz="2400" dirty="0"/>
               <a:t>をやりたいと強く感じた。</a:t>
             </a:r>
           </a:p>
